--- a/5조_SAD1.0.pptx
+++ b/5조_SAD1.0.pptx
@@ -16,19 +16,21 @@
     <p:sldId id="277" r:id="rId10"/>
     <p:sldId id="278" r:id="rId11"/>
     <p:sldId id="279" r:id="rId12"/>
-    <p:sldId id="263" r:id="rId13"/>
-    <p:sldId id="264" r:id="rId14"/>
-    <p:sldId id="265" r:id="rId15"/>
-    <p:sldId id="266" r:id="rId16"/>
-    <p:sldId id="267" r:id="rId17"/>
-    <p:sldId id="268" r:id="rId18"/>
-    <p:sldId id="269" r:id="rId19"/>
-    <p:sldId id="270" r:id="rId20"/>
-    <p:sldId id="271" r:id="rId21"/>
-    <p:sldId id="272" r:id="rId22"/>
-    <p:sldId id="273" r:id="rId23"/>
-    <p:sldId id="274" r:id="rId24"/>
-    <p:sldId id="275" r:id="rId25"/>
+    <p:sldId id="280" r:id="rId13"/>
+    <p:sldId id="281" r:id="rId14"/>
+    <p:sldId id="263" r:id="rId15"/>
+    <p:sldId id="264" r:id="rId16"/>
+    <p:sldId id="265" r:id="rId17"/>
+    <p:sldId id="266" r:id="rId18"/>
+    <p:sldId id="267" r:id="rId19"/>
+    <p:sldId id="268" r:id="rId20"/>
+    <p:sldId id="269" r:id="rId21"/>
+    <p:sldId id="270" r:id="rId22"/>
+    <p:sldId id="271" r:id="rId23"/>
+    <p:sldId id="272" r:id="rId24"/>
+    <p:sldId id="273" r:id="rId25"/>
+    <p:sldId id="274" r:id="rId26"/>
+    <p:sldId id="275" r:id="rId27"/>
   </p:sldIdLst>
   <p:sldSz cx="12192000" cy="6858000"/>
   <p:notesSz cx="6858000" cy="9144000"/>
@@ -127,6 +129,11 @@
       </a:defRPr>
     </a:lvl9pPr>
   </p:defaultTextStyle>
+  <p:extLst>
+    <p:ext uri="{EFAFB233-063F-42B5-8137-9DF3F51BA10A}">
+      <p15:sldGuideLst xmlns:p15="http://schemas.microsoft.com/office/powerpoint/2012/main"/>
+    </p:ext>
+  </p:extLst>
 </p:presentation>
 </file>
 
@@ -277,7 +284,7 @@
           <a:p>
             <a:fld id="{44969FED-DD4D-4738-A8D7-587CDFD04C06}" type="datetimeFigureOut">
               <a:rPr lang="ko-KR" altLang="en-US" smtClean="0"/>
-              <a:t>2019-11-12</a:t>
+              <a:t>2019-11-13</a:t>
             </a:fld>
             <a:endParaRPr lang="ko-KR" altLang="en-US"/>
           </a:p>
@@ -475,7 +482,7 @@
           <a:p>
             <a:fld id="{44969FED-DD4D-4738-A8D7-587CDFD04C06}" type="datetimeFigureOut">
               <a:rPr lang="ko-KR" altLang="en-US" smtClean="0"/>
-              <a:t>2019-11-12</a:t>
+              <a:t>2019-11-13</a:t>
             </a:fld>
             <a:endParaRPr lang="ko-KR" altLang="en-US"/>
           </a:p>
@@ -683,7 +690,7 @@
           <a:p>
             <a:fld id="{44969FED-DD4D-4738-A8D7-587CDFD04C06}" type="datetimeFigureOut">
               <a:rPr lang="ko-KR" altLang="en-US" smtClean="0"/>
-              <a:t>2019-11-12</a:t>
+              <a:t>2019-11-13</a:t>
             </a:fld>
             <a:endParaRPr lang="ko-KR" altLang="en-US"/>
           </a:p>
@@ -881,7 +888,7 @@
           <a:p>
             <a:fld id="{44969FED-DD4D-4738-A8D7-587CDFD04C06}" type="datetimeFigureOut">
               <a:rPr lang="ko-KR" altLang="en-US" smtClean="0"/>
-              <a:t>2019-11-12</a:t>
+              <a:t>2019-11-13</a:t>
             </a:fld>
             <a:endParaRPr lang="ko-KR" altLang="en-US"/>
           </a:p>
@@ -1156,7 +1163,7 @@
           <a:p>
             <a:fld id="{44969FED-DD4D-4738-A8D7-587CDFD04C06}" type="datetimeFigureOut">
               <a:rPr lang="ko-KR" altLang="en-US" smtClean="0"/>
-              <a:t>2019-11-12</a:t>
+              <a:t>2019-11-13</a:t>
             </a:fld>
             <a:endParaRPr lang="ko-KR" altLang="en-US"/>
           </a:p>
@@ -1421,7 +1428,7 @@
           <a:p>
             <a:fld id="{44969FED-DD4D-4738-A8D7-587CDFD04C06}" type="datetimeFigureOut">
               <a:rPr lang="ko-KR" altLang="en-US" smtClean="0"/>
-              <a:t>2019-11-12</a:t>
+              <a:t>2019-11-13</a:t>
             </a:fld>
             <a:endParaRPr lang="ko-KR" altLang="en-US"/>
           </a:p>
@@ -1833,7 +1840,7 @@
           <a:p>
             <a:fld id="{44969FED-DD4D-4738-A8D7-587CDFD04C06}" type="datetimeFigureOut">
               <a:rPr lang="ko-KR" altLang="en-US" smtClean="0"/>
-              <a:t>2019-11-12</a:t>
+              <a:t>2019-11-13</a:t>
             </a:fld>
             <a:endParaRPr lang="ko-KR" altLang="en-US"/>
           </a:p>
@@ -1974,7 +1981,7 @@
           <a:p>
             <a:fld id="{44969FED-DD4D-4738-A8D7-587CDFD04C06}" type="datetimeFigureOut">
               <a:rPr lang="ko-KR" altLang="en-US" smtClean="0"/>
-              <a:t>2019-11-12</a:t>
+              <a:t>2019-11-13</a:t>
             </a:fld>
             <a:endParaRPr lang="ko-KR" altLang="en-US"/>
           </a:p>
@@ -2087,7 +2094,7 @@
           <a:p>
             <a:fld id="{44969FED-DD4D-4738-A8D7-587CDFD04C06}" type="datetimeFigureOut">
               <a:rPr lang="ko-KR" altLang="en-US" smtClean="0"/>
-              <a:t>2019-11-12</a:t>
+              <a:t>2019-11-13</a:t>
             </a:fld>
             <a:endParaRPr lang="ko-KR" altLang="en-US"/>
           </a:p>
@@ -2398,7 +2405,7 @@
           <a:p>
             <a:fld id="{44969FED-DD4D-4738-A8D7-587CDFD04C06}" type="datetimeFigureOut">
               <a:rPr lang="ko-KR" altLang="en-US" smtClean="0"/>
-              <a:t>2019-11-12</a:t>
+              <a:t>2019-11-13</a:t>
             </a:fld>
             <a:endParaRPr lang="ko-KR" altLang="en-US"/>
           </a:p>
@@ -2686,7 +2693,7 @@
           <a:p>
             <a:fld id="{44969FED-DD4D-4738-A8D7-587CDFD04C06}" type="datetimeFigureOut">
               <a:rPr lang="ko-KR" altLang="en-US" smtClean="0"/>
-              <a:t>2019-11-12</a:t>
+              <a:t>2019-11-13</a:t>
             </a:fld>
             <a:endParaRPr lang="ko-KR" altLang="en-US"/>
           </a:p>
@@ -2927,7 +2934,7 @@
           <a:p>
             <a:fld id="{44969FED-DD4D-4738-A8D7-587CDFD04C06}" type="datetimeFigureOut">
               <a:rPr lang="ko-KR" altLang="en-US" smtClean="0"/>
-              <a:t>2019-11-12</a:t>
+              <a:t>2019-11-13</a:t>
             </a:fld>
             <a:endParaRPr lang="ko-KR" altLang="en-US"/>
           </a:p>
@@ -3358,7 +3365,7 @@
         </p:nvSpPr>
         <p:spPr>
           <a:xfrm>
-            <a:off x="2935941" y="1120676"/>
+            <a:off x="2777679" y="1700968"/>
             <a:ext cx="6320118" cy="2308324"/>
           </a:xfrm>
           <a:prstGeom prst="rect">
@@ -3571,7 +3578,9 @@
           </a:xfrm>
         </p:spPr>
         <p:txBody>
-          <a:bodyPr/>
+          <a:bodyPr>
+            <a:normAutofit/>
+          </a:bodyPr>
           <a:lstStyle/>
           <a:p>
             <a:pPr algn="ctr"/>
@@ -3579,6 +3588,9 @@
               <a:rPr lang="en-US" altLang="ko-KR" dirty="0"/>
               <a:t>Table Design</a:t>
             </a:r>
+            <a:br>
+              <a:rPr lang="en-US" altLang="ko-KR" dirty="0"/>
+            </a:br>
             <a:endParaRPr lang="ko-KR" altLang="en-US" dirty="0"/>
           </a:p>
         </p:txBody>
@@ -3613,40 +3625,335 @@
           <a:chExt cx="0" cy="0"/>
         </a:xfrm>
       </p:grpSpPr>
-      <p:sp>
-        <p:nvSpPr>
-          <p:cNvPr id="2" name="제목 1">
-            <a:extLst>
-              <a:ext uri="{FF2B5EF4-FFF2-40B4-BE49-F238E27FC236}">
-                <a16:creationId xmlns:a16="http://schemas.microsoft.com/office/drawing/2014/main" id="{4CBAD76B-2256-4C16-80E1-DDAEC3646399}"/>
-              </a:ext>
-            </a:extLst>
-          </p:cNvPr>
-          <p:cNvSpPr>
-            <a:spLocks noGrp="1"/>
-          </p:cNvSpPr>
-          <p:nvPr>
-            <p:ph type="title"/>
-          </p:nvPr>
-        </p:nvSpPr>
-        <p:spPr>
-          <a:xfrm>
-            <a:off x="838200" y="2378483"/>
-            <a:ext cx="10515600" cy="1325563"/>
-          </a:xfrm>
-        </p:spPr>
-        <p:txBody>
-          <a:bodyPr/>
-          <a:lstStyle/>
-          <a:p>
-            <a:pPr algn="ctr"/>
-            <a:r>
-              <a:rPr lang="ko-KR" altLang="en-US" dirty="0"/>
-              <a:t>확정되면 추가</a:t>
-            </a:r>
-          </a:p>
-        </p:txBody>
-      </p:sp>
+      <p:pic>
+        <p:nvPicPr>
+          <p:cNvPr id="16" name="그림 15">
+            <a:extLst>
+              <a:ext uri="{FF2B5EF4-FFF2-40B4-BE49-F238E27FC236}">
+                <a16:creationId xmlns:a16="http://schemas.microsoft.com/office/drawing/2014/main" id="{711249F5-A484-40C9-B800-9BD9792F83BC}"/>
+              </a:ext>
+            </a:extLst>
+          </p:cNvPr>
+          <p:cNvPicPr>
+            <a:picLocks noChangeAspect="1"/>
+          </p:cNvPicPr>
+          <p:nvPr/>
+        </p:nvPicPr>
+        <p:blipFill>
+          <a:blip r:embed="rId2">
+            <a:extLst>
+              <a:ext uri="{28A0092B-C50C-407E-A947-70E740481C1C}">
+                <a14:useLocalDpi xmlns:a14="http://schemas.microsoft.com/office/drawing/2010/main" val="0"/>
+              </a:ext>
+            </a:extLst>
+          </a:blip>
+          <a:stretch>
+            <a:fillRect/>
+          </a:stretch>
+        </p:blipFill>
+        <p:spPr>
+          <a:xfrm>
+            <a:off x="4513277" y="364921"/>
+            <a:ext cx="4329158" cy="5050164"/>
+          </a:xfrm>
+          <a:prstGeom prst="rect">
+            <a:avLst/>
+          </a:prstGeom>
+        </p:spPr>
+      </p:pic>
+      <p:pic>
+        <p:nvPicPr>
+          <p:cNvPr id="18" name="그림 17">
+            <a:extLst>
+              <a:ext uri="{FF2B5EF4-FFF2-40B4-BE49-F238E27FC236}">
+                <a16:creationId xmlns:a16="http://schemas.microsoft.com/office/drawing/2014/main" id="{A7DE3629-360B-4963-B99A-98BE42199314}"/>
+              </a:ext>
+            </a:extLst>
+          </p:cNvPr>
+          <p:cNvPicPr>
+            <a:picLocks noChangeAspect="1"/>
+          </p:cNvPicPr>
+          <p:nvPr/>
+        </p:nvPicPr>
+        <p:blipFill>
+          <a:blip r:embed="rId3">
+            <a:extLst>
+              <a:ext uri="{28A0092B-C50C-407E-A947-70E740481C1C}">
+                <a14:useLocalDpi xmlns:a14="http://schemas.microsoft.com/office/drawing/2010/main" val="0"/>
+              </a:ext>
+            </a:extLst>
+          </a:blip>
+          <a:stretch>
+            <a:fillRect/>
+          </a:stretch>
+        </p:blipFill>
+        <p:spPr>
+          <a:xfrm>
+            <a:off x="9277723" y="1318149"/>
+            <a:ext cx="2562583" cy="2924583"/>
+          </a:xfrm>
+          <a:prstGeom prst="rect">
+            <a:avLst/>
+          </a:prstGeom>
+        </p:spPr>
+      </p:pic>
+      <p:sp>
+        <p:nvSpPr>
+          <p:cNvPr id="19" name="모서리가 둥근 사각형 설명선[R] 10">
+            <a:extLst>
+              <a:ext uri="{FF2B5EF4-FFF2-40B4-BE49-F238E27FC236}">
+                <a16:creationId xmlns:a16="http://schemas.microsoft.com/office/drawing/2014/main" id="{2A32FD21-0444-4596-A2DA-1DA4CE3CB3E2}"/>
+              </a:ext>
+            </a:extLst>
+          </p:cNvPr>
+          <p:cNvSpPr/>
+          <p:nvPr/>
+        </p:nvSpPr>
+        <p:spPr>
+          <a:xfrm>
+            <a:off x="14072" y="5639985"/>
+            <a:ext cx="4099801" cy="853094"/>
+          </a:xfrm>
+          <a:prstGeom prst="wedgeRoundRectCallout">
+            <a:avLst>
+              <a:gd name="adj1" fmla="val 577"/>
+              <a:gd name="adj2" fmla="val -59817"/>
+              <a:gd name="adj3" fmla="val 16667"/>
+            </a:avLst>
+          </a:prstGeom>
+        </p:spPr>
+        <p:style>
+          <a:lnRef idx="0">
+            <a:schemeClr val="dk1"/>
+          </a:lnRef>
+          <a:fillRef idx="3">
+            <a:schemeClr val="dk1"/>
+          </a:fillRef>
+          <a:effectRef idx="3">
+            <a:schemeClr val="dk1"/>
+          </a:effectRef>
+          <a:fontRef idx="minor">
+            <a:schemeClr val="lt1"/>
+          </a:fontRef>
+        </p:style>
+        <p:txBody>
+          <a:bodyPr rtlCol="0" anchor="ctr"/>
+          <a:lstStyle/>
+          <a:p>
+            <a:pPr algn="ctr">
+              <a:lnSpc>
+                <a:spcPct val="150000"/>
+              </a:lnSpc>
+            </a:pPr>
+            <a:r>
+              <a:rPr kumimoji="1" lang="en-US" altLang="ko-KR" sz="1600" dirty="0"/>
+              <a:t>Brand </a:t>
+            </a:r>
+            <a:r>
+              <a:rPr kumimoji="1" lang="ko-KR" altLang="en-US" sz="1600" dirty="0"/>
+              <a:t>테이블</a:t>
+            </a:r>
+            <a:r>
+              <a:rPr kumimoji="1" lang="en-US" altLang="ko-KR" sz="1600" dirty="0"/>
+              <a:t>- </a:t>
+            </a:r>
+            <a:r>
+              <a:rPr kumimoji="1" lang="ko-KR" altLang="en-US" sz="1600" dirty="0"/>
+              <a:t>물건을 구입할 수 있는 브랜드에 대한 정보</a:t>
+            </a:r>
+          </a:p>
+        </p:txBody>
+      </p:sp>
+      <p:sp>
+        <p:nvSpPr>
+          <p:cNvPr id="20" name="모서리가 둥근 사각형 설명선[R] 10">
+            <a:extLst>
+              <a:ext uri="{FF2B5EF4-FFF2-40B4-BE49-F238E27FC236}">
+                <a16:creationId xmlns:a16="http://schemas.microsoft.com/office/drawing/2014/main" id="{37B139CE-6AB0-4EAE-A325-FC70C7BC5CCE}"/>
+              </a:ext>
+            </a:extLst>
+          </p:cNvPr>
+          <p:cNvSpPr/>
+          <p:nvPr/>
+        </p:nvSpPr>
+        <p:spPr>
+          <a:xfrm>
+            <a:off x="4164162" y="5707393"/>
+            <a:ext cx="4940674" cy="785686"/>
+          </a:xfrm>
+          <a:prstGeom prst="wedgeRoundRectCallout">
+            <a:avLst>
+              <a:gd name="adj1" fmla="val 577"/>
+              <a:gd name="adj2" fmla="val -59817"/>
+              <a:gd name="adj3" fmla="val 16667"/>
+            </a:avLst>
+          </a:prstGeom>
+        </p:spPr>
+        <p:style>
+          <a:lnRef idx="0">
+            <a:schemeClr val="dk1"/>
+          </a:lnRef>
+          <a:fillRef idx="3">
+            <a:schemeClr val="dk1"/>
+          </a:fillRef>
+          <a:effectRef idx="3">
+            <a:schemeClr val="dk1"/>
+          </a:effectRef>
+          <a:fontRef idx="minor">
+            <a:schemeClr val="lt1"/>
+          </a:fontRef>
+        </p:style>
+        <p:txBody>
+          <a:bodyPr rtlCol="0" anchor="ctr"/>
+          <a:lstStyle/>
+          <a:p>
+            <a:pPr algn="ctr">
+              <a:lnSpc>
+                <a:spcPct val="150000"/>
+              </a:lnSpc>
+            </a:pPr>
+            <a:r>
+              <a:rPr kumimoji="1" lang="en-US" altLang="ko-KR" sz="1600" dirty="0" err="1"/>
+              <a:t>Food_Escalator_Elevator</a:t>
+            </a:r>
+            <a:r>
+              <a:rPr kumimoji="1" lang="en-US" altLang="ko-KR" sz="1600" dirty="0"/>
+              <a:t> </a:t>
+            </a:r>
+            <a:r>
+              <a:rPr kumimoji="1" lang="ko-KR" altLang="en-US" sz="1600" dirty="0"/>
+              <a:t>테이블</a:t>
+            </a:r>
+            <a:r>
+              <a:rPr kumimoji="1" lang="en-US" altLang="ko-KR" sz="1600" dirty="0"/>
+              <a:t>- </a:t>
+            </a:r>
+            <a:r>
+              <a:rPr kumimoji="1" lang="ko-KR" altLang="en-US" sz="1600" dirty="0"/>
+              <a:t>쇼핑 중 방문가능한 식당</a:t>
+            </a:r>
+            <a:r>
+              <a:rPr kumimoji="1" lang="en-US" altLang="ko-KR" sz="1600" dirty="0"/>
+              <a:t>/ </a:t>
+            </a:r>
+            <a:r>
+              <a:rPr kumimoji="1" lang="ko-KR" altLang="en-US" sz="1600" dirty="0"/>
+              <a:t>카페 및 에스컬레이터</a:t>
+            </a:r>
+            <a:r>
+              <a:rPr kumimoji="1" lang="en-US" altLang="ko-KR" sz="1600" dirty="0"/>
+              <a:t>/</a:t>
+            </a:r>
+            <a:r>
+              <a:rPr kumimoji="1" lang="ko-KR" altLang="en-US" sz="1600" dirty="0"/>
+              <a:t>엘리베이터 정보</a:t>
+            </a:r>
+          </a:p>
+        </p:txBody>
+      </p:sp>
+      <p:sp>
+        <p:nvSpPr>
+          <p:cNvPr id="21" name="모서리가 둥근 사각형 설명선[R] 10">
+            <a:extLst>
+              <a:ext uri="{FF2B5EF4-FFF2-40B4-BE49-F238E27FC236}">
+                <a16:creationId xmlns:a16="http://schemas.microsoft.com/office/drawing/2014/main" id="{AF5F442B-26A1-477C-A989-6DD38F836E3C}"/>
+              </a:ext>
+            </a:extLst>
+          </p:cNvPr>
+          <p:cNvSpPr/>
+          <p:nvPr/>
+        </p:nvSpPr>
+        <p:spPr>
+          <a:xfrm>
+            <a:off x="8923324" y="4680527"/>
+            <a:ext cx="3254604" cy="1042165"/>
+          </a:xfrm>
+          <a:prstGeom prst="wedgeRoundRectCallout">
+            <a:avLst>
+              <a:gd name="adj1" fmla="val 577"/>
+              <a:gd name="adj2" fmla="val -59817"/>
+              <a:gd name="adj3" fmla="val 16667"/>
+            </a:avLst>
+          </a:prstGeom>
+        </p:spPr>
+        <p:style>
+          <a:lnRef idx="0">
+            <a:schemeClr val="dk1"/>
+          </a:lnRef>
+          <a:fillRef idx="3">
+            <a:schemeClr val="dk1"/>
+          </a:fillRef>
+          <a:effectRef idx="3">
+            <a:schemeClr val="dk1"/>
+          </a:effectRef>
+          <a:fontRef idx="minor">
+            <a:schemeClr val="lt1"/>
+          </a:fontRef>
+        </p:style>
+        <p:txBody>
+          <a:bodyPr rtlCol="0" anchor="ctr"/>
+          <a:lstStyle/>
+          <a:p>
+            <a:pPr algn="ctr">
+              <a:lnSpc>
+                <a:spcPct val="150000"/>
+              </a:lnSpc>
+            </a:pPr>
+            <a:r>
+              <a:rPr kumimoji="1" lang="en-US" altLang="ko-KR" sz="1600" dirty="0"/>
+              <a:t>Category</a:t>
+            </a:r>
+            <a:r>
+              <a:rPr kumimoji="1" lang="ko-KR" altLang="en-US" sz="1600" dirty="0"/>
+              <a:t> 테이블</a:t>
+            </a:r>
+            <a:r>
+              <a:rPr kumimoji="1" lang="en-US" altLang="ko-KR" sz="1600" dirty="0"/>
+              <a:t>- </a:t>
+            </a:r>
+            <a:r>
+              <a:rPr kumimoji="1" lang="ko-KR" altLang="en-US" sz="1600" dirty="0"/>
+              <a:t>아울렛에 존재하는 모든 장소를 카테고리화</a:t>
+            </a:r>
+          </a:p>
+        </p:txBody>
+      </p:sp>
+      <p:pic>
+        <p:nvPicPr>
+          <p:cNvPr id="23" name="그림 22">
+            <a:extLst>
+              <a:ext uri="{FF2B5EF4-FFF2-40B4-BE49-F238E27FC236}">
+                <a16:creationId xmlns:a16="http://schemas.microsoft.com/office/drawing/2014/main" id="{23F98025-B7EB-4227-B3AE-09F4E3F615FA}"/>
+              </a:ext>
+            </a:extLst>
+          </p:cNvPr>
+          <p:cNvPicPr>
+            <a:picLocks noChangeAspect="1"/>
+          </p:cNvPicPr>
+          <p:nvPr/>
+        </p:nvPicPr>
+        <p:blipFill>
+          <a:blip r:embed="rId4">
+            <a:extLst>
+              <a:ext uri="{28A0092B-C50C-407E-A947-70E740481C1C}">
+                <a14:useLocalDpi xmlns:a14="http://schemas.microsoft.com/office/drawing/2010/main" val="0"/>
+              </a:ext>
+            </a:extLst>
+          </a:blip>
+          <a:stretch>
+            <a:fillRect/>
+          </a:stretch>
+        </p:blipFill>
+        <p:spPr>
+          <a:xfrm>
+            <a:off x="144368" y="364921"/>
+            <a:ext cx="3933621" cy="5098432"/>
+          </a:xfrm>
+          <a:prstGeom prst="rect">
+            <a:avLst/>
+          </a:prstGeom>
+        </p:spPr>
+      </p:pic>
     </p:spTree>
     <p:extLst>
       <p:ext uri="{BB962C8B-B14F-4D97-AF65-F5344CB8AC3E}">
@@ -3679,38 +3986,957 @@
       </p:grpSpPr>
       <p:sp>
         <p:nvSpPr>
-          <p:cNvPr id="2" name="제목 1">
-            <a:extLst>
-              <a:ext uri="{FF2B5EF4-FFF2-40B4-BE49-F238E27FC236}">
-                <a16:creationId xmlns:a16="http://schemas.microsoft.com/office/drawing/2014/main" id="{4CBAD76B-2256-4C16-80E1-DDAEC3646399}"/>
-              </a:ext>
-            </a:extLst>
-          </p:cNvPr>
-          <p:cNvSpPr>
-            <a:spLocks noGrp="1"/>
-          </p:cNvSpPr>
-          <p:nvPr>
-            <p:ph type="title"/>
-          </p:nvPr>
-        </p:nvSpPr>
-        <p:spPr>
-          <a:xfrm>
-            <a:off x="838200" y="2378483"/>
-            <a:ext cx="10515600" cy="1325563"/>
-          </a:xfrm>
-        </p:spPr>
-        <p:txBody>
-          <a:bodyPr/>
+          <p:cNvPr id="19" name="모서리가 둥근 사각형 설명선[R] 10">
+            <a:extLst>
+              <a:ext uri="{FF2B5EF4-FFF2-40B4-BE49-F238E27FC236}">
+                <a16:creationId xmlns:a16="http://schemas.microsoft.com/office/drawing/2014/main" id="{2A32FD21-0444-4596-A2DA-1DA4CE3CB3E2}"/>
+              </a:ext>
+            </a:extLst>
+          </p:cNvPr>
+          <p:cNvSpPr/>
+          <p:nvPr/>
+        </p:nvSpPr>
+        <p:spPr>
+          <a:xfrm>
+            <a:off x="0" y="2110146"/>
+            <a:ext cx="3674098" cy="620883"/>
+          </a:xfrm>
+          <a:prstGeom prst="wedgeRoundRectCallout">
+            <a:avLst>
+              <a:gd name="adj1" fmla="val 577"/>
+              <a:gd name="adj2" fmla="val -59817"/>
+              <a:gd name="adj3" fmla="val 16667"/>
+            </a:avLst>
+          </a:prstGeom>
+        </p:spPr>
+        <p:style>
+          <a:lnRef idx="0">
+            <a:schemeClr val="dk1"/>
+          </a:lnRef>
+          <a:fillRef idx="3">
+            <a:schemeClr val="dk1"/>
+          </a:fillRef>
+          <a:effectRef idx="3">
+            <a:schemeClr val="dk1"/>
+          </a:effectRef>
+          <a:fontRef idx="minor">
+            <a:schemeClr val="lt1"/>
+          </a:fontRef>
+        </p:style>
+        <p:txBody>
+          <a:bodyPr rtlCol="0" anchor="ctr"/>
+          <a:lstStyle/>
+          <a:p>
+            <a:pPr algn="ctr">
+              <a:lnSpc>
+                <a:spcPct val="150000"/>
+              </a:lnSpc>
+            </a:pPr>
+            <a:r>
+              <a:rPr kumimoji="1" lang="en-US" altLang="ko-KR" sz="1600" dirty="0" err="1"/>
+              <a:t>ShoppingMall</a:t>
+            </a:r>
+            <a:r>
+              <a:rPr kumimoji="1" lang="en-US" altLang="ko-KR" sz="1600" dirty="0"/>
+              <a:t> </a:t>
+            </a:r>
+            <a:r>
+              <a:rPr kumimoji="1" lang="ko-KR" altLang="en-US" sz="1600" dirty="0"/>
+              <a:t>테이블</a:t>
+            </a:r>
+            <a:r>
+              <a:rPr kumimoji="1" lang="en-US" altLang="ko-KR" sz="1600" dirty="0"/>
+              <a:t>- </a:t>
+            </a:r>
+            <a:r>
+              <a:rPr kumimoji="1" lang="ko-KR" altLang="en-US" sz="1600" dirty="0"/>
+              <a:t>서비스를 제공하는 아울렛 정보 포함</a:t>
+            </a:r>
+          </a:p>
+        </p:txBody>
+      </p:sp>
+      <p:sp>
+        <p:nvSpPr>
+          <p:cNvPr id="20" name="모서리가 둥근 사각형 설명선[R] 10">
+            <a:extLst>
+              <a:ext uri="{FF2B5EF4-FFF2-40B4-BE49-F238E27FC236}">
+                <a16:creationId xmlns:a16="http://schemas.microsoft.com/office/drawing/2014/main" id="{37B139CE-6AB0-4EAE-A325-FC70C7BC5CCE}"/>
+              </a:ext>
+            </a:extLst>
+          </p:cNvPr>
+          <p:cNvSpPr/>
+          <p:nvPr/>
+        </p:nvSpPr>
+        <p:spPr>
+          <a:xfrm>
+            <a:off x="3744484" y="2008325"/>
+            <a:ext cx="4940674" cy="785686"/>
+          </a:xfrm>
+          <a:prstGeom prst="wedgeRoundRectCallout">
+            <a:avLst>
+              <a:gd name="adj1" fmla="val 577"/>
+              <a:gd name="adj2" fmla="val -59817"/>
+              <a:gd name="adj3" fmla="val 16667"/>
+            </a:avLst>
+          </a:prstGeom>
+        </p:spPr>
+        <p:style>
+          <a:lnRef idx="0">
+            <a:schemeClr val="dk1"/>
+          </a:lnRef>
+          <a:fillRef idx="3">
+            <a:schemeClr val="dk1"/>
+          </a:fillRef>
+          <a:effectRef idx="3">
+            <a:schemeClr val="dk1"/>
+          </a:effectRef>
+          <a:fontRef idx="minor">
+            <a:schemeClr val="lt1"/>
+          </a:fontRef>
+        </p:style>
+        <p:txBody>
+          <a:bodyPr rtlCol="0" anchor="ctr"/>
+          <a:lstStyle/>
+          <a:p>
+            <a:pPr algn="ctr">
+              <a:lnSpc>
+                <a:spcPct val="150000"/>
+              </a:lnSpc>
+            </a:pPr>
+            <a:r>
+              <a:rPr kumimoji="1" lang="en-US" altLang="ko-KR" sz="1600" dirty="0"/>
+              <a:t>User </a:t>
+            </a:r>
+            <a:r>
+              <a:rPr kumimoji="1" lang="ko-KR" altLang="en-US" sz="1600" dirty="0"/>
+              <a:t>테이블</a:t>
+            </a:r>
+            <a:r>
+              <a:rPr kumimoji="1" lang="en-US" altLang="ko-KR" sz="1600" dirty="0"/>
+              <a:t>- </a:t>
+            </a:r>
+            <a:r>
+              <a:rPr kumimoji="1" lang="ko-KR" altLang="en-US" sz="1600" dirty="0"/>
+              <a:t>사용자</a:t>
+            </a:r>
+            <a:r>
+              <a:rPr kumimoji="1" lang="en-US" altLang="ko-KR" sz="1600" dirty="0"/>
+              <a:t>(</a:t>
+            </a:r>
+            <a:r>
+              <a:rPr kumimoji="1" lang="ko-KR" altLang="en-US" sz="1600" dirty="0" err="1"/>
+              <a:t>아울렛방문자</a:t>
+            </a:r>
+            <a:r>
+              <a:rPr kumimoji="1" lang="en-US" altLang="ko-KR" sz="1600" dirty="0"/>
+              <a:t>)</a:t>
+            </a:r>
+            <a:r>
+              <a:rPr kumimoji="1" lang="ko-KR" altLang="en-US" sz="1600" dirty="0"/>
+              <a:t>의 기본정보 포함</a:t>
+            </a:r>
+          </a:p>
+        </p:txBody>
+      </p:sp>
+      <p:sp>
+        <p:nvSpPr>
+          <p:cNvPr id="21" name="모서리가 둥근 사각형 설명선[R] 10">
+            <a:extLst>
+              <a:ext uri="{FF2B5EF4-FFF2-40B4-BE49-F238E27FC236}">
+                <a16:creationId xmlns:a16="http://schemas.microsoft.com/office/drawing/2014/main" id="{AF5F442B-26A1-477C-A989-6DD38F836E3C}"/>
+              </a:ext>
+            </a:extLst>
+          </p:cNvPr>
+          <p:cNvSpPr/>
+          <p:nvPr/>
+        </p:nvSpPr>
+        <p:spPr>
+          <a:xfrm>
+            <a:off x="8755544" y="1899504"/>
+            <a:ext cx="3254604" cy="1042165"/>
+          </a:xfrm>
+          <a:prstGeom prst="wedgeRoundRectCallout">
+            <a:avLst>
+              <a:gd name="adj1" fmla="val 577"/>
+              <a:gd name="adj2" fmla="val -59817"/>
+              <a:gd name="adj3" fmla="val 16667"/>
+            </a:avLst>
+          </a:prstGeom>
+        </p:spPr>
+        <p:style>
+          <a:lnRef idx="0">
+            <a:schemeClr val="dk1"/>
+          </a:lnRef>
+          <a:fillRef idx="3">
+            <a:schemeClr val="dk1"/>
+          </a:fillRef>
+          <a:effectRef idx="3">
+            <a:schemeClr val="dk1"/>
+          </a:effectRef>
+          <a:fontRef idx="minor">
+            <a:schemeClr val="lt1"/>
+          </a:fontRef>
+        </p:style>
+        <p:txBody>
+          <a:bodyPr rtlCol="0" anchor="ctr"/>
+          <a:lstStyle/>
+          <a:p>
+            <a:pPr algn="ctr">
+              <a:lnSpc>
+                <a:spcPct val="150000"/>
+              </a:lnSpc>
+            </a:pPr>
+            <a:r>
+              <a:rPr kumimoji="1" lang="en-US" altLang="ko-KR" sz="1600" dirty="0" err="1"/>
+              <a:t>RecommendedPath</a:t>
+            </a:r>
+            <a:r>
+              <a:rPr kumimoji="1" lang="ko-KR" altLang="en-US" sz="1600" dirty="0"/>
+              <a:t> 테이블</a:t>
+            </a:r>
+            <a:r>
+              <a:rPr kumimoji="1" lang="en-US" altLang="ko-KR" sz="1600" dirty="0"/>
+              <a:t>- </a:t>
+            </a:r>
+            <a:r>
+              <a:rPr kumimoji="1" lang="ko-KR" altLang="en-US" sz="1600" dirty="0"/>
+              <a:t>추천된 동선에 관한 정보 포함</a:t>
+            </a:r>
+          </a:p>
+        </p:txBody>
+      </p:sp>
+      <p:pic>
+        <p:nvPicPr>
+          <p:cNvPr id="3" name="그림 2">
+            <a:extLst>
+              <a:ext uri="{FF2B5EF4-FFF2-40B4-BE49-F238E27FC236}">
+                <a16:creationId xmlns:a16="http://schemas.microsoft.com/office/drawing/2014/main" id="{65E4AF6F-8943-4AFC-A549-91C4A9C1817F}"/>
+              </a:ext>
+            </a:extLst>
+          </p:cNvPr>
+          <p:cNvPicPr>
+            <a:picLocks noChangeAspect="1"/>
+          </p:cNvPicPr>
+          <p:nvPr/>
+        </p:nvPicPr>
+        <p:blipFill>
+          <a:blip r:embed="rId2">
+            <a:extLst>
+              <a:ext uri="{28A0092B-C50C-407E-A947-70E740481C1C}">
+                <a14:useLocalDpi xmlns:a14="http://schemas.microsoft.com/office/drawing/2010/main" val="0"/>
+              </a:ext>
+            </a:extLst>
+          </a:blip>
+          <a:stretch>
+            <a:fillRect/>
+          </a:stretch>
+        </p:blipFill>
+        <p:spPr>
+          <a:xfrm>
+            <a:off x="393779" y="1136318"/>
+            <a:ext cx="2210108" cy="523948"/>
+          </a:xfrm>
+          <a:prstGeom prst="rect">
+            <a:avLst/>
+          </a:prstGeom>
+        </p:spPr>
+      </p:pic>
+      <p:pic>
+        <p:nvPicPr>
+          <p:cNvPr id="5" name="그림 4">
+            <a:extLst>
+              <a:ext uri="{FF2B5EF4-FFF2-40B4-BE49-F238E27FC236}">
+                <a16:creationId xmlns:a16="http://schemas.microsoft.com/office/drawing/2014/main" id="{EA9D6E70-8C13-435C-BF63-4A841086038A}"/>
+              </a:ext>
+            </a:extLst>
+          </p:cNvPr>
+          <p:cNvPicPr>
+            <a:picLocks noChangeAspect="1"/>
+          </p:cNvPicPr>
+          <p:nvPr/>
+        </p:nvPicPr>
+        <p:blipFill>
+          <a:blip r:embed="rId3">
+            <a:extLst>
+              <a:ext uri="{28A0092B-C50C-407E-A947-70E740481C1C}">
+                <a14:useLocalDpi xmlns:a14="http://schemas.microsoft.com/office/drawing/2010/main" val="0"/>
+              </a:ext>
+            </a:extLst>
+          </a:blip>
+          <a:stretch>
+            <a:fillRect/>
+          </a:stretch>
+        </p:blipFill>
+        <p:spPr>
+          <a:xfrm>
+            <a:off x="3292345" y="1301179"/>
+            <a:ext cx="4620270" cy="228632"/>
+          </a:xfrm>
+          <a:prstGeom prst="rect">
+            <a:avLst/>
+          </a:prstGeom>
+        </p:spPr>
+      </p:pic>
+      <p:sp>
+        <p:nvSpPr>
+          <p:cNvPr id="8" name="직사각형 7">
+            <a:extLst>
+              <a:ext uri="{FF2B5EF4-FFF2-40B4-BE49-F238E27FC236}">
+                <a16:creationId xmlns:a16="http://schemas.microsoft.com/office/drawing/2014/main" id="{25B79369-7C46-4FC1-8923-145014B23DD2}"/>
+              </a:ext>
+            </a:extLst>
+          </p:cNvPr>
+          <p:cNvSpPr/>
+          <p:nvPr/>
+        </p:nvSpPr>
+        <p:spPr>
+          <a:xfrm>
+            <a:off x="251670" y="1136317"/>
+            <a:ext cx="2352217" cy="558357"/>
+          </a:xfrm>
+          <a:prstGeom prst="rect">
+            <a:avLst/>
+          </a:prstGeom>
+          <a:noFill/>
+        </p:spPr>
+        <p:style>
+          <a:lnRef idx="2">
+            <a:schemeClr val="accent1">
+              <a:shade val="50000"/>
+            </a:schemeClr>
+          </a:lnRef>
+          <a:fillRef idx="1">
+            <a:schemeClr val="accent1"/>
+          </a:fillRef>
+          <a:effectRef idx="0">
+            <a:schemeClr val="accent1"/>
+          </a:effectRef>
+          <a:fontRef idx="minor">
+            <a:schemeClr val="lt1"/>
+          </a:fontRef>
+        </p:style>
+        <p:txBody>
+          <a:bodyPr rtlCol="0" anchor="ctr"/>
           <a:lstStyle/>
           <a:p>
             <a:pPr algn="ctr"/>
-            <a:r>
-              <a:rPr lang="ko-KR" altLang="en-US" dirty="0" err="1"/>
-              <a:t>현위치</a:t>
-            </a:r>
-            <a:r>
-              <a:rPr lang="ko-KR" altLang="en-US" dirty="0"/>
-              <a:t> 설정</a:t>
+            <a:endParaRPr lang="ko-KR" altLang="en-US"/>
+          </a:p>
+        </p:txBody>
+      </p:sp>
+      <p:sp>
+        <p:nvSpPr>
+          <p:cNvPr id="9" name="직사각형 8">
+            <a:extLst>
+              <a:ext uri="{FF2B5EF4-FFF2-40B4-BE49-F238E27FC236}">
+                <a16:creationId xmlns:a16="http://schemas.microsoft.com/office/drawing/2014/main" id="{F83CD8E2-9B90-4234-AA72-3A83CA0A8414}"/>
+              </a:ext>
+            </a:extLst>
+          </p:cNvPr>
+          <p:cNvSpPr/>
+          <p:nvPr/>
+        </p:nvSpPr>
+        <p:spPr>
+          <a:xfrm>
+            <a:off x="3292345" y="1136317"/>
+            <a:ext cx="4620270" cy="523948"/>
+          </a:xfrm>
+          <a:prstGeom prst="rect">
+            <a:avLst/>
+          </a:prstGeom>
+          <a:noFill/>
+        </p:spPr>
+        <p:style>
+          <a:lnRef idx="2">
+            <a:schemeClr val="accent1">
+              <a:shade val="50000"/>
+            </a:schemeClr>
+          </a:lnRef>
+          <a:fillRef idx="1">
+            <a:schemeClr val="accent1"/>
+          </a:fillRef>
+          <a:effectRef idx="0">
+            <a:schemeClr val="accent1"/>
+          </a:effectRef>
+          <a:fontRef idx="minor">
+            <a:schemeClr val="lt1"/>
+          </a:fontRef>
+        </p:style>
+        <p:txBody>
+          <a:bodyPr rtlCol="0" anchor="ctr"/>
+          <a:lstStyle/>
+          <a:p>
+            <a:pPr algn="ctr"/>
+            <a:endParaRPr lang="ko-KR" altLang="en-US"/>
+          </a:p>
+        </p:txBody>
+      </p:sp>
+      <p:pic>
+        <p:nvPicPr>
+          <p:cNvPr id="12" name="그림 11">
+            <a:extLst>
+              <a:ext uri="{FF2B5EF4-FFF2-40B4-BE49-F238E27FC236}">
+                <a16:creationId xmlns:a16="http://schemas.microsoft.com/office/drawing/2014/main" id="{D4E28BD5-5E5A-414F-96C5-E7BB8A8552B1}"/>
+              </a:ext>
+            </a:extLst>
+          </p:cNvPr>
+          <p:cNvPicPr>
+            <a:picLocks noChangeAspect="1"/>
+          </p:cNvPicPr>
+          <p:nvPr/>
+        </p:nvPicPr>
+        <p:blipFill>
+          <a:blip r:embed="rId4">
+            <a:extLst>
+              <a:ext uri="{28A0092B-C50C-407E-A947-70E740481C1C}">
+                <a14:useLocalDpi xmlns:a14="http://schemas.microsoft.com/office/drawing/2010/main" val="0"/>
+              </a:ext>
+            </a:extLst>
+          </a:blip>
+          <a:stretch>
+            <a:fillRect/>
+          </a:stretch>
+        </p:blipFill>
+        <p:spPr>
+          <a:xfrm>
+            <a:off x="9265773" y="1232400"/>
+            <a:ext cx="2029108" cy="238158"/>
+          </a:xfrm>
+          <a:prstGeom prst="rect">
+            <a:avLst/>
+          </a:prstGeom>
+        </p:spPr>
+      </p:pic>
+      <p:sp>
+        <p:nvSpPr>
+          <p:cNvPr id="13" name="직사각형 12">
+            <a:extLst>
+              <a:ext uri="{FF2B5EF4-FFF2-40B4-BE49-F238E27FC236}">
+                <a16:creationId xmlns:a16="http://schemas.microsoft.com/office/drawing/2014/main" id="{B6B8A0AF-00F1-4CAE-9A16-4C28F1E5F504}"/>
+              </a:ext>
+            </a:extLst>
+          </p:cNvPr>
+          <p:cNvSpPr/>
+          <p:nvPr/>
+        </p:nvSpPr>
+        <p:spPr>
+          <a:xfrm>
+            <a:off x="9175273" y="1115293"/>
+            <a:ext cx="2210108" cy="472373"/>
+          </a:xfrm>
+          <a:prstGeom prst="rect">
+            <a:avLst/>
+          </a:prstGeom>
+          <a:noFill/>
+        </p:spPr>
+        <p:style>
+          <a:lnRef idx="2">
+            <a:schemeClr val="accent1">
+              <a:shade val="50000"/>
+            </a:schemeClr>
+          </a:lnRef>
+          <a:fillRef idx="1">
+            <a:schemeClr val="accent1"/>
+          </a:fillRef>
+          <a:effectRef idx="0">
+            <a:schemeClr val="accent1"/>
+          </a:effectRef>
+          <a:fontRef idx="minor">
+            <a:schemeClr val="lt1"/>
+          </a:fontRef>
+        </p:style>
+        <p:txBody>
+          <a:bodyPr rtlCol="0" anchor="ctr"/>
+          <a:lstStyle/>
+          <a:p>
+            <a:pPr algn="ctr"/>
+            <a:endParaRPr lang="ko-KR" altLang="en-US"/>
+          </a:p>
+        </p:txBody>
+      </p:sp>
+      <p:pic>
+        <p:nvPicPr>
+          <p:cNvPr id="23" name="그림 22">
+            <a:extLst>
+              <a:ext uri="{FF2B5EF4-FFF2-40B4-BE49-F238E27FC236}">
+                <a16:creationId xmlns:a16="http://schemas.microsoft.com/office/drawing/2014/main" id="{E23CEC44-143D-474C-9920-2C1996F7897A}"/>
+              </a:ext>
+            </a:extLst>
+          </p:cNvPr>
+          <p:cNvPicPr>
+            <a:picLocks noChangeAspect="1"/>
+          </p:cNvPicPr>
+          <p:nvPr/>
+        </p:nvPicPr>
+        <p:blipFill>
+          <a:blip r:embed="rId5">
+            <a:extLst>
+              <a:ext uri="{28A0092B-C50C-407E-A947-70E740481C1C}">
+                <a14:useLocalDpi xmlns:a14="http://schemas.microsoft.com/office/drawing/2010/main" val="0"/>
+              </a:ext>
+            </a:extLst>
+          </a:blip>
+          <a:stretch>
+            <a:fillRect/>
+          </a:stretch>
+        </p:blipFill>
+        <p:spPr>
+          <a:xfrm>
+            <a:off x="137158" y="3899718"/>
+            <a:ext cx="5374272" cy="247750"/>
+          </a:xfrm>
+          <a:prstGeom prst="rect">
+            <a:avLst/>
+          </a:prstGeom>
+        </p:spPr>
+      </p:pic>
+      <p:pic>
+        <p:nvPicPr>
+          <p:cNvPr id="25" name="그림 24">
+            <a:extLst>
+              <a:ext uri="{FF2B5EF4-FFF2-40B4-BE49-F238E27FC236}">
+                <a16:creationId xmlns:a16="http://schemas.microsoft.com/office/drawing/2014/main" id="{713DC32E-54FE-4E83-9303-317E57C2A0DA}"/>
+              </a:ext>
+            </a:extLst>
+          </p:cNvPr>
+          <p:cNvPicPr>
+            <a:picLocks noChangeAspect="1"/>
+          </p:cNvPicPr>
+          <p:nvPr/>
+        </p:nvPicPr>
+        <p:blipFill>
+          <a:blip r:embed="rId6">
+            <a:extLst>
+              <a:ext uri="{28A0092B-C50C-407E-A947-70E740481C1C}">
+                <a14:useLocalDpi xmlns:a14="http://schemas.microsoft.com/office/drawing/2010/main" val="0"/>
+              </a:ext>
+            </a:extLst>
+          </a:blip>
+          <a:stretch>
+            <a:fillRect/>
+          </a:stretch>
+        </p:blipFill>
+        <p:spPr>
+          <a:xfrm>
+            <a:off x="5925390" y="3855374"/>
+            <a:ext cx="1733792" cy="257211"/>
+          </a:xfrm>
+          <a:prstGeom prst="rect">
+            <a:avLst/>
+          </a:prstGeom>
+        </p:spPr>
+      </p:pic>
+      <p:pic>
+        <p:nvPicPr>
+          <p:cNvPr id="27" name="그림 26">
+            <a:extLst>
+              <a:ext uri="{FF2B5EF4-FFF2-40B4-BE49-F238E27FC236}">
+                <a16:creationId xmlns:a16="http://schemas.microsoft.com/office/drawing/2014/main" id="{9269F1C3-5F67-4383-B91B-A140D0B04E74}"/>
+              </a:ext>
+            </a:extLst>
+          </p:cNvPr>
+          <p:cNvPicPr>
+            <a:picLocks noChangeAspect="1"/>
+          </p:cNvPicPr>
+          <p:nvPr/>
+        </p:nvPicPr>
+        <p:blipFill>
+          <a:blip r:embed="rId7">
+            <a:extLst>
+              <a:ext uri="{28A0092B-C50C-407E-A947-70E740481C1C}">
+                <a14:useLocalDpi xmlns:a14="http://schemas.microsoft.com/office/drawing/2010/main" val="0"/>
+              </a:ext>
+            </a:extLst>
+          </a:blip>
+          <a:stretch>
+            <a:fillRect/>
+          </a:stretch>
+        </p:blipFill>
+        <p:spPr>
+          <a:xfrm>
+            <a:off x="8244310" y="3762095"/>
+            <a:ext cx="3810532" cy="285790"/>
+          </a:xfrm>
+          <a:prstGeom prst="rect">
+            <a:avLst/>
+          </a:prstGeom>
+        </p:spPr>
+      </p:pic>
+      <p:sp>
+        <p:nvSpPr>
+          <p:cNvPr id="28" name="직사각형 27">
+            <a:extLst>
+              <a:ext uri="{FF2B5EF4-FFF2-40B4-BE49-F238E27FC236}">
+                <a16:creationId xmlns:a16="http://schemas.microsoft.com/office/drawing/2014/main" id="{981C5F95-4D73-48EC-B670-78E487FD16C6}"/>
+              </a:ext>
+            </a:extLst>
+          </p:cNvPr>
+          <p:cNvSpPr/>
+          <p:nvPr/>
+        </p:nvSpPr>
+        <p:spPr>
+          <a:xfrm>
+            <a:off x="137158" y="3855374"/>
+            <a:ext cx="5433132" cy="364288"/>
+          </a:xfrm>
+          <a:prstGeom prst="rect">
+            <a:avLst/>
+          </a:prstGeom>
+          <a:noFill/>
+        </p:spPr>
+        <p:style>
+          <a:lnRef idx="2">
+            <a:schemeClr val="accent1">
+              <a:shade val="50000"/>
+            </a:schemeClr>
+          </a:lnRef>
+          <a:fillRef idx="1">
+            <a:schemeClr val="accent1"/>
+          </a:fillRef>
+          <a:effectRef idx="0">
+            <a:schemeClr val="accent1"/>
+          </a:effectRef>
+          <a:fontRef idx="minor">
+            <a:schemeClr val="lt1"/>
+          </a:fontRef>
+        </p:style>
+        <p:txBody>
+          <a:bodyPr rtlCol="0" anchor="ctr"/>
+          <a:lstStyle/>
+          <a:p>
+            <a:pPr algn="ctr"/>
+            <a:endParaRPr lang="ko-KR" altLang="en-US"/>
+          </a:p>
+        </p:txBody>
+      </p:sp>
+      <p:sp>
+        <p:nvSpPr>
+          <p:cNvPr id="30" name="모서리가 둥근 사각형 설명선[R] 10">
+            <a:extLst>
+              <a:ext uri="{FF2B5EF4-FFF2-40B4-BE49-F238E27FC236}">
+                <a16:creationId xmlns:a16="http://schemas.microsoft.com/office/drawing/2014/main" id="{B9BE47B3-9135-4720-A307-7B349160E6E0}"/>
+              </a:ext>
+            </a:extLst>
+          </p:cNvPr>
+          <p:cNvSpPr/>
+          <p:nvPr/>
+        </p:nvSpPr>
+        <p:spPr>
+          <a:xfrm>
+            <a:off x="152400" y="4660142"/>
+            <a:ext cx="3674098" cy="1061540"/>
+          </a:xfrm>
+          <a:prstGeom prst="wedgeRoundRectCallout">
+            <a:avLst>
+              <a:gd name="adj1" fmla="val 577"/>
+              <a:gd name="adj2" fmla="val -59817"/>
+              <a:gd name="adj3" fmla="val 16667"/>
+            </a:avLst>
+          </a:prstGeom>
+        </p:spPr>
+        <p:style>
+          <a:lnRef idx="0">
+            <a:schemeClr val="dk1"/>
+          </a:lnRef>
+          <a:fillRef idx="3">
+            <a:schemeClr val="dk1"/>
+          </a:fillRef>
+          <a:effectRef idx="3">
+            <a:schemeClr val="dk1"/>
+          </a:effectRef>
+          <a:fontRef idx="minor">
+            <a:schemeClr val="lt1"/>
+          </a:fontRef>
+        </p:style>
+        <p:txBody>
+          <a:bodyPr rtlCol="0" anchor="ctr"/>
+          <a:lstStyle/>
+          <a:p>
+            <a:pPr algn="ctr">
+              <a:lnSpc>
+                <a:spcPct val="150000"/>
+              </a:lnSpc>
+            </a:pPr>
+            <a:r>
+              <a:rPr kumimoji="1" lang="en-US" altLang="ko-KR" sz="1600" dirty="0" err="1"/>
+              <a:t>User_Brand</a:t>
+            </a:r>
+            <a:r>
+              <a:rPr kumimoji="1" lang="en-US" altLang="ko-KR" sz="1600" dirty="0"/>
+              <a:t> </a:t>
+            </a:r>
+            <a:r>
+              <a:rPr kumimoji="1" lang="ko-KR" altLang="en-US" sz="1600" dirty="0"/>
+              <a:t>테이블</a:t>
+            </a:r>
+            <a:r>
+              <a:rPr kumimoji="1" lang="en-US" altLang="ko-KR" sz="1600" dirty="0"/>
+              <a:t>- </a:t>
+            </a:r>
+            <a:r>
+              <a:rPr kumimoji="1" lang="ko-KR" altLang="en-US" sz="1600" dirty="0"/>
+              <a:t>사용자</a:t>
+            </a:r>
+            <a:r>
+              <a:rPr kumimoji="1" lang="en-US" altLang="ko-KR" sz="1600" dirty="0"/>
+              <a:t>(</a:t>
+            </a:r>
+            <a:r>
+              <a:rPr kumimoji="1" lang="ko-KR" altLang="en-US" sz="1600" dirty="0" err="1"/>
+              <a:t>아울렛방문자</a:t>
+            </a:r>
+            <a:r>
+              <a:rPr kumimoji="1" lang="en-US" altLang="ko-KR" sz="1600" dirty="0"/>
+              <a:t>)</a:t>
+            </a:r>
+            <a:r>
+              <a:rPr kumimoji="1" lang="ko-KR" altLang="en-US" sz="1600" dirty="0"/>
+              <a:t>의 브랜드별 선호</a:t>
+            </a:r>
+            <a:r>
+              <a:rPr kumimoji="1" lang="en-US" altLang="ko-KR" sz="1600" dirty="0"/>
+              <a:t>/</a:t>
+            </a:r>
+            <a:r>
+              <a:rPr kumimoji="1" lang="ko-KR" altLang="en-US" sz="1600" dirty="0" err="1"/>
+              <a:t>비선호</a:t>
+            </a:r>
+            <a:r>
+              <a:rPr kumimoji="1" lang="ko-KR" altLang="en-US" sz="1600" dirty="0"/>
+              <a:t> 여부 및 브랜드별 </a:t>
+            </a:r>
+            <a:r>
+              <a:rPr kumimoji="1" lang="ko-KR" altLang="en-US" sz="1600" dirty="0" err="1"/>
+              <a:t>총점수</a:t>
+            </a:r>
+            <a:r>
+              <a:rPr kumimoji="1" lang="ko-KR" altLang="en-US" sz="1600" dirty="0"/>
+              <a:t> 포함</a:t>
+            </a:r>
+          </a:p>
+        </p:txBody>
+      </p:sp>
+      <p:sp>
+        <p:nvSpPr>
+          <p:cNvPr id="31" name="직사각형 30">
+            <a:extLst>
+              <a:ext uri="{FF2B5EF4-FFF2-40B4-BE49-F238E27FC236}">
+                <a16:creationId xmlns:a16="http://schemas.microsoft.com/office/drawing/2014/main" id="{E4E5AEBC-52D5-44E9-B93E-ABCE1DA4DAEE}"/>
+              </a:ext>
+            </a:extLst>
+          </p:cNvPr>
+          <p:cNvSpPr/>
+          <p:nvPr/>
+        </p:nvSpPr>
+        <p:spPr>
+          <a:xfrm>
+            <a:off x="5925390" y="3855374"/>
+            <a:ext cx="1809260" cy="364288"/>
+          </a:xfrm>
+          <a:prstGeom prst="rect">
+            <a:avLst/>
+          </a:prstGeom>
+          <a:noFill/>
+        </p:spPr>
+        <p:style>
+          <a:lnRef idx="2">
+            <a:schemeClr val="accent1">
+              <a:shade val="50000"/>
+            </a:schemeClr>
+          </a:lnRef>
+          <a:fillRef idx="1">
+            <a:schemeClr val="accent1"/>
+          </a:fillRef>
+          <a:effectRef idx="0">
+            <a:schemeClr val="accent1"/>
+          </a:effectRef>
+          <a:fontRef idx="minor">
+            <a:schemeClr val="lt1"/>
+          </a:fontRef>
+        </p:style>
+        <p:txBody>
+          <a:bodyPr rtlCol="0" anchor="ctr"/>
+          <a:lstStyle/>
+          <a:p>
+            <a:pPr algn="ctr"/>
+            <a:endParaRPr lang="ko-KR" altLang="en-US"/>
+          </a:p>
+        </p:txBody>
+      </p:sp>
+      <p:sp>
+        <p:nvSpPr>
+          <p:cNvPr id="32" name="모서리가 둥근 사각형 설명선[R] 10">
+            <a:extLst>
+              <a:ext uri="{FF2B5EF4-FFF2-40B4-BE49-F238E27FC236}">
+                <a16:creationId xmlns:a16="http://schemas.microsoft.com/office/drawing/2014/main" id="{04DF98A0-8B5F-4AAE-BCC1-CD663E3153A5}"/>
+              </a:ext>
+            </a:extLst>
+          </p:cNvPr>
+          <p:cNvSpPr/>
+          <p:nvPr/>
+        </p:nvSpPr>
+        <p:spPr>
+          <a:xfrm>
+            <a:off x="4377772" y="4750255"/>
+            <a:ext cx="3674098" cy="1061540"/>
+          </a:xfrm>
+          <a:prstGeom prst="wedgeRoundRectCallout">
+            <a:avLst>
+              <a:gd name="adj1" fmla="val 577"/>
+              <a:gd name="adj2" fmla="val -59817"/>
+              <a:gd name="adj3" fmla="val 16667"/>
+            </a:avLst>
+          </a:prstGeom>
+        </p:spPr>
+        <p:style>
+          <a:lnRef idx="0">
+            <a:schemeClr val="dk1"/>
+          </a:lnRef>
+          <a:fillRef idx="3">
+            <a:schemeClr val="dk1"/>
+          </a:fillRef>
+          <a:effectRef idx="3">
+            <a:schemeClr val="dk1"/>
+          </a:effectRef>
+          <a:fontRef idx="minor">
+            <a:schemeClr val="lt1"/>
+          </a:fontRef>
+        </p:style>
+        <p:txBody>
+          <a:bodyPr rtlCol="0" anchor="ctr"/>
+          <a:lstStyle/>
+          <a:p>
+            <a:pPr algn="ctr">
+              <a:lnSpc>
+                <a:spcPct val="150000"/>
+              </a:lnSpc>
+            </a:pPr>
+            <a:r>
+              <a:rPr kumimoji="1" lang="en-US" altLang="ko-KR" sz="1600" dirty="0" err="1"/>
+              <a:t>User_Path</a:t>
+            </a:r>
+            <a:r>
+              <a:rPr kumimoji="1" lang="ko-KR" altLang="en-US" sz="1600" dirty="0"/>
+              <a:t>테이블</a:t>
+            </a:r>
+            <a:r>
+              <a:rPr kumimoji="1" lang="en-US" altLang="ko-KR" sz="1600" dirty="0"/>
+              <a:t>- </a:t>
+            </a:r>
+            <a:r>
+              <a:rPr kumimoji="1" lang="ko-KR" altLang="en-US" sz="1600" dirty="0"/>
+              <a:t>사용자</a:t>
+            </a:r>
+            <a:r>
+              <a:rPr kumimoji="1" lang="en-US" altLang="ko-KR" sz="1600" dirty="0"/>
+              <a:t>(</a:t>
+            </a:r>
+            <a:r>
+              <a:rPr kumimoji="1" lang="ko-KR" altLang="en-US" sz="1600" dirty="0" err="1"/>
+              <a:t>아울렛방문자</a:t>
+            </a:r>
+            <a:r>
+              <a:rPr kumimoji="1" lang="en-US" altLang="ko-KR" sz="1600" dirty="0"/>
+              <a:t>)</a:t>
+            </a:r>
+            <a:r>
+              <a:rPr kumimoji="1" lang="ko-KR" altLang="en-US" sz="1600" dirty="0"/>
+              <a:t>가 </a:t>
+            </a:r>
+            <a:r>
+              <a:rPr kumimoji="1" lang="ko-KR" altLang="en-US" sz="1600" dirty="0" err="1"/>
+              <a:t>추천받은</a:t>
+            </a:r>
+            <a:r>
+              <a:rPr kumimoji="1" lang="ko-KR" altLang="en-US" sz="1600" dirty="0"/>
+              <a:t> 동선 정보 포함</a:t>
+            </a:r>
+          </a:p>
+        </p:txBody>
+      </p:sp>
+      <p:sp>
+        <p:nvSpPr>
+          <p:cNvPr id="33" name="모서리가 둥근 사각형 설명선[R] 10">
+            <a:extLst>
+              <a:ext uri="{FF2B5EF4-FFF2-40B4-BE49-F238E27FC236}">
+                <a16:creationId xmlns:a16="http://schemas.microsoft.com/office/drawing/2014/main" id="{53BDAA2B-254E-44D4-A28D-CCFED2F46C7D}"/>
+              </a:ext>
+            </a:extLst>
+          </p:cNvPr>
+          <p:cNvSpPr/>
+          <p:nvPr/>
+        </p:nvSpPr>
+        <p:spPr>
+          <a:xfrm>
+            <a:off x="8312527" y="4750255"/>
+            <a:ext cx="3674098" cy="1474376"/>
+          </a:xfrm>
+          <a:prstGeom prst="wedgeRoundRectCallout">
+            <a:avLst>
+              <a:gd name="adj1" fmla="val 577"/>
+              <a:gd name="adj2" fmla="val -59817"/>
+              <a:gd name="adj3" fmla="val 16667"/>
+            </a:avLst>
+          </a:prstGeom>
+        </p:spPr>
+        <p:style>
+          <a:lnRef idx="0">
+            <a:schemeClr val="dk1"/>
+          </a:lnRef>
+          <a:fillRef idx="3">
+            <a:schemeClr val="dk1"/>
+          </a:fillRef>
+          <a:effectRef idx="3">
+            <a:schemeClr val="dk1"/>
+          </a:effectRef>
+          <a:fontRef idx="minor">
+            <a:schemeClr val="lt1"/>
+          </a:fontRef>
+        </p:style>
+        <p:txBody>
+          <a:bodyPr rtlCol="0" anchor="ctr"/>
+          <a:lstStyle/>
+          <a:p>
+            <a:pPr algn="ctr">
+              <a:lnSpc>
+                <a:spcPct val="150000"/>
+              </a:lnSpc>
+            </a:pPr>
+            <a:r>
+              <a:rPr kumimoji="1" lang="en-US" altLang="ko-KR" sz="1600" dirty="0" err="1"/>
+              <a:t>Path_Brand</a:t>
+            </a:r>
+            <a:r>
+              <a:rPr kumimoji="1" lang="en-US" altLang="ko-KR" sz="1600" dirty="0"/>
+              <a:t> </a:t>
+            </a:r>
+            <a:r>
+              <a:rPr kumimoji="1" lang="ko-KR" altLang="en-US" sz="1600" dirty="0"/>
+              <a:t>테이블</a:t>
+            </a:r>
+            <a:r>
+              <a:rPr kumimoji="1" lang="en-US" altLang="ko-KR" sz="1600" dirty="0"/>
+              <a:t>- </a:t>
+            </a:r>
+            <a:r>
+              <a:rPr kumimoji="1" lang="ko-KR" altLang="en-US" sz="1600" dirty="0"/>
+              <a:t>동선에 어떤 브랜드들이 포함되어 있는지</a:t>
+            </a:r>
+            <a:r>
+              <a:rPr kumimoji="1" lang="en-US" altLang="ko-KR" sz="1600" dirty="0"/>
+              <a:t>, </a:t>
+            </a:r>
+            <a:r>
+              <a:rPr kumimoji="1" lang="ko-KR" altLang="en-US" sz="1600" dirty="0"/>
+              <a:t>또한 그 브랜드의 방문 여부</a:t>
+            </a:r>
+            <a:r>
+              <a:rPr kumimoji="1" lang="en-US" altLang="ko-KR" sz="1600" dirty="0"/>
+              <a:t>, </a:t>
+            </a:r>
+            <a:r>
+              <a:rPr kumimoji="1" lang="ko-KR" altLang="en-US" sz="1600" dirty="0"/>
+              <a:t>구매 여부 및 이에 관한 평가포함</a:t>
             </a:r>
           </a:p>
         </p:txBody>
@@ -3718,7 +4944,7 @@
     </p:spTree>
     <p:extLst>
       <p:ext uri="{BB962C8B-B14F-4D97-AF65-F5344CB8AC3E}">
-        <p14:creationId xmlns:p14="http://schemas.microsoft.com/office/powerpoint/2010/main" val="3243771565"/>
+        <p14:creationId xmlns:p14="http://schemas.microsoft.com/office/powerpoint/2010/main" val="1930066826"/>
       </p:ext>
     </p:extLst>
   </p:cSld>
@@ -3747,10 +4973,10 @@
       </p:grpSpPr>
       <p:pic>
         <p:nvPicPr>
-          <p:cNvPr id="3" name="그림 2">
-            <a:extLst>
-              <a:ext uri="{FF2B5EF4-FFF2-40B4-BE49-F238E27FC236}">
-                <a16:creationId xmlns:a16="http://schemas.microsoft.com/office/drawing/2014/main" id="{591C52FB-0736-1940-8DE7-29B4F7E0C460}"/>
+          <p:cNvPr id="4" name="그림 3">
+            <a:extLst>
+              <a:ext uri="{FF2B5EF4-FFF2-40B4-BE49-F238E27FC236}">
+                <a16:creationId xmlns:a16="http://schemas.microsoft.com/office/drawing/2014/main" id="{4FB58B3E-2B12-420D-A2F4-67726C8B8D1C}"/>
               </a:ext>
             </a:extLst>
           </p:cNvPr>
@@ -3760,37 +4986,105 @@
           <p:nvPr/>
         </p:nvPicPr>
         <p:blipFill>
-          <a:blip r:embed="rId2"/>
+          <a:blip r:embed="rId2">
+            <a:extLst>
+              <a:ext uri="{28A0092B-C50C-407E-A947-70E740481C1C}">
+                <a14:useLocalDpi xmlns:a14="http://schemas.microsoft.com/office/drawing/2010/main" val="0"/>
+              </a:ext>
+            </a:extLst>
+          </a:blip>
           <a:stretch>
             <a:fillRect/>
           </a:stretch>
         </p:blipFill>
         <p:spPr>
           <a:xfrm>
-            <a:off x="4390208" y="586014"/>
-            <a:ext cx="3411583" cy="5685972"/>
+            <a:off x="4705156" y="503134"/>
+            <a:ext cx="1390844" cy="5449060"/>
           </a:xfrm>
           <a:prstGeom prst="rect">
             <a:avLst/>
           </a:prstGeom>
-          <a:ln>
-            <a:noFill/>
-          </a:ln>
-          <a:effectLst>
-            <a:outerShdw blurRad="292100" dist="139700" dir="2700000" algn="tl" rotWithShape="0">
-              <a:srgbClr val="333333">
-                <a:alpha val="65000"/>
-              </a:srgbClr>
-            </a:outerShdw>
-          </a:effectLst>
         </p:spPr>
       </p:pic>
-      <p:sp>
-        <p:nvSpPr>
-          <p:cNvPr id="9" name="모서리가 둥근 사각형 설명선[R] 8">
-            <a:extLst>
-              <a:ext uri="{FF2B5EF4-FFF2-40B4-BE49-F238E27FC236}">
-                <a16:creationId xmlns:a16="http://schemas.microsoft.com/office/drawing/2014/main" id="{ACE96112-6C5F-CF49-8713-DD767AA3F5C5}"/>
+      <p:pic>
+        <p:nvPicPr>
+          <p:cNvPr id="6" name="그림 5">
+            <a:extLst>
+              <a:ext uri="{FF2B5EF4-FFF2-40B4-BE49-F238E27FC236}">
+                <a16:creationId xmlns:a16="http://schemas.microsoft.com/office/drawing/2014/main" id="{FE120F9C-4716-41FD-B707-1E10E796DD7B}"/>
+              </a:ext>
+            </a:extLst>
+          </p:cNvPr>
+          <p:cNvPicPr>
+            <a:picLocks noChangeAspect="1"/>
+          </p:cNvPicPr>
+          <p:nvPr/>
+        </p:nvPicPr>
+        <p:blipFill>
+          <a:blip r:embed="rId3">
+            <a:extLst>
+              <a:ext uri="{28A0092B-C50C-407E-A947-70E740481C1C}">
+                <a14:useLocalDpi xmlns:a14="http://schemas.microsoft.com/office/drawing/2010/main" val="0"/>
+              </a:ext>
+            </a:extLst>
+          </a:blip>
+          <a:stretch>
+            <a:fillRect/>
+          </a:stretch>
+        </p:blipFill>
+        <p:spPr>
+          <a:xfrm>
+            <a:off x="7674302" y="480064"/>
+            <a:ext cx="1362265" cy="5449060"/>
+          </a:xfrm>
+          <a:prstGeom prst="rect">
+            <a:avLst/>
+          </a:prstGeom>
+        </p:spPr>
+      </p:pic>
+      <p:pic>
+        <p:nvPicPr>
+          <p:cNvPr id="8" name="그림 7">
+            <a:extLst>
+              <a:ext uri="{FF2B5EF4-FFF2-40B4-BE49-F238E27FC236}">
+                <a16:creationId xmlns:a16="http://schemas.microsoft.com/office/drawing/2014/main" id="{69C51A98-7475-475E-8FC6-0C62CD7E4F86}"/>
+              </a:ext>
+            </a:extLst>
+          </p:cNvPr>
+          <p:cNvPicPr>
+            <a:picLocks noChangeAspect="1"/>
+          </p:cNvPicPr>
+          <p:nvPr/>
+        </p:nvPicPr>
+        <p:blipFill>
+          <a:blip r:embed="rId4">
+            <a:extLst>
+              <a:ext uri="{28A0092B-C50C-407E-A947-70E740481C1C}">
+                <a14:useLocalDpi xmlns:a14="http://schemas.microsoft.com/office/drawing/2010/main" val="0"/>
+              </a:ext>
+            </a:extLst>
+          </a:blip>
+          <a:stretch>
+            <a:fillRect/>
+          </a:stretch>
+        </p:blipFill>
+        <p:spPr>
+          <a:xfrm>
+            <a:off x="906295" y="503134"/>
+            <a:ext cx="1409897" cy="2991267"/>
+          </a:xfrm>
+          <a:prstGeom prst="rect">
+            <a:avLst/>
+          </a:prstGeom>
+        </p:spPr>
+      </p:pic>
+      <p:sp>
+        <p:nvSpPr>
+          <p:cNvPr id="9" name="직사각형 8">
+            <a:extLst>
+              <a:ext uri="{FF2B5EF4-FFF2-40B4-BE49-F238E27FC236}">
+                <a16:creationId xmlns:a16="http://schemas.microsoft.com/office/drawing/2014/main" id="{6D405074-2197-4C6B-A8C8-A6F0DE56791D}"/>
               </a:ext>
             </a:extLst>
           </p:cNvPr>
@@ -3799,13 +5093,154 @@
         </p:nvSpPr>
         <p:spPr>
           <a:xfrm>
-            <a:off x="8493036" y="3304903"/>
-            <a:ext cx="3526971" cy="2207623"/>
+            <a:off x="738231" y="394283"/>
+            <a:ext cx="1812022" cy="3246539"/>
+          </a:xfrm>
+          <a:prstGeom prst="rect">
+            <a:avLst/>
+          </a:prstGeom>
+          <a:noFill/>
+        </p:spPr>
+        <p:style>
+          <a:lnRef idx="2">
+            <a:schemeClr val="accent1">
+              <a:shade val="50000"/>
+            </a:schemeClr>
+          </a:lnRef>
+          <a:fillRef idx="1">
+            <a:schemeClr val="accent1"/>
+          </a:fillRef>
+          <a:effectRef idx="0">
+            <a:schemeClr val="accent1"/>
+          </a:effectRef>
+          <a:fontRef idx="minor">
+            <a:schemeClr val="lt1"/>
+          </a:fontRef>
+        </p:style>
+        <p:txBody>
+          <a:bodyPr rtlCol="0" anchor="ctr"/>
+          <a:lstStyle/>
+          <a:p>
+            <a:pPr algn="ctr"/>
+            <a:endParaRPr lang="ko-KR" altLang="en-US"/>
+          </a:p>
+        </p:txBody>
+      </p:sp>
+      <p:sp>
+        <p:nvSpPr>
+          <p:cNvPr id="10" name="직사각형 9">
+            <a:extLst>
+              <a:ext uri="{FF2B5EF4-FFF2-40B4-BE49-F238E27FC236}">
+                <a16:creationId xmlns:a16="http://schemas.microsoft.com/office/drawing/2014/main" id="{F1A468A7-EA16-40D7-9425-4ED9374374BE}"/>
+              </a:ext>
+            </a:extLst>
+          </p:cNvPr>
+          <p:cNvSpPr/>
+          <p:nvPr/>
+        </p:nvSpPr>
+        <p:spPr>
+          <a:xfrm>
+            <a:off x="4563611" y="394283"/>
+            <a:ext cx="1677798" cy="5654179"/>
+          </a:xfrm>
+          <a:prstGeom prst="rect">
+            <a:avLst/>
+          </a:prstGeom>
+          <a:noFill/>
+        </p:spPr>
+        <p:style>
+          <a:lnRef idx="2">
+            <a:schemeClr val="accent1">
+              <a:shade val="50000"/>
+            </a:schemeClr>
+          </a:lnRef>
+          <a:fillRef idx="1">
+            <a:schemeClr val="accent1"/>
+          </a:fillRef>
+          <a:effectRef idx="0">
+            <a:schemeClr val="accent1"/>
+          </a:effectRef>
+          <a:fontRef idx="minor">
+            <a:schemeClr val="lt1"/>
+          </a:fontRef>
+        </p:style>
+        <p:txBody>
+          <a:bodyPr rtlCol="0" anchor="ctr"/>
+          <a:lstStyle/>
+          <a:p>
+            <a:pPr algn="ctr"/>
+            <a:endParaRPr lang="ko-KR" altLang="en-US"/>
+          </a:p>
+        </p:txBody>
+      </p:sp>
+      <p:sp>
+        <p:nvSpPr>
+          <p:cNvPr id="11" name="직사각형 10">
+            <a:extLst>
+              <a:ext uri="{FF2B5EF4-FFF2-40B4-BE49-F238E27FC236}">
+                <a16:creationId xmlns:a16="http://schemas.microsoft.com/office/drawing/2014/main" id="{D39FEE53-4DBF-46D1-A6EA-496D71BD633D}"/>
+              </a:ext>
+            </a:extLst>
+          </p:cNvPr>
+          <p:cNvSpPr/>
+          <p:nvPr/>
+        </p:nvSpPr>
+        <p:spPr>
+          <a:xfrm>
+            <a:off x="7389302" y="394283"/>
+            <a:ext cx="1812022" cy="5679346"/>
+          </a:xfrm>
+          <a:prstGeom prst="rect">
+            <a:avLst/>
+          </a:prstGeom>
+          <a:noFill/>
+        </p:spPr>
+        <p:style>
+          <a:lnRef idx="2">
+            <a:schemeClr val="accent1">
+              <a:shade val="50000"/>
+            </a:schemeClr>
+          </a:lnRef>
+          <a:fillRef idx="1">
+            <a:schemeClr val="accent1"/>
+          </a:fillRef>
+          <a:effectRef idx="0">
+            <a:schemeClr val="accent1"/>
+          </a:effectRef>
+          <a:fontRef idx="minor">
+            <a:schemeClr val="lt1"/>
+          </a:fontRef>
+        </p:style>
+        <p:txBody>
+          <a:bodyPr rtlCol="0" anchor="ctr"/>
+          <a:lstStyle/>
+          <a:p>
+            <a:pPr algn="ctr"/>
+            <a:endParaRPr lang="ko-KR" altLang="en-US"/>
+          </a:p>
+        </p:txBody>
+      </p:sp>
+      <p:sp>
+        <p:nvSpPr>
+          <p:cNvPr id="12" name="모서리가 둥근 사각형 설명선[R] 10">
+            <a:extLst>
+              <a:ext uri="{FF2B5EF4-FFF2-40B4-BE49-F238E27FC236}">
+                <a16:creationId xmlns:a16="http://schemas.microsoft.com/office/drawing/2014/main" id="{96628205-88B7-48F2-A004-96B247B4E65A}"/>
+              </a:ext>
+            </a:extLst>
+          </p:cNvPr>
+          <p:cNvSpPr/>
+          <p:nvPr/>
+        </p:nvSpPr>
+        <p:spPr>
+          <a:xfrm>
+            <a:off x="176169" y="4140281"/>
+            <a:ext cx="3674098" cy="742112"/>
           </a:xfrm>
           <a:prstGeom prst="wedgeRoundRectCallout">
             <a:avLst>
-              <a:gd name="adj1" fmla="val -61944"/>
-              <a:gd name="adj2" fmla="val 22855"/>
+              <a:gd name="adj1" fmla="val -3990"/>
+              <a:gd name="adj2" fmla="val -106164"/>
               <a:gd name="adj3" fmla="val 16667"/>
             </a:avLst>
           </a:prstGeom>
@@ -3834,100 +5269,34 @@
               </a:lnSpc>
             </a:pPr>
             <a:r>
-              <a:rPr kumimoji="1" lang="ko-KR" altLang="en-US" dirty="0"/>
-              <a:t>사용자는 주어진 선택지</a:t>
-            </a:r>
-            <a:r>
-              <a:rPr kumimoji="1" lang="en-US" altLang="ko-KR"/>
+              <a:rPr kumimoji="1" lang="en-US" altLang="ko-KR" sz="1600" dirty="0" err="1"/>
+              <a:t>ShoppingMall_Category</a:t>
+            </a:r>
+            <a:r>
+              <a:rPr kumimoji="1" lang="en-US" altLang="ko-KR" sz="1600" dirty="0"/>
               <a:t> </a:t>
             </a:r>
             <a:r>
-              <a:rPr kumimoji="1" lang="ko-KR" altLang="en-US"/>
-              <a:t>중</a:t>
-            </a:r>
-            <a:r>
-              <a:rPr kumimoji="1" lang="en-US" altLang="ko-KR" dirty="0"/>
-              <a:t>,</a:t>
-            </a:r>
-          </a:p>
-          <a:p>
-            <a:pPr algn="ctr">
-              <a:lnSpc>
-                <a:spcPct val="150000"/>
-              </a:lnSpc>
-            </a:pPr>
-            <a:r>
-              <a:rPr kumimoji="1" lang="ko-KR" altLang="en-US" dirty="0"/>
-              <a:t>자신이 쇼핑하려는</a:t>
-            </a:r>
-            <a:endParaRPr kumimoji="1" lang="en-US" altLang="ko-KR" dirty="0"/>
-          </a:p>
-          <a:p>
-            <a:pPr algn="ctr">
-              <a:lnSpc>
-                <a:spcPct val="150000"/>
-              </a:lnSpc>
-            </a:pPr>
-            <a:r>
-              <a:rPr kumimoji="1" lang="ko-KR" altLang="en-US" dirty="0"/>
-              <a:t>지점을 클릭한다</a:t>
-            </a:r>
-            <a:r>
-              <a:rPr kumimoji="1" lang="en-US" altLang="ko-KR" dirty="0"/>
-              <a:t>.</a:t>
-            </a:r>
-            <a:endParaRPr kumimoji="1" lang="ko-KR" altLang="en-US" dirty="0"/>
-          </a:p>
-        </p:txBody>
-      </p:sp>
-      <p:sp>
-        <p:nvSpPr>
-          <p:cNvPr id="10" name="TextBox 9">
-            <a:extLst>
-              <a:ext uri="{FF2B5EF4-FFF2-40B4-BE49-F238E27FC236}">
-                <a16:creationId xmlns:a16="http://schemas.microsoft.com/office/drawing/2014/main" id="{8A395FAC-B18C-1F4C-9AE0-9BDEB699283F}"/>
-              </a:ext>
-            </a:extLst>
-          </p:cNvPr>
-          <p:cNvSpPr txBox="1"/>
-          <p:nvPr/>
-        </p:nvSpPr>
-        <p:spPr>
-          <a:xfrm>
-            <a:off x="431075" y="401348"/>
-            <a:ext cx="2155371" cy="523220"/>
-          </a:xfrm>
-          <a:prstGeom prst="rect">
-            <a:avLst/>
-          </a:prstGeom>
-          <a:noFill/>
-        </p:spPr>
-        <p:txBody>
-          <a:bodyPr wrap="square" rtlCol="0">
-            <a:spAutoFit/>
-          </a:bodyPr>
-          <a:lstStyle/>
-          <a:p>
-            <a:r>
-              <a:rPr kumimoji="1" lang="ko-KR" altLang="en-US" sz="2800" b="1" dirty="0">
-                <a:latin typeface="+mj-lt"/>
-                <a:ea typeface="SeoulNamsan CEB" panose="02020603020101020101" pitchFamily="18" charset="-127"/>
-              </a:rPr>
-              <a:t>아울렛 선택</a:t>
-            </a:r>
-            <a:endParaRPr kumimoji="1" lang="en-US" altLang="ko-KR" sz="2800" b="1" dirty="0">
-              <a:latin typeface="+mj-lt"/>
-              <a:ea typeface="SeoulNamsan CEB" panose="02020603020101020101" pitchFamily="18" charset="-127"/>
-            </a:endParaRPr>
-          </a:p>
-        </p:txBody>
-      </p:sp>
-      <p:sp>
-        <p:nvSpPr>
-          <p:cNvPr id="11" name="모서리가 둥근 사각형 설명선[R] 10">
-            <a:extLst>
-              <a:ext uri="{FF2B5EF4-FFF2-40B4-BE49-F238E27FC236}">
-                <a16:creationId xmlns:a16="http://schemas.microsoft.com/office/drawing/2014/main" id="{31613A69-B136-C246-9D7F-AD3D29E7D1CA}"/>
+              <a:rPr kumimoji="1" lang="ko-KR" altLang="en-US" sz="1600" dirty="0"/>
+              <a:t>테이블</a:t>
+            </a:r>
+            <a:r>
+              <a:rPr kumimoji="1" lang="en-US" altLang="ko-KR" sz="1600" dirty="0"/>
+              <a:t>- </a:t>
+            </a:r>
+            <a:r>
+              <a:rPr kumimoji="1" lang="ko-KR" altLang="en-US" sz="1600" dirty="0"/>
+              <a:t>아울렛에서 제공하는 카테고리 정보</a:t>
+            </a:r>
+          </a:p>
+        </p:txBody>
+      </p:sp>
+      <p:sp>
+        <p:nvSpPr>
+          <p:cNvPr id="13" name="모서리가 둥근 사각형 설명선[R] 10">
+            <a:extLst>
+              <a:ext uri="{FF2B5EF4-FFF2-40B4-BE49-F238E27FC236}">
+                <a16:creationId xmlns:a16="http://schemas.microsoft.com/office/drawing/2014/main" id="{6163448F-56C7-4D10-A377-638AE0AE585E}"/>
               </a:ext>
             </a:extLst>
           </p:cNvPr>
@@ -3936,13 +5305,13 @@
         </p:nvSpPr>
         <p:spPr>
           <a:xfrm>
-            <a:off x="171992" y="1221377"/>
-            <a:ext cx="3526971" cy="2207623"/>
+            <a:off x="335560" y="5396147"/>
+            <a:ext cx="4144717" cy="1067569"/>
           </a:xfrm>
           <a:prstGeom prst="wedgeRoundRectCallout">
             <a:avLst>
-              <a:gd name="adj1" fmla="val 60278"/>
-              <a:gd name="adj2" fmla="val 22263"/>
+              <a:gd name="adj1" fmla="val 56289"/>
+              <a:gd name="adj2" fmla="val -93730"/>
               <a:gd name="adj3" fmla="val 16667"/>
             </a:avLst>
           </a:prstGeom>
@@ -3971,11 +5340,70 @@
               </a:lnSpc>
             </a:pPr>
             <a:r>
-              <a:rPr kumimoji="1" lang="ko-KR" altLang="en-US" dirty="0"/>
-              <a:t>시스템은 아울렛로고와</a:t>
-            </a:r>
-            <a:endParaRPr kumimoji="1" lang="en-US" altLang="ko-KR" dirty="0"/>
-          </a:p>
+              <a:rPr kumimoji="1" lang="en-US" altLang="ko-KR" sz="1600" dirty="0" err="1"/>
+              <a:t>Brand_Category</a:t>
+            </a:r>
+            <a:r>
+              <a:rPr kumimoji="1" lang="en-US" altLang="ko-KR" sz="1600" dirty="0"/>
+              <a:t> </a:t>
+            </a:r>
+            <a:r>
+              <a:rPr kumimoji="1" lang="ko-KR" altLang="en-US" sz="1600" dirty="0"/>
+              <a:t>테이블</a:t>
+            </a:r>
+            <a:r>
+              <a:rPr kumimoji="1" lang="en-US" altLang="ko-KR" sz="1600" dirty="0"/>
+              <a:t>- </a:t>
+            </a:r>
+            <a:r>
+              <a:rPr kumimoji="1" lang="ko-KR" altLang="en-US" sz="1600" dirty="0"/>
+              <a:t>해당 브랜드가 어떤 카테고리에 해당하는지에 대한 정보 포함</a:t>
+            </a:r>
+          </a:p>
+        </p:txBody>
+      </p:sp>
+      <p:sp>
+        <p:nvSpPr>
+          <p:cNvPr id="14" name="모서리가 둥근 사각형 설명선[R] 10">
+            <a:extLst>
+              <a:ext uri="{FF2B5EF4-FFF2-40B4-BE49-F238E27FC236}">
+                <a16:creationId xmlns:a16="http://schemas.microsoft.com/office/drawing/2014/main" id="{EC6DA775-1D0E-44A5-83BD-3D00F0D309CE}"/>
+              </a:ext>
+            </a:extLst>
+          </p:cNvPr>
+          <p:cNvSpPr/>
+          <p:nvPr/>
+        </p:nvSpPr>
+        <p:spPr>
+          <a:xfrm>
+            <a:off x="9416085" y="3804985"/>
+            <a:ext cx="2694264" cy="2232692"/>
+          </a:xfrm>
+          <a:prstGeom prst="wedgeRoundRectCallout">
+            <a:avLst>
+              <a:gd name="adj1" fmla="val -46984"/>
+              <a:gd name="adj2" fmla="val -65500"/>
+              <a:gd name="adj3" fmla="val 16667"/>
+            </a:avLst>
+          </a:prstGeom>
+        </p:spPr>
+        <p:style>
+          <a:lnRef idx="0">
+            <a:schemeClr val="dk1"/>
+          </a:lnRef>
+          <a:fillRef idx="3">
+            <a:schemeClr val="dk1"/>
+          </a:fillRef>
+          <a:effectRef idx="3">
+            <a:schemeClr val="dk1"/>
+          </a:effectRef>
+          <a:fontRef idx="minor">
+            <a:schemeClr val="lt1"/>
+          </a:fontRef>
+        </p:style>
+        <p:txBody>
+          <a:bodyPr rtlCol="0" anchor="ctr"/>
+          <a:lstStyle/>
           <a:p>
             <a:pPr algn="ctr">
               <a:lnSpc>
@@ -3983,45 +5411,77 @@
               </a:lnSpc>
             </a:pPr>
             <a:r>
-              <a:rPr kumimoji="1" lang="ko-KR" altLang="en-US" dirty="0"/>
-              <a:t>해당 아울렛지점을 </a:t>
-            </a:r>
-            <a:endParaRPr kumimoji="1" lang="en-US" altLang="ko-KR" dirty="0"/>
-          </a:p>
-          <a:p>
-            <a:pPr algn="ctr">
-              <a:lnSpc>
-                <a:spcPct val="150000"/>
-              </a:lnSpc>
-            </a:pPr>
-            <a:r>
-              <a:rPr kumimoji="1" lang="ko-KR" altLang="en-US" dirty="0"/>
-              <a:t>버튼형식으로</a:t>
-            </a:r>
-            <a:endParaRPr kumimoji="1" lang="en-US" altLang="ko-KR" dirty="0"/>
-          </a:p>
-          <a:p>
-            <a:pPr algn="ctr">
-              <a:lnSpc>
-                <a:spcPct val="150000"/>
-              </a:lnSpc>
-            </a:pPr>
-            <a:r>
-              <a:rPr kumimoji="1" lang="ko-KR" altLang="en-US" dirty="0"/>
-              <a:t>화면에 출력한다</a:t>
-            </a:r>
-            <a:r>
-              <a:rPr kumimoji="1" lang="en-US" altLang="ko-KR" dirty="0"/>
-              <a:t>.</a:t>
-            </a:r>
-            <a:endParaRPr kumimoji="1" lang="ko-KR" altLang="en-US" dirty="0"/>
+              <a:rPr kumimoji="1" lang="en-US" altLang="ko-KR" sz="1600" dirty="0" err="1"/>
+              <a:t>Category_FoodEscalatorElevator</a:t>
+            </a:r>
+            <a:r>
+              <a:rPr kumimoji="1" lang="en-US" altLang="ko-KR" sz="1600" dirty="0"/>
+              <a:t> </a:t>
+            </a:r>
+            <a:r>
+              <a:rPr kumimoji="1" lang="ko-KR" altLang="en-US" sz="1600" dirty="0"/>
+              <a:t>테이블</a:t>
+            </a:r>
+            <a:r>
+              <a:rPr kumimoji="1" lang="en-US" altLang="ko-KR" sz="1600" dirty="0"/>
+              <a:t>- </a:t>
+            </a:r>
+            <a:r>
+              <a:rPr kumimoji="1" lang="ko-KR" altLang="en-US" sz="1600" dirty="0"/>
+              <a:t>아울렛에서 쇼핑가능한 브랜드</a:t>
+            </a:r>
+            <a:r>
+              <a:rPr kumimoji="1" lang="en-US" altLang="ko-KR" sz="1600" dirty="0"/>
+              <a:t> </a:t>
+            </a:r>
+            <a:r>
+              <a:rPr kumimoji="1" lang="ko-KR" altLang="en-US" sz="1600" dirty="0"/>
+              <a:t>이외의 장소들에 대한 카테고리화</a:t>
+            </a:r>
+            <a:r>
+              <a:rPr kumimoji="1" lang="en-US" altLang="ko-KR" sz="1600" dirty="0"/>
+              <a:t>(</a:t>
+            </a:r>
+            <a:r>
+              <a:rPr kumimoji="1" lang="ko-KR" altLang="en-US" sz="1600" dirty="0"/>
+              <a:t>음식점</a:t>
+            </a:r>
+            <a:r>
+              <a:rPr kumimoji="1" lang="en-US" altLang="ko-KR" sz="1600" dirty="0"/>
+              <a:t>/</a:t>
+            </a:r>
+            <a:r>
+              <a:rPr kumimoji="1" lang="ko-KR" altLang="en-US" sz="1600" dirty="0"/>
+              <a:t>카페</a:t>
+            </a:r>
+            <a:r>
+              <a:rPr kumimoji="1" lang="en-US" altLang="ko-KR" sz="1600" dirty="0"/>
+              <a:t>/</a:t>
+            </a:r>
+            <a:r>
+              <a:rPr kumimoji="1" lang="ko-KR" altLang="en-US" sz="1600" dirty="0"/>
+              <a:t>에스컬레이터</a:t>
+            </a:r>
+            <a:r>
+              <a:rPr kumimoji="1" lang="en-US" altLang="ko-KR" sz="1600" dirty="0"/>
+              <a:t>/</a:t>
+            </a:r>
+            <a:r>
+              <a:rPr kumimoji="1" lang="ko-KR" altLang="en-US" sz="1600" dirty="0"/>
+              <a:t>엘리베이터</a:t>
+            </a:r>
+            <a:r>
+              <a:rPr kumimoji="1" lang="en-US" altLang="ko-KR" sz="1600" dirty="0"/>
+              <a:t>)</a:t>
+            </a:r>
+            <a:endParaRPr kumimoji="1" lang="ko-KR" altLang="en-US" sz="1600" dirty="0"/>
           </a:p>
         </p:txBody>
       </p:sp>
     </p:spTree>
     <p:extLst>
       <p:ext uri="{BB962C8B-B14F-4D97-AF65-F5344CB8AC3E}">
-        <p14:creationId xmlns:p14="http://schemas.microsoft.com/office/powerpoint/2010/main" val="667065640"/>
+        <p14:creationId xmlns:p14="http://schemas.microsoft.com/office/powerpoint/2010/main" val="1878901011"/>
       </p:ext>
     </p:extLst>
   </p:cSld>
@@ -4050,281 +5510,46 @@
       </p:grpSpPr>
       <p:sp>
         <p:nvSpPr>
-          <p:cNvPr id="9" name="모서리가 둥근 사각형 설명선[R] 8">
-            <a:extLst>
-              <a:ext uri="{FF2B5EF4-FFF2-40B4-BE49-F238E27FC236}">
-                <a16:creationId xmlns:a16="http://schemas.microsoft.com/office/drawing/2014/main" id="{ACE96112-6C5F-CF49-8713-DD767AA3F5C5}"/>
-              </a:ext>
-            </a:extLst>
-          </p:cNvPr>
-          <p:cNvSpPr/>
-          <p:nvPr/>
-        </p:nvSpPr>
-        <p:spPr>
-          <a:xfrm>
-            <a:off x="8493036" y="3304903"/>
-            <a:ext cx="3526971" cy="2207623"/>
-          </a:xfrm>
-          <a:prstGeom prst="wedgeRoundRectCallout">
-            <a:avLst>
-              <a:gd name="adj1" fmla="val -61944"/>
-              <a:gd name="adj2" fmla="val 22855"/>
-              <a:gd name="adj3" fmla="val 16667"/>
-            </a:avLst>
-          </a:prstGeom>
-        </p:spPr>
-        <p:style>
-          <a:lnRef idx="0">
-            <a:schemeClr val="dk1"/>
-          </a:lnRef>
-          <a:fillRef idx="3">
-            <a:schemeClr val="dk1"/>
-          </a:fillRef>
-          <a:effectRef idx="3">
-            <a:schemeClr val="dk1"/>
-          </a:effectRef>
-          <a:fontRef idx="minor">
-            <a:schemeClr val="lt1"/>
-          </a:fontRef>
-        </p:style>
-        <p:txBody>
-          <a:bodyPr rtlCol="0" anchor="ctr"/>
-          <a:lstStyle/>
-          <a:p>
-            <a:pPr algn="ctr">
-              <a:lnSpc>
-                <a:spcPct val="150000"/>
-              </a:lnSpc>
-            </a:pPr>
-            <a:r>
-              <a:rPr kumimoji="1" lang="ko-KR" altLang="en-US" dirty="0"/>
-              <a:t>사용자는 자신이</a:t>
-            </a:r>
-            <a:endParaRPr kumimoji="1" lang="en-US" altLang="ko-KR" dirty="0"/>
-          </a:p>
-          <a:p>
-            <a:pPr algn="ctr">
-              <a:lnSpc>
-                <a:spcPct val="150000"/>
-              </a:lnSpc>
-            </a:pPr>
-            <a:r>
-              <a:rPr kumimoji="1" lang="ko-KR" altLang="en-US" dirty="0"/>
-              <a:t>있는 층수를 클릭한다</a:t>
-            </a:r>
-            <a:r>
-              <a:rPr kumimoji="1" lang="en-US" altLang="ko-KR" dirty="0"/>
-              <a:t>.</a:t>
-            </a:r>
-          </a:p>
-        </p:txBody>
-      </p:sp>
-      <p:sp>
-        <p:nvSpPr>
-          <p:cNvPr id="10" name="TextBox 9">
-            <a:extLst>
-              <a:ext uri="{FF2B5EF4-FFF2-40B4-BE49-F238E27FC236}">
-                <a16:creationId xmlns:a16="http://schemas.microsoft.com/office/drawing/2014/main" id="{8A395FAC-B18C-1F4C-9AE0-9BDEB699283F}"/>
-              </a:ext>
-            </a:extLst>
-          </p:cNvPr>
-          <p:cNvSpPr txBox="1"/>
-          <p:nvPr/>
-        </p:nvSpPr>
-        <p:spPr>
-          <a:xfrm>
-            <a:off x="431075" y="401348"/>
-            <a:ext cx="3412800" cy="523220"/>
-          </a:xfrm>
-          <a:prstGeom prst="rect">
-            <a:avLst/>
-          </a:prstGeom>
-          <a:noFill/>
-        </p:spPr>
-        <p:txBody>
-          <a:bodyPr wrap="square" rtlCol="0">
-            <a:spAutoFit/>
-          </a:bodyPr>
-          <a:lstStyle/>
-          <a:p>
-            <a:r>
-              <a:rPr kumimoji="1" lang="ko-KR" altLang="en-US" sz="2800" b="1" dirty="0" err="1">
-                <a:latin typeface="+mj-lt"/>
-                <a:ea typeface="SeoulNamsan CEB" panose="02020603020101020101" pitchFamily="18" charset="-127"/>
-              </a:rPr>
+          <p:cNvPr id="2" name="제목 1">
+            <a:extLst>
+              <a:ext uri="{FF2B5EF4-FFF2-40B4-BE49-F238E27FC236}">
+                <a16:creationId xmlns:a16="http://schemas.microsoft.com/office/drawing/2014/main" id="{4CBAD76B-2256-4C16-80E1-DDAEC3646399}"/>
+              </a:ext>
+            </a:extLst>
+          </p:cNvPr>
+          <p:cNvSpPr>
+            <a:spLocks noGrp="1"/>
+          </p:cNvSpPr>
+          <p:nvPr>
+            <p:ph type="title"/>
+          </p:nvPr>
+        </p:nvSpPr>
+        <p:spPr>
+          <a:xfrm>
+            <a:off x="838200" y="2378483"/>
+            <a:ext cx="10515600" cy="1325563"/>
+          </a:xfrm>
+        </p:spPr>
+        <p:txBody>
+          <a:bodyPr/>
+          <a:lstStyle/>
+          <a:p>
+            <a:pPr algn="ctr"/>
+            <a:r>
+              <a:rPr lang="ko-KR" altLang="en-US" dirty="0" err="1"/>
               <a:t>현위치</a:t>
             </a:r>
             <a:r>
-              <a:rPr kumimoji="1" lang="ko-KR" altLang="en-US" sz="2800" b="1" dirty="0">
-                <a:latin typeface="+mj-lt"/>
-                <a:ea typeface="SeoulNamsan CEB" panose="02020603020101020101" pitchFamily="18" charset="-127"/>
-              </a:rPr>
-              <a:t> 설정 </a:t>
-            </a:r>
-            <a:r>
-              <a:rPr kumimoji="1" lang="en-US" altLang="ko-KR" sz="2800" b="1" dirty="0">
-                <a:latin typeface="+mj-lt"/>
-                <a:ea typeface="SeoulNamsan CEB" panose="02020603020101020101" pitchFamily="18" charset="-127"/>
-              </a:rPr>
-              <a:t>(</a:t>
-            </a:r>
-            <a:r>
-              <a:rPr kumimoji="1" lang="ko-KR" altLang="en-US" sz="2800" b="1" dirty="0">
-                <a:latin typeface="+mj-lt"/>
-                <a:ea typeface="SeoulNamsan CEB" panose="02020603020101020101" pitchFamily="18" charset="-127"/>
-              </a:rPr>
-              <a:t>층수</a:t>
-            </a:r>
-            <a:r>
-              <a:rPr kumimoji="1" lang="en-US" altLang="ko-KR" sz="2800" b="1" dirty="0">
-                <a:latin typeface="+mj-lt"/>
-                <a:ea typeface="SeoulNamsan CEB" panose="02020603020101020101" pitchFamily="18" charset="-127"/>
-              </a:rPr>
-              <a:t>)</a:t>
-            </a:r>
-          </a:p>
-        </p:txBody>
-      </p:sp>
-      <p:sp>
-        <p:nvSpPr>
-          <p:cNvPr id="11" name="모서리가 둥근 사각형 설명선[R] 10">
-            <a:extLst>
-              <a:ext uri="{FF2B5EF4-FFF2-40B4-BE49-F238E27FC236}">
-                <a16:creationId xmlns:a16="http://schemas.microsoft.com/office/drawing/2014/main" id="{31613A69-B136-C246-9D7F-AD3D29E7D1CA}"/>
-              </a:ext>
-            </a:extLst>
-          </p:cNvPr>
-          <p:cNvSpPr/>
-          <p:nvPr/>
-        </p:nvSpPr>
-        <p:spPr>
-          <a:xfrm>
-            <a:off x="171992" y="1221377"/>
-            <a:ext cx="3526971" cy="2207623"/>
-          </a:xfrm>
-          <a:prstGeom prst="wedgeRoundRectCallout">
-            <a:avLst>
-              <a:gd name="adj1" fmla="val 60278"/>
-              <a:gd name="adj2" fmla="val 22263"/>
-              <a:gd name="adj3" fmla="val 16667"/>
-            </a:avLst>
-          </a:prstGeom>
-        </p:spPr>
-        <p:style>
-          <a:lnRef idx="0">
-            <a:schemeClr val="dk1"/>
-          </a:lnRef>
-          <a:fillRef idx="3">
-            <a:schemeClr val="dk1"/>
-          </a:fillRef>
-          <a:effectRef idx="3">
-            <a:schemeClr val="dk1"/>
-          </a:effectRef>
-          <a:fontRef idx="minor">
-            <a:schemeClr val="lt1"/>
-          </a:fontRef>
-        </p:style>
-        <p:txBody>
-          <a:bodyPr rtlCol="0" anchor="ctr"/>
-          <a:lstStyle/>
-          <a:p>
-            <a:pPr algn="ctr">
-              <a:lnSpc>
-                <a:spcPct val="150000"/>
-              </a:lnSpc>
-            </a:pPr>
-            <a:r>
-              <a:rPr kumimoji="1" lang="ko-KR" altLang="en-US" dirty="0"/>
-              <a:t>시스템은 사용자가 선택한</a:t>
-            </a:r>
-            <a:endParaRPr kumimoji="1" lang="en-US" altLang="ko-KR" dirty="0"/>
-          </a:p>
-          <a:p>
-            <a:pPr algn="ctr">
-              <a:lnSpc>
-                <a:spcPct val="150000"/>
-              </a:lnSpc>
-            </a:pPr>
-            <a:r>
-              <a:rPr kumimoji="1" lang="ko-KR" altLang="en-US" dirty="0"/>
-              <a:t>아울렛의 층을</a:t>
-            </a:r>
-            <a:endParaRPr kumimoji="1" lang="en-US" altLang="ko-KR" dirty="0"/>
-          </a:p>
-          <a:p>
-            <a:pPr algn="ctr">
-              <a:lnSpc>
-                <a:spcPct val="150000"/>
-              </a:lnSpc>
-            </a:pPr>
-            <a:r>
-              <a:rPr kumimoji="1" lang="ko-KR" altLang="en-US" dirty="0"/>
-              <a:t>각각 버튼형식으로</a:t>
-            </a:r>
-            <a:endParaRPr kumimoji="1" lang="en-US" altLang="ko-KR" dirty="0"/>
-          </a:p>
-          <a:p>
-            <a:pPr algn="ctr">
-              <a:lnSpc>
-                <a:spcPct val="150000"/>
-              </a:lnSpc>
-            </a:pPr>
-            <a:r>
-              <a:rPr kumimoji="1" lang="ko-KR" altLang="en-US" dirty="0"/>
-              <a:t>화면에 내림차순 출력한다</a:t>
-            </a:r>
-            <a:r>
-              <a:rPr kumimoji="1" lang="en-US" altLang="ko-KR" dirty="0"/>
-              <a:t>.</a:t>
-            </a:r>
-            <a:endParaRPr kumimoji="1" lang="ko-KR" altLang="en-US" dirty="0"/>
-          </a:p>
-        </p:txBody>
-      </p:sp>
-      <p:pic>
-        <p:nvPicPr>
-          <p:cNvPr id="12" name="그림 11">
-            <a:extLst>
-              <a:ext uri="{FF2B5EF4-FFF2-40B4-BE49-F238E27FC236}">
-                <a16:creationId xmlns:a16="http://schemas.microsoft.com/office/drawing/2014/main" id="{A2AC69BE-A447-B345-8EC7-A210ADB32452}"/>
-              </a:ext>
-            </a:extLst>
-          </p:cNvPr>
-          <p:cNvPicPr>
-            <a:picLocks noChangeAspect="1"/>
-          </p:cNvPicPr>
-          <p:nvPr/>
-        </p:nvPicPr>
-        <p:blipFill>
-          <a:blip r:embed="rId2"/>
-          <a:stretch>
-            <a:fillRect/>
-          </a:stretch>
-        </p:blipFill>
-        <p:spPr>
-          <a:xfrm>
-            <a:off x="4388992" y="585000"/>
-            <a:ext cx="3412800" cy="5688000"/>
-          </a:xfrm>
-          <a:prstGeom prst="rect">
-            <a:avLst/>
-          </a:prstGeom>
-          <a:ln>
-            <a:noFill/>
-          </a:ln>
-          <a:effectLst>
-            <a:outerShdw blurRad="292100" dist="139700" dir="2700000" algn="tl" rotWithShape="0">
-              <a:srgbClr val="333333">
-                <a:alpha val="65000"/>
-              </a:srgbClr>
-            </a:outerShdw>
-          </a:effectLst>
-        </p:spPr>
-      </p:pic>
+              <a:rPr lang="ko-KR" altLang="en-US" dirty="0"/>
+              <a:t> 설정</a:t>
+            </a:r>
+          </a:p>
+        </p:txBody>
+      </p:sp>
     </p:spTree>
     <p:extLst>
       <p:ext uri="{BB962C8B-B14F-4D97-AF65-F5344CB8AC3E}">
-        <p14:creationId xmlns:p14="http://schemas.microsoft.com/office/powerpoint/2010/main" val="1940128350"/>
+        <p14:creationId xmlns:p14="http://schemas.microsoft.com/office/powerpoint/2010/main" val="3243771565"/>
       </p:ext>
     </p:extLst>
   </p:cSld>
@@ -4351,6 +5576,46 @@
           <a:chExt cx="0" cy="0"/>
         </a:xfrm>
       </p:grpSpPr>
+      <p:pic>
+        <p:nvPicPr>
+          <p:cNvPr id="3" name="그림 2">
+            <a:extLst>
+              <a:ext uri="{FF2B5EF4-FFF2-40B4-BE49-F238E27FC236}">
+                <a16:creationId xmlns:a16="http://schemas.microsoft.com/office/drawing/2014/main" id="{591C52FB-0736-1940-8DE7-29B4F7E0C460}"/>
+              </a:ext>
+            </a:extLst>
+          </p:cNvPr>
+          <p:cNvPicPr>
+            <a:picLocks noChangeAspect="1"/>
+          </p:cNvPicPr>
+          <p:nvPr/>
+        </p:nvPicPr>
+        <p:blipFill>
+          <a:blip r:embed="rId2"/>
+          <a:stretch>
+            <a:fillRect/>
+          </a:stretch>
+        </p:blipFill>
+        <p:spPr>
+          <a:xfrm>
+            <a:off x="4390208" y="586014"/>
+            <a:ext cx="3411583" cy="5685972"/>
+          </a:xfrm>
+          <a:prstGeom prst="rect">
+            <a:avLst/>
+          </a:prstGeom>
+          <a:ln>
+            <a:noFill/>
+          </a:ln>
+          <a:effectLst>
+            <a:outerShdw blurRad="292100" dist="139700" dir="2700000" algn="tl" rotWithShape="0">
+              <a:srgbClr val="333333">
+                <a:alpha val="65000"/>
+              </a:srgbClr>
+            </a:outerShdw>
+          </a:effectLst>
+        </p:spPr>
+      </p:pic>
       <p:sp>
         <p:nvSpPr>
           <p:cNvPr id="9" name="모서리가 둥근 사각형 설명선[R] 8">
@@ -4370,8 +5635,8 @@
           </a:xfrm>
           <a:prstGeom prst="wedgeRoundRectCallout">
             <a:avLst>
-              <a:gd name="adj1" fmla="val -61706"/>
-              <a:gd name="adj2" fmla="val 23995"/>
+              <a:gd name="adj1" fmla="val -61944"/>
+              <a:gd name="adj2" fmla="val 22855"/>
               <a:gd name="adj3" fmla="val 16667"/>
             </a:avLst>
           </a:prstGeom>
@@ -4401,9 +5666,20 @@
             </a:pPr>
             <a:r>
               <a:rPr kumimoji="1" lang="ko-KR" altLang="en-US" dirty="0"/>
-              <a:t>사용자는 자신의 위치와</a:t>
-            </a:r>
-            <a:endParaRPr kumimoji="1" lang="en-US" altLang="ko-KR" dirty="0"/>
+              <a:t>사용자는 주어진 선택지</a:t>
+            </a:r>
+            <a:r>
+              <a:rPr kumimoji="1" lang="en-US" altLang="ko-KR"/>
+              <a:t> </a:t>
+            </a:r>
+            <a:r>
+              <a:rPr kumimoji="1" lang="ko-KR" altLang="en-US"/>
+              <a:t>중</a:t>
+            </a:r>
+            <a:r>
+              <a:rPr kumimoji="1" lang="en-US" altLang="ko-KR" dirty="0"/>
+              <a:t>,</a:t>
+            </a:r>
           </a:p>
           <a:p>
             <a:pPr algn="ctr">
@@ -4413,15 +5689,7 @@
             </a:pPr>
             <a:r>
               <a:rPr kumimoji="1" lang="ko-KR" altLang="en-US" dirty="0"/>
-              <a:t>가장 가까운</a:t>
-            </a:r>
-            <a:r>
-              <a:rPr kumimoji="1" lang="en-US" altLang="ko-KR" dirty="0"/>
-              <a:t> </a:t>
-            </a:r>
-            <a:r>
-              <a:rPr kumimoji="1" lang="ko-KR" altLang="en-US" dirty="0"/>
-              <a:t>위치의</a:t>
+              <a:t>자신이 쇼핑하려는</a:t>
             </a:r>
             <a:endParaRPr kumimoji="1" lang="en-US" altLang="ko-KR" dirty="0"/>
           </a:p>
@@ -4433,12 +5701,13 @@
             </a:pPr>
             <a:r>
               <a:rPr kumimoji="1" lang="ko-KR" altLang="en-US" dirty="0"/>
-              <a:t>버튼을 클릭한다</a:t>
+              <a:t>지점을 클릭한다</a:t>
             </a:r>
             <a:r>
               <a:rPr kumimoji="1" lang="en-US" altLang="ko-KR" dirty="0"/>
               <a:t>.</a:t>
             </a:r>
+            <a:endParaRPr kumimoji="1" lang="ko-KR" altLang="en-US" dirty="0"/>
           </a:p>
         </p:txBody>
       </p:sp>
@@ -4457,7 +5726,7 @@
         <p:spPr>
           <a:xfrm>
             <a:off x="431075" y="401348"/>
-            <a:ext cx="3412800" cy="523220"/>
+            <a:ext cx="2155371" cy="523220"/>
           </a:xfrm>
           <a:prstGeom prst="rect">
             <a:avLst/>
@@ -4471,40 +5740,16 @@
           <a:lstStyle/>
           <a:p>
             <a:r>
-              <a:rPr kumimoji="1" lang="ko-KR" altLang="en-US" sz="2800" b="1" dirty="0" err="1">
-                <a:latin typeface="+mj-lt"/>
-                <a:ea typeface="SeoulNamsan CEB" panose="02020603020101020101" pitchFamily="18" charset="-127"/>
-              </a:rPr>
-              <a:t>현위치</a:t>
-            </a:r>
-            <a:r>
               <a:rPr kumimoji="1" lang="ko-KR" altLang="en-US" sz="2800" b="1" dirty="0">
                 <a:latin typeface="+mj-lt"/>
                 <a:ea typeface="SeoulNamsan CEB" panose="02020603020101020101" pitchFamily="18" charset="-127"/>
               </a:rPr>
-              <a:t> 설정 </a:t>
-            </a:r>
-            <a:r>
-              <a:rPr kumimoji="1" lang="en-US" altLang="ko-KR" sz="2800" b="1" dirty="0">
-                <a:latin typeface="+mj-lt"/>
-                <a:ea typeface="SeoulNamsan CEB" panose="02020603020101020101" pitchFamily="18" charset="-127"/>
-              </a:rPr>
-              <a:t>(</a:t>
-            </a:r>
-            <a:r>
-              <a:rPr kumimoji="1" lang="ko-KR" altLang="en-US" sz="2800" b="1" dirty="0" err="1">
-                <a:latin typeface="+mj-lt"/>
-                <a:ea typeface="SeoulNamsan CEB" panose="02020603020101020101" pitchFamily="18" charset="-127"/>
-              </a:rPr>
-              <a:t>매장맵</a:t>
-            </a:r>
-            <a:r>
-              <a:rPr kumimoji="1" lang="en-US" altLang="ko-KR" sz="2800" b="1" dirty="0">
-                <a:latin typeface="+mj-lt"/>
-                <a:ea typeface="SeoulNamsan CEB" panose="02020603020101020101" pitchFamily="18" charset="-127"/>
-              </a:rPr>
-              <a:t>)</a:t>
-            </a:r>
+              <a:t>아울렛 선택</a:t>
+            </a:r>
+            <a:endParaRPr kumimoji="1" lang="en-US" altLang="ko-KR" sz="2800" b="1" dirty="0">
+              <a:latin typeface="+mj-lt"/>
+              <a:ea typeface="SeoulNamsan CEB" panose="02020603020101020101" pitchFamily="18" charset="-127"/>
+            </a:endParaRPr>
           </a:p>
         </p:txBody>
       </p:sp>
@@ -4523,7 +5768,7 @@
         <p:spPr>
           <a:xfrm>
             <a:off x="171992" y="1221377"/>
-            <a:ext cx="3526971" cy="3712573"/>
+            <a:ext cx="3526971" cy="2207623"/>
           </a:xfrm>
           <a:prstGeom prst="wedgeRoundRectCallout">
             <a:avLst>
@@ -4558,7 +5803,7 @@
             </a:pPr>
             <a:r>
               <a:rPr kumimoji="1" lang="ko-KR" altLang="en-US" dirty="0"/>
-              <a:t>시스템은 사용자가 </a:t>
+              <a:t>시스템은 아울렛로고와</a:t>
             </a:r>
             <a:endParaRPr kumimoji="1" lang="en-US" altLang="ko-KR" dirty="0"/>
           </a:p>
@@ -4570,7 +5815,7 @@
             </a:pPr>
             <a:r>
               <a:rPr kumimoji="1" lang="ko-KR" altLang="en-US" dirty="0"/>
-              <a:t>선택한 층에 해당하는</a:t>
+              <a:t>해당 아울렛지점을 </a:t>
             </a:r>
             <a:endParaRPr kumimoji="1" lang="en-US" altLang="ko-KR" dirty="0"/>
           </a:p>
@@ -4582,20 +5827,9 @@
             </a:pPr>
             <a:r>
               <a:rPr kumimoji="1" lang="ko-KR" altLang="en-US" dirty="0"/>
-              <a:t> </a:t>
-            </a:r>
-            <a:r>
-              <a:rPr kumimoji="1" lang="ko-KR" altLang="en-US" dirty="0" err="1"/>
-              <a:t>매장맵을</a:t>
-            </a:r>
-            <a:r>
-              <a:rPr kumimoji="1" lang="ko-KR" altLang="en-US" dirty="0"/>
-              <a:t> 출력하고</a:t>
-            </a:r>
-            <a:r>
-              <a:rPr kumimoji="1" lang="en-US" altLang="ko-KR" dirty="0"/>
-              <a:t>,</a:t>
-            </a:r>
+              <a:t>버튼형식으로</a:t>
+            </a:r>
+            <a:endParaRPr kumimoji="1" lang="en-US" altLang="ko-KR" dirty="0"/>
           </a:p>
           <a:p>
             <a:pPr algn="ctr">
@@ -4605,102 +5839,20 @@
             </a:pPr>
             <a:r>
               <a:rPr kumimoji="1" lang="ko-KR" altLang="en-US" dirty="0"/>
-              <a:t>출입 혹은 이동이 가능한 </a:t>
-            </a:r>
-            <a:endParaRPr kumimoji="1" lang="en-US" altLang="ko-KR" dirty="0"/>
-          </a:p>
-          <a:p>
-            <a:pPr algn="ctr">
-              <a:lnSpc>
-                <a:spcPct val="150000"/>
-              </a:lnSpc>
-            </a:pPr>
-            <a:r>
-              <a:rPr kumimoji="1" lang="ko-KR" altLang="en-US" dirty="0"/>
-              <a:t>위치</a:t>
-            </a:r>
-            <a:r>
-              <a:rPr kumimoji="1" lang="en-US" altLang="ko-KR" dirty="0"/>
-              <a:t>(ex</a:t>
-            </a:r>
-            <a:r>
-              <a:rPr kumimoji="1" lang="ko-KR" altLang="en-US" dirty="0"/>
-              <a:t>에스컬레이터</a:t>
-            </a:r>
-            <a:r>
-              <a:rPr kumimoji="1" lang="en-US" altLang="ko-KR" dirty="0"/>
-              <a:t>)</a:t>
-            </a:r>
-            <a:r>
-              <a:rPr kumimoji="1" lang="ko-KR" altLang="en-US" dirty="0"/>
-              <a:t>에 </a:t>
-            </a:r>
-            <a:endParaRPr kumimoji="1" lang="en-US" altLang="ko-KR" dirty="0"/>
-          </a:p>
-          <a:p>
-            <a:pPr algn="ctr">
-              <a:lnSpc>
-                <a:spcPct val="150000"/>
-              </a:lnSpc>
-            </a:pPr>
-            <a:r>
-              <a:rPr kumimoji="1" lang="ko-KR" altLang="en-US" dirty="0" err="1"/>
-              <a:t>선택버튼을</a:t>
-            </a:r>
-            <a:r>
-              <a:rPr kumimoji="1" lang="ko-KR" altLang="en-US" dirty="0"/>
-              <a:t> 출력한다</a:t>
+              <a:t>화면에 출력한다</a:t>
             </a:r>
             <a:r>
               <a:rPr kumimoji="1" lang="en-US" altLang="ko-KR" dirty="0"/>
               <a:t>.</a:t>
             </a:r>
-          </a:p>
-        </p:txBody>
-      </p:sp>
-      <p:pic>
-        <p:nvPicPr>
-          <p:cNvPr id="6" name="그림 5">
-            <a:extLst>
-              <a:ext uri="{FF2B5EF4-FFF2-40B4-BE49-F238E27FC236}">
-                <a16:creationId xmlns:a16="http://schemas.microsoft.com/office/drawing/2014/main" id="{74CAB2B1-363E-7443-93CF-6561D4D0EB2E}"/>
-              </a:ext>
-            </a:extLst>
-          </p:cNvPr>
-          <p:cNvPicPr>
-            <a:picLocks noChangeAspect="1"/>
-          </p:cNvPicPr>
-          <p:nvPr/>
-        </p:nvPicPr>
-        <p:blipFill rotWithShape="1">
-          <a:blip r:embed="rId2"/>
-          <a:srcRect l="2583" t="970" r="2912" b="2787"/>
-          <a:stretch/>
-        </p:blipFill>
-        <p:spPr>
-          <a:xfrm>
-            <a:off x="4388992" y="585000"/>
-            <a:ext cx="3417099" cy="5688000"/>
-          </a:xfrm>
-          <a:prstGeom prst="rect">
-            <a:avLst/>
-          </a:prstGeom>
-          <a:ln>
-            <a:noFill/>
-          </a:ln>
-          <a:effectLst>
-            <a:outerShdw blurRad="292100" dist="139700" dir="2700000" algn="tl" rotWithShape="0">
-              <a:srgbClr val="333333">
-                <a:alpha val="65000"/>
-              </a:srgbClr>
-            </a:outerShdw>
-          </a:effectLst>
-        </p:spPr>
-      </p:pic>
+            <a:endParaRPr kumimoji="1" lang="ko-KR" altLang="en-US" dirty="0"/>
+          </a:p>
+        </p:txBody>
+      </p:sp>
     </p:spTree>
     <p:extLst>
       <p:ext uri="{BB962C8B-B14F-4D97-AF65-F5344CB8AC3E}">
-        <p14:creationId xmlns:p14="http://schemas.microsoft.com/office/powerpoint/2010/main" val="2579062294"/>
+        <p14:creationId xmlns:p14="http://schemas.microsoft.com/office/powerpoint/2010/main" val="667065640"/>
       </p:ext>
     </p:extLst>
   </p:cSld>
@@ -4777,33 +5929,24 @@
             </a:pPr>
             <a:r>
               <a:rPr kumimoji="1" lang="ko-KR" altLang="en-US" dirty="0"/>
-              <a:t>시스템은 구매여부 </a:t>
-            </a:r>
-            <a:r>
-              <a:rPr kumimoji="1" lang="ko-KR" altLang="en-US" dirty="0" err="1"/>
-              <a:t>체크가된</a:t>
-            </a:r>
+              <a:t>사용자는 자신이</a:t>
+            </a:r>
+            <a:endParaRPr kumimoji="1" lang="en-US" altLang="ko-KR" dirty="0"/>
+          </a:p>
+          <a:p>
+            <a:pPr algn="ctr">
+              <a:lnSpc>
+                <a:spcPct val="150000"/>
+              </a:lnSpc>
+            </a:pPr>
             <a:r>
               <a:rPr kumimoji="1" lang="ko-KR" altLang="en-US" dirty="0"/>
-              <a:t> 브랜드의 위치를 현위치로 설정하고</a:t>
-            </a:r>
-            <a:r>
-              <a:rPr kumimoji="1" lang="en-US" altLang="ko-KR" dirty="0"/>
-              <a:t>, </a:t>
-            </a:r>
-            <a:r>
-              <a:rPr kumimoji="1" lang="ko-KR" altLang="en-US" dirty="0"/>
-              <a:t>해당 브랜드를 방문한 것으로 처리한다</a:t>
+              <a:t>있는 층수를 클릭한다</a:t>
             </a:r>
             <a:r>
               <a:rPr kumimoji="1" lang="en-US" altLang="ko-KR" dirty="0"/>
               <a:t>.</a:t>
             </a:r>
-            <a:r>
-              <a:rPr kumimoji="1" lang="ko-KR" altLang="en-US" dirty="0"/>
-              <a:t> </a:t>
-            </a:r>
-            <a:endParaRPr kumimoji="1" lang="en-US" altLang="ko-KR" dirty="0"/>
           </a:p>
         </p:txBody>
       </p:sp>
@@ -4857,11 +6000,11 @@
               <a:t>(</a:t>
             </a:r>
             <a:r>
-              <a:rPr kumimoji="1" lang="ko-KR" altLang="en-US" sz="2800" b="1" dirty="0" err="1">
+              <a:rPr kumimoji="1" lang="ko-KR" altLang="en-US" sz="2800" b="1" dirty="0">
                 <a:latin typeface="+mj-lt"/>
                 <a:ea typeface="SeoulNamsan CEB" panose="02020603020101020101" pitchFamily="18" charset="-127"/>
               </a:rPr>
-              <a:t>쇼핑중</a:t>
+              <a:t>층수</a:t>
             </a:r>
             <a:r>
               <a:rPr kumimoji="1" lang="en-US" altLang="ko-KR" sz="2800" b="1" dirty="0">
@@ -4888,7 +6031,7 @@
         <p:spPr>
           <a:xfrm>
             <a:off x="171992" y="1221377"/>
-            <a:ext cx="3526971" cy="3712573"/>
+            <a:ext cx="3526971" cy="2207623"/>
           </a:xfrm>
           <a:prstGeom prst="wedgeRoundRectCallout">
             <a:avLst>
@@ -4923,45 +6066,58 @@
             </a:pPr>
             <a:r>
               <a:rPr kumimoji="1" lang="ko-KR" altLang="en-US" dirty="0"/>
-              <a:t>사용자는 </a:t>
-            </a:r>
-            <a:r>
-              <a:rPr kumimoji="1" lang="ko-KR" altLang="en-US" dirty="0" err="1"/>
-              <a:t>쇼핑중</a:t>
-            </a:r>
+              <a:t>시스템은 사용자가 선택한</a:t>
+            </a:r>
+            <a:endParaRPr kumimoji="1" lang="en-US" altLang="ko-KR" dirty="0"/>
+          </a:p>
+          <a:p>
+            <a:pPr algn="ctr">
+              <a:lnSpc>
+                <a:spcPct val="150000"/>
+              </a:lnSpc>
+            </a:pPr>
             <a:r>
               <a:rPr kumimoji="1" lang="ko-KR" altLang="en-US" dirty="0"/>
-              <a:t> 방문한 브랜드에 대하여 구매여부를 </a:t>
-            </a:r>
-            <a:r>
-              <a:rPr kumimoji="1" lang="en-US" altLang="ko-KR" dirty="0"/>
-              <a:t>Yes </a:t>
-            </a:r>
+              <a:t>아울렛의 층을</a:t>
+            </a:r>
+            <a:endParaRPr kumimoji="1" lang="en-US" altLang="ko-KR" dirty="0"/>
+          </a:p>
+          <a:p>
+            <a:pPr algn="ctr">
+              <a:lnSpc>
+                <a:spcPct val="150000"/>
+              </a:lnSpc>
+            </a:pPr>
             <a:r>
               <a:rPr kumimoji="1" lang="ko-KR" altLang="en-US" dirty="0"/>
-              <a:t>또는 </a:t>
-            </a:r>
-            <a:r>
-              <a:rPr kumimoji="1" lang="en-US" altLang="ko-KR" dirty="0"/>
-              <a:t>No</a:t>
-            </a:r>
+              <a:t>각각 버튼형식으로</a:t>
+            </a:r>
+            <a:endParaRPr kumimoji="1" lang="en-US" altLang="ko-KR" dirty="0"/>
+          </a:p>
+          <a:p>
+            <a:pPr algn="ctr">
+              <a:lnSpc>
+                <a:spcPct val="150000"/>
+              </a:lnSpc>
+            </a:pPr>
             <a:r>
               <a:rPr kumimoji="1" lang="ko-KR" altLang="en-US" dirty="0"/>
-              <a:t>를 체크한다</a:t>
+              <a:t>화면에 내림차순 출력한다</a:t>
             </a:r>
             <a:r>
               <a:rPr kumimoji="1" lang="en-US" altLang="ko-KR" dirty="0"/>
               <a:t>.</a:t>
             </a:r>
+            <a:endParaRPr kumimoji="1" lang="ko-KR" altLang="en-US" dirty="0"/>
           </a:p>
         </p:txBody>
       </p:sp>
       <p:pic>
         <p:nvPicPr>
-          <p:cNvPr id="7" name="그림 6">
-            <a:extLst>
-              <a:ext uri="{FF2B5EF4-FFF2-40B4-BE49-F238E27FC236}">
-                <a16:creationId xmlns:a16="http://schemas.microsoft.com/office/drawing/2014/main" id="{68791248-33B3-460B-AB0C-ED97E2A5DBB7}"/>
+          <p:cNvPr id="12" name="그림 11">
+            <a:extLst>
+              <a:ext uri="{FF2B5EF4-FFF2-40B4-BE49-F238E27FC236}">
+                <a16:creationId xmlns:a16="http://schemas.microsoft.com/office/drawing/2014/main" id="{A2AC69BE-A447-B345-8EC7-A210ADB32452}"/>
               </a:ext>
             </a:extLst>
           </p:cNvPr>
@@ -4971,83 +6127,35 @@
           <p:nvPr/>
         </p:nvPicPr>
         <p:blipFill>
-          <a:blip r:embed="rId2">
-            <a:extLst>
-              <a:ext uri="{28A0092B-C50C-407E-A947-70E740481C1C}">
-                <a14:useLocalDpi xmlns:a14="http://schemas.microsoft.com/office/drawing/2010/main" val="0"/>
-              </a:ext>
-            </a:extLst>
-          </a:blip>
+          <a:blip r:embed="rId2"/>
           <a:stretch>
             <a:fillRect/>
           </a:stretch>
         </p:blipFill>
         <p:spPr>
           <a:xfrm>
-            <a:off x="4416104" y="671499"/>
-            <a:ext cx="3359791" cy="5599651"/>
+            <a:off x="4388992" y="585000"/>
+            <a:ext cx="3412800" cy="5688000"/>
           </a:xfrm>
           <a:prstGeom prst="rect">
             <a:avLst/>
           </a:prstGeom>
+          <a:ln>
+            <a:noFill/>
+          </a:ln>
+          <a:effectLst>
+            <a:outerShdw blurRad="292100" dist="139700" dir="2700000" algn="tl" rotWithShape="0">
+              <a:srgbClr val="333333">
+                <a:alpha val="65000"/>
+              </a:srgbClr>
+            </a:outerShdw>
+          </a:effectLst>
         </p:spPr>
       </p:pic>
-      <p:sp>
-        <p:nvSpPr>
-          <p:cNvPr id="2" name="타원 1">
-            <a:extLst>
-              <a:ext uri="{FF2B5EF4-FFF2-40B4-BE49-F238E27FC236}">
-                <a16:creationId xmlns:a16="http://schemas.microsoft.com/office/drawing/2014/main" id="{ED218811-8B07-4D20-A66A-DB1CFCAFC4CC}"/>
-              </a:ext>
-            </a:extLst>
-          </p:cNvPr>
-          <p:cNvSpPr/>
-          <p:nvPr/>
-        </p:nvSpPr>
-        <p:spPr>
-          <a:xfrm>
-            <a:off x="6593338" y="5294412"/>
-            <a:ext cx="1048624" cy="436228"/>
-          </a:xfrm>
-          <a:prstGeom prst="ellipse">
-            <a:avLst/>
-          </a:prstGeom>
-          <a:noFill/>
-          <a:ln>
-            <a:solidFill>
-              <a:srgbClr val="FF0000"/>
-            </a:solidFill>
-          </a:ln>
-        </p:spPr>
-        <p:style>
-          <a:lnRef idx="2">
-            <a:schemeClr val="accent1">
-              <a:shade val="50000"/>
-            </a:schemeClr>
-          </a:lnRef>
-          <a:fillRef idx="1">
-            <a:schemeClr val="accent1"/>
-          </a:fillRef>
-          <a:effectRef idx="0">
-            <a:schemeClr val="accent1"/>
-          </a:effectRef>
-          <a:fontRef idx="minor">
-            <a:schemeClr val="lt1"/>
-          </a:fontRef>
-        </p:style>
-        <p:txBody>
-          <a:bodyPr rtlCol="0" anchor="ctr"/>
-          <a:lstStyle/>
-          <a:p>
-            <a:pPr algn="ctr"/>
-            <a:endParaRPr lang="ko-KR" altLang="en-US"/>
-          </a:p>
-        </p:txBody>
-      </p:sp>
     </p:spTree>
     <p:extLst>
       <p:ext uri="{BB962C8B-B14F-4D97-AF65-F5344CB8AC3E}">
-        <p14:creationId xmlns:p14="http://schemas.microsoft.com/office/powerpoint/2010/main" val="1580321669"/>
+        <p14:creationId xmlns:p14="http://schemas.microsoft.com/office/powerpoint/2010/main" val="1940128350"/>
       </p:ext>
     </p:extLst>
   </p:cSld>
@@ -5074,12 +6182,319 @@
           <a:chExt cx="0" cy="0"/>
         </a:xfrm>
       </p:grpSpPr>
+      <p:sp>
+        <p:nvSpPr>
+          <p:cNvPr id="9" name="모서리가 둥근 사각형 설명선[R] 8">
+            <a:extLst>
+              <a:ext uri="{FF2B5EF4-FFF2-40B4-BE49-F238E27FC236}">
+                <a16:creationId xmlns:a16="http://schemas.microsoft.com/office/drawing/2014/main" id="{ACE96112-6C5F-CF49-8713-DD767AA3F5C5}"/>
+              </a:ext>
+            </a:extLst>
+          </p:cNvPr>
+          <p:cNvSpPr/>
+          <p:nvPr/>
+        </p:nvSpPr>
+        <p:spPr>
+          <a:xfrm>
+            <a:off x="8493036" y="3304903"/>
+            <a:ext cx="3526971" cy="2207623"/>
+          </a:xfrm>
+          <a:prstGeom prst="wedgeRoundRectCallout">
+            <a:avLst>
+              <a:gd name="adj1" fmla="val -61706"/>
+              <a:gd name="adj2" fmla="val 23995"/>
+              <a:gd name="adj3" fmla="val 16667"/>
+            </a:avLst>
+          </a:prstGeom>
+        </p:spPr>
+        <p:style>
+          <a:lnRef idx="0">
+            <a:schemeClr val="dk1"/>
+          </a:lnRef>
+          <a:fillRef idx="3">
+            <a:schemeClr val="dk1"/>
+          </a:fillRef>
+          <a:effectRef idx="3">
+            <a:schemeClr val="dk1"/>
+          </a:effectRef>
+          <a:fontRef idx="minor">
+            <a:schemeClr val="lt1"/>
+          </a:fontRef>
+        </p:style>
+        <p:txBody>
+          <a:bodyPr rtlCol="0" anchor="ctr"/>
+          <a:lstStyle/>
+          <a:p>
+            <a:pPr algn="ctr">
+              <a:lnSpc>
+                <a:spcPct val="150000"/>
+              </a:lnSpc>
+            </a:pPr>
+            <a:r>
+              <a:rPr kumimoji="1" lang="ko-KR" altLang="en-US" dirty="0"/>
+              <a:t>사용자는 자신의 위치와</a:t>
+            </a:r>
+            <a:endParaRPr kumimoji="1" lang="en-US" altLang="ko-KR" dirty="0"/>
+          </a:p>
+          <a:p>
+            <a:pPr algn="ctr">
+              <a:lnSpc>
+                <a:spcPct val="150000"/>
+              </a:lnSpc>
+            </a:pPr>
+            <a:r>
+              <a:rPr kumimoji="1" lang="ko-KR" altLang="en-US" dirty="0"/>
+              <a:t>가장 가까운</a:t>
+            </a:r>
+            <a:r>
+              <a:rPr kumimoji="1" lang="en-US" altLang="ko-KR" dirty="0"/>
+              <a:t> </a:t>
+            </a:r>
+            <a:r>
+              <a:rPr kumimoji="1" lang="ko-KR" altLang="en-US" dirty="0"/>
+              <a:t>위치의</a:t>
+            </a:r>
+            <a:endParaRPr kumimoji="1" lang="en-US" altLang="ko-KR" dirty="0"/>
+          </a:p>
+          <a:p>
+            <a:pPr algn="ctr">
+              <a:lnSpc>
+                <a:spcPct val="150000"/>
+              </a:lnSpc>
+            </a:pPr>
+            <a:r>
+              <a:rPr kumimoji="1" lang="ko-KR" altLang="en-US" dirty="0"/>
+              <a:t>버튼을 클릭한다</a:t>
+            </a:r>
+            <a:r>
+              <a:rPr kumimoji="1" lang="en-US" altLang="ko-KR" dirty="0"/>
+              <a:t>.</a:t>
+            </a:r>
+          </a:p>
+        </p:txBody>
+      </p:sp>
+      <p:sp>
+        <p:nvSpPr>
+          <p:cNvPr id="10" name="TextBox 9">
+            <a:extLst>
+              <a:ext uri="{FF2B5EF4-FFF2-40B4-BE49-F238E27FC236}">
+                <a16:creationId xmlns:a16="http://schemas.microsoft.com/office/drawing/2014/main" id="{8A395FAC-B18C-1F4C-9AE0-9BDEB699283F}"/>
+              </a:ext>
+            </a:extLst>
+          </p:cNvPr>
+          <p:cNvSpPr txBox="1"/>
+          <p:nvPr/>
+        </p:nvSpPr>
+        <p:spPr>
+          <a:xfrm>
+            <a:off x="431075" y="401348"/>
+            <a:ext cx="3412800" cy="523220"/>
+          </a:xfrm>
+          <a:prstGeom prst="rect">
+            <a:avLst/>
+          </a:prstGeom>
+          <a:noFill/>
+        </p:spPr>
+        <p:txBody>
+          <a:bodyPr wrap="square" rtlCol="0">
+            <a:spAutoFit/>
+          </a:bodyPr>
+          <a:lstStyle/>
+          <a:p>
+            <a:r>
+              <a:rPr kumimoji="1" lang="ko-KR" altLang="en-US" sz="2800" b="1" dirty="0" err="1">
+                <a:latin typeface="+mj-lt"/>
+                <a:ea typeface="SeoulNamsan CEB" panose="02020603020101020101" pitchFamily="18" charset="-127"/>
+              </a:rPr>
+              <a:t>현위치</a:t>
+            </a:r>
+            <a:r>
+              <a:rPr kumimoji="1" lang="ko-KR" altLang="en-US" sz="2800" b="1" dirty="0">
+                <a:latin typeface="+mj-lt"/>
+                <a:ea typeface="SeoulNamsan CEB" panose="02020603020101020101" pitchFamily="18" charset="-127"/>
+              </a:rPr>
+              <a:t> 설정 </a:t>
+            </a:r>
+            <a:r>
+              <a:rPr kumimoji="1" lang="en-US" altLang="ko-KR" sz="2800" b="1" dirty="0">
+                <a:latin typeface="+mj-lt"/>
+                <a:ea typeface="SeoulNamsan CEB" panose="02020603020101020101" pitchFamily="18" charset="-127"/>
+              </a:rPr>
+              <a:t>(</a:t>
+            </a:r>
+            <a:r>
+              <a:rPr kumimoji="1" lang="ko-KR" altLang="en-US" sz="2800" b="1" dirty="0" err="1">
+                <a:latin typeface="+mj-lt"/>
+                <a:ea typeface="SeoulNamsan CEB" panose="02020603020101020101" pitchFamily="18" charset="-127"/>
+              </a:rPr>
+              <a:t>매장맵</a:t>
+            </a:r>
+            <a:r>
+              <a:rPr kumimoji="1" lang="en-US" altLang="ko-KR" sz="2800" b="1" dirty="0">
+                <a:latin typeface="+mj-lt"/>
+                <a:ea typeface="SeoulNamsan CEB" panose="02020603020101020101" pitchFamily="18" charset="-127"/>
+              </a:rPr>
+              <a:t>)</a:t>
+            </a:r>
+          </a:p>
+        </p:txBody>
+      </p:sp>
+      <p:sp>
+        <p:nvSpPr>
+          <p:cNvPr id="11" name="모서리가 둥근 사각형 설명선[R] 10">
+            <a:extLst>
+              <a:ext uri="{FF2B5EF4-FFF2-40B4-BE49-F238E27FC236}">
+                <a16:creationId xmlns:a16="http://schemas.microsoft.com/office/drawing/2014/main" id="{31613A69-B136-C246-9D7F-AD3D29E7D1CA}"/>
+              </a:ext>
+            </a:extLst>
+          </p:cNvPr>
+          <p:cNvSpPr/>
+          <p:nvPr/>
+        </p:nvSpPr>
+        <p:spPr>
+          <a:xfrm>
+            <a:off x="171992" y="1221377"/>
+            <a:ext cx="3526971" cy="3712573"/>
+          </a:xfrm>
+          <a:prstGeom prst="wedgeRoundRectCallout">
+            <a:avLst>
+              <a:gd name="adj1" fmla="val 60278"/>
+              <a:gd name="adj2" fmla="val 22263"/>
+              <a:gd name="adj3" fmla="val 16667"/>
+            </a:avLst>
+          </a:prstGeom>
+        </p:spPr>
+        <p:style>
+          <a:lnRef idx="0">
+            <a:schemeClr val="dk1"/>
+          </a:lnRef>
+          <a:fillRef idx="3">
+            <a:schemeClr val="dk1"/>
+          </a:fillRef>
+          <a:effectRef idx="3">
+            <a:schemeClr val="dk1"/>
+          </a:effectRef>
+          <a:fontRef idx="minor">
+            <a:schemeClr val="lt1"/>
+          </a:fontRef>
+        </p:style>
+        <p:txBody>
+          <a:bodyPr rtlCol="0" anchor="ctr"/>
+          <a:lstStyle/>
+          <a:p>
+            <a:pPr algn="ctr">
+              <a:lnSpc>
+                <a:spcPct val="150000"/>
+              </a:lnSpc>
+            </a:pPr>
+            <a:r>
+              <a:rPr kumimoji="1" lang="ko-KR" altLang="en-US" dirty="0"/>
+              <a:t>시스템은 사용자가 </a:t>
+            </a:r>
+            <a:endParaRPr kumimoji="1" lang="en-US" altLang="ko-KR" dirty="0"/>
+          </a:p>
+          <a:p>
+            <a:pPr algn="ctr">
+              <a:lnSpc>
+                <a:spcPct val="150000"/>
+              </a:lnSpc>
+            </a:pPr>
+            <a:r>
+              <a:rPr kumimoji="1" lang="ko-KR" altLang="en-US" dirty="0"/>
+              <a:t>선택한 층에 해당하는</a:t>
+            </a:r>
+            <a:endParaRPr kumimoji="1" lang="en-US" altLang="ko-KR" dirty="0"/>
+          </a:p>
+          <a:p>
+            <a:pPr algn="ctr">
+              <a:lnSpc>
+                <a:spcPct val="150000"/>
+              </a:lnSpc>
+            </a:pPr>
+            <a:r>
+              <a:rPr kumimoji="1" lang="ko-KR" altLang="en-US" dirty="0"/>
+              <a:t> </a:t>
+            </a:r>
+            <a:r>
+              <a:rPr kumimoji="1" lang="ko-KR" altLang="en-US" dirty="0" err="1"/>
+              <a:t>매장맵을</a:t>
+            </a:r>
+            <a:r>
+              <a:rPr kumimoji="1" lang="ko-KR" altLang="en-US" dirty="0"/>
+              <a:t> 출력하고</a:t>
+            </a:r>
+            <a:r>
+              <a:rPr kumimoji="1" lang="en-US" altLang="ko-KR" dirty="0"/>
+              <a:t>,</a:t>
+            </a:r>
+          </a:p>
+          <a:p>
+            <a:pPr algn="ctr">
+              <a:lnSpc>
+                <a:spcPct val="150000"/>
+              </a:lnSpc>
+            </a:pPr>
+            <a:r>
+              <a:rPr kumimoji="1" lang="ko-KR" altLang="en-US" dirty="0"/>
+              <a:t>출입 혹은 이동이 가능한 </a:t>
+            </a:r>
+            <a:endParaRPr kumimoji="1" lang="en-US" altLang="ko-KR" dirty="0"/>
+          </a:p>
+          <a:p>
+            <a:pPr algn="ctr">
+              <a:lnSpc>
+                <a:spcPct val="150000"/>
+              </a:lnSpc>
+            </a:pPr>
+            <a:r>
+              <a:rPr kumimoji="1" lang="ko-KR" altLang="en-US" dirty="0"/>
+              <a:t>위치</a:t>
+            </a:r>
+            <a:r>
+              <a:rPr kumimoji="1" lang="en-US" altLang="ko-KR" dirty="0"/>
+              <a:t>(ex</a:t>
+            </a:r>
+            <a:r>
+              <a:rPr kumimoji="1" lang="ko-KR" altLang="en-US" dirty="0"/>
+              <a:t>에스컬레이터</a:t>
+            </a:r>
+            <a:r>
+              <a:rPr kumimoji="1" lang="en-US" altLang="ko-KR" dirty="0"/>
+              <a:t>)</a:t>
+            </a:r>
+            <a:r>
+              <a:rPr kumimoji="1" lang="ko-KR" altLang="en-US" dirty="0"/>
+              <a:t>에 </a:t>
+            </a:r>
+            <a:endParaRPr kumimoji="1" lang="en-US" altLang="ko-KR" dirty="0"/>
+          </a:p>
+          <a:p>
+            <a:pPr algn="ctr">
+              <a:lnSpc>
+                <a:spcPct val="150000"/>
+              </a:lnSpc>
+            </a:pPr>
+            <a:r>
+              <a:rPr kumimoji="1" lang="ko-KR" altLang="en-US" dirty="0" err="1"/>
+              <a:t>선택버튼을</a:t>
+            </a:r>
+            <a:r>
+              <a:rPr kumimoji="1" lang="ko-KR" altLang="en-US" dirty="0"/>
+              <a:t> 출력한다</a:t>
+            </a:r>
+            <a:r>
+              <a:rPr kumimoji="1" lang="en-US" altLang="ko-KR" dirty="0"/>
+              <a:t>.</a:t>
+            </a:r>
+          </a:p>
+        </p:txBody>
+      </p:sp>
       <p:pic>
         <p:nvPicPr>
-          <p:cNvPr id="5" name="그림 4">
-            <a:extLst>
-              <a:ext uri="{FF2B5EF4-FFF2-40B4-BE49-F238E27FC236}">
-                <a16:creationId xmlns:a16="http://schemas.microsoft.com/office/drawing/2014/main" id="{535E4A97-7739-47F9-AF76-DE35A6562048}"/>
+          <p:cNvPr id="6" name="그림 5">
+            <a:extLst>
+              <a:ext uri="{FF2B5EF4-FFF2-40B4-BE49-F238E27FC236}">
+                <a16:creationId xmlns:a16="http://schemas.microsoft.com/office/drawing/2014/main" id="{74CAB2B1-363E-7443-93CF-6561D4D0EB2E}"/>
               </a:ext>
             </a:extLst>
           </p:cNvPr>
@@ -5088,68 +6503,35 @@
           </p:cNvPicPr>
           <p:nvPr/>
         </p:nvPicPr>
-        <p:blipFill>
-          <a:blip r:embed="rId2">
-            <a:extLst>
-              <a:ext uri="{28A0092B-C50C-407E-A947-70E740481C1C}">
-                <a14:useLocalDpi xmlns:a14="http://schemas.microsoft.com/office/drawing/2010/main" val="0"/>
-              </a:ext>
-            </a:extLst>
-          </a:blip>
-          <a:stretch>
-            <a:fillRect/>
-          </a:stretch>
+        <p:blipFill rotWithShape="1">
+          <a:blip r:embed="rId2"/>
+          <a:srcRect l="2583" t="970" r="2912" b="2787"/>
+          <a:stretch/>
         </p:blipFill>
         <p:spPr>
           <a:xfrm>
-            <a:off x="7962900" y="611187"/>
-            <a:ext cx="3381375" cy="5635625"/>
+            <a:off x="4388992" y="585000"/>
+            <a:ext cx="3417099" cy="5688000"/>
           </a:xfrm>
           <a:prstGeom prst="rect">
             <a:avLst/>
           </a:prstGeom>
+          <a:ln>
+            <a:noFill/>
+          </a:ln>
+          <a:effectLst>
+            <a:outerShdw blurRad="292100" dist="139700" dir="2700000" algn="tl" rotWithShape="0">
+              <a:srgbClr val="333333">
+                <a:alpha val="65000"/>
+              </a:srgbClr>
+            </a:outerShdw>
+          </a:effectLst>
         </p:spPr>
       </p:pic>
-      <p:sp>
-        <p:nvSpPr>
-          <p:cNvPr id="6" name="TextBox 5">
-            <a:extLst>
-              <a:ext uri="{FF2B5EF4-FFF2-40B4-BE49-F238E27FC236}">
-                <a16:creationId xmlns:a16="http://schemas.microsoft.com/office/drawing/2014/main" id="{04DBA5B5-4B5C-4D2C-9BE5-EAC8D641CC9D}"/>
-              </a:ext>
-            </a:extLst>
-          </p:cNvPr>
-          <p:cNvSpPr txBox="1"/>
-          <p:nvPr/>
-        </p:nvSpPr>
-        <p:spPr>
-          <a:xfrm>
-            <a:off x="666750" y="1419225"/>
-            <a:ext cx="5991225" cy="1938992"/>
-          </a:xfrm>
-          <a:prstGeom prst="rect">
-            <a:avLst/>
-          </a:prstGeom>
-          <a:noFill/>
-        </p:spPr>
-        <p:txBody>
-          <a:bodyPr wrap="square" rtlCol="0">
-            <a:spAutoFit/>
-          </a:bodyPr>
-          <a:lstStyle/>
-          <a:p>
-            <a:pPr algn="ctr"/>
-            <a:r>
-              <a:rPr lang="ko-KR" altLang="en-US" sz="6000" dirty="0"/>
-              <a:t>추천 로직 조사 및 결정</a:t>
-            </a:r>
-          </a:p>
-        </p:txBody>
-      </p:sp>
     </p:spTree>
     <p:extLst>
       <p:ext uri="{BB962C8B-B14F-4D97-AF65-F5344CB8AC3E}">
-        <p14:creationId xmlns:p14="http://schemas.microsoft.com/office/powerpoint/2010/main" val="875800039"/>
+        <p14:creationId xmlns:p14="http://schemas.microsoft.com/office/powerpoint/2010/main" val="2579062294"/>
       </p:ext>
     </p:extLst>
   </p:cSld>
@@ -5178,53 +6560,317 @@
       </p:grpSpPr>
       <p:sp>
         <p:nvSpPr>
-          <p:cNvPr id="2" name="제목 1">
-            <a:extLst>
-              <a:ext uri="{FF2B5EF4-FFF2-40B4-BE49-F238E27FC236}">
-                <a16:creationId xmlns:a16="http://schemas.microsoft.com/office/drawing/2014/main" id="{30420EF5-FAF0-413C-AF8D-685EAD4C62A5}"/>
-              </a:ext>
-            </a:extLst>
-          </p:cNvPr>
-          <p:cNvSpPr>
-            <a:spLocks noGrp="1"/>
-          </p:cNvSpPr>
-          <p:nvPr>
-            <p:ph type="title"/>
-          </p:nvPr>
-        </p:nvSpPr>
-        <p:spPr/>
-        <p:txBody>
-          <a:bodyPr/>
-          <a:lstStyle/>
-          <a:p>
-            <a:r>
-              <a:rPr lang="ko-KR" altLang="en-US" dirty="0"/>
-              <a:t>추천 로직 내용 추가해주세요</a:t>
-            </a:r>
-          </a:p>
-        </p:txBody>
-      </p:sp>
-      <p:sp>
-        <p:nvSpPr>
-          <p:cNvPr id="3" name="내용 개체 틀 2">
-            <a:extLst>
-              <a:ext uri="{FF2B5EF4-FFF2-40B4-BE49-F238E27FC236}">
-                <a16:creationId xmlns:a16="http://schemas.microsoft.com/office/drawing/2014/main" id="{3B57FF7A-538D-4970-9B75-B8A847A26404}"/>
-              </a:ext>
-            </a:extLst>
-          </p:cNvPr>
-          <p:cNvSpPr>
-            <a:spLocks noGrp="1"/>
-          </p:cNvSpPr>
-          <p:nvPr>
-            <p:ph idx="1"/>
-          </p:nvPr>
-        </p:nvSpPr>
-        <p:spPr/>
-        <p:txBody>
-          <a:bodyPr/>
-          <a:lstStyle/>
-          <a:p>
+          <p:cNvPr id="9" name="모서리가 둥근 사각형 설명선[R] 8">
+            <a:extLst>
+              <a:ext uri="{FF2B5EF4-FFF2-40B4-BE49-F238E27FC236}">
+                <a16:creationId xmlns:a16="http://schemas.microsoft.com/office/drawing/2014/main" id="{ACE96112-6C5F-CF49-8713-DD767AA3F5C5}"/>
+              </a:ext>
+            </a:extLst>
+          </p:cNvPr>
+          <p:cNvSpPr/>
+          <p:nvPr/>
+        </p:nvSpPr>
+        <p:spPr>
+          <a:xfrm>
+            <a:off x="8493036" y="3304903"/>
+            <a:ext cx="3526971" cy="2207623"/>
+          </a:xfrm>
+          <a:prstGeom prst="wedgeRoundRectCallout">
+            <a:avLst>
+              <a:gd name="adj1" fmla="val -61944"/>
+              <a:gd name="adj2" fmla="val 22855"/>
+              <a:gd name="adj3" fmla="val 16667"/>
+            </a:avLst>
+          </a:prstGeom>
+        </p:spPr>
+        <p:style>
+          <a:lnRef idx="0">
+            <a:schemeClr val="dk1"/>
+          </a:lnRef>
+          <a:fillRef idx="3">
+            <a:schemeClr val="dk1"/>
+          </a:fillRef>
+          <a:effectRef idx="3">
+            <a:schemeClr val="dk1"/>
+          </a:effectRef>
+          <a:fontRef idx="minor">
+            <a:schemeClr val="lt1"/>
+          </a:fontRef>
+        </p:style>
+        <p:txBody>
+          <a:bodyPr rtlCol="0" anchor="ctr"/>
+          <a:lstStyle/>
+          <a:p>
+            <a:pPr algn="ctr">
+              <a:lnSpc>
+                <a:spcPct val="150000"/>
+              </a:lnSpc>
+            </a:pPr>
+            <a:r>
+              <a:rPr kumimoji="1" lang="ko-KR" altLang="en-US" dirty="0"/>
+              <a:t>시스템은 구매여부 </a:t>
+            </a:r>
+            <a:r>
+              <a:rPr kumimoji="1" lang="ko-KR" altLang="en-US" dirty="0" err="1"/>
+              <a:t>체크가된</a:t>
+            </a:r>
+            <a:r>
+              <a:rPr kumimoji="1" lang="ko-KR" altLang="en-US" dirty="0"/>
+              <a:t> 브랜드의 위치를 현위치로 설정하고</a:t>
+            </a:r>
+            <a:r>
+              <a:rPr kumimoji="1" lang="en-US" altLang="ko-KR" dirty="0"/>
+              <a:t>, </a:t>
+            </a:r>
+            <a:r>
+              <a:rPr kumimoji="1" lang="ko-KR" altLang="en-US" dirty="0"/>
+              <a:t>해당 브랜드를 방문한 것으로 처리한다</a:t>
+            </a:r>
+            <a:r>
+              <a:rPr kumimoji="1" lang="en-US" altLang="ko-KR" dirty="0"/>
+              <a:t>.</a:t>
+            </a:r>
+            <a:r>
+              <a:rPr kumimoji="1" lang="ko-KR" altLang="en-US" dirty="0"/>
+              <a:t> </a:t>
+            </a:r>
+            <a:endParaRPr kumimoji="1" lang="en-US" altLang="ko-KR" dirty="0"/>
+          </a:p>
+        </p:txBody>
+      </p:sp>
+      <p:sp>
+        <p:nvSpPr>
+          <p:cNvPr id="10" name="TextBox 9">
+            <a:extLst>
+              <a:ext uri="{FF2B5EF4-FFF2-40B4-BE49-F238E27FC236}">
+                <a16:creationId xmlns:a16="http://schemas.microsoft.com/office/drawing/2014/main" id="{8A395FAC-B18C-1F4C-9AE0-9BDEB699283F}"/>
+              </a:ext>
+            </a:extLst>
+          </p:cNvPr>
+          <p:cNvSpPr txBox="1"/>
+          <p:nvPr/>
+        </p:nvSpPr>
+        <p:spPr>
+          <a:xfrm>
+            <a:off x="431075" y="401348"/>
+            <a:ext cx="3412800" cy="523220"/>
+          </a:xfrm>
+          <a:prstGeom prst="rect">
+            <a:avLst/>
+          </a:prstGeom>
+          <a:noFill/>
+        </p:spPr>
+        <p:txBody>
+          <a:bodyPr wrap="square" rtlCol="0">
+            <a:spAutoFit/>
+          </a:bodyPr>
+          <a:lstStyle/>
+          <a:p>
+            <a:r>
+              <a:rPr kumimoji="1" lang="ko-KR" altLang="en-US" sz="2800" b="1" dirty="0" err="1">
+                <a:latin typeface="+mj-lt"/>
+                <a:ea typeface="SeoulNamsan CEB" panose="02020603020101020101" pitchFamily="18" charset="-127"/>
+              </a:rPr>
+              <a:t>현위치</a:t>
+            </a:r>
+            <a:r>
+              <a:rPr kumimoji="1" lang="ko-KR" altLang="en-US" sz="2800" b="1" dirty="0">
+                <a:latin typeface="+mj-lt"/>
+                <a:ea typeface="SeoulNamsan CEB" panose="02020603020101020101" pitchFamily="18" charset="-127"/>
+              </a:rPr>
+              <a:t> 설정 </a:t>
+            </a:r>
+            <a:r>
+              <a:rPr kumimoji="1" lang="en-US" altLang="ko-KR" sz="2800" b="1" dirty="0">
+                <a:latin typeface="+mj-lt"/>
+                <a:ea typeface="SeoulNamsan CEB" panose="02020603020101020101" pitchFamily="18" charset="-127"/>
+              </a:rPr>
+              <a:t>(</a:t>
+            </a:r>
+            <a:r>
+              <a:rPr kumimoji="1" lang="ko-KR" altLang="en-US" sz="2800" b="1" dirty="0" err="1">
+                <a:latin typeface="+mj-lt"/>
+                <a:ea typeface="SeoulNamsan CEB" panose="02020603020101020101" pitchFamily="18" charset="-127"/>
+              </a:rPr>
+              <a:t>쇼핑중</a:t>
+            </a:r>
+            <a:r>
+              <a:rPr kumimoji="1" lang="en-US" altLang="ko-KR" sz="2800" b="1" dirty="0">
+                <a:latin typeface="+mj-lt"/>
+                <a:ea typeface="SeoulNamsan CEB" panose="02020603020101020101" pitchFamily="18" charset="-127"/>
+              </a:rPr>
+              <a:t>)</a:t>
+            </a:r>
+          </a:p>
+        </p:txBody>
+      </p:sp>
+      <p:sp>
+        <p:nvSpPr>
+          <p:cNvPr id="11" name="모서리가 둥근 사각형 설명선[R] 10">
+            <a:extLst>
+              <a:ext uri="{FF2B5EF4-FFF2-40B4-BE49-F238E27FC236}">
+                <a16:creationId xmlns:a16="http://schemas.microsoft.com/office/drawing/2014/main" id="{31613A69-B136-C246-9D7F-AD3D29E7D1CA}"/>
+              </a:ext>
+            </a:extLst>
+          </p:cNvPr>
+          <p:cNvSpPr/>
+          <p:nvPr/>
+        </p:nvSpPr>
+        <p:spPr>
+          <a:xfrm>
+            <a:off x="171992" y="1221377"/>
+            <a:ext cx="3526971" cy="3712573"/>
+          </a:xfrm>
+          <a:prstGeom prst="wedgeRoundRectCallout">
+            <a:avLst>
+              <a:gd name="adj1" fmla="val 60278"/>
+              <a:gd name="adj2" fmla="val 22263"/>
+              <a:gd name="adj3" fmla="val 16667"/>
+            </a:avLst>
+          </a:prstGeom>
+        </p:spPr>
+        <p:style>
+          <a:lnRef idx="0">
+            <a:schemeClr val="dk1"/>
+          </a:lnRef>
+          <a:fillRef idx="3">
+            <a:schemeClr val="dk1"/>
+          </a:fillRef>
+          <a:effectRef idx="3">
+            <a:schemeClr val="dk1"/>
+          </a:effectRef>
+          <a:fontRef idx="minor">
+            <a:schemeClr val="lt1"/>
+          </a:fontRef>
+        </p:style>
+        <p:txBody>
+          <a:bodyPr rtlCol="0" anchor="ctr"/>
+          <a:lstStyle/>
+          <a:p>
+            <a:pPr algn="ctr">
+              <a:lnSpc>
+                <a:spcPct val="150000"/>
+              </a:lnSpc>
+            </a:pPr>
+            <a:r>
+              <a:rPr kumimoji="1" lang="ko-KR" altLang="en-US" dirty="0"/>
+              <a:t>사용자는 </a:t>
+            </a:r>
+            <a:r>
+              <a:rPr kumimoji="1" lang="ko-KR" altLang="en-US" dirty="0" err="1"/>
+              <a:t>쇼핑중</a:t>
+            </a:r>
+            <a:r>
+              <a:rPr kumimoji="1" lang="ko-KR" altLang="en-US" dirty="0"/>
+              <a:t> 방문한 브랜드에 대하여 구매여부를 </a:t>
+            </a:r>
+            <a:r>
+              <a:rPr kumimoji="1" lang="en-US" altLang="ko-KR" dirty="0"/>
+              <a:t>Yes </a:t>
+            </a:r>
+            <a:r>
+              <a:rPr kumimoji="1" lang="ko-KR" altLang="en-US" dirty="0"/>
+              <a:t>또는 </a:t>
+            </a:r>
+            <a:r>
+              <a:rPr kumimoji="1" lang="en-US" altLang="ko-KR" dirty="0"/>
+              <a:t>No</a:t>
+            </a:r>
+            <a:r>
+              <a:rPr kumimoji="1" lang="ko-KR" altLang="en-US" dirty="0"/>
+              <a:t>를 체크한다</a:t>
+            </a:r>
+            <a:r>
+              <a:rPr kumimoji="1" lang="en-US" altLang="ko-KR" dirty="0"/>
+              <a:t>.</a:t>
+            </a:r>
+          </a:p>
+        </p:txBody>
+      </p:sp>
+      <p:pic>
+        <p:nvPicPr>
+          <p:cNvPr id="7" name="그림 6">
+            <a:extLst>
+              <a:ext uri="{FF2B5EF4-FFF2-40B4-BE49-F238E27FC236}">
+                <a16:creationId xmlns:a16="http://schemas.microsoft.com/office/drawing/2014/main" id="{68791248-33B3-460B-AB0C-ED97E2A5DBB7}"/>
+              </a:ext>
+            </a:extLst>
+          </p:cNvPr>
+          <p:cNvPicPr>
+            <a:picLocks noChangeAspect="1"/>
+          </p:cNvPicPr>
+          <p:nvPr/>
+        </p:nvPicPr>
+        <p:blipFill>
+          <a:blip r:embed="rId2">
+            <a:extLst>
+              <a:ext uri="{28A0092B-C50C-407E-A947-70E740481C1C}">
+                <a14:useLocalDpi xmlns:a14="http://schemas.microsoft.com/office/drawing/2010/main" val="0"/>
+              </a:ext>
+            </a:extLst>
+          </a:blip>
+          <a:stretch>
+            <a:fillRect/>
+          </a:stretch>
+        </p:blipFill>
+        <p:spPr>
+          <a:xfrm>
+            <a:off x="4416104" y="671499"/>
+            <a:ext cx="3359791" cy="5599651"/>
+          </a:xfrm>
+          <a:prstGeom prst="rect">
+            <a:avLst/>
+          </a:prstGeom>
+        </p:spPr>
+      </p:pic>
+      <p:sp>
+        <p:nvSpPr>
+          <p:cNvPr id="2" name="타원 1">
+            <a:extLst>
+              <a:ext uri="{FF2B5EF4-FFF2-40B4-BE49-F238E27FC236}">
+                <a16:creationId xmlns:a16="http://schemas.microsoft.com/office/drawing/2014/main" id="{ED218811-8B07-4D20-A66A-DB1CFCAFC4CC}"/>
+              </a:ext>
+            </a:extLst>
+          </p:cNvPr>
+          <p:cNvSpPr/>
+          <p:nvPr/>
+        </p:nvSpPr>
+        <p:spPr>
+          <a:xfrm>
+            <a:off x="6593338" y="5294412"/>
+            <a:ext cx="1048624" cy="436228"/>
+          </a:xfrm>
+          <a:prstGeom prst="ellipse">
+            <a:avLst/>
+          </a:prstGeom>
+          <a:noFill/>
+          <a:ln>
+            <a:solidFill>
+              <a:srgbClr val="FF0000"/>
+            </a:solidFill>
+          </a:ln>
+        </p:spPr>
+        <p:style>
+          <a:lnRef idx="2">
+            <a:schemeClr val="accent1">
+              <a:shade val="50000"/>
+            </a:schemeClr>
+          </a:lnRef>
+          <a:fillRef idx="1">
+            <a:schemeClr val="accent1"/>
+          </a:fillRef>
+          <a:effectRef idx="0">
+            <a:schemeClr val="accent1"/>
+          </a:effectRef>
+          <a:fontRef idx="minor">
+            <a:schemeClr val="lt1"/>
+          </a:fontRef>
+        </p:style>
+        <p:txBody>
+          <a:bodyPr rtlCol="0" anchor="ctr"/>
+          <a:lstStyle/>
+          <a:p>
+            <a:pPr algn="ctr"/>
             <a:endParaRPr lang="ko-KR" altLang="en-US"/>
           </a:p>
         </p:txBody>
@@ -5232,7 +6878,7 @@
     </p:spTree>
     <p:extLst>
       <p:ext uri="{BB962C8B-B14F-4D97-AF65-F5344CB8AC3E}">
-        <p14:creationId xmlns:p14="http://schemas.microsoft.com/office/powerpoint/2010/main" val="2056845537"/>
+        <p14:creationId xmlns:p14="http://schemas.microsoft.com/office/powerpoint/2010/main" val="1580321669"/>
       </p:ext>
     </p:extLst>
   </p:cSld>
@@ -5259,49 +6905,12 @@
           <a:chExt cx="0" cy="0"/>
         </a:xfrm>
       </p:grpSpPr>
-      <p:sp>
-        <p:nvSpPr>
-          <p:cNvPr id="2" name="제목 1"/>
-          <p:cNvSpPr>
-            <a:spLocks noGrp="1"/>
-          </p:cNvSpPr>
-          <p:nvPr>
-            <p:ph type="ctrTitle"/>
-          </p:nvPr>
-        </p:nvSpPr>
-        <p:spPr>
-          <a:xfrm>
-            <a:off x="128221" y="962526"/>
-            <a:ext cx="4848727" cy="1925053"/>
-          </a:xfrm>
-        </p:spPr>
-        <p:txBody>
-          <a:bodyPr>
-            <a:normAutofit/>
-          </a:bodyPr>
-          <a:lstStyle/>
-          <a:p>
-            <a:r>
-              <a:rPr lang="ko-KR" altLang="en-US" sz="4800" dirty="0"/>
-              <a:t>동선 추천 </a:t>
-            </a:r>
-            <a:r>
-              <a:rPr lang="ko-KR" altLang="en-US" sz="4800" dirty="0" err="1"/>
-              <a:t>로직</a:t>
-            </a:r>
-            <a:r>
-              <a:rPr lang="ko-KR" altLang="en-US" sz="4800" dirty="0"/>
-              <a:t> 조사 및 결정</a:t>
-            </a:r>
-          </a:p>
-        </p:txBody>
-      </p:sp>
       <p:pic>
         <p:nvPicPr>
-          <p:cNvPr id="4" name="그림 3">
-            <a:extLst>
-              <a:ext uri="{FF2B5EF4-FFF2-40B4-BE49-F238E27FC236}">
-                <a16:creationId xmlns:a16="http://schemas.microsoft.com/office/drawing/2014/main" id="{AD7E7772-EC47-4BF9-95F2-EF0077504843}"/>
+          <p:cNvPr id="5" name="그림 4">
+            <a:extLst>
+              <a:ext uri="{FF2B5EF4-FFF2-40B4-BE49-F238E27FC236}">
+                <a16:creationId xmlns:a16="http://schemas.microsoft.com/office/drawing/2014/main" id="{535E4A97-7739-47F9-AF76-DE35A6562048}"/>
               </a:ext>
             </a:extLst>
           </p:cNvPr>
@@ -5324,90 +6933,54 @@
         </p:blipFill>
         <p:spPr>
           <a:xfrm>
-            <a:off x="5131623" y="685800"/>
-            <a:ext cx="3359791" cy="5599651"/>
+            <a:off x="7962900" y="611187"/>
+            <a:ext cx="3381375" cy="5635625"/>
           </a:xfrm>
           <a:prstGeom prst="rect">
             <a:avLst/>
           </a:prstGeom>
         </p:spPr>
       </p:pic>
-      <p:pic>
-        <p:nvPicPr>
-          <p:cNvPr id="5" name="그림 4">
-            <a:extLst>
-              <a:ext uri="{FF2B5EF4-FFF2-40B4-BE49-F238E27FC236}">
-                <a16:creationId xmlns:a16="http://schemas.microsoft.com/office/drawing/2014/main" id="{347DAE88-D87E-6F4D-AE72-FFE6BFA16284}"/>
-              </a:ext>
-            </a:extLst>
-          </p:cNvPr>
-          <p:cNvPicPr>
-            <a:picLocks noChangeAspect="1"/>
-          </p:cNvPicPr>
+      <p:sp>
+        <p:nvSpPr>
+          <p:cNvPr id="6" name="TextBox 5">
+            <a:extLst>
+              <a:ext uri="{FF2B5EF4-FFF2-40B4-BE49-F238E27FC236}">
+                <a16:creationId xmlns:a16="http://schemas.microsoft.com/office/drawing/2014/main" id="{04DBA5B5-4B5C-4D2C-9BE5-EAC8D641CC9D}"/>
+              </a:ext>
+            </a:extLst>
+          </p:cNvPr>
+          <p:cNvSpPr txBox="1"/>
           <p:nvPr/>
-        </p:nvPicPr>
-        <p:blipFill>
-          <a:blip r:embed="rId3">
-            <a:extLst>
-              <a:ext uri="{28A0092B-C50C-407E-A947-70E740481C1C}">
-                <a14:useLocalDpi xmlns:a14="http://schemas.microsoft.com/office/drawing/2010/main" val="0"/>
-              </a:ext>
-            </a:extLst>
-          </a:blip>
-          <a:stretch>
-            <a:fillRect/>
-          </a:stretch>
-        </p:blipFill>
-        <p:spPr>
-          <a:xfrm>
-            <a:off x="8646089" y="685800"/>
-            <a:ext cx="3312433" cy="5555590"/>
+        </p:nvSpPr>
+        <p:spPr>
+          <a:xfrm>
+            <a:off x="666750" y="1419225"/>
+            <a:ext cx="5991225" cy="1938992"/>
           </a:xfrm>
           <a:prstGeom prst="rect">
             <a:avLst/>
           </a:prstGeom>
-        </p:spPr>
-      </p:pic>
-      <p:pic>
-        <p:nvPicPr>
-          <p:cNvPr id="6" name="그림 5">
-            <a:extLst>
-              <a:ext uri="{FF2B5EF4-FFF2-40B4-BE49-F238E27FC236}">
-                <a16:creationId xmlns:a16="http://schemas.microsoft.com/office/drawing/2014/main" id="{1D650387-0F92-4A0D-8D39-C96CC2CF834D}"/>
-              </a:ext>
-            </a:extLst>
-          </p:cNvPr>
-          <p:cNvPicPr>
-            <a:picLocks noChangeAspect="1"/>
-          </p:cNvPicPr>
-          <p:nvPr/>
-        </p:nvPicPr>
-        <p:blipFill>
-          <a:blip r:embed="rId4">
-            <a:extLst>
-              <a:ext uri="{28A0092B-C50C-407E-A947-70E740481C1C}">
-                <a14:useLocalDpi xmlns:a14="http://schemas.microsoft.com/office/drawing/2010/main" val="0"/>
-              </a:ext>
-            </a:extLst>
-          </a:blip>
-          <a:stretch>
-            <a:fillRect/>
-          </a:stretch>
-        </p:blipFill>
-        <p:spPr>
-          <a:xfrm>
-            <a:off x="8641576" y="685801"/>
-            <a:ext cx="3316946" cy="5555590"/>
-          </a:xfrm>
-          <a:prstGeom prst="rect">
-            <a:avLst/>
-          </a:prstGeom>
-        </p:spPr>
-      </p:pic>
+          <a:noFill/>
+        </p:spPr>
+        <p:txBody>
+          <a:bodyPr wrap="square" rtlCol="0">
+            <a:spAutoFit/>
+          </a:bodyPr>
+          <a:lstStyle/>
+          <a:p>
+            <a:pPr algn="ctr"/>
+            <a:r>
+              <a:rPr lang="ko-KR" altLang="en-US" sz="6000" dirty="0"/>
+              <a:t>추천 로직 조사 및 결정</a:t>
+            </a:r>
+          </a:p>
+        </p:txBody>
+      </p:sp>
     </p:spTree>
     <p:extLst>
       <p:ext uri="{BB962C8B-B14F-4D97-AF65-F5344CB8AC3E}">
-        <p14:creationId xmlns:p14="http://schemas.microsoft.com/office/powerpoint/2010/main" val="561128130"/>
+        <p14:creationId xmlns:p14="http://schemas.microsoft.com/office/powerpoint/2010/main" val="875800039"/>
       </p:ext>
     </p:extLst>
   </p:cSld>
@@ -5500,357 +7073,61 @@
       </p:grpSpPr>
       <p:sp>
         <p:nvSpPr>
-          <p:cNvPr id="6" name="TextBox 5">
-            <a:extLst>
-              <a:ext uri="{FF2B5EF4-FFF2-40B4-BE49-F238E27FC236}">
-                <a16:creationId xmlns:a16="http://schemas.microsoft.com/office/drawing/2014/main" id="{632091BB-3214-4F56-86EE-49438A4E8031}"/>
-              </a:ext>
-            </a:extLst>
-          </p:cNvPr>
-          <p:cNvSpPr txBox="1"/>
-          <p:nvPr/>
-        </p:nvSpPr>
-        <p:spPr>
-          <a:xfrm>
-            <a:off x="310399" y="476796"/>
-            <a:ext cx="6275121" cy="369332"/>
-          </a:xfrm>
-          <a:prstGeom prst="rect">
-            <a:avLst/>
-          </a:prstGeom>
-          <a:noFill/>
-        </p:spPr>
-        <p:txBody>
-          <a:bodyPr wrap="square" rtlCol="0">
-            <a:spAutoFit/>
-          </a:bodyPr>
+          <p:cNvPr id="2" name="제목 1">
+            <a:extLst>
+              <a:ext uri="{FF2B5EF4-FFF2-40B4-BE49-F238E27FC236}">
+                <a16:creationId xmlns:a16="http://schemas.microsoft.com/office/drawing/2014/main" id="{30420EF5-FAF0-413C-AF8D-685EAD4C62A5}"/>
+              </a:ext>
+            </a:extLst>
+          </p:cNvPr>
+          <p:cNvSpPr>
+            <a:spLocks noGrp="1"/>
+          </p:cNvSpPr>
+          <p:nvPr>
+            <p:ph type="title"/>
+          </p:nvPr>
+        </p:nvSpPr>
+        <p:spPr/>
+        <p:txBody>
+          <a:bodyPr/>
           <a:lstStyle/>
           <a:p>
             <a:r>
               <a:rPr lang="ko-KR" altLang="en-US" dirty="0"/>
-              <a:t>루트 </a:t>
-            </a:r>
-            <a:r>
-              <a:rPr lang="en-US" altLang="ko-KR" dirty="0"/>
-              <a:t>1: </a:t>
-            </a:r>
-            <a:r>
-              <a:rPr lang="ko-KR" altLang="en-US" dirty="0"/>
-              <a:t>최단거리</a:t>
-            </a:r>
-          </a:p>
-        </p:txBody>
-      </p:sp>
-      <p:sp>
-        <p:nvSpPr>
-          <p:cNvPr id="9" name="모서리가 둥근 사각형 설명선[R] 10">
-            <a:extLst>
-              <a:ext uri="{FF2B5EF4-FFF2-40B4-BE49-F238E27FC236}">
-                <a16:creationId xmlns:a16="http://schemas.microsoft.com/office/drawing/2014/main" id="{02B5E40B-176F-4C86-9225-2400B5A4E532}"/>
-              </a:ext>
-            </a:extLst>
-          </p:cNvPr>
-          <p:cNvSpPr/>
-          <p:nvPr/>
-        </p:nvSpPr>
-        <p:spPr>
-          <a:xfrm>
-            <a:off x="161976" y="1207260"/>
-            <a:ext cx="11868048" cy="1266887"/>
-          </a:xfrm>
-          <a:prstGeom prst="wedgeRoundRectCallout">
-            <a:avLst>
-              <a:gd name="adj1" fmla="val -17901"/>
-              <a:gd name="adj2" fmla="val 68098"/>
-              <a:gd name="adj3" fmla="val 16667"/>
-            </a:avLst>
-          </a:prstGeom>
-        </p:spPr>
-        <p:style>
-          <a:lnRef idx="0">
-            <a:schemeClr val="dk1"/>
-          </a:lnRef>
-          <a:fillRef idx="3">
-            <a:schemeClr val="dk1"/>
-          </a:fillRef>
-          <a:effectRef idx="3">
-            <a:schemeClr val="dk1"/>
-          </a:effectRef>
-          <a:fontRef idx="minor">
-            <a:schemeClr val="lt1"/>
-          </a:fontRef>
-        </p:style>
-        <p:txBody>
-          <a:bodyPr rtlCol="0" anchor="ctr"/>
-          <a:lstStyle/>
-          <a:p>
-            <a:pPr marL="285750" indent="-285750">
-              <a:lnSpc>
-                <a:spcPct val="150000"/>
-              </a:lnSpc>
-              <a:buFontTx/>
-              <a:buChar char="-"/>
-            </a:pPr>
-            <a:r>
-              <a:rPr kumimoji="1" lang="ko-KR" altLang="en-US" dirty="0"/>
-              <a:t>사용자가 선택한 브랜드를 층별로 분류한다</a:t>
-            </a:r>
-            <a:r>
-              <a:rPr kumimoji="1" lang="en-US" altLang="ko-KR" dirty="0"/>
-              <a:t>.</a:t>
-            </a:r>
-          </a:p>
-        </p:txBody>
-      </p:sp>
-      <p:sp>
-        <p:nvSpPr>
-          <p:cNvPr id="5" name="모서리가 둥근 사각형 설명선[R] 10">
-            <a:extLst>
-              <a:ext uri="{FF2B5EF4-FFF2-40B4-BE49-F238E27FC236}">
-                <a16:creationId xmlns:a16="http://schemas.microsoft.com/office/drawing/2014/main" id="{2482F613-9403-4421-84B6-8ABC61F2D67B}"/>
-              </a:ext>
-            </a:extLst>
-          </p:cNvPr>
-          <p:cNvSpPr/>
-          <p:nvPr/>
-        </p:nvSpPr>
-        <p:spPr>
-          <a:xfrm>
-            <a:off x="161976" y="3195534"/>
-            <a:ext cx="11868048" cy="2642560"/>
-          </a:xfrm>
-          <a:prstGeom prst="wedgeRoundRectCallout">
-            <a:avLst>
-              <a:gd name="adj1" fmla="val -17901"/>
-              <a:gd name="adj2" fmla="val 43135"/>
-              <a:gd name="adj3" fmla="val 16667"/>
-            </a:avLst>
-          </a:prstGeom>
-        </p:spPr>
-        <p:style>
-          <a:lnRef idx="0">
-            <a:schemeClr val="dk1"/>
-          </a:lnRef>
-          <a:fillRef idx="3">
-            <a:schemeClr val="dk1"/>
-          </a:fillRef>
-          <a:effectRef idx="3">
-            <a:schemeClr val="dk1"/>
-          </a:effectRef>
-          <a:fontRef idx="minor">
-            <a:schemeClr val="lt1"/>
-          </a:fontRef>
-        </p:style>
-        <p:txBody>
-          <a:bodyPr rtlCol="0" anchor="ctr"/>
-          <a:lstStyle/>
-          <a:p>
-            <a:pPr marL="285750" indent="-285750">
-              <a:lnSpc>
-                <a:spcPct val="150000"/>
-              </a:lnSpc>
-              <a:buFontTx/>
-              <a:buChar char="-"/>
-            </a:pPr>
-            <a:r>
-              <a:rPr kumimoji="1" lang="ko-KR" altLang="en-US" dirty="0"/>
-              <a:t>가장 높은 층부터 최단 경로를 계산한다</a:t>
-            </a:r>
-            <a:r>
-              <a:rPr kumimoji="1" lang="en-US" altLang="ko-KR" dirty="0"/>
-              <a:t>.</a:t>
-            </a:r>
-          </a:p>
-          <a:p>
-            <a:pPr>
-              <a:lnSpc>
-                <a:spcPct val="150000"/>
-              </a:lnSpc>
-            </a:pPr>
-            <a:r>
-              <a:rPr kumimoji="1" lang="en-US" altLang="ko-KR" dirty="0">
-                <a:sym typeface="Wingdings" panose="05000000000000000000" pitchFamily="2" charset="2"/>
-              </a:rPr>
-              <a:t>     </a:t>
-            </a:r>
-            <a:r>
-              <a:rPr kumimoji="1" lang="ko-KR" altLang="en-US" dirty="0">
-                <a:sym typeface="Wingdings" panose="05000000000000000000" pitchFamily="2" charset="2"/>
-              </a:rPr>
-              <a:t>에스컬레이터</a:t>
-            </a:r>
-            <a:r>
-              <a:rPr kumimoji="1" lang="en-US" altLang="ko-KR" dirty="0">
-                <a:sym typeface="Wingdings" panose="05000000000000000000" pitchFamily="2" charset="2"/>
-              </a:rPr>
-              <a:t>/</a:t>
-            </a:r>
-            <a:r>
-              <a:rPr kumimoji="1" lang="ko-KR" altLang="en-US" dirty="0">
-                <a:sym typeface="Wingdings" panose="05000000000000000000" pitchFamily="2" charset="2"/>
-              </a:rPr>
-              <a:t>엘리베이터</a:t>
-            </a:r>
-            <a:r>
-              <a:rPr kumimoji="1" lang="en-US" altLang="ko-KR" dirty="0">
-                <a:sym typeface="Wingdings" panose="05000000000000000000" pitchFamily="2" charset="2"/>
-              </a:rPr>
-              <a:t>/</a:t>
-            </a:r>
-            <a:r>
-              <a:rPr kumimoji="1" lang="ko-KR" altLang="en-US" dirty="0">
-                <a:sym typeface="Wingdings" panose="05000000000000000000" pitchFamily="2" charset="2"/>
-              </a:rPr>
-              <a:t>계단을 시작점 또는 끝점으로 하는 </a:t>
-            </a:r>
-            <a:r>
-              <a:rPr kumimoji="1" lang="ko-KR" altLang="en-US" dirty="0" err="1">
-                <a:sym typeface="Wingdings" panose="05000000000000000000" pitchFamily="2" charset="2"/>
-              </a:rPr>
-              <a:t>전체쌍</a:t>
-            </a:r>
-            <a:r>
-              <a:rPr kumimoji="1" lang="ko-KR" altLang="en-US" dirty="0">
-                <a:sym typeface="Wingdings" panose="05000000000000000000" pitchFamily="2" charset="2"/>
-              </a:rPr>
-              <a:t> 최단거리를</a:t>
-            </a:r>
-            <a:r>
-              <a:rPr kumimoji="1" lang="en-US" altLang="ko-KR" dirty="0">
-                <a:sym typeface="Wingdings" panose="05000000000000000000" pitchFamily="2" charset="2"/>
-              </a:rPr>
-              <a:t>(</a:t>
-            </a:r>
-            <a:r>
-              <a:rPr kumimoji="1" lang="ko-KR" altLang="en-US" dirty="0" err="1">
-                <a:sym typeface="Wingdings" panose="05000000000000000000" pitchFamily="2" charset="2"/>
-              </a:rPr>
-              <a:t>다익스트라</a:t>
-            </a:r>
-            <a:r>
-              <a:rPr kumimoji="1" lang="en-US" altLang="ko-KR" dirty="0">
-                <a:sym typeface="Wingdings" panose="05000000000000000000" pitchFamily="2" charset="2"/>
-              </a:rPr>
-              <a:t>/</a:t>
-            </a:r>
-            <a:r>
-              <a:rPr kumimoji="1" lang="ko-KR" altLang="en-US" dirty="0" err="1">
-                <a:sym typeface="Wingdings" panose="05000000000000000000" pitchFamily="2" charset="2"/>
-              </a:rPr>
-              <a:t>벨만포드</a:t>
-            </a:r>
-            <a:r>
-              <a:rPr kumimoji="1" lang="en-US" altLang="ko-KR" dirty="0">
-                <a:sym typeface="Wingdings" panose="05000000000000000000" pitchFamily="2" charset="2"/>
-              </a:rPr>
-              <a:t>) </a:t>
-            </a:r>
-            <a:r>
-              <a:rPr kumimoji="1" lang="ko-KR" altLang="en-US" dirty="0">
-                <a:sym typeface="Wingdings" panose="05000000000000000000" pitchFamily="2" charset="2"/>
-              </a:rPr>
-              <a:t>알고리즘으로 구현한다</a:t>
-            </a:r>
-            <a:r>
-              <a:rPr kumimoji="1" lang="en-US" altLang="ko-KR" dirty="0">
-                <a:sym typeface="Wingdings" panose="05000000000000000000" pitchFamily="2" charset="2"/>
-              </a:rPr>
-              <a:t>.</a:t>
-            </a:r>
-          </a:p>
-          <a:p>
-            <a:pPr>
-              <a:lnSpc>
-                <a:spcPct val="150000"/>
-              </a:lnSpc>
-            </a:pPr>
-            <a:r>
-              <a:rPr kumimoji="1" lang="en-US" altLang="ko-KR" dirty="0">
-                <a:sym typeface="Wingdings" panose="05000000000000000000" pitchFamily="2" charset="2"/>
-              </a:rPr>
-              <a:t>     </a:t>
-            </a:r>
-            <a:r>
-              <a:rPr kumimoji="1" lang="ko-KR" altLang="en-US" dirty="0">
-                <a:sym typeface="Wingdings" panose="05000000000000000000" pitchFamily="2" charset="2"/>
-              </a:rPr>
-              <a:t>정해진 시작점 또는 끝점에 해당하는 에스컬레이터</a:t>
-            </a:r>
-            <a:r>
-              <a:rPr kumimoji="1" lang="en-US" altLang="ko-KR" dirty="0">
-                <a:sym typeface="Wingdings" panose="05000000000000000000" pitchFamily="2" charset="2"/>
-              </a:rPr>
-              <a:t>/</a:t>
-            </a:r>
-            <a:r>
-              <a:rPr kumimoji="1" lang="ko-KR" altLang="en-US" dirty="0">
-                <a:sym typeface="Wingdings" panose="05000000000000000000" pitchFamily="2" charset="2"/>
-              </a:rPr>
-              <a:t>엘리베이터</a:t>
-            </a:r>
-            <a:r>
-              <a:rPr kumimoji="1" lang="en-US" altLang="ko-KR" dirty="0">
-                <a:sym typeface="Wingdings" panose="05000000000000000000" pitchFamily="2" charset="2"/>
-              </a:rPr>
-              <a:t>/</a:t>
-            </a:r>
-            <a:r>
-              <a:rPr kumimoji="1" lang="ko-KR" altLang="en-US" dirty="0">
-                <a:sym typeface="Wingdings" panose="05000000000000000000" pitchFamily="2" charset="2"/>
-              </a:rPr>
-              <a:t>계단을 끝점으로 하는 아래층 최단거리 루트를 구한다</a:t>
-            </a:r>
-            <a:r>
-              <a:rPr kumimoji="1" lang="en-US" altLang="ko-KR" dirty="0">
-                <a:sym typeface="Wingdings" panose="05000000000000000000" pitchFamily="2" charset="2"/>
-              </a:rPr>
-              <a:t>.</a:t>
-            </a:r>
-          </a:p>
-          <a:p>
-            <a:pPr>
-              <a:lnSpc>
-                <a:spcPct val="150000"/>
-              </a:lnSpc>
-            </a:pPr>
-            <a:r>
-              <a:rPr kumimoji="1" lang="en-US" altLang="ko-KR" dirty="0">
-                <a:sym typeface="Wingdings" panose="05000000000000000000" pitchFamily="2" charset="2"/>
-              </a:rPr>
-              <a:t>      1</a:t>
-            </a:r>
-            <a:r>
-              <a:rPr kumimoji="1" lang="ko-KR" altLang="en-US" dirty="0">
-                <a:sym typeface="Wingdings" panose="05000000000000000000" pitchFamily="2" charset="2"/>
-              </a:rPr>
-              <a:t>층이 될 때까지 </a:t>
-            </a:r>
-            <a:r>
-              <a:rPr kumimoji="1" lang="ko-KR" altLang="en-US" dirty="0" err="1">
-                <a:sym typeface="Wingdings" panose="05000000000000000000" pitchFamily="2" charset="2"/>
-              </a:rPr>
-              <a:t>위와같은</a:t>
-            </a:r>
-            <a:r>
-              <a:rPr kumimoji="1" lang="ko-KR" altLang="en-US" dirty="0">
-                <a:sym typeface="Wingdings" panose="05000000000000000000" pitchFamily="2" charset="2"/>
-              </a:rPr>
-              <a:t> 과정을 반복한다</a:t>
-            </a:r>
-            <a:r>
-              <a:rPr kumimoji="1" lang="en-US" altLang="ko-KR" dirty="0">
-                <a:sym typeface="Wingdings" panose="05000000000000000000" pitchFamily="2" charset="2"/>
-              </a:rPr>
-              <a:t>.</a:t>
-            </a:r>
-            <a:endParaRPr kumimoji="1" lang="en-US" altLang="ko-KR" dirty="0"/>
+              <a:t>추천 로직 내용 추가해주세요</a:t>
+            </a:r>
+          </a:p>
+        </p:txBody>
+      </p:sp>
+      <p:sp>
+        <p:nvSpPr>
+          <p:cNvPr id="3" name="내용 개체 틀 2">
+            <a:extLst>
+              <a:ext uri="{FF2B5EF4-FFF2-40B4-BE49-F238E27FC236}">
+                <a16:creationId xmlns:a16="http://schemas.microsoft.com/office/drawing/2014/main" id="{3B57FF7A-538D-4970-9B75-B8A847A26404}"/>
+              </a:ext>
+            </a:extLst>
+          </p:cNvPr>
+          <p:cNvSpPr>
+            <a:spLocks noGrp="1"/>
+          </p:cNvSpPr>
+          <p:nvPr>
+            <p:ph idx="1"/>
+          </p:nvPr>
+        </p:nvSpPr>
+        <p:spPr/>
+        <p:txBody>
+          <a:bodyPr/>
+          <a:lstStyle/>
+          <a:p>
+            <a:endParaRPr lang="ko-KR" altLang="en-US"/>
           </a:p>
         </p:txBody>
       </p:sp>
     </p:spTree>
     <p:extLst>
       <p:ext uri="{BB962C8B-B14F-4D97-AF65-F5344CB8AC3E}">
-        <p14:creationId xmlns:p14="http://schemas.microsoft.com/office/powerpoint/2010/main" val="4115090045"/>
+        <p14:creationId xmlns:p14="http://schemas.microsoft.com/office/powerpoint/2010/main" val="2056845537"/>
       </p:ext>
     </p:extLst>
   </p:cSld>
@@ -5879,266 +7156,153 @@
       </p:grpSpPr>
       <p:sp>
         <p:nvSpPr>
-          <p:cNvPr id="6" name="TextBox 5">
-            <a:extLst>
-              <a:ext uri="{FF2B5EF4-FFF2-40B4-BE49-F238E27FC236}">
-                <a16:creationId xmlns:a16="http://schemas.microsoft.com/office/drawing/2014/main" id="{632091BB-3214-4F56-86EE-49438A4E8031}"/>
-              </a:ext>
-            </a:extLst>
-          </p:cNvPr>
-          <p:cNvSpPr txBox="1"/>
+          <p:cNvPr id="2" name="제목 1"/>
+          <p:cNvSpPr>
+            <a:spLocks noGrp="1"/>
+          </p:cNvSpPr>
+          <p:nvPr>
+            <p:ph type="ctrTitle"/>
+          </p:nvPr>
+        </p:nvSpPr>
+        <p:spPr>
+          <a:xfrm>
+            <a:off x="128221" y="962526"/>
+            <a:ext cx="4848727" cy="1925053"/>
+          </a:xfrm>
+        </p:spPr>
+        <p:txBody>
+          <a:bodyPr>
+            <a:normAutofit/>
+          </a:bodyPr>
+          <a:lstStyle/>
+          <a:p>
+            <a:r>
+              <a:rPr lang="ko-KR" altLang="en-US" sz="4800" dirty="0"/>
+              <a:t>동선 추천 </a:t>
+            </a:r>
+            <a:r>
+              <a:rPr lang="ko-KR" altLang="en-US" sz="4800" dirty="0" err="1"/>
+              <a:t>로직</a:t>
+            </a:r>
+            <a:r>
+              <a:rPr lang="ko-KR" altLang="en-US" sz="4800" dirty="0"/>
+              <a:t> 조사 및 결정</a:t>
+            </a:r>
+          </a:p>
+        </p:txBody>
+      </p:sp>
+      <p:pic>
+        <p:nvPicPr>
+          <p:cNvPr id="4" name="그림 3">
+            <a:extLst>
+              <a:ext uri="{FF2B5EF4-FFF2-40B4-BE49-F238E27FC236}">
+                <a16:creationId xmlns:a16="http://schemas.microsoft.com/office/drawing/2014/main" id="{AD7E7772-EC47-4BF9-95F2-EF0077504843}"/>
+              </a:ext>
+            </a:extLst>
+          </p:cNvPr>
+          <p:cNvPicPr>
+            <a:picLocks noChangeAspect="1"/>
+          </p:cNvPicPr>
           <p:nvPr/>
-        </p:nvSpPr>
-        <p:spPr>
-          <a:xfrm>
-            <a:off x="302009" y="485873"/>
-            <a:ext cx="5109883" cy="369332"/>
+        </p:nvPicPr>
+        <p:blipFill>
+          <a:blip r:embed="rId2">
+            <a:extLst>
+              <a:ext uri="{28A0092B-C50C-407E-A947-70E740481C1C}">
+                <a14:useLocalDpi xmlns:a14="http://schemas.microsoft.com/office/drawing/2010/main" val="0"/>
+              </a:ext>
+            </a:extLst>
+          </a:blip>
+          <a:stretch>
+            <a:fillRect/>
+          </a:stretch>
+        </p:blipFill>
+        <p:spPr>
+          <a:xfrm>
+            <a:off x="5131623" y="685800"/>
+            <a:ext cx="3359791" cy="5599651"/>
           </a:xfrm>
           <a:prstGeom prst="rect">
             <a:avLst/>
           </a:prstGeom>
-          <a:noFill/>
-        </p:spPr>
-        <p:txBody>
-          <a:bodyPr wrap="square" rtlCol="0">
-            <a:spAutoFit/>
-          </a:bodyPr>
-          <a:lstStyle/>
-          <a:p>
-            <a:r>
-              <a:rPr lang="ko-KR" altLang="en-US" dirty="0"/>
-              <a:t>루트 </a:t>
-            </a:r>
-            <a:r>
-              <a:rPr lang="en-US" altLang="ko-KR" dirty="0"/>
-              <a:t>2: </a:t>
-            </a:r>
-            <a:r>
-              <a:rPr lang="ko-KR" altLang="en-US" dirty="0"/>
-              <a:t>카테고리별 쇼핑</a:t>
-            </a:r>
-          </a:p>
-        </p:txBody>
-      </p:sp>
-      <p:sp>
-        <p:nvSpPr>
-          <p:cNvPr id="9" name="모서리가 둥근 사각형 설명선[R] 10">
-            <a:extLst>
-              <a:ext uri="{FF2B5EF4-FFF2-40B4-BE49-F238E27FC236}">
-                <a16:creationId xmlns:a16="http://schemas.microsoft.com/office/drawing/2014/main" id="{02B5E40B-176F-4C86-9225-2400B5A4E532}"/>
-              </a:ext>
-            </a:extLst>
-          </p:cNvPr>
-          <p:cNvSpPr/>
+        </p:spPr>
+      </p:pic>
+      <p:pic>
+        <p:nvPicPr>
+          <p:cNvPr id="5" name="그림 4">
+            <a:extLst>
+              <a:ext uri="{FF2B5EF4-FFF2-40B4-BE49-F238E27FC236}">
+                <a16:creationId xmlns:a16="http://schemas.microsoft.com/office/drawing/2014/main" id="{347DAE88-D87E-6F4D-AE72-FFE6BFA16284}"/>
+              </a:ext>
+            </a:extLst>
+          </p:cNvPr>
+          <p:cNvPicPr>
+            <a:picLocks noChangeAspect="1"/>
+          </p:cNvPicPr>
           <p:nvPr/>
-        </p:nvSpPr>
-        <p:spPr>
-          <a:xfrm>
-            <a:off x="161976" y="1207260"/>
-            <a:ext cx="11868048" cy="1266887"/>
-          </a:xfrm>
-          <a:prstGeom prst="wedgeRoundRectCallout">
-            <a:avLst>
-              <a:gd name="adj1" fmla="val -17901"/>
-              <a:gd name="adj2" fmla="val 68098"/>
-              <a:gd name="adj3" fmla="val 16667"/>
-            </a:avLst>
+        </p:nvPicPr>
+        <p:blipFill>
+          <a:blip r:embed="rId3">
+            <a:extLst>
+              <a:ext uri="{28A0092B-C50C-407E-A947-70E740481C1C}">
+                <a14:useLocalDpi xmlns:a14="http://schemas.microsoft.com/office/drawing/2010/main" val="0"/>
+              </a:ext>
+            </a:extLst>
+          </a:blip>
+          <a:stretch>
+            <a:fillRect/>
+          </a:stretch>
+        </p:blipFill>
+        <p:spPr>
+          <a:xfrm>
+            <a:off x="8646089" y="685800"/>
+            <a:ext cx="3312433" cy="5555590"/>
+          </a:xfrm>
+          <a:prstGeom prst="rect">
+            <a:avLst/>
           </a:prstGeom>
         </p:spPr>
-        <p:style>
-          <a:lnRef idx="0">
-            <a:schemeClr val="dk1"/>
-          </a:lnRef>
-          <a:fillRef idx="3">
-            <a:schemeClr val="dk1"/>
-          </a:fillRef>
-          <a:effectRef idx="3">
-            <a:schemeClr val="dk1"/>
-          </a:effectRef>
-          <a:fontRef idx="minor">
-            <a:schemeClr val="lt1"/>
-          </a:fontRef>
-        </p:style>
-        <p:txBody>
-          <a:bodyPr rtlCol="0" anchor="ctr"/>
-          <a:lstStyle/>
-          <a:p>
-            <a:pPr marL="285750" indent="-285750">
-              <a:lnSpc>
-                <a:spcPct val="150000"/>
-              </a:lnSpc>
-              <a:buFontTx/>
-              <a:buChar char="-"/>
-            </a:pPr>
-            <a:r>
-              <a:rPr kumimoji="1" lang="ko-KR" altLang="en-US" dirty="0"/>
-              <a:t>사용자가 선택한 브랜드를 카테고리별로 분류한다</a:t>
-            </a:r>
-            <a:r>
-              <a:rPr kumimoji="1" lang="en-US" altLang="ko-KR" dirty="0"/>
-              <a:t>.</a:t>
-            </a:r>
-          </a:p>
-        </p:txBody>
-      </p:sp>
-      <p:sp>
-        <p:nvSpPr>
-          <p:cNvPr id="5" name="모서리가 둥근 사각형 설명선[R] 10">
-            <a:extLst>
-              <a:ext uri="{FF2B5EF4-FFF2-40B4-BE49-F238E27FC236}">
-                <a16:creationId xmlns:a16="http://schemas.microsoft.com/office/drawing/2014/main" id="{2482F613-9403-4421-84B6-8ABC61F2D67B}"/>
-              </a:ext>
-            </a:extLst>
-          </p:cNvPr>
-          <p:cNvSpPr/>
+      </p:pic>
+      <p:pic>
+        <p:nvPicPr>
+          <p:cNvPr id="6" name="그림 5">
+            <a:extLst>
+              <a:ext uri="{FF2B5EF4-FFF2-40B4-BE49-F238E27FC236}">
+                <a16:creationId xmlns:a16="http://schemas.microsoft.com/office/drawing/2014/main" id="{1D650387-0F92-4A0D-8D39-C96CC2CF834D}"/>
+              </a:ext>
+            </a:extLst>
+          </p:cNvPr>
+          <p:cNvPicPr>
+            <a:picLocks noChangeAspect="1"/>
+          </p:cNvPicPr>
           <p:nvPr/>
-        </p:nvSpPr>
-        <p:spPr>
-          <a:xfrm>
-            <a:off x="161976" y="3195534"/>
-            <a:ext cx="11868048" cy="1188320"/>
-          </a:xfrm>
-          <a:prstGeom prst="wedgeRoundRectCallout">
-            <a:avLst>
-              <a:gd name="adj1" fmla="val -18642"/>
-              <a:gd name="adj2" fmla="val 80130"/>
-              <a:gd name="adj3" fmla="val 16667"/>
-            </a:avLst>
+        </p:nvPicPr>
+        <p:blipFill>
+          <a:blip r:embed="rId4">
+            <a:extLst>
+              <a:ext uri="{28A0092B-C50C-407E-A947-70E740481C1C}">
+                <a14:useLocalDpi xmlns:a14="http://schemas.microsoft.com/office/drawing/2010/main" val="0"/>
+              </a:ext>
+            </a:extLst>
+          </a:blip>
+          <a:stretch>
+            <a:fillRect/>
+          </a:stretch>
+        </p:blipFill>
+        <p:spPr>
+          <a:xfrm>
+            <a:off x="8641576" y="685801"/>
+            <a:ext cx="3316946" cy="5555590"/>
+          </a:xfrm>
+          <a:prstGeom prst="rect">
+            <a:avLst/>
           </a:prstGeom>
         </p:spPr>
-        <p:style>
-          <a:lnRef idx="0">
-            <a:schemeClr val="dk1"/>
-          </a:lnRef>
-          <a:fillRef idx="3">
-            <a:schemeClr val="dk1"/>
-          </a:fillRef>
-          <a:effectRef idx="3">
-            <a:schemeClr val="dk1"/>
-          </a:effectRef>
-          <a:fontRef idx="minor">
-            <a:schemeClr val="lt1"/>
-          </a:fontRef>
-        </p:style>
-        <p:txBody>
-          <a:bodyPr rtlCol="0" anchor="ctr"/>
-          <a:lstStyle/>
-          <a:p>
-            <a:pPr marL="285750" indent="-285750">
-              <a:lnSpc>
-                <a:spcPct val="150000"/>
-              </a:lnSpc>
-              <a:buFontTx/>
-              <a:buChar char="-"/>
-            </a:pPr>
-            <a:r>
-              <a:rPr kumimoji="1" lang="ko-KR" altLang="en-US" dirty="0"/>
-              <a:t>카테고리별 최단루트</a:t>
-            </a:r>
-            <a:r>
-              <a:rPr kumimoji="1" lang="en-US" altLang="ko-KR" dirty="0"/>
-              <a:t>(</a:t>
-            </a:r>
-            <a:r>
-              <a:rPr kumimoji="1" lang="ko-KR" altLang="en-US" dirty="0"/>
-              <a:t>루트</a:t>
-            </a:r>
-            <a:r>
-              <a:rPr kumimoji="1" lang="en-US" altLang="ko-KR" dirty="0"/>
-              <a:t>1</a:t>
-            </a:r>
-            <a:r>
-              <a:rPr kumimoji="1" lang="ko-KR" altLang="en-US" dirty="0"/>
-              <a:t>과 동일한 방식</a:t>
-            </a:r>
-            <a:r>
-              <a:rPr kumimoji="1" lang="en-US" altLang="ko-KR" dirty="0"/>
-              <a:t>)</a:t>
-            </a:r>
-            <a:r>
-              <a:rPr kumimoji="1" lang="ko-KR" altLang="en-US" dirty="0"/>
-              <a:t>을 계산한다</a:t>
-            </a:r>
-            <a:r>
-              <a:rPr kumimoji="1" lang="en-US" altLang="ko-KR" dirty="0"/>
-              <a:t>.</a:t>
-            </a:r>
-          </a:p>
-        </p:txBody>
-      </p:sp>
-      <p:sp>
-        <p:nvSpPr>
-          <p:cNvPr id="7" name="모서리가 둥근 사각형 설명선[R] 10">
-            <a:extLst>
-              <a:ext uri="{FF2B5EF4-FFF2-40B4-BE49-F238E27FC236}">
-                <a16:creationId xmlns:a16="http://schemas.microsoft.com/office/drawing/2014/main" id="{B7A93CD4-CBCF-4805-AA0D-EBB97176103E}"/>
-              </a:ext>
-            </a:extLst>
-          </p:cNvPr>
-          <p:cNvSpPr/>
-          <p:nvPr/>
-        </p:nvSpPr>
-        <p:spPr>
-          <a:xfrm>
-            <a:off x="161976" y="5173522"/>
-            <a:ext cx="11868048" cy="954435"/>
-          </a:xfrm>
-          <a:prstGeom prst="wedgeRoundRectCallout">
-            <a:avLst>
-              <a:gd name="adj1" fmla="val -17901"/>
-              <a:gd name="adj2" fmla="val 43135"/>
-              <a:gd name="adj3" fmla="val 16667"/>
-            </a:avLst>
-          </a:prstGeom>
-        </p:spPr>
-        <p:style>
-          <a:lnRef idx="0">
-            <a:schemeClr val="dk1"/>
-          </a:lnRef>
-          <a:fillRef idx="3">
-            <a:schemeClr val="dk1"/>
-          </a:fillRef>
-          <a:effectRef idx="3">
-            <a:schemeClr val="dk1"/>
-          </a:effectRef>
-          <a:fontRef idx="minor">
-            <a:schemeClr val="lt1"/>
-          </a:fontRef>
-        </p:style>
-        <p:txBody>
-          <a:bodyPr rtlCol="0" anchor="ctr"/>
-          <a:lstStyle/>
-          <a:p>
-            <a:pPr marL="285750" indent="-285750">
-              <a:lnSpc>
-                <a:spcPct val="150000"/>
-              </a:lnSpc>
-              <a:buFontTx/>
-              <a:buChar char="-"/>
-            </a:pPr>
-            <a:r>
-              <a:rPr kumimoji="1" lang="ko-KR" altLang="en-US" dirty="0"/>
-              <a:t>각 카테고리 루트의 시작</a:t>
-            </a:r>
-            <a:r>
-              <a:rPr kumimoji="1" lang="en-US" altLang="ko-KR" dirty="0"/>
-              <a:t>/</a:t>
-            </a:r>
-            <a:r>
-              <a:rPr kumimoji="1" lang="ko-KR" altLang="en-US" dirty="0"/>
-              <a:t>끝의 최단거리를 계산해서 카테고리 루트들의 순서를 정한다</a:t>
-            </a:r>
-            <a:r>
-              <a:rPr kumimoji="1" lang="en-US" altLang="ko-KR" dirty="0"/>
-              <a:t>.</a:t>
-            </a:r>
-          </a:p>
-        </p:txBody>
-      </p:sp>
+      </p:pic>
     </p:spTree>
     <p:extLst>
       <p:ext uri="{BB962C8B-B14F-4D97-AF65-F5344CB8AC3E}">
-        <p14:creationId xmlns:p14="http://schemas.microsoft.com/office/powerpoint/2010/main" val="1920535699"/>
+        <p14:creationId xmlns:p14="http://schemas.microsoft.com/office/powerpoint/2010/main" val="561128130"/>
       </p:ext>
     </p:extLst>
   </p:cSld>
@@ -6179,8 +7343,8 @@
         </p:nvSpPr>
         <p:spPr>
           <a:xfrm>
-            <a:off x="530125" y="520987"/>
-            <a:ext cx="5109883" cy="1754326"/>
+            <a:off x="310399" y="476796"/>
+            <a:ext cx="6275121" cy="369332"/>
           </a:xfrm>
           <a:prstGeom prst="rect">
             <a:avLst/>
@@ -6199,38 +7363,325 @@
             </a:r>
             <a:r>
               <a:rPr lang="en-US" altLang="ko-KR" dirty="0"/>
-              <a:t>3: </a:t>
+              <a:t>1: </a:t>
             </a:r>
             <a:r>
               <a:rPr lang="ko-KR" altLang="en-US" dirty="0"/>
-              <a:t>커피와 밥이 있는 루트</a:t>
-            </a:r>
-            <a:endParaRPr lang="en-US" altLang="ko-KR" dirty="0"/>
-          </a:p>
-          <a:p>
-            <a:endParaRPr lang="en-US" altLang="ko-KR" dirty="0"/>
-          </a:p>
-          <a:p>
-            <a:endParaRPr lang="en-US" altLang="ko-KR" dirty="0"/>
-          </a:p>
-          <a:p>
-            <a:endParaRPr lang="en-US" altLang="ko-KR" dirty="0"/>
-          </a:p>
-          <a:p>
-            <a:endParaRPr lang="en-US" altLang="ko-KR" dirty="0"/>
-          </a:p>
-          <a:p>
-            <a:r>
-              <a:rPr lang="ko-KR" altLang="en-US" dirty="0"/>
-              <a:t>입력해주세요</a:t>
-            </a:r>
+              <a:t>최단거리</a:t>
+            </a:r>
+          </a:p>
+        </p:txBody>
+      </p:sp>
+      <p:sp>
+        <p:nvSpPr>
+          <p:cNvPr id="9" name="모서리가 둥근 사각형 설명선[R] 10">
+            <a:extLst>
+              <a:ext uri="{FF2B5EF4-FFF2-40B4-BE49-F238E27FC236}">
+                <a16:creationId xmlns:a16="http://schemas.microsoft.com/office/drawing/2014/main" id="{02B5E40B-176F-4C86-9225-2400B5A4E532}"/>
+              </a:ext>
+            </a:extLst>
+          </p:cNvPr>
+          <p:cNvSpPr/>
+          <p:nvPr/>
+        </p:nvSpPr>
+        <p:spPr>
+          <a:xfrm>
+            <a:off x="161976" y="1207260"/>
+            <a:ext cx="11868048" cy="1266887"/>
+          </a:xfrm>
+          <a:prstGeom prst="wedgeRoundRectCallout">
+            <a:avLst>
+              <a:gd name="adj1" fmla="val -17901"/>
+              <a:gd name="adj2" fmla="val 68098"/>
+              <a:gd name="adj3" fmla="val 16667"/>
+            </a:avLst>
+          </a:prstGeom>
+        </p:spPr>
+        <p:style>
+          <a:lnRef idx="0">
+            <a:schemeClr val="dk1"/>
+          </a:lnRef>
+          <a:fillRef idx="3">
+            <a:schemeClr val="dk1"/>
+          </a:fillRef>
+          <a:effectRef idx="3">
+            <a:schemeClr val="dk1"/>
+          </a:effectRef>
+          <a:fontRef idx="minor">
+            <a:schemeClr val="lt1"/>
+          </a:fontRef>
+        </p:style>
+        <p:txBody>
+          <a:bodyPr rtlCol="0" anchor="ctr"/>
+          <a:lstStyle/>
+          <a:p>
+            <a:pPr marL="285750" indent="-285750">
+              <a:lnSpc>
+                <a:spcPct val="150000"/>
+              </a:lnSpc>
+              <a:buFontTx/>
+              <a:buChar char="-"/>
+            </a:pPr>
+            <a:r>
+              <a:rPr kumimoji="1" lang="ko-KR" altLang="en-US" dirty="0"/>
+              <a:t>사용자가 선택한 브랜드를 층별로 분류한다</a:t>
+            </a:r>
+            <a:r>
+              <a:rPr kumimoji="1" lang="en-US" altLang="ko-KR" dirty="0"/>
+              <a:t>.</a:t>
+            </a:r>
+          </a:p>
+        </p:txBody>
+      </p:sp>
+      <p:sp>
+        <p:nvSpPr>
+          <p:cNvPr id="5" name="모서리가 둥근 사각형 설명선[R] 10">
+            <a:extLst>
+              <a:ext uri="{FF2B5EF4-FFF2-40B4-BE49-F238E27FC236}">
+                <a16:creationId xmlns:a16="http://schemas.microsoft.com/office/drawing/2014/main" id="{2482F613-9403-4421-84B6-8ABC61F2D67B}"/>
+              </a:ext>
+            </a:extLst>
+          </p:cNvPr>
+          <p:cNvSpPr/>
+          <p:nvPr/>
+        </p:nvSpPr>
+        <p:spPr>
+          <a:xfrm>
+            <a:off x="161976" y="3195534"/>
+            <a:ext cx="11868048" cy="2642560"/>
+          </a:xfrm>
+          <a:prstGeom prst="wedgeRoundRectCallout">
+            <a:avLst>
+              <a:gd name="adj1" fmla="val -17901"/>
+              <a:gd name="adj2" fmla="val 43135"/>
+              <a:gd name="adj3" fmla="val 16667"/>
+            </a:avLst>
+          </a:prstGeom>
+        </p:spPr>
+        <p:style>
+          <a:lnRef idx="0">
+            <a:schemeClr val="dk1"/>
+          </a:lnRef>
+          <a:fillRef idx="3">
+            <a:schemeClr val="dk1"/>
+          </a:fillRef>
+          <a:effectRef idx="3">
+            <a:schemeClr val="dk1"/>
+          </a:effectRef>
+          <a:fontRef idx="minor">
+            <a:schemeClr val="lt1"/>
+          </a:fontRef>
+        </p:style>
+        <p:txBody>
+          <a:bodyPr rtlCol="0" anchor="ctr"/>
+          <a:lstStyle/>
+          <a:p>
+            <a:pPr marL="285750" indent="-285750">
+              <a:lnSpc>
+                <a:spcPct val="150000"/>
+              </a:lnSpc>
+              <a:buFontTx/>
+              <a:buChar char="-"/>
+            </a:pPr>
+            <a:r>
+              <a:rPr kumimoji="1" lang="ko-KR" altLang="en-US" dirty="0"/>
+              <a:t>가장 높은 층부터 최단 경로를 계산한다</a:t>
+            </a:r>
+            <a:r>
+              <a:rPr kumimoji="1" lang="en-US" altLang="ko-KR" dirty="0"/>
+              <a:t>.</a:t>
+            </a:r>
+          </a:p>
+          <a:p>
+            <a:pPr>
+              <a:lnSpc>
+                <a:spcPct val="150000"/>
+              </a:lnSpc>
+            </a:pPr>
+            <a:r>
+              <a:rPr kumimoji="1" lang="en-US" altLang="ko-KR" dirty="0">
+                <a:sym typeface="Wingdings" panose="05000000000000000000" pitchFamily="2" charset="2"/>
+              </a:rPr>
+              <a:t>     </a:t>
+            </a:r>
+            <a:r>
+              <a:rPr kumimoji="1" lang="ko-KR" altLang="en-US" dirty="0">
+                <a:sym typeface="Wingdings" panose="05000000000000000000" pitchFamily="2" charset="2"/>
+              </a:rPr>
+              <a:t>에스컬레이터</a:t>
+            </a:r>
+            <a:r>
+              <a:rPr kumimoji="1" lang="en-US" altLang="ko-KR" dirty="0">
+                <a:sym typeface="Wingdings" panose="05000000000000000000" pitchFamily="2" charset="2"/>
+              </a:rPr>
+              <a:t>/</a:t>
+            </a:r>
+            <a:r>
+              <a:rPr kumimoji="1" lang="ko-KR" altLang="en-US" dirty="0">
+                <a:sym typeface="Wingdings" panose="05000000000000000000" pitchFamily="2" charset="2"/>
+              </a:rPr>
+              <a:t>엘리베이터</a:t>
+            </a:r>
+            <a:r>
+              <a:rPr kumimoji="1" lang="en-US" altLang="ko-KR" dirty="0">
+                <a:sym typeface="Wingdings" panose="05000000000000000000" pitchFamily="2" charset="2"/>
+              </a:rPr>
+              <a:t>/</a:t>
+            </a:r>
+            <a:r>
+              <a:rPr kumimoji="1" lang="ko-KR" altLang="en-US" dirty="0">
+                <a:sym typeface="Wingdings" panose="05000000000000000000" pitchFamily="2" charset="2"/>
+              </a:rPr>
+              <a:t>계단을 시작점 또는 끝점으로 하는 </a:t>
+            </a:r>
+            <a:r>
+              <a:rPr kumimoji="1" lang="ko-KR" altLang="en-US" dirty="0" err="1">
+                <a:sym typeface="Wingdings" panose="05000000000000000000" pitchFamily="2" charset="2"/>
+              </a:rPr>
+              <a:t>전체쌍</a:t>
+            </a:r>
+            <a:r>
+              <a:rPr kumimoji="1" lang="ko-KR" altLang="en-US" dirty="0">
+                <a:sym typeface="Wingdings" panose="05000000000000000000" pitchFamily="2" charset="2"/>
+              </a:rPr>
+              <a:t> 최단거리를</a:t>
+            </a:r>
+            <a:r>
+              <a:rPr kumimoji="1" lang="en-US" altLang="ko-KR" dirty="0">
+                <a:sym typeface="Wingdings" panose="05000000000000000000" pitchFamily="2" charset="2"/>
+              </a:rPr>
+              <a:t>(</a:t>
+            </a:r>
+            <a:r>
+              <a:rPr kumimoji="1" lang="ko-KR" altLang="en-US" dirty="0" err="1">
+                <a:sym typeface="Wingdings" panose="05000000000000000000" pitchFamily="2" charset="2"/>
+              </a:rPr>
+              <a:t>다익스트라</a:t>
+            </a:r>
+            <a:r>
+              <a:rPr kumimoji="1" lang="en-US" altLang="ko-KR" dirty="0">
+                <a:sym typeface="Wingdings" panose="05000000000000000000" pitchFamily="2" charset="2"/>
+              </a:rPr>
+              <a:t>/</a:t>
+            </a:r>
+            <a:r>
+              <a:rPr kumimoji="1" lang="ko-KR" altLang="en-US" dirty="0" err="1">
+                <a:sym typeface="Wingdings" panose="05000000000000000000" pitchFamily="2" charset="2"/>
+              </a:rPr>
+              <a:t>벨만포드</a:t>
+            </a:r>
+            <a:r>
+              <a:rPr kumimoji="1" lang="en-US" altLang="ko-KR" dirty="0">
+                <a:sym typeface="Wingdings" panose="05000000000000000000" pitchFamily="2" charset="2"/>
+              </a:rPr>
+              <a:t>) </a:t>
+            </a:r>
+            <a:r>
+              <a:rPr kumimoji="1" lang="ko-KR" altLang="en-US" dirty="0">
+                <a:sym typeface="Wingdings" panose="05000000000000000000" pitchFamily="2" charset="2"/>
+              </a:rPr>
+              <a:t>알고리즘으로 구현한다</a:t>
+            </a:r>
+            <a:r>
+              <a:rPr kumimoji="1" lang="en-US" altLang="ko-KR" dirty="0">
+                <a:sym typeface="Wingdings" panose="05000000000000000000" pitchFamily="2" charset="2"/>
+              </a:rPr>
+              <a:t>.</a:t>
+            </a:r>
+          </a:p>
+          <a:p>
+            <a:pPr>
+              <a:lnSpc>
+                <a:spcPct val="150000"/>
+              </a:lnSpc>
+            </a:pPr>
+            <a:r>
+              <a:rPr kumimoji="1" lang="en-US" altLang="ko-KR" dirty="0">
+                <a:sym typeface="Wingdings" panose="05000000000000000000" pitchFamily="2" charset="2"/>
+              </a:rPr>
+              <a:t>     </a:t>
+            </a:r>
+            <a:r>
+              <a:rPr kumimoji="1" lang="ko-KR" altLang="en-US" dirty="0">
+                <a:sym typeface="Wingdings" panose="05000000000000000000" pitchFamily="2" charset="2"/>
+              </a:rPr>
+              <a:t>정해진 시작점 또는 끝점에 해당하는 에스컬레이터</a:t>
+            </a:r>
+            <a:r>
+              <a:rPr kumimoji="1" lang="en-US" altLang="ko-KR" dirty="0">
+                <a:sym typeface="Wingdings" panose="05000000000000000000" pitchFamily="2" charset="2"/>
+              </a:rPr>
+              <a:t>/</a:t>
+            </a:r>
+            <a:r>
+              <a:rPr kumimoji="1" lang="ko-KR" altLang="en-US" dirty="0">
+                <a:sym typeface="Wingdings" panose="05000000000000000000" pitchFamily="2" charset="2"/>
+              </a:rPr>
+              <a:t>엘리베이터</a:t>
+            </a:r>
+            <a:r>
+              <a:rPr kumimoji="1" lang="en-US" altLang="ko-KR" dirty="0">
+                <a:sym typeface="Wingdings" panose="05000000000000000000" pitchFamily="2" charset="2"/>
+              </a:rPr>
+              <a:t>/</a:t>
+            </a:r>
+            <a:r>
+              <a:rPr kumimoji="1" lang="ko-KR" altLang="en-US" dirty="0">
+                <a:sym typeface="Wingdings" panose="05000000000000000000" pitchFamily="2" charset="2"/>
+              </a:rPr>
+              <a:t>계단을 끝점으로 하는 아래층 최단거리 루트를 구한다</a:t>
+            </a:r>
+            <a:r>
+              <a:rPr kumimoji="1" lang="en-US" altLang="ko-KR" dirty="0">
+                <a:sym typeface="Wingdings" panose="05000000000000000000" pitchFamily="2" charset="2"/>
+              </a:rPr>
+              <a:t>.</a:t>
+            </a:r>
+          </a:p>
+          <a:p>
+            <a:pPr>
+              <a:lnSpc>
+                <a:spcPct val="150000"/>
+              </a:lnSpc>
+            </a:pPr>
+            <a:r>
+              <a:rPr kumimoji="1" lang="en-US" altLang="ko-KR" dirty="0">
+                <a:sym typeface="Wingdings" panose="05000000000000000000" pitchFamily="2" charset="2"/>
+              </a:rPr>
+              <a:t>      1</a:t>
+            </a:r>
+            <a:r>
+              <a:rPr kumimoji="1" lang="ko-KR" altLang="en-US" dirty="0">
+                <a:sym typeface="Wingdings" panose="05000000000000000000" pitchFamily="2" charset="2"/>
+              </a:rPr>
+              <a:t>층이 될 때까지 </a:t>
+            </a:r>
+            <a:r>
+              <a:rPr kumimoji="1" lang="ko-KR" altLang="en-US" dirty="0" err="1">
+                <a:sym typeface="Wingdings" panose="05000000000000000000" pitchFamily="2" charset="2"/>
+              </a:rPr>
+              <a:t>위와같은</a:t>
+            </a:r>
+            <a:r>
+              <a:rPr kumimoji="1" lang="ko-KR" altLang="en-US" dirty="0">
+                <a:sym typeface="Wingdings" panose="05000000000000000000" pitchFamily="2" charset="2"/>
+              </a:rPr>
+              <a:t> 과정을 반복한다</a:t>
+            </a:r>
+            <a:r>
+              <a:rPr kumimoji="1" lang="en-US" altLang="ko-KR" dirty="0">
+                <a:sym typeface="Wingdings" panose="05000000000000000000" pitchFamily="2" charset="2"/>
+              </a:rPr>
+              <a:t>.</a:t>
+            </a:r>
+            <a:endParaRPr kumimoji="1" lang="en-US" altLang="ko-KR" dirty="0"/>
           </a:p>
         </p:txBody>
       </p:sp>
     </p:spTree>
     <p:extLst>
       <p:ext uri="{BB962C8B-B14F-4D97-AF65-F5344CB8AC3E}">
-        <p14:creationId xmlns:p14="http://schemas.microsoft.com/office/powerpoint/2010/main" val="307650935"/>
+        <p14:creationId xmlns:p14="http://schemas.microsoft.com/office/powerpoint/2010/main" val="4115090045"/>
       </p:ext>
     </p:extLst>
   </p:cSld>
@@ -6291,11 +7742,11 @@
             </a:r>
             <a:r>
               <a:rPr lang="en-US" altLang="ko-KR" dirty="0"/>
-              <a:t>4: </a:t>
+              <a:t>2: </a:t>
             </a:r>
             <a:r>
               <a:rPr lang="ko-KR" altLang="en-US" dirty="0"/>
-              <a:t>세일만 쏙쏙</a:t>
+              <a:t>카테고리별 쇼핑</a:t>
             </a:r>
           </a:p>
         </p:txBody>
@@ -6352,7 +7803,7 @@
             </a:pPr>
             <a:r>
               <a:rPr kumimoji="1" lang="ko-KR" altLang="en-US" dirty="0"/>
-              <a:t>사용자가 선택한 카테고리에 해당하는 세일 매장 정보를 가져온다</a:t>
+              <a:t>사용자가 선택한 브랜드를 카테고리별로 분류한다</a:t>
             </a:r>
             <a:r>
               <a:rPr kumimoji="1" lang="en-US" altLang="ko-KR" dirty="0"/>
@@ -6380,8 +7831,8 @@
           </a:xfrm>
           <a:prstGeom prst="wedgeRoundRectCallout">
             <a:avLst>
-              <a:gd name="adj1" fmla="val -18790"/>
-              <a:gd name="adj2" fmla="val 47575"/>
+              <a:gd name="adj1" fmla="val -18642"/>
+              <a:gd name="adj2" fmla="val 80130"/>
               <a:gd name="adj3" fmla="val 16667"/>
             </a:avLst>
           </a:prstGeom>
@@ -6446,6 +7897,386 @@
           </a:p>
         </p:txBody>
       </p:sp>
+      <p:sp>
+        <p:nvSpPr>
+          <p:cNvPr id="7" name="모서리가 둥근 사각형 설명선[R] 10">
+            <a:extLst>
+              <a:ext uri="{FF2B5EF4-FFF2-40B4-BE49-F238E27FC236}">
+                <a16:creationId xmlns:a16="http://schemas.microsoft.com/office/drawing/2014/main" id="{B7A93CD4-CBCF-4805-AA0D-EBB97176103E}"/>
+              </a:ext>
+            </a:extLst>
+          </p:cNvPr>
+          <p:cNvSpPr/>
+          <p:nvPr/>
+        </p:nvSpPr>
+        <p:spPr>
+          <a:xfrm>
+            <a:off x="161976" y="5173522"/>
+            <a:ext cx="11868048" cy="954435"/>
+          </a:xfrm>
+          <a:prstGeom prst="wedgeRoundRectCallout">
+            <a:avLst>
+              <a:gd name="adj1" fmla="val -17901"/>
+              <a:gd name="adj2" fmla="val 43135"/>
+              <a:gd name="adj3" fmla="val 16667"/>
+            </a:avLst>
+          </a:prstGeom>
+        </p:spPr>
+        <p:style>
+          <a:lnRef idx="0">
+            <a:schemeClr val="dk1"/>
+          </a:lnRef>
+          <a:fillRef idx="3">
+            <a:schemeClr val="dk1"/>
+          </a:fillRef>
+          <a:effectRef idx="3">
+            <a:schemeClr val="dk1"/>
+          </a:effectRef>
+          <a:fontRef idx="minor">
+            <a:schemeClr val="lt1"/>
+          </a:fontRef>
+        </p:style>
+        <p:txBody>
+          <a:bodyPr rtlCol="0" anchor="ctr"/>
+          <a:lstStyle/>
+          <a:p>
+            <a:pPr marL="285750" indent="-285750">
+              <a:lnSpc>
+                <a:spcPct val="150000"/>
+              </a:lnSpc>
+              <a:buFontTx/>
+              <a:buChar char="-"/>
+            </a:pPr>
+            <a:r>
+              <a:rPr kumimoji="1" lang="ko-KR" altLang="en-US" dirty="0"/>
+              <a:t>각 카테고리 루트의 시작</a:t>
+            </a:r>
+            <a:r>
+              <a:rPr kumimoji="1" lang="en-US" altLang="ko-KR" dirty="0"/>
+              <a:t>/</a:t>
+            </a:r>
+            <a:r>
+              <a:rPr kumimoji="1" lang="ko-KR" altLang="en-US" dirty="0"/>
+              <a:t>끝의 최단거리를 계산해서 카테고리 루트들의 순서를 정한다</a:t>
+            </a:r>
+            <a:r>
+              <a:rPr kumimoji="1" lang="en-US" altLang="ko-KR" dirty="0"/>
+              <a:t>.</a:t>
+            </a:r>
+          </a:p>
+        </p:txBody>
+      </p:sp>
+    </p:spTree>
+    <p:extLst>
+      <p:ext uri="{BB962C8B-B14F-4D97-AF65-F5344CB8AC3E}">
+        <p14:creationId xmlns:p14="http://schemas.microsoft.com/office/powerpoint/2010/main" val="1920535699"/>
+      </p:ext>
+    </p:extLst>
+  </p:cSld>
+  <p:clrMapOvr>
+    <a:masterClrMapping/>
+  </p:clrMapOvr>
+</p:sld>
+</file>
+
+<file path=ppt/slides/slide24.xml><?xml version="1.0" encoding="utf-8"?>
+<p:sld xmlns:a="http://schemas.openxmlformats.org/drawingml/2006/main" xmlns:r="http://schemas.openxmlformats.org/officeDocument/2006/relationships" xmlns:p="http://schemas.openxmlformats.org/presentationml/2006/main">
+  <p:cSld>
+    <p:spTree>
+      <p:nvGrpSpPr>
+        <p:cNvPr id="1" name=""/>
+        <p:cNvGrpSpPr/>
+        <p:nvPr/>
+      </p:nvGrpSpPr>
+      <p:grpSpPr>
+        <a:xfrm>
+          <a:off x="0" y="0"/>
+          <a:ext cx="0" cy="0"/>
+          <a:chOff x="0" y="0"/>
+          <a:chExt cx="0" cy="0"/>
+        </a:xfrm>
+      </p:grpSpPr>
+      <p:sp>
+        <p:nvSpPr>
+          <p:cNvPr id="6" name="TextBox 5">
+            <a:extLst>
+              <a:ext uri="{FF2B5EF4-FFF2-40B4-BE49-F238E27FC236}">
+                <a16:creationId xmlns:a16="http://schemas.microsoft.com/office/drawing/2014/main" id="{632091BB-3214-4F56-86EE-49438A4E8031}"/>
+              </a:ext>
+            </a:extLst>
+          </p:cNvPr>
+          <p:cNvSpPr txBox="1"/>
+          <p:nvPr/>
+        </p:nvSpPr>
+        <p:spPr>
+          <a:xfrm>
+            <a:off x="530125" y="520987"/>
+            <a:ext cx="5109883" cy="1754326"/>
+          </a:xfrm>
+          <a:prstGeom prst="rect">
+            <a:avLst/>
+          </a:prstGeom>
+          <a:noFill/>
+        </p:spPr>
+        <p:txBody>
+          <a:bodyPr wrap="square" rtlCol="0">
+            <a:spAutoFit/>
+          </a:bodyPr>
+          <a:lstStyle/>
+          <a:p>
+            <a:r>
+              <a:rPr lang="ko-KR" altLang="en-US" dirty="0"/>
+              <a:t>루트 </a:t>
+            </a:r>
+            <a:r>
+              <a:rPr lang="en-US" altLang="ko-KR" dirty="0"/>
+              <a:t>3: </a:t>
+            </a:r>
+            <a:r>
+              <a:rPr lang="ko-KR" altLang="en-US" dirty="0"/>
+              <a:t>커피와 밥이 있는 루트</a:t>
+            </a:r>
+            <a:endParaRPr lang="en-US" altLang="ko-KR" dirty="0"/>
+          </a:p>
+          <a:p>
+            <a:endParaRPr lang="en-US" altLang="ko-KR" dirty="0"/>
+          </a:p>
+          <a:p>
+            <a:endParaRPr lang="en-US" altLang="ko-KR" dirty="0"/>
+          </a:p>
+          <a:p>
+            <a:endParaRPr lang="en-US" altLang="ko-KR" dirty="0"/>
+          </a:p>
+          <a:p>
+            <a:endParaRPr lang="en-US" altLang="ko-KR" dirty="0"/>
+          </a:p>
+          <a:p>
+            <a:r>
+              <a:rPr lang="ko-KR" altLang="en-US" dirty="0"/>
+              <a:t>입력해주세요</a:t>
+            </a:r>
+          </a:p>
+        </p:txBody>
+      </p:sp>
+    </p:spTree>
+    <p:extLst>
+      <p:ext uri="{BB962C8B-B14F-4D97-AF65-F5344CB8AC3E}">
+        <p14:creationId xmlns:p14="http://schemas.microsoft.com/office/powerpoint/2010/main" val="307650935"/>
+      </p:ext>
+    </p:extLst>
+  </p:cSld>
+  <p:clrMapOvr>
+    <a:masterClrMapping/>
+  </p:clrMapOvr>
+</p:sld>
+</file>
+
+<file path=ppt/slides/slide25.xml><?xml version="1.0" encoding="utf-8"?>
+<p:sld xmlns:a="http://schemas.openxmlformats.org/drawingml/2006/main" xmlns:r="http://schemas.openxmlformats.org/officeDocument/2006/relationships" xmlns:p="http://schemas.openxmlformats.org/presentationml/2006/main">
+  <p:cSld>
+    <p:spTree>
+      <p:nvGrpSpPr>
+        <p:cNvPr id="1" name=""/>
+        <p:cNvGrpSpPr/>
+        <p:nvPr/>
+      </p:nvGrpSpPr>
+      <p:grpSpPr>
+        <a:xfrm>
+          <a:off x="0" y="0"/>
+          <a:ext cx="0" cy="0"/>
+          <a:chOff x="0" y="0"/>
+          <a:chExt cx="0" cy="0"/>
+        </a:xfrm>
+      </p:grpSpPr>
+      <p:sp>
+        <p:nvSpPr>
+          <p:cNvPr id="6" name="TextBox 5">
+            <a:extLst>
+              <a:ext uri="{FF2B5EF4-FFF2-40B4-BE49-F238E27FC236}">
+                <a16:creationId xmlns:a16="http://schemas.microsoft.com/office/drawing/2014/main" id="{632091BB-3214-4F56-86EE-49438A4E8031}"/>
+              </a:ext>
+            </a:extLst>
+          </p:cNvPr>
+          <p:cNvSpPr txBox="1"/>
+          <p:nvPr/>
+        </p:nvSpPr>
+        <p:spPr>
+          <a:xfrm>
+            <a:off x="302009" y="485873"/>
+            <a:ext cx="5109883" cy="369332"/>
+          </a:xfrm>
+          <a:prstGeom prst="rect">
+            <a:avLst/>
+          </a:prstGeom>
+          <a:noFill/>
+        </p:spPr>
+        <p:txBody>
+          <a:bodyPr wrap="square" rtlCol="0">
+            <a:spAutoFit/>
+          </a:bodyPr>
+          <a:lstStyle/>
+          <a:p>
+            <a:r>
+              <a:rPr lang="ko-KR" altLang="en-US" dirty="0"/>
+              <a:t>루트 </a:t>
+            </a:r>
+            <a:r>
+              <a:rPr lang="en-US" altLang="ko-KR" dirty="0"/>
+              <a:t>4: </a:t>
+            </a:r>
+            <a:r>
+              <a:rPr lang="ko-KR" altLang="en-US" dirty="0"/>
+              <a:t>세일만 쏙쏙</a:t>
+            </a:r>
+          </a:p>
+        </p:txBody>
+      </p:sp>
+      <p:sp>
+        <p:nvSpPr>
+          <p:cNvPr id="9" name="모서리가 둥근 사각형 설명선[R] 10">
+            <a:extLst>
+              <a:ext uri="{FF2B5EF4-FFF2-40B4-BE49-F238E27FC236}">
+                <a16:creationId xmlns:a16="http://schemas.microsoft.com/office/drawing/2014/main" id="{02B5E40B-176F-4C86-9225-2400B5A4E532}"/>
+              </a:ext>
+            </a:extLst>
+          </p:cNvPr>
+          <p:cNvSpPr/>
+          <p:nvPr/>
+        </p:nvSpPr>
+        <p:spPr>
+          <a:xfrm>
+            <a:off x="161976" y="1207260"/>
+            <a:ext cx="11868048" cy="1266887"/>
+          </a:xfrm>
+          <a:prstGeom prst="wedgeRoundRectCallout">
+            <a:avLst>
+              <a:gd name="adj1" fmla="val -17901"/>
+              <a:gd name="adj2" fmla="val 68098"/>
+              <a:gd name="adj3" fmla="val 16667"/>
+            </a:avLst>
+          </a:prstGeom>
+        </p:spPr>
+        <p:style>
+          <a:lnRef idx="0">
+            <a:schemeClr val="dk1"/>
+          </a:lnRef>
+          <a:fillRef idx="3">
+            <a:schemeClr val="dk1"/>
+          </a:fillRef>
+          <a:effectRef idx="3">
+            <a:schemeClr val="dk1"/>
+          </a:effectRef>
+          <a:fontRef idx="minor">
+            <a:schemeClr val="lt1"/>
+          </a:fontRef>
+        </p:style>
+        <p:txBody>
+          <a:bodyPr rtlCol="0" anchor="ctr"/>
+          <a:lstStyle/>
+          <a:p>
+            <a:pPr marL="285750" indent="-285750">
+              <a:lnSpc>
+                <a:spcPct val="150000"/>
+              </a:lnSpc>
+              <a:buFontTx/>
+              <a:buChar char="-"/>
+            </a:pPr>
+            <a:r>
+              <a:rPr kumimoji="1" lang="ko-KR" altLang="en-US" dirty="0"/>
+              <a:t>사용자가 선택한 카테고리에 해당하는 세일 매장 정보를 가져온다</a:t>
+            </a:r>
+            <a:r>
+              <a:rPr kumimoji="1" lang="en-US" altLang="ko-KR" dirty="0"/>
+              <a:t>.</a:t>
+            </a:r>
+          </a:p>
+        </p:txBody>
+      </p:sp>
+      <p:sp>
+        <p:nvSpPr>
+          <p:cNvPr id="5" name="모서리가 둥근 사각형 설명선[R] 10">
+            <a:extLst>
+              <a:ext uri="{FF2B5EF4-FFF2-40B4-BE49-F238E27FC236}">
+                <a16:creationId xmlns:a16="http://schemas.microsoft.com/office/drawing/2014/main" id="{2482F613-9403-4421-84B6-8ABC61F2D67B}"/>
+              </a:ext>
+            </a:extLst>
+          </p:cNvPr>
+          <p:cNvSpPr/>
+          <p:nvPr/>
+        </p:nvSpPr>
+        <p:spPr>
+          <a:xfrm>
+            <a:off x="161976" y="3195534"/>
+            <a:ext cx="11868048" cy="1188320"/>
+          </a:xfrm>
+          <a:prstGeom prst="wedgeRoundRectCallout">
+            <a:avLst>
+              <a:gd name="adj1" fmla="val -18790"/>
+              <a:gd name="adj2" fmla="val 47575"/>
+              <a:gd name="adj3" fmla="val 16667"/>
+            </a:avLst>
+          </a:prstGeom>
+        </p:spPr>
+        <p:style>
+          <a:lnRef idx="0">
+            <a:schemeClr val="dk1"/>
+          </a:lnRef>
+          <a:fillRef idx="3">
+            <a:schemeClr val="dk1"/>
+          </a:fillRef>
+          <a:effectRef idx="3">
+            <a:schemeClr val="dk1"/>
+          </a:effectRef>
+          <a:fontRef idx="minor">
+            <a:schemeClr val="lt1"/>
+          </a:fontRef>
+        </p:style>
+        <p:txBody>
+          <a:bodyPr rtlCol="0" anchor="ctr"/>
+          <a:lstStyle/>
+          <a:p>
+            <a:pPr marL="285750" indent="-285750">
+              <a:lnSpc>
+                <a:spcPct val="150000"/>
+              </a:lnSpc>
+              <a:buFontTx/>
+              <a:buChar char="-"/>
+            </a:pPr>
+            <a:r>
+              <a:rPr kumimoji="1" lang="ko-KR" altLang="en-US" dirty="0"/>
+              <a:t>카테고리별 최단루트</a:t>
+            </a:r>
+            <a:r>
+              <a:rPr kumimoji="1" lang="en-US" altLang="ko-KR" dirty="0"/>
+              <a:t>(</a:t>
+            </a:r>
+            <a:r>
+              <a:rPr kumimoji="1" lang="ko-KR" altLang="en-US" dirty="0"/>
+              <a:t>루트</a:t>
+            </a:r>
+            <a:r>
+              <a:rPr kumimoji="1" lang="en-US" altLang="ko-KR" dirty="0"/>
+              <a:t>1</a:t>
+            </a:r>
+            <a:r>
+              <a:rPr kumimoji="1" lang="ko-KR" altLang="en-US" dirty="0"/>
+              <a:t>과 동일한 방식</a:t>
+            </a:r>
+            <a:r>
+              <a:rPr kumimoji="1" lang="en-US" altLang="ko-KR" dirty="0"/>
+              <a:t>)</a:t>
+            </a:r>
+            <a:r>
+              <a:rPr kumimoji="1" lang="ko-KR" altLang="en-US" dirty="0"/>
+              <a:t>을 계산한다</a:t>
+            </a:r>
+            <a:r>
+              <a:rPr kumimoji="1" lang="en-US" altLang="ko-KR" dirty="0"/>
+              <a:t>.</a:t>
+            </a:r>
+          </a:p>
+        </p:txBody>
+      </p:sp>
     </p:spTree>
     <p:extLst>
       <p:ext uri="{BB962C8B-B14F-4D97-AF65-F5344CB8AC3E}">
@@ -6459,7 +8290,7 @@
 </p:sld>
 </file>
 
-<file path=ppt/slides/slide24.xml><?xml version="1.0" encoding="utf-8"?>
+<file path=ppt/slides/slide26.xml><?xml version="1.0" encoding="utf-8"?>
 <p:sld xmlns:a="http://schemas.openxmlformats.org/drawingml/2006/main" xmlns:r="http://schemas.openxmlformats.org/officeDocument/2006/relationships" xmlns:p="http://schemas.openxmlformats.org/presentationml/2006/main">
   <p:cSld>
     <p:spTree>
@@ -7958,10 +9789,10 @@
       </p:grpSpPr>
       <p:pic>
         <p:nvPicPr>
-          <p:cNvPr id="3" name="그림 2">
-            <a:extLst>
-              <a:ext uri="{FF2B5EF4-FFF2-40B4-BE49-F238E27FC236}">
-                <a16:creationId xmlns:a16="http://schemas.microsoft.com/office/drawing/2014/main" id="{C2B04DFC-81E9-451E-B6F3-B9D03909B58B}"/>
+          <p:cNvPr id="4" name="그림 3">
+            <a:extLst>
+              <a:ext uri="{FF2B5EF4-FFF2-40B4-BE49-F238E27FC236}">
+                <a16:creationId xmlns:a16="http://schemas.microsoft.com/office/drawing/2014/main" id="{7706EA8A-998A-4D06-BD55-97AE6686C826}"/>
               </a:ext>
             </a:extLst>
           </p:cNvPr>

--- a/5조_SAD1.0.pptx
+++ b/5조_SAD1.0.pptx
@@ -24,13 +24,15 @@
     <p:sldId id="266" r:id="rId18"/>
     <p:sldId id="267" r:id="rId19"/>
     <p:sldId id="268" r:id="rId20"/>
-    <p:sldId id="269" r:id="rId21"/>
-    <p:sldId id="270" r:id="rId22"/>
-    <p:sldId id="271" r:id="rId23"/>
-    <p:sldId id="272" r:id="rId24"/>
-    <p:sldId id="273" r:id="rId25"/>
-    <p:sldId id="274" r:id="rId26"/>
-    <p:sldId id="275" r:id="rId27"/>
+    <p:sldId id="282" r:id="rId21"/>
+    <p:sldId id="283" r:id="rId22"/>
+    <p:sldId id="284" r:id="rId23"/>
+    <p:sldId id="285" r:id="rId24"/>
+    <p:sldId id="270" r:id="rId25"/>
+    <p:sldId id="271" r:id="rId26"/>
+    <p:sldId id="272" r:id="rId27"/>
+    <p:sldId id="273" r:id="rId28"/>
+    <p:sldId id="274" r:id="rId29"/>
   </p:sldIdLst>
   <p:sldSz cx="12192000" cy="6858000"/>
   <p:notesSz cx="6858000" cy="9144000"/>
@@ -284,7 +286,7 @@
           <a:p>
             <a:fld id="{44969FED-DD4D-4738-A8D7-587CDFD04C06}" type="datetimeFigureOut">
               <a:rPr lang="ko-KR" altLang="en-US" smtClean="0"/>
-              <a:t>2019-11-13</a:t>
+              <a:t>2019-11-14</a:t>
             </a:fld>
             <a:endParaRPr lang="ko-KR" altLang="en-US"/>
           </a:p>
@@ -482,7 +484,7 @@
           <a:p>
             <a:fld id="{44969FED-DD4D-4738-A8D7-587CDFD04C06}" type="datetimeFigureOut">
               <a:rPr lang="ko-KR" altLang="en-US" smtClean="0"/>
-              <a:t>2019-11-13</a:t>
+              <a:t>2019-11-14</a:t>
             </a:fld>
             <a:endParaRPr lang="ko-KR" altLang="en-US"/>
           </a:p>
@@ -690,7 +692,7 @@
           <a:p>
             <a:fld id="{44969FED-DD4D-4738-A8D7-587CDFD04C06}" type="datetimeFigureOut">
               <a:rPr lang="ko-KR" altLang="en-US" smtClean="0"/>
-              <a:t>2019-11-13</a:t>
+              <a:t>2019-11-14</a:t>
             </a:fld>
             <a:endParaRPr lang="ko-KR" altLang="en-US"/>
           </a:p>
@@ -888,7 +890,7 @@
           <a:p>
             <a:fld id="{44969FED-DD4D-4738-A8D7-587CDFD04C06}" type="datetimeFigureOut">
               <a:rPr lang="ko-KR" altLang="en-US" smtClean="0"/>
-              <a:t>2019-11-13</a:t>
+              <a:t>2019-11-14</a:t>
             </a:fld>
             <a:endParaRPr lang="ko-KR" altLang="en-US"/>
           </a:p>
@@ -1163,7 +1165,7 @@
           <a:p>
             <a:fld id="{44969FED-DD4D-4738-A8D7-587CDFD04C06}" type="datetimeFigureOut">
               <a:rPr lang="ko-KR" altLang="en-US" smtClean="0"/>
-              <a:t>2019-11-13</a:t>
+              <a:t>2019-11-14</a:t>
             </a:fld>
             <a:endParaRPr lang="ko-KR" altLang="en-US"/>
           </a:p>
@@ -1428,7 +1430,7 @@
           <a:p>
             <a:fld id="{44969FED-DD4D-4738-A8D7-587CDFD04C06}" type="datetimeFigureOut">
               <a:rPr lang="ko-KR" altLang="en-US" smtClean="0"/>
-              <a:t>2019-11-13</a:t>
+              <a:t>2019-11-14</a:t>
             </a:fld>
             <a:endParaRPr lang="ko-KR" altLang="en-US"/>
           </a:p>
@@ -1840,7 +1842,7 @@
           <a:p>
             <a:fld id="{44969FED-DD4D-4738-A8D7-587CDFD04C06}" type="datetimeFigureOut">
               <a:rPr lang="ko-KR" altLang="en-US" smtClean="0"/>
-              <a:t>2019-11-13</a:t>
+              <a:t>2019-11-14</a:t>
             </a:fld>
             <a:endParaRPr lang="ko-KR" altLang="en-US"/>
           </a:p>
@@ -1981,7 +1983,7 @@
           <a:p>
             <a:fld id="{44969FED-DD4D-4738-A8D7-587CDFD04C06}" type="datetimeFigureOut">
               <a:rPr lang="ko-KR" altLang="en-US" smtClean="0"/>
-              <a:t>2019-11-13</a:t>
+              <a:t>2019-11-14</a:t>
             </a:fld>
             <a:endParaRPr lang="ko-KR" altLang="en-US"/>
           </a:p>
@@ -2094,7 +2096,7 @@
           <a:p>
             <a:fld id="{44969FED-DD4D-4738-A8D7-587CDFD04C06}" type="datetimeFigureOut">
               <a:rPr lang="ko-KR" altLang="en-US" smtClean="0"/>
-              <a:t>2019-11-13</a:t>
+              <a:t>2019-11-14</a:t>
             </a:fld>
             <a:endParaRPr lang="ko-KR" altLang="en-US"/>
           </a:p>
@@ -2405,7 +2407,7 @@
           <a:p>
             <a:fld id="{44969FED-DD4D-4738-A8D7-587CDFD04C06}" type="datetimeFigureOut">
               <a:rPr lang="ko-KR" altLang="en-US" smtClean="0"/>
-              <a:t>2019-11-13</a:t>
+              <a:t>2019-11-14</a:t>
             </a:fld>
             <a:endParaRPr lang="ko-KR" altLang="en-US"/>
           </a:p>
@@ -2693,7 +2695,7 @@
           <a:p>
             <a:fld id="{44969FED-DD4D-4738-A8D7-587CDFD04C06}" type="datetimeFigureOut">
               <a:rPr lang="ko-KR" altLang="en-US" smtClean="0"/>
-              <a:t>2019-11-13</a:t>
+              <a:t>2019-11-14</a:t>
             </a:fld>
             <a:endParaRPr lang="ko-KR" altLang="en-US"/>
           </a:p>
@@ -2934,7 +2936,7 @@
           <a:p>
             <a:fld id="{44969FED-DD4D-4738-A8D7-587CDFD04C06}" type="datetimeFigureOut">
               <a:rPr lang="ko-KR" altLang="en-US" smtClean="0"/>
-              <a:t>2019-11-13</a:t>
+              <a:t>2019-11-14</a:t>
             </a:fld>
             <a:endParaRPr lang="ko-KR" altLang="en-US"/>
           </a:p>
@@ -4554,8 +4556,8 @@
         </p:blipFill>
         <p:spPr>
           <a:xfrm>
-            <a:off x="8244310" y="3762095"/>
-            <a:ext cx="3810532" cy="285790"/>
+            <a:off x="8206490" y="3799727"/>
+            <a:ext cx="3886171" cy="291463"/>
           </a:xfrm>
           <a:prstGeom prst="rect">
             <a:avLst/>
@@ -4938,6 +4940,53 @@
               <a:rPr kumimoji="1" lang="ko-KR" altLang="en-US" sz="1600" dirty="0"/>
               <a:t>구매 여부 및 이에 관한 평가포함</a:t>
             </a:r>
+          </a:p>
+        </p:txBody>
+      </p:sp>
+      <p:sp>
+        <p:nvSpPr>
+          <p:cNvPr id="2" name="직사각형 1">
+            <a:extLst>
+              <a:ext uri="{FF2B5EF4-FFF2-40B4-BE49-F238E27FC236}">
+                <a16:creationId xmlns:a16="http://schemas.microsoft.com/office/drawing/2014/main" id="{A5880DCA-A5EF-463A-BDC5-1C99909FAF44}"/>
+              </a:ext>
+            </a:extLst>
+          </p:cNvPr>
+          <p:cNvSpPr/>
+          <p:nvPr/>
+        </p:nvSpPr>
+        <p:spPr>
+          <a:xfrm>
+            <a:off x="8168671" y="3810690"/>
+            <a:ext cx="3886171" cy="301895"/>
+          </a:xfrm>
+          <a:prstGeom prst="rect">
+            <a:avLst/>
+          </a:prstGeom>
+          <a:noFill/>
+        </p:spPr>
+        <p:style>
+          <a:lnRef idx="2">
+            <a:schemeClr val="accent1">
+              <a:shade val="50000"/>
+            </a:schemeClr>
+          </a:lnRef>
+          <a:fillRef idx="1">
+            <a:schemeClr val="accent1"/>
+          </a:fillRef>
+          <a:effectRef idx="0">
+            <a:schemeClr val="accent1"/>
+          </a:effectRef>
+          <a:fontRef idx="minor">
+            <a:schemeClr val="lt1"/>
+          </a:fontRef>
+        </p:style>
+        <p:txBody>
+          <a:bodyPr rtlCol="0" anchor="ctr"/>
+          <a:lstStyle/>
+          <a:p>
+            <a:pPr algn="ctr"/>
+            <a:endParaRPr lang="ko-KR" altLang="en-US"/>
           </a:p>
         </p:txBody>
       </p:sp>
@@ -7073,61 +7122,250 @@
       </p:grpSpPr>
       <p:sp>
         <p:nvSpPr>
-          <p:cNvPr id="2" name="제목 1">
-            <a:extLst>
-              <a:ext uri="{FF2B5EF4-FFF2-40B4-BE49-F238E27FC236}">
-                <a16:creationId xmlns:a16="http://schemas.microsoft.com/office/drawing/2014/main" id="{30420EF5-FAF0-413C-AF8D-685EAD4C62A5}"/>
-              </a:ext>
-            </a:extLst>
-          </p:cNvPr>
-          <p:cNvSpPr>
-            <a:spLocks noGrp="1"/>
-          </p:cNvSpPr>
-          <p:nvPr>
-            <p:ph type="title"/>
-          </p:nvPr>
-        </p:nvSpPr>
-        <p:spPr/>
-        <p:txBody>
-          <a:bodyPr/>
+          <p:cNvPr id="4" name="TextBox 3">
+            <a:extLst>
+              <a:ext uri="{FF2B5EF4-FFF2-40B4-BE49-F238E27FC236}">
+                <a16:creationId xmlns:a16="http://schemas.microsoft.com/office/drawing/2014/main" id="{EE54C1F1-99F6-47CB-A6BB-981207955D71}"/>
+              </a:ext>
+            </a:extLst>
+          </p:cNvPr>
+          <p:cNvSpPr txBox="1"/>
+          <p:nvPr/>
+        </p:nvSpPr>
+        <p:spPr>
+          <a:xfrm>
+            <a:off x="1066800" y="895350"/>
+            <a:ext cx="10417727" cy="1754326"/>
+          </a:xfrm>
+          <a:prstGeom prst="rect">
+            <a:avLst/>
+          </a:prstGeom>
+          <a:noFill/>
+        </p:spPr>
+        <p:txBody>
+          <a:bodyPr wrap="square" rtlCol="0">
+            <a:spAutoFit/>
+          </a:bodyPr>
           <a:lstStyle/>
           <a:p>
+            <a:pPr marL="342900" indent="-342900">
+              <a:buAutoNum type="arabicPeriod"/>
+            </a:pPr>
             <a:r>
               <a:rPr lang="ko-KR" altLang="en-US" dirty="0"/>
-              <a:t>추천 로직 내용 추가해주세요</a:t>
-            </a:r>
-          </a:p>
-        </p:txBody>
-      </p:sp>
-      <p:sp>
-        <p:nvSpPr>
-          <p:cNvPr id="3" name="내용 개체 틀 2">
-            <a:extLst>
-              <a:ext uri="{FF2B5EF4-FFF2-40B4-BE49-F238E27FC236}">
-                <a16:creationId xmlns:a16="http://schemas.microsoft.com/office/drawing/2014/main" id="{3B57FF7A-538D-4970-9B75-B8A847A26404}"/>
-              </a:ext>
-            </a:extLst>
-          </p:cNvPr>
-          <p:cNvSpPr>
-            <a:spLocks noGrp="1"/>
-          </p:cNvSpPr>
-          <p:nvPr>
-            <p:ph idx="1"/>
-          </p:nvPr>
-        </p:nvSpPr>
-        <p:spPr/>
-        <p:txBody>
-          <a:bodyPr/>
+              <a:t>특정 브랜드에 대한 선호도 정보를 정량화 </a:t>
+            </a:r>
+            <a:endParaRPr lang="en-US" altLang="ko-KR" dirty="0"/>
+          </a:p>
+          <a:p>
+            <a:pPr marL="342900" indent="-342900">
+              <a:buAutoNum type="arabicPeriod"/>
+            </a:pPr>
+            <a:endParaRPr lang="en-US" altLang="ko-KR" dirty="0"/>
+          </a:p>
+          <a:p>
+            <a:pPr marL="342900" indent="-342900">
+              <a:buAutoNum type="arabicPeriod"/>
+            </a:pPr>
+            <a:r>
+              <a:rPr lang="ko-KR" altLang="en-US" dirty="0"/>
+              <a:t>선호도 정보를 바탕으로 협업 필터링</a:t>
+            </a:r>
+            <a:r>
+              <a:rPr lang="en-US" altLang="ko-KR" dirty="0"/>
+              <a:t>(</a:t>
+            </a:r>
+            <a:r>
+              <a:rPr lang="ko-KR" altLang="en-US" dirty="0"/>
+              <a:t>나와 비슷한 성향을 가진 다른 사용자들이 좋아하는 것이면 나도 좋아할 가능성이 높다는 것에 기반</a:t>
+            </a:r>
+            <a:r>
+              <a:rPr lang="en-US" altLang="ko-KR" dirty="0"/>
+              <a:t>) – </a:t>
+            </a:r>
+            <a:r>
+              <a:rPr lang="ko-KR" altLang="en-US" dirty="0"/>
+              <a:t>유사도 알고리즘 사용</a:t>
+            </a:r>
+            <a:r>
+              <a:rPr lang="en-US" altLang="ko-KR" dirty="0"/>
+              <a:t>*(</a:t>
+            </a:r>
+            <a:r>
+              <a:rPr lang="ko-KR" altLang="en-US" dirty="0"/>
+              <a:t>추후 설명</a:t>
+            </a:r>
+            <a:r>
+              <a:rPr lang="en-US" altLang="ko-KR" dirty="0"/>
+              <a:t>)</a:t>
+            </a:r>
+          </a:p>
+          <a:p>
+            <a:pPr marL="342900" indent="-342900">
+              <a:buAutoNum type="arabicPeriod"/>
+            </a:pPr>
+            <a:endParaRPr lang="en-US" altLang="ko-KR" dirty="0"/>
+          </a:p>
+          <a:p>
+            <a:pPr marL="342900" indent="-342900">
+              <a:buAutoNum type="arabicPeriod"/>
+            </a:pPr>
+            <a:r>
+              <a:rPr lang="ko-KR" altLang="en-US" dirty="0"/>
+              <a:t>비슷한 성향의 사람들이 높게 평가한 브랜드들을 추천</a:t>
+            </a:r>
+            <a:r>
+              <a:rPr lang="en-US" altLang="ko-KR" dirty="0"/>
+              <a:t>.</a:t>
+            </a:r>
+            <a:r>
+              <a:rPr lang="ko-KR" altLang="en-US" dirty="0"/>
+              <a:t> </a:t>
+            </a:r>
+          </a:p>
+        </p:txBody>
+      </p:sp>
+      <p:sp>
+        <p:nvSpPr>
+          <p:cNvPr id="6" name="모서리가 둥근 사각형 설명선[R] 10">
+            <a:extLst>
+              <a:ext uri="{FF2B5EF4-FFF2-40B4-BE49-F238E27FC236}">
+                <a16:creationId xmlns:a16="http://schemas.microsoft.com/office/drawing/2014/main" id="{22E9E79D-2A46-4E06-8097-753095E4AA50}"/>
+              </a:ext>
+            </a:extLst>
+          </p:cNvPr>
+          <p:cNvSpPr/>
+          <p:nvPr/>
+        </p:nvSpPr>
+        <p:spPr>
+          <a:xfrm>
+            <a:off x="885057" y="3798248"/>
+            <a:ext cx="10750473" cy="1920277"/>
+          </a:xfrm>
+          <a:prstGeom prst="wedgeRoundRectCallout">
+            <a:avLst>
+              <a:gd name="adj1" fmla="val -27965"/>
+              <a:gd name="adj2" fmla="val -56372"/>
+              <a:gd name="adj3" fmla="val 16667"/>
+            </a:avLst>
+          </a:prstGeom>
+        </p:spPr>
+        <p:style>
+          <a:lnRef idx="0">
+            <a:schemeClr val="dk1"/>
+          </a:lnRef>
+          <a:fillRef idx="3">
+            <a:schemeClr val="dk1"/>
+          </a:fillRef>
+          <a:effectRef idx="3">
+            <a:schemeClr val="dk1"/>
+          </a:effectRef>
+          <a:fontRef idx="minor">
+            <a:schemeClr val="lt1"/>
+          </a:fontRef>
+        </p:style>
+        <p:txBody>
+          <a:bodyPr rtlCol="0" anchor="ctr"/>
           <a:lstStyle/>
           <a:p>
-            <a:endParaRPr lang="ko-KR" altLang="en-US"/>
+            <a:r>
+              <a:rPr lang="en-US" altLang="ko-KR" dirty="0"/>
+              <a:t>*</a:t>
+            </a:r>
+            <a:r>
+              <a:rPr lang="ko-KR" altLang="en-US" dirty="0"/>
+              <a:t>협업 필터링이란</a:t>
+            </a:r>
+            <a:r>
+              <a:rPr lang="en-US" altLang="ko-KR" dirty="0"/>
+              <a:t>?</a:t>
+            </a:r>
+          </a:p>
+          <a:p>
+            <a:endParaRPr lang="en-US" altLang="ko-KR" dirty="0"/>
+          </a:p>
+          <a:p>
+            <a:r>
+              <a:rPr lang="ko-KR" altLang="en-US" dirty="0">
+                <a:solidFill>
+                  <a:schemeClr val="bg1"/>
+                </a:solidFill>
+              </a:rPr>
+              <a:t>많은 사용자들로부터 얻은 기호정보에 따라 사용자들의 관심사를 자동적으로 예측하는 방법이다</a:t>
+            </a:r>
+            <a:r>
+              <a:rPr lang="en-US" altLang="ko-KR" dirty="0">
+                <a:solidFill>
+                  <a:schemeClr val="bg1"/>
+                </a:solidFill>
+              </a:rPr>
+              <a:t>.</a:t>
+            </a:r>
+          </a:p>
+          <a:p>
+            <a:r>
+              <a:rPr lang="ko-KR" altLang="en-US" dirty="0" err="1">
+                <a:solidFill>
+                  <a:schemeClr val="bg1"/>
+                </a:solidFill>
+              </a:rPr>
+              <a:t>넷플릭스</a:t>
+            </a:r>
+            <a:r>
+              <a:rPr lang="en-US" altLang="ko-KR" dirty="0">
+                <a:solidFill>
+                  <a:schemeClr val="bg1"/>
+                </a:solidFill>
+              </a:rPr>
+              <a:t>, </a:t>
+            </a:r>
+            <a:r>
+              <a:rPr lang="ko-KR" altLang="en-US" dirty="0" err="1">
+                <a:solidFill>
+                  <a:schemeClr val="bg1"/>
+                </a:solidFill>
+              </a:rPr>
+              <a:t>왓챠</a:t>
+            </a:r>
+            <a:r>
+              <a:rPr lang="ko-KR" altLang="en-US" dirty="0">
+                <a:solidFill>
+                  <a:schemeClr val="bg1"/>
+                </a:solidFill>
+              </a:rPr>
+              <a:t> 등에서 쓰이는 방법으로 두 사람간 유사도</a:t>
+            </a:r>
+            <a:r>
+              <a:rPr lang="en-US" altLang="ko-KR" dirty="0">
+                <a:solidFill>
+                  <a:schemeClr val="bg1"/>
+                </a:solidFill>
+              </a:rPr>
+              <a:t>(Similarity)</a:t>
+            </a:r>
+            <a:r>
+              <a:rPr lang="ko-KR" altLang="en-US" dirty="0">
+                <a:solidFill>
+                  <a:schemeClr val="bg1"/>
+                </a:solidFill>
+              </a:rPr>
+              <a:t>를 구해 예상 평점을 구하고 비슷한 영화를 추천해주는 등의 알고리즘에 사용된다</a:t>
+            </a:r>
+            <a:r>
+              <a:rPr lang="en-US" altLang="ko-KR" dirty="0">
+                <a:solidFill>
+                  <a:schemeClr val="bg1"/>
+                </a:solidFill>
+              </a:rPr>
+              <a:t>.</a:t>
+            </a:r>
           </a:p>
         </p:txBody>
       </p:sp>
     </p:spTree>
     <p:extLst>
       <p:ext uri="{BB962C8B-B14F-4D97-AF65-F5344CB8AC3E}">
-        <p14:creationId xmlns:p14="http://schemas.microsoft.com/office/powerpoint/2010/main" val="2056845537"/>
+        <p14:creationId xmlns:p14="http://schemas.microsoft.com/office/powerpoint/2010/main" val="3980112602"/>
       </p:ext>
     </p:extLst>
   </p:cSld>
@@ -7154,49 +7392,440 @@
           <a:chExt cx="0" cy="0"/>
         </a:xfrm>
       </p:grpSpPr>
-      <p:sp>
-        <p:nvSpPr>
-          <p:cNvPr id="2" name="제목 1"/>
-          <p:cNvSpPr>
-            <a:spLocks noGrp="1"/>
-          </p:cNvSpPr>
-          <p:nvPr>
-            <p:ph type="ctrTitle"/>
-          </p:nvPr>
-        </p:nvSpPr>
-        <p:spPr>
-          <a:xfrm>
-            <a:off x="128221" y="962526"/>
-            <a:ext cx="4848727" cy="1925053"/>
-          </a:xfrm>
-        </p:spPr>
-        <p:txBody>
-          <a:bodyPr>
-            <a:normAutofit/>
-          </a:bodyPr>
-          <a:lstStyle/>
-          <a:p>
-            <a:r>
-              <a:rPr lang="ko-KR" altLang="en-US" sz="4800" dirty="0"/>
-              <a:t>동선 추천 </a:t>
-            </a:r>
-            <a:r>
-              <a:rPr lang="ko-KR" altLang="en-US" sz="4800" dirty="0" err="1"/>
-              <a:t>로직</a:t>
-            </a:r>
-            <a:r>
-              <a:rPr lang="ko-KR" altLang="en-US" sz="4800" dirty="0"/>
-              <a:t> 조사 및 결정</a:t>
-            </a:r>
-          </a:p>
-        </p:txBody>
-      </p:sp>
+      <p:graphicFrame>
+        <p:nvGraphicFramePr>
+          <p:cNvPr id="4" name="표 4">
+            <a:extLst>
+              <a:ext uri="{FF2B5EF4-FFF2-40B4-BE49-F238E27FC236}">
+                <a16:creationId xmlns:a16="http://schemas.microsoft.com/office/drawing/2014/main" id="{B04C003A-77B8-4986-AB77-531AE2579205}"/>
+              </a:ext>
+            </a:extLst>
+          </p:cNvPr>
+          <p:cNvGraphicFramePr>
+            <a:graphicFrameLocks noGrp="1"/>
+          </p:cNvGraphicFramePr>
+          <p:nvPr/>
+        </p:nvGraphicFramePr>
+        <p:xfrm>
+          <a:off x="7658099" y="552450"/>
+          <a:ext cx="3848101" cy="4091594"/>
+        </p:xfrm>
+        <a:graphic>
+          <a:graphicData uri="http://schemas.openxmlformats.org/drawingml/2006/table">
+            <a:tbl>
+              <a:tblPr firstRow="1" bandRow="1">
+                <a:tableStyleId>{21E4AEA4-8DFA-4A89-87EB-49C32662AFE0}</a:tableStyleId>
+              </a:tblPr>
+              <a:tblGrid>
+                <a:gridCol w="3186359">
+                  <a:extLst>
+                    <a:ext uri="{9D8B030D-6E8A-4147-A177-3AD203B41FA5}">
+                      <a16:colId xmlns:a16="http://schemas.microsoft.com/office/drawing/2014/main" val="1975863698"/>
+                    </a:ext>
+                  </a:extLst>
+                </a:gridCol>
+                <a:gridCol w="661742">
+                  <a:extLst>
+                    <a:ext uri="{9D8B030D-6E8A-4147-A177-3AD203B41FA5}">
+                      <a16:colId xmlns:a16="http://schemas.microsoft.com/office/drawing/2014/main" val="178531559"/>
+                    </a:ext>
+                  </a:extLst>
+                </a:gridCol>
+              </a:tblGrid>
+              <a:tr h="384874">
+                <a:tc>
+                  <a:txBody>
+                    <a:bodyPr/>
+                    <a:lstStyle/>
+                    <a:p>
+                      <a:pPr latinLnBrk="1"/>
+                      <a:r>
+                        <a:rPr lang="en-US" altLang="ko-KR" sz="1200" dirty="0"/>
+                        <a:t> </a:t>
+                      </a:r>
+                      <a:r>
+                        <a:rPr lang="ko-KR" altLang="en-US" sz="1200" dirty="0"/>
+                        <a:t>암묵적 평가</a:t>
+                      </a:r>
+                    </a:p>
+                  </a:txBody>
+                  <a:tcPr/>
+                </a:tc>
+                <a:tc>
+                  <a:txBody>
+                    <a:bodyPr/>
+                    <a:lstStyle/>
+                    <a:p>
+                      <a:pPr latinLnBrk="1"/>
+                      <a:r>
+                        <a:rPr lang="en-US" altLang="ko-KR" sz="1200" dirty="0"/>
+                        <a:t>Rating</a:t>
+                      </a:r>
+                      <a:endParaRPr lang="ko-KR" altLang="en-US" sz="1200" dirty="0"/>
+                    </a:p>
+                  </a:txBody>
+                  <a:tcPr/>
+                </a:tc>
+                <a:extLst>
+                  <a:ext uri="{0D108BD9-81ED-4DB2-BD59-A6C34878D82A}">
+                    <a16:rowId xmlns:a16="http://schemas.microsoft.com/office/drawing/2014/main" val="353106336"/>
+                  </a:ext>
+                </a:extLst>
+              </a:tr>
+              <a:tr h="430726">
+                <a:tc>
+                  <a:txBody>
+                    <a:bodyPr/>
+                    <a:lstStyle/>
+                    <a:p>
+                      <a:pPr latinLnBrk="1"/>
+                      <a:r>
+                        <a:rPr lang="en-US" altLang="ko-KR" sz="1200" dirty="0"/>
+                        <a:t>‘</a:t>
+                      </a:r>
+                      <a:r>
+                        <a:rPr lang="ko-KR" altLang="en-US" sz="1200" dirty="0"/>
+                        <a:t>모든 브랜드 </a:t>
+                      </a:r>
+                      <a:r>
+                        <a:rPr lang="ko-KR" altLang="en-US" sz="1200" dirty="0" err="1"/>
+                        <a:t>보기＇를</a:t>
+                      </a:r>
+                      <a:r>
+                        <a:rPr lang="ko-KR" altLang="en-US" sz="1200" dirty="0"/>
+                        <a:t> 통해 특정 브랜드를 선택한 경우</a:t>
+                      </a:r>
+                    </a:p>
+                  </a:txBody>
+                  <a:tcPr/>
+                </a:tc>
+                <a:tc>
+                  <a:txBody>
+                    <a:bodyPr/>
+                    <a:lstStyle/>
+                    <a:p>
+                      <a:pPr latinLnBrk="1"/>
+                      <a:r>
+                        <a:rPr lang="en-US" altLang="ko-KR" sz="1200" dirty="0"/>
+                        <a:t>+1</a:t>
+                      </a:r>
+                      <a:endParaRPr lang="ko-KR" altLang="en-US" sz="1200" dirty="0"/>
+                    </a:p>
+                  </a:txBody>
+                  <a:tcPr/>
+                </a:tc>
+                <a:extLst>
+                  <a:ext uri="{0D108BD9-81ED-4DB2-BD59-A6C34878D82A}">
+                    <a16:rowId xmlns:a16="http://schemas.microsoft.com/office/drawing/2014/main" val="826284009"/>
+                  </a:ext>
+                </a:extLst>
+              </a:tr>
+              <a:tr h="325486">
+                <a:tc>
+                  <a:txBody>
+                    <a:bodyPr/>
+                    <a:lstStyle/>
+                    <a:p>
+                      <a:pPr latinLnBrk="1"/>
+                      <a:r>
+                        <a:rPr lang="ko-KR" altLang="en-US" sz="1200" dirty="0"/>
+                        <a:t>선호 브랜드에 특정 브랜드를 추가한 경우 </a:t>
+                      </a:r>
+                    </a:p>
+                  </a:txBody>
+                  <a:tcPr/>
+                </a:tc>
+                <a:tc>
+                  <a:txBody>
+                    <a:bodyPr/>
+                    <a:lstStyle/>
+                    <a:p>
+                      <a:pPr latinLnBrk="1"/>
+                      <a:r>
+                        <a:rPr lang="en-US" altLang="ko-KR" sz="1200" dirty="0"/>
+                        <a:t>+2</a:t>
+                      </a:r>
+                      <a:endParaRPr lang="ko-KR" altLang="en-US" sz="1200" dirty="0"/>
+                    </a:p>
+                  </a:txBody>
+                  <a:tcPr/>
+                </a:tc>
+                <a:extLst>
+                  <a:ext uri="{0D108BD9-81ED-4DB2-BD59-A6C34878D82A}">
+                    <a16:rowId xmlns:a16="http://schemas.microsoft.com/office/drawing/2014/main" val="1968017332"/>
+                  </a:ext>
+                </a:extLst>
+              </a:tr>
+              <a:tr h="384874">
+                <a:tc>
+                  <a:txBody>
+                    <a:bodyPr/>
+                    <a:lstStyle/>
+                    <a:p>
+                      <a:pPr latinLnBrk="1"/>
+                      <a:r>
+                        <a:rPr lang="ko-KR" altLang="en-US" sz="1200" dirty="0"/>
+                        <a:t>선호 브랜드에서 특정브랜드를 삭제한 경우</a:t>
+                      </a:r>
+                    </a:p>
+                  </a:txBody>
+                  <a:tcPr/>
+                </a:tc>
+                <a:tc>
+                  <a:txBody>
+                    <a:bodyPr/>
+                    <a:lstStyle/>
+                    <a:p>
+                      <a:pPr latinLnBrk="1"/>
+                      <a:r>
+                        <a:rPr lang="en-US" altLang="ko-KR" sz="1200" dirty="0"/>
+                        <a:t>-2</a:t>
+                      </a:r>
+                      <a:endParaRPr lang="ko-KR" altLang="en-US" sz="1200" dirty="0"/>
+                    </a:p>
+                  </a:txBody>
+                  <a:tcPr/>
+                </a:tc>
+                <a:extLst>
+                  <a:ext uri="{0D108BD9-81ED-4DB2-BD59-A6C34878D82A}">
+                    <a16:rowId xmlns:a16="http://schemas.microsoft.com/office/drawing/2014/main" val="3410340234"/>
+                  </a:ext>
+                </a:extLst>
+              </a:tr>
+              <a:tr h="384874">
+                <a:tc>
+                  <a:txBody>
+                    <a:bodyPr/>
+                    <a:lstStyle/>
+                    <a:p>
+                      <a:pPr latinLnBrk="1"/>
+                      <a:r>
+                        <a:rPr lang="ko-KR" altLang="en-US" sz="1200" dirty="0" err="1"/>
+                        <a:t>비선호</a:t>
+                      </a:r>
+                      <a:r>
+                        <a:rPr lang="ko-KR" altLang="en-US" sz="1200" dirty="0"/>
+                        <a:t> 브랜드에 특정브랜드를 추가한 경우</a:t>
+                      </a:r>
+                    </a:p>
+                  </a:txBody>
+                  <a:tcPr/>
+                </a:tc>
+                <a:tc>
+                  <a:txBody>
+                    <a:bodyPr/>
+                    <a:lstStyle/>
+                    <a:p>
+                      <a:pPr latinLnBrk="1"/>
+                      <a:r>
+                        <a:rPr lang="en-US" altLang="ko-KR" sz="1200" dirty="0"/>
+                        <a:t>-2</a:t>
+                      </a:r>
+                      <a:endParaRPr lang="ko-KR" altLang="en-US" sz="1200" dirty="0"/>
+                    </a:p>
+                  </a:txBody>
+                  <a:tcPr/>
+                </a:tc>
+                <a:extLst>
+                  <a:ext uri="{0D108BD9-81ED-4DB2-BD59-A6C34878D82A}">
+                    <a16:rowId xmlns:a16="http://schemas.microsoft.com/office/drawing/2014/main" val="632814298"/>
+                  </a:ext>
+                </a:extLst>
+              </a:tr>
+              <a:tr h="430726">
+                <a:tc>
+                  <a:txBody>
+                    <a:bodyPr/>
+                    <a:lstStyle/>
+                    <a:p>
+                      <a:pPr latinLnBrk="1"/>
+                      <a:r>
+                        <a:rPr lang="ko-KR" altLang="en-US" sz="1200" dirty="0" err="1"/>
+                        <a:t>비선호</a:t>
+                      </a:r>
+                      <a:r>
+                        <a:rPr lang="ko-KR" altLang="en-US" sz="1200" dirty="0"/>
+                        <a:t> 브랜드에서 특정 브랜드를 삭제한 경우</a:t>
+                      </a:r>
+                    </a:p>
+                  </a:txBody>
+                  <a:tcPr/>
+                </a:tc>
+                <a:tc>
+                  <a:txBody>
+                    <a:bodyPr/>
+                    <a:lstStyle/>
+                    <a:p>
+                      <a:pPr latinLnBrk="1"/>
+                      <a:r>
+                        <a:rPr lang="en-US" altLang="ko-KR" sz="1200" dirty="0"/>
+                        <a:t>+2</a:t>
+                      </a:r>
+                      <a:endParaRPr lang="ko-KR" altLang="en-US" sz="1200" dirty="0"/>
+                    </a:p>
+                  </a:txBody>
+                  <a:tcPr/>
+                </a:tc>
+                <a:extLst>
+                  <a:ext uri="{0D108BD9-81ED-4DB2-BD59-A6C34878D82A}">
+                    <a16:rowId xmlns:a16="http://schemas.microsoft.com/office/drawing/2014/main" val="4122350712"/>
+                  </a:ext>
+                </a:extLst>
+              </a:tr>
+              <a:tr h="430726">
+                <a:tc>
+                  <a:txBody>
+                    <a:bodyPr/>
+                    <a:lstStyle/>
+                    <a:p>
+                      <a:pPr latinLnBrk="1"/>
+                      <a:r>
+                        <a:rPr lang="ko-KR" altLang="en-US" sz="1200" dirty="0"/>
+                        <a:t>선택한 브랜드에서 구입하기로 한 상품보다 많이 구매한 경우</a:t>
+                      </a:r>
+                    </a:p>
+                  </a:txBody>
+                  <a:tcPr/>
+                </a:tc>
+                <a:tc>
+                  <a:txBody>
+                    <a:bodyPr/>
+                    <a:lstStyle/>
+                    <a:p>
+                      <a:pPr latinLnBrk="1"/>
+                      <a:r>
+                        <a:rPr lang="en-US" altLang="ko-KR" sz="1200" dirty="0"/>
+                        <a:t>+4</a:t>
+                      </a:r>
+                      <a:endParaRPr lang="ko-KR" altLang="en-US" sz="1200" dirty="0"/>
+                    </a:p>
+                  </a:txBody>
+                  <a:tcPr/>
+                </a:tc>
+                <a:extLst>
+                  <a:ext uri="{0D108BD9-81ED-4DB2-BD59-A6C34878D82A}">
+                    <a16:rowId xmlns:a16="http://schemas.microsoft.com/office/drawing/2014/main" val="318243151"/>
+                  </a:ext>
+                </a:extLst>
+              </a:tr>
+              <a:tr h="430726">
+                <a:tc>
+                  <a:txBody>
+                    <a:bodyPr/>
+                    <a:lstStyle/>
+                    <a:p>
+                      <a:pPr latinLnBrk="1"/>
+                      <a:r>
+                        <a:rPr lang="ko-KR" altLang="en-US" sz="1200" dirty="0"/>
+                        <a:t>선택한 브랜드에서 구입하기로 한 상품을 모두 구매한 경우</a:t>
+                      </a:r>
+                    </a:p>
+                  </a:txBody>
+                  <a:tcPr/>
+                </a:tc>
+                <a:tc>
+                  <a:txBody>
+                    <a:bodyPr/>
+                    <a:lstStyle/>
+                    <a:p>
+                      <a:pPr latinLnBrk="1"/>
+                      <a:r>
+                        <a:rPr lang="en-US" altLang="ko-KR" sz="1200" dirty="0"/>
+                        <a:t>+3</a:t>
+                      </a:r>
+                      <a:endParaRPr lang="ko-KR" altLang="en-US" sz="1200" dirty="0"/>
+                    </a:p>
+                  </a:txBody>
+                  <a:tcPr/>
+                </a:tc>
+                <a:extLst>
+                  <a:ext uri="{0D108BD9-81ED-4DB2-BD59-A6C34878D82A}">
+                    <a16:rowId xmlns:a16="http://schemas.microsoft.com/office/drawing/2014/main" val="1293290436"/>
+                  </a:ext>
+                </a:extLst>
+              </a:tr>
+              <a:tr h="325486">
+                <a:tc>
+                  <a:txBody>
+                    <a:bodyPr/>
+                    <a:lstStyle/>
+                    <a:p>
+                      <a:pPr latinLnBrk="1"/>
+                      <a:r>
+                        <a:rPr lang="ko-KR" altLang="en-US" sz="1200" dirty="0"/>
+                        <a:t>선택한 브랜드에서 상품을 구매한 경우</a:t>
+                      </a:r>
+                    </a:p>
+                  </a:txBody>
+                  <a:tcPr/>
+                </a:tc>
+                <a:tc>
+                  <a:txBody>
+                    <a:bodyPr/>
+                    <a:lstStyle/>
+                    <a:p>
+                      <a:pPr latinLnBrk="1"/>
+                      <a:r>
+                        <a:rPr lang="en-US" altLang="ko-KR" sz="1200" dirty="0"/>
+                        <a:t>+2</a:t>
+                      </a:r>
+                      <a:endParaRPr lang="ko-KR" altLang="en-US" sz="1200" dirty="0"/>
+                    </a:p>
+                  </a:txBody>
+                  <a:tcPr/>
+                </a:tc>
+                <a:extLst>
+                  <a:ext uri="{0D108BD9-81ED-4DB2-BD59-A6C34878D82A}">
+                    <a16:rowId xmlns:a16="http://schemas.microsoft.com/office/drawing/2014/main" val="3144873875"/>
+                  </a:ext>
+                </a:extLst>
+              </a:tr>
+              <a:tr h="430726">
+                <a:tc>
+                  <a:txBody>
+                    <a:bodyPr/>
+                    <a:lstStyle/>
+                    <a:p>
+                      <a:pPr latinLnBrk="1"/>
+                      <a:r>
+                        <a:rPr lang="ko-KR" altLang="en-US" sz="1200" dirty="0"/>
+                        <a:t>선택한 브랜드에서 상품을 구매하지 않은 경우</a:t>
+                      </a:r>
+                    </a:p>
+                  </a:txBody>
+                  <a:tcPr/>
+                </a:tc>
+                <a:tc>
+                  <a:txBody>
+                    <a:bodyPr/>
+                    <a:lstStyle/>
+                    <a:p>
+                      <a:pPr latinLnBrk="1"/>
+                      <a:r>
+                        <a:rPr lang="en-US" altLang="ko-KR" sz="1200" dirty="0"/>
+                        <a:t>-3</a:t>
+                      </a:r>
+                      <a:endParaRPr lang="ko-KR" altLang="en-US" sz="1200" dirty="0"/>
+                    </a:p>
+                  </a:txBody>
+                  <a:tcPr/>
+                </a:tc>
+                <a:extLst>
+                  <a:ext uri="{0D108BD9-81ED-4DB2-BD59-A6C34878D82A}">
+                    <a16:rowId xmlns:a16="http://schemas.microsoft.com/office/drawing/2014/main" val="999747386"/>
+                  </a:ext>
+                </a:extLst>
+              </a:tr>
+            </a:tbl>
+          </a:graphicData>
+        </a:graphic>
+      </p:graphicFrame>
       <p:pic>
         <p:nvPicPr>
-          <p:cNvPr id="4" name="그림 3">
-            <a:extLst>
-              <a:ext uri="{FF2B5EF4-FFF2-40B4-BE49-F238E27FC236}">
-                <a16:creationId xmlns:a16="http://schemas.microsoft.com/office/drawing/2014/main" id="{AD7E7772-EC47-4BF9-95F2-EF0077504843}"/>
+          <p:cNvPr id="6" name="그림 5">
+            <a:extLst>
+              <a:ext uri="{FF2B5EF4-FFF2-40B4-BE49-F238E27FC236}">
+                <a16:creationId xmlns:a16="http://schemas.microsoft.com/office/drawing/2014/main" id="{55C61AE6-B0DB-433D-BC47-FCCEE9999CF4}"/>
               </a:ext>
             </a:extLst>
           </p:cNvPr>
@@ -7219,90 +7848,101 @@
         </p:blipFill>
         <p:spPr>
           <a:xfrm>
-            <a:off x="5131623" y="685800"/>
-            <a:ext cx="3359791" cy="5599651"/>
+            <a:off x="1666875" y="552450"/>
+            <a:ext cx="2375535" cy="3959225"/>
           </a:xfrm>
           <a:prstGeom prst="rect">
             <a:avLst/>
           </a:prstGeom>
         </p:spPr>
       </p:pic>
-      <p:pic>
-        <p:nvPicPr>
-          <p:cNvPr id="5" name="그림 4">
-            <a:extLst>
-              <a:ext uri="{FF2B5EF4-FFF2-40B4-BE49-F238E27FC236}">
-                <a16:creationId xmlns:a16="http://schemas.microsoft.com/office/drawing/2014/main" id="{347DAE88-D87E-6F4D-AE72-FFE6BFA16284}"/>
-              </a:ext>
-            </a:extLst>
-          </p:cNvPr>
-          <p:cNvPicPr>
-            <a:picLocks noChangeAspect="1"/>
-          </p:cNvPicPr>
+      <p:sp>
+        <p:nvSpPr>
+          <p:cNvPr id="7" name="TextBox 6">
+            <a:extLst>
+              <a:ext uri="{FF2B5EF4-FFF2-40B4-BE49-F238E27FC236}">
+                <a16:creationId xmlns:a16="http://schemas.microsoft.com/office/drawing/2014/main" id="{1BB375C8-128A-4060-834A-5C0BBE6E1BC0}"/>
+              </a:ext>
+            </a:extLst>
+          </p:cNvPr>
+          <p:cNvSpPr txBox="1"/>
           <p:nvPr/>
-        </p:nvPicPr>
-        <p:blipFill>
-          <a:blip r:embed="rId3">
-            <a:extLst>
-              <a:ext uri="{28A0092B-C50C-407E-A947-70E740481C1C}">
-                <a14:useLocalDpi xmlns:a14="http://schemas.microsoft.com/office/drawing/2010/main" val="0"/>
-              </a:ext>
-            </a:extLst>
-          </a:blip>
-          <a:stretch>
-            <a:fillRect/>
-          </a:stretch>
-        </p:blipFill>
-        <p:spPr>
-          <a:xfrm>
-            <a:off x="8646089" y="685800"/>
-            <a:ext cx="3312433" cy="5555590"/>
+        </p:nvSpPr>
+        <p:spPr>
+          <a:xfrm>
+            <a:off x="923925" y="4914900"/>
+            <a:ext cx="7829550" cy="923330"/>
           </a:xfrm>
           <a:prstGeom prst="rect">
             <a:avLst/>
           </a:prstGeom>
-        </p:spPr>
-      </p:pic>
-      <p:pic>
-        <p:nvPicPr>
-          <p:cNvPr id="6" name="그림 5">
-            <a:extLst>
-              <a:ext uri="{FF2B5EF4-FFF2-40B4-BE49-F238E27FC236}">
-                <a16:creationId xmlns:a16="http://schemas.microsoft.com/office/drawing/2014/main" id="{1D650387-0F92-4A0D-8D39-C96CC2CF834D}"/>
-              </a:ext>
-            </a:extLst>
-          </p:cNvPr>
-          <p:cNvPicPr>
-            <a:picLocks noChangeAspect="1"/>
-          </p:cNvPicPr>
-          <p:nvPr/>
-        </p:nvPicPr>
-        <p:blipFill>
-          <a:blip r:embed="rId4">
-            <a:extLst>
-              <a:ext uri="{28A0092B-C50C-407E-A947-70E740481C1C}">
-                <a14:useLocalDpi xmlns:a14="http://schemas.microsoft.com/office/drawing/2010/main" val="0"/>
-              </a:ext>
-            </a:extLst>
-          </a:blip>
-          <a:stretch>
-            <a:fillRect/>
-          </a:stretch>
-        </p:blipFill>
-        <p:spPr>
-          <a:xfrm>
-            <a:off x="8641576" y="685801"/>
-            <a:ext cx="3316946" cy="5555590"/>
-          </a:xfrm>
-          <a:prstGeom prst="rect">
-            <a:avLst/>
-          </a:prstGeom>
-        </p:spPr>
-      </p:pic>
+          <a:noFill/>
+        </p:spPr>
+        <p:txBody>
+          <a:bodyPr wrap="square" rtlCol="0">
+            <a:spAutoFit/>
+          </a:bodyPr>
+          <a:lstStyle/>
+          <a:p>
+            <a:r>
+              <a:rPr lang="en-US" altLang="ko-KR" dirty="0"/>
+              <a:t>1.</a:t>
+            </a:r>
+            <a:r>
+              <a:rPr lang="ko-KR" altLang="en-US" dirty="0"/>
+              <a:t> 특정 브랜드에 대한 선호도 정보를 정량화 </a:t>
+            </a:r>
+            <a:endParaRPr lang="en-US" altLang="ko-KR" dirty="0"/>
+          </a:p>
+          <a:p>
+            <a:r>
+              <a:rPr lang="en-US" altLang="ko-KR" dirty="0"/>
+              <a:t>-&gt; </a:t>
+            </a:r>
+            <a:r>
+              <a:rPr lang="ko-KR" altLang="en-US" dirty="0"/>
+              <a:t>브랜드별 만족도 평가 </a:t>
+            </a:r>
+            <a:r>
+              <a:rPr lang="en-US" altLang="ko-KR" dirty="0"/>
+              <a:t>+ </a:t>
+            </a:r>
+            <a:r>
+              <a:rPr lang="ko-KR" altLang="en-US" dirty="0"/>
+              <a:t>암묵적 평가</a:t>
+            </a:r>
+            <a:r>
+              <a:rPr lang="en-US" altLang="ko-KR" dirty="0"/>
+              <a:t>(</a:t>
+            </a:r>
+            <a:r>
+              <a:rPr lang="ko-KR" altLang="en-US" dirty="0"/>
+              <a:t>유저의 행동에 따른 자동 </a:t>
+            </a:r>
+            <a:r>
+              <a:rPr lang="ko-KR" altLang="en-US" dirty="0" err="1"/>
+              <a:t>레이팅</a:t>
+            </a:r>
+            <a:r>
+              <a:rPr lang="en-US" altLang="ko-KR" dirty="0"/>
+              <a:t>)</a:t>
+            </a:r>
+            <a:r>
+              <a:rPr lang="ko-KR" altLang="en-US" dirty="0"/>
+              <a:t>를 합산하여 브랜드별 선호도 점수를 설정</a:t>
+            </a:r>
+            <a:r>
+              <a:rPr lang="en-US" altLang="ko-KR" dirty="0"/>
+              <a:t>. </a:t>
+            </a:r>
+            <a:endParaRPr lang="ko-KR" altLang="en-US" dirty="0"/>
+          </a:p>
+        </p:txBody>
+      </p:sp>
     </p:spTree>
     <p:extLst>
       <p:ext uri="{BB962C8B-B14F-4D97-AF65-F5344CB8AC3E}">
-        <p14:creationId xmlns:p14="http://schemas.microsoft.com/office/powerpoint/2010/main" val="561128130"/>
+        <p14:creationId xmlns:p14="http://schemas.microsoft.com/office/powerpoint/2010/main" val="2206575804"/>
       </p:ext>
     </p:extLst>
   </p:cSld>
@@ -7331,10 +7971,10 @@
       </p:grpSpPr>
       <p:sp>
         <p:nvSpPr>
-          <p:cNvPr id="6" name="TextBox 5">
-            <a:extLst>
-              <a:ext uri="{FF2B5EF4-FFF2-40B4-BE49-F238E27FC236}">
-                <a16:creationId xmlns:a16="http://schemas.microsoft.com/office/drawing/2014/main" id="{632091BB-3214-4F56-86EE-49438A4E8031}"/>
+          <p:cNvPr id="4" name="TextBox 3">
+            <a:extLst>
+              <a:ext uri="{FF2B5EF4-FFF2-40B4-BE49-F238E27FC236}">
+                <a16:creationId xmlns:a16="http://schemas.microsoft.com/office/drawing/2014/main" id="{F7B21DF0-6B54-4F41-8F23-BB564D5A3A7C}"/>
               </a:ext>
             </a:extLst>
           </p:cNvPr>
@@ -7343,8 +7983,8 @@
         </p:nvSpPr>
         <p:spPr>
           <a:xfrm>
-            <a:off x="310399" y="476796"/>
-            <a:ext cx="6275121" cy="369332"/>
+            <a:off x="1914525" y="256331"/>
+            <a:ext cx="7229475" cy="2369880"/>
           </a:xfrm>
           <a:prstGeom prst="rect">
             <a:avLst/>
@@ -7358,330 +7998,442 @@
           <a:lstStyle/>
           <a:p>
             <a:r>
+              <a:rPr lang="en-US" altLang="ko-KR" dirty="0"/>
+              <a:t>2. </a:t>
+            </a:r>
+            <a:r>
               <a:rPr lang="ko-KR" altLang="en-US" dirty="0"/>
-              <a:t>루트 </a:t>
-            </a:r>
+              <a:t>유사도 알고리즘 설명</a:t>
+            </a:r>
+            <a:endParaRPr lang="en-US" altLang="ko-KR" dirty="0"/>
+          </a:p>
+          <a:p>
+            <a:endParaRPr lang="en-US" altLang="ko-KR" dirty="0"/>
+          </a:p>
+          <a:p>
             <a:r>
               <a:rPr lang="en-US" altLang="ko-KR" dirty="0"/>
-              <a:t>1: </a:t>
+              <a:t>2.1 </a:t>
             </a:r>
             <a:r>
               <a:rPr lang="ko-KR" altLang="en-US" dirty="0"/>
-              <a:t>최단거리</a:t>
-            </a:r>
-          </a:p>
-        </p:txBody>
-      </p:sp>
-      <p:sp>
-        <p:nvSpPr>
-          <p:cNvPr id="9" name="모서리가 둥근 사각형 설명선[R] 10">
-            <a:extLst>
-              <a:ext uri="{FF2B5EF4-FFF2-40B4-BE49-F238E27FC236}">
-                <a16:creationId xmlns:a16="http://schemas.microsoft.com/office/drawing/2014/main" id="{02B5E40B-176F-4C86-9225-2400B5A4E532}"/>
-              </a:ext>
-            </a:extLst>
-          </p:cNvPr>
-          <p:cNvSpPr/>
-          <p:nvPr/>
-        </p:nvSpPr>
-        <p:spPr>
-          <a:xfrm>
-            <a:off x="161976" y="1207260"/>
-            <a:ext cx="11868048" cy="1266887"/>
-          </a:xfrm>
-          <a:prstGeom prst="wedgeRoundRectCallout">
-            <a:avLst>
-              <a:gd name="adj1" fmla="val -17901"/>
-              <a:gd name="adj2" fmla="val 68098"/>
-              <a:gd name="adj3" fmla="val 16667"/>
-            </a:avLst>
-          </a:prstGeom>
-        </p:spPr>
-        <p:style>
-          <a:lnRef idx="0">
-            <a:schemeClr val="dk1"/>
-          </a:lnRef>
-          <a:fillRef idx="3">
-            <a:schemeClr val="dk1"/>
-          </a:fillRef>
-          <a:effectRef idx="3">
-            <a:schemeClr val="dk1"/>
-          </a:effectRef>
-          <a:fontRef idx="minor">
-            <a:schemeClr val="lt1"/>
-          </a:fontRef>
-        </p:style>
-        <p:txBody>
-          <a:bodyPr rtlCol="0" anchor="ctr"/>
-          <a:lstStyle/>
-          <a:p>
-            <a:pPr marL="285750" indent="-285750">
-              <a:lnSpc>
-                <a:spcPct val="150000"/>
-              </a:lnSpc>
-              <a:buFontTx/>
-              <a:buChar char="-"/>
+              <a:t>평균 제곱차이 유사도</a:t>
+            </a:r>
+            <a:endParaRPr lang="en-US" altLang="ko-KR" dirty="0"/>
+          </a:p>
+          <a:p>
+            <a:pPr marL="342900" indent="-342900">
+              <a:buAutoNum type="arabicPeriod"/>
             </a:pPr>
-            <a:r>
-              <a:rPr kumimoji="1" lang="ko-KR" altLang="en-US" dirty="0"/>
-              <a:t>사용자가 선택한 브랜드를 층별로 분류한다</a:t>
-            </a:r>
-            <a:r>
-              <a:rPr kumimoji="1" lang="en-US" altLang="ko-KR" dirty="0"/>
-              <a:t>.</a:t>
-            </a:r>
-          </a:p>
-        </p:txBody>
-      </p:sp>
-      <p:sp>
-        <p:nvSpPr>
-          <p:cNvPr id="5" name="모서리가 둥근 사각형 설명선[R] 10">
-            <a:extLst>
-              <a:ext uri="{FF2B5EF4-FFF2-40B4-BE49-F238E27FC236}">
-                <a16:creationId xmlns:a16="http://schemas.microsoft.com/office/drawing/2014/main" id="{2482F613-9403-4421-84B6-8ABC61F2D67B}"/>
-              </a:ext>
-            </a:extLst>
-          </p:cNvPr>
-          <p:cNvSpPr/>
-          <p:nvPr/>
-        </p:nvSpPr>
-        <p:spPr>
-          <a:xfrm>
-            <a:off x="161976" y="3195534"/>
-            <a:ext cx="11868048" cy="2642560"/>
-          </a:xfrm>
-          <a:prstGeom prst="wedgeRoundRectCallout">
-            <a:avLst>
-              <a:gd name="adj1" fmla="val -17901"/>
-              <a:gd name="adj2" fmla="val 43135"/>
-              <a:gd name="adj3" fmla="val 16667"/>
-            </a:avLst>
-          </a:prstGeom>
-        </p:spPr>
-        <p:style>
-          <a:lnRef idx="0">
-            <a:schemeClr val="dk1"/>
-          </a:lnRef>
-          <a:fillRef idx="3">
-            <a:schemeClr val="dk1"/>
-          </a:fillRef>
-          <a:effectRef idx="3">
-            <a:schemeClr val="dk1"/>
-          </a:effectRef>
-          <a:fontRef idx="minor">
-            <a:schemeClr val="lt1"/>
-          </a:fontRef>
-        </p:style>
-        <p:txBody>
-          <a:bodyPr rtlCol="0" anchor="ctr"/>
-          <a:lstStyle/>
-          <a:p>
-            <a:pPr marL="285750" indent="-285750">
-              <a:lnSpc>
-                <a:spcPct val="150000"/>
-              </a:lnSpc>
-              <a:buFontTx/>
-              <a:buChar char="-"/>
-            </a:pPr>
-            <a:r>
-              <a:rPr kumimoji="1" lang="ko-KR" altLang="en-US" dirty="0"/>
-              <a:t>가장 높은 층부터 최단 경로를 계산한다</a:t>
-            </a:r>
-            <a:r>
-              <a:rPr kumimoji="1" lang="en-US" altLang="ko-KR" dirty="0"/>
-              <a:t>.</a:t>
-            </a:r>
-          </a:p>
-          <a:p>
-            <a:pPr>
-              <a:lnSpc>
-                <a:spcPct val="150000"/>
-              </a:lnSpc>
-            </a:pPr>
-            <a:r>
-              <a:rPr kumimoji="1" lang="en-US" altLang="ko-KR" dirty="0">
-                <a:sym typeface="Wingdings" panose="05000000000000000000" pitchFamily="2" charset="2"/>
+            <a:endParaRPr lang="en-US" altLang="ko-KR" dirty="0"/>
+          </a:p>
+          <a:p>
+            <a:r>
+              <a:rPr lang="ko-KR" altLang="ko-KR" dirty="0">
+                <a:latin typeface="Arial" panose="020B0604020202020204" pitchFamily="34" charset="0"/>
+                <a:ea typeface="News Cycle"/>
               </a:rPr>
-              <a:t>     </a:t>
-            </a:r>
-            <a:r>
-              <a:rPr kumimoji="1" lang="ko-KR" altLang="en-US" dirty="0">
-                <a:sym typeface="Wingdings" panose="05000000000000000000" pitchFamily="2" charset="2"/>
+              <a:t>사용자 </a:t>
+            </a:r>
+            <a:r>
+              <a:rPr kumimoji="0" lang="ko-KR" altLang="ko-KR" sz="2000" b="0" i="0" u="none" strike="noStrike" cap="none" normalizeH="0" baseline="0" dirty="0" err="1">
+                <a:ln>
+                  <a:noFill/>
+                </a:ln>
+                <a:effectLst/>
+                <a:latin typeface="Arial" panose="020B0604020202020204" pitchFamily="34" charset="0"/>
+                <a:ea typeface="MathJax_Math-italic"/>
               </a:rPr>
-              <a:t>에스컬레이터</a:t>
-            </a:r>
-            <a:r>
-              <a:rPr kumimoji="1" lang="en-US" altLang="ko-KR" dirty="0">
-                <a:sym typeface="Wingdings" panose="05000000000000000000" pitchFamily="2" charset="2"/>
+              <a:t>u</a:t>
+            </a:r>
+            <a:r>
+              <a:rPr lang="ko-KR" altLang="ko-KR" dirty="0" err="1">
+                <a:latin typeface="Arial" panose="020B0604020202020204" pitchFamily="34" charset="0"/>
+                <a:ea typeface="News Cycle"/>
               </a:rPr>
-              <a:t>/</a:t>
-            </a:r>
-            <a:r>
-              <a:rPr kumimoji="1" lang="ko-KR" altLang="en-US" dirty="0">
-                <a:sym typeface="Wingdings" panose="05000000000000000000" pitchFamily="2" charset="2"/>
+              <a:t>와</a:t>
+            </a:r>
+            <a:r>
+              <a:rPr lang="ko-KR" altLang="ko-KR" dirty="0">
+                <a:latin typeface="Arial" panose="020B0604020202020204" pitchFamily="34" charset="0"/>
+                <a:ea typeface="News Cycle"/>
               </a:rPr>
-              <a:t>엘리베이터</a:t>
-            </a:r>
-            <a:r>
-              <a:rPr kumimoji="1" lang="en-US" altLang="ko-KR" dirty="0">
-                <a:sym typeface="Wingdings" panose="05000000000000000000" pitchFamily="2" charset="2"/>
+              <a:t> 사용자 </a:t>
+            </a:r>
+            <a:r>
+              <a:rPr kumimoji="0" lang="ko-KR" altLang="ko-KR" sz="2000" b="0" i="0" u="none" strike="noStrike" cap="none" normalizeH="0" baseline="0" dirty="0" err="1">
+                <a:ln>
+                  <a:noFill/>
+                </a:ln>
+                <a:effectLst/>
+                <a:latin typeface="Arial" panose="020B0604020202020204" pitchFamily="34" charset="0"/>
+                <a:ea typeface="MathJax_Math-italic"/>
               </a:rPr>
-              <a:t>/</a:t>
-            </a:r>
-            <a:r>
-              <a:rPr kumimoji="1" lang="ko-KR" altLang="en-US" dirty="0">
-                <a:sym typeface="Wingdings" panose="05000000000000000000" pitchFamily="2" charset="2"/>
+              <a:t>v</a:t>
+            </a:r>
+            <a:r>
+              <a:rPr lang="ko-KR" altLang="ko-KR" dirty="0" err="1">
+                <a:latin typeface="Arial" panose="020B0604020202020204" pitchFamily="34" charset="0"/>
+                <a:ea typeface="News Cycle"/>
               </a:rPr>
-              <a:t>계단을 시작점 또는 끝점으로 하는 </a:t>
-            </a:r>
-            <a:r>
-              <a:rPr kumimoji="1" lang="ko-KR" altLang="en-US" dirty="0" err="1">
-                <a:sym typeface="Wingdings" panose="05000000000000000000" pitchFamily="2" charset="2"/>
+              <a:t>간의</a:t>
+            </a:r>
+            <a:r>
+              <a:rPr lang="ko-KR" altLang="ko-KR" dirty="0">
+                <a:latin typeface="Arial" panose="020B0604020202020204" pitchFamily="34" charset="0"/>
+                <a:ea typeface="News Cycle"/>
               </a:rPr>
-              <a:t>전체쌍</a:t>
-            </a:r>
-            <a:r>
-              <a:rPr kumimoji="1" lang="ko-KR" altLang="en-US" dirty="0">
-                <a:sym typeface="Wingdings" panose="05000000000000000000" pitchFamily="2" charset="2"/>
+              <a:t> </a:t>
+            </a:r>
+            <a:r>
+              <a:rPr lang="en-US" altLang="ko-KR" dirty="0" err="1">
+                <a:latin typeface="Arial" panose="020B0604020202020204" pitchFamily="34" charset="0"/>
+                <a:ea typeface="News Cycle"/>
               </a:rPr>
-              <a:t> 최단거리를</a:t>
-            </a:r>
-            <a:r>
-              <a:rPr kumimoji="1" lang="en-US" altLang="ko-KR" dirty="0">
-                <a:sym typeface="Wingdings" panose="05000000000000000000" pitchFamily="2" charset="2"/>
+              <a:t>msd</a:t>
+            </a:r>
+            <a:r>
+              <a:rPr lang="en-US" altLang="ko-KR" dirty="0">
+                <a:latin typeface="Arial" panose="020B0604020202020204" pitchFamily="34" charset="0"/>
+                <a:ea typeface="News Cycle"/>
               </a:rPr>
               <a:t>(</a:t>
             </a:r>
             <a:r>
-              <a:rPr kumimoji="1" lang="ko-KR" altLang="en-US" dirty="0" err="1">
-                <a:sym typeface="Wingdings" panose="05000000000000000000" pitchFamily="2" charset="2"/>
+              <a:rPr lang="ko-KR" altLang="en-US" dirty="0" err="1">
+                <a:latin typeface="Arial" panose="020B0604020202020204" pitchFamily="34" charset="0"/>
+                <a:ea typeface="News Cycle"/>
               </a:rPr>
-              <a:t>다익스트라</a:t>
-            </a:r>
-            <a:r>
-              <a:rPr kumimoji="1" lang="en-US" altLang="ko-KR" dirty="0">
-                <a:sym typeface="Wingdings" panose="05000000000000000000" pitchFamily="2" charset="2"/>
+              <a:t>평균제곱차이</a:t>
+            </a:r>
+            <a:r>
+              <a:rPr lang="en-US" altLang="ko-KR" dirty="0">
+                <a:latin typeface="Arial" panose="020B0604020202020204" pitchFamily="34" charset="0"/>
+                <a:ea typeface="News Cycle"/>
               </a:rPr>
-              <a:t>/</a:t>
-            </a:r>
-            <a:r>
-              <a:rPr kumimoji="1" lang="ko-KR" altLang="en-US" dirty="0" err="1">
-                <a:sym typeface="Wingdings" panose="05000000000000000000" pitchFamily="2" charset="2"/>
+              <a:t>)</a:t>
+            </a:r>
+            <a:r>
+              <a:rPr lang="ko-KR" altLang="ko-KR" dirty="0">
+                <a:latin typeface="Arial" panose="020B0604020202020204" pitchFamily="34" charset="0"/>
+                <a:ea typeface="News Cycle"/>
               </a:rPr>
-              <a:t>벨만포드</a:t>
-            </a:r>
-            <a:r>
-              <a:rPr kumimoji="1" lang="en-US" altLang="ko-KR" dirty="0">
-                <a:sym typeface="Wingdings" panose="05000000000000000000" pitchFamily="2" charset="2"/>
+              <a:t> </a:t>
+            </a:r>
+            <a:r>
+              <a:rPr lang="en-US" altLang="ko-KR" dirty="0">
+                <a:latin typeface="Arial" panose="020B0604020202020204" pitchFamily="34" charset="0"/>
+                <a:ea typeface="News Cycle"/>
               </a:rPr>
-              <a:t>) </a:t>
-            </a:r>
-            <a:r>
-              <a:rPr kumimoji="1" lang="ko-KR" altLang="en-US" dirty="0">
-                <a:sym typeface="Wingdings" panose="05000000000000000000" pitchFamily="2" charset="2"/>
+              <a:t> = </a:t>
+            </a:r>
+            <a:r>
+              <a:rPr lang="ko-KR" altLang="ko-KR" dirty="0">
+                <a:latin typeface="Arial" panose="020B0604020202020204" pitchFamily="34" charset="0"/>
+                <a:ea typeface="News Cycle"/>
               </a:rPr>
-              <a:t>알고리즘으로 구현한다</a:t>
-            </a:r>
-            <a:r>
-              <a:rPr kumimoji="1" lang="en-US" altLang="ko-KR" dirty="0">
-                <a:sym typeface="Wingdings" panose="05000000000000000000" pitchFamily="2" charset="2"/>
+              <a:t>사용자 </a:t>
+            </a:r>
+            <a:r>
+              <a:rPr kumimoji="0" lang="ko-KR" altLang="ko-KR" sz="2000" b="0" i="0" u="none" strike="noStrike" cap="none" normalizeH="0" baseline="0" dirty="0" err="1">
+                <a:ln>
+                  <a:noFill/>
+                </a:ln>
+                <a:effectLst/>
+                <a:latin typeface="Arial" panose="020B0604020202020204" pitchFamily="34" charset="0"/>
+                <a:ea typeface="MathJax_Math-italic"/>
               </a:rPr>
+              <a:t>u</a:t>
+            </a:r>
+            <a:r>
+              <a:rPr lang="ko-KR" altLang="ko-KR" dirty="0" err="1">
+                <a:latin typeface="Arial" panose="020B0604020202020204" pitchFamily="34" charset="0"/>
+                <a:ea typeface="News Cycle"/>
+              </a:rPr>
+              <a:t>와</a:t>
+            </a:r>
+            <a:r>
+              <a:rPr lang="ko-KR" altLang="ko-KR" dirty="0">
+                <a:latin typeface="Arial" panose="020B0604020202020204" pitchFamily="34" charset="0"/>
+                <a:ea typeface="News Cycle"/>
+              </a:rPr>
+              <a:t> 사용자 </a:t>
+            </a:r>
+            <a:r>
+              <a:rPr kumimoji="0" lang="ko-KR" altLang="ko-KR" sz="2000" b="0" i="0" u="none" strike="noStrike" cap="none" normalizeH="0" baseline="0" dirty="0" err="1">
+                <a:ln>
+                  <a:noFill/>
+                </a:ln>
+                <a:effectLst/>
+                <a:latin typeface="Arial" panose="020B0604020202020204" pitchFamily="34" charset="0"/>
+                <a:ea typeface="MathJax_Math-italic"/>
+              </a:rPr>
+              <a:t>v</a:t>
+            </a:r>
+            <a:r>
+              <a:rPr lang="ko-KR" altLang="ko-KR" dirty="0" err="1">
+                <a:latin typeface="Arial" panose="020B0604020202020204" pitchFamily="34" charset="0"/>
+                <a:ea typeface="News Cycle"/>
+              </a:rPr>
+              <a:t>가</a:t>
+            </a:r>
+            <a:r>
+              <a:rPr lang="ko-KR" altLang="ko-KR" dirty="0">
+                <a:latin typeface="Arial" panose="020B0604020202020204" pitchFamily="34" charset="0"/>
+                <a:ea typeface="News Cycle"/>
+              </a:rPr>
+              <a:t> 평가한 상품들의 </a:t>
+            </a:r>
+            <a:r>
+              <a:rPr lang="ko-KR" altLang="ko-KR" dirty="0" err="1">
+                <a:latin typeface="Arial" panose="020B0604020202020204" pitchFamily="34" charset="0"/>
+                <a:ea typeface="News Cycle"/>
+              </a:rPr>
+              <a:t>평점간의</a:t>
+            </a:r>
+            <a:r>
+              <a:rPr lang="ko-KR" altLang="ko-KR" dirty="0">
+                <a:latin typeface="Arial" panose="020B0604020202020204" pitchFamily="34" charset="0"/>
+                <a:ea typeface="News Cycle"/>
+              </a:rPr>
+              <a:t> 차의 제곱 / 사용자 </a:t>
+            </a:r>
+            <a:r>
+              <a:rPr kumimoji="0" lang="ko-KR" altLang="ko-KR" sz="2000" b="0" i="0" u="none" strike="noStrike" cap="none" normalizeH="0" baseline="0" dirty="0" err="1">
+                <a:ln>
+                  <a:noFill/>
+                </a:ln>
+                <a:effectLst/>
+                <a:latin typeface="Arial" panose="020B0604020202020204" pitchFamily="34" charset="0"/>
+                <a:ea typeface="MathJax_Math-italic"/>
+              </a:rPr>
+              <a:t>u</a:t>
+            </a:r>
+            <a:r>
+              <a:rPr lang="ko-KR" altLang="ko-KR" dirty="0" err="1">
+                <a:latin typeface="Arial" panose="020B0604020202020204" pitchFamily="34" charset="0"/>
+                <a:ea typeface="News Cycle"/>
+              </a:rPr>
+              <a:t>와</a:t>
+            </a:r>
+            <a:r>
+              <a:rPr lang="ko-KR" altLang="ko-KR" dirty="0">
+                <a:latin typeface="Arial" panose="020B0604020202020204" pitchFamily="34" charset="0"/>
+                <a:ea typeface="News Cycle"/>
+              </a:rPr>
+              <a:t> 사용자 </a:t>
+            </a:r>
+            <a:r>
+              <a:rPr kumimoji="0" lang="ko-KR" altLang="ko-KR" sz="2000" b="0" i="0" u="none" strike="noStrike" cap="none" normalizeH="0" baseline="0" dirty="0" err="1">
+                <a:ln>
+                  <a:noFill/>
+                </a:ln>
+                <a:effectLst/>
+                <a:latin typeface="Arial" panose="020B0604020202020204" pitchFamily="34" charset="0"/>
+                <a:ea typeface="MathJax_Math-italic"/>
+              </a:rPr>
+              <a:t>v</a:t>
+            </a:r>
+            <a:r>
+              <a:rPr lang="ko-KR" altLang="ko-KR" dirty="0" err="1">
+                <a:latin typeface="Arial" panose="020B0604020202020204" pitchFamily="34" charset="0"/>
+                <a:ea typeface="News Cycle"/>
+              </a:rPr>
+              <a:t>가</a:t>
+            </a:r>
+            <a:r>
+              <a:rPr lang="ko-KR" altLang="ko-KR" dirty="0">
+                <a:latin typeface="Arial" panose="020B0604020202020204" pitchFamily="34" charset="0"/>
+                <a:ea typeface="News Cycle"/>
+              </a:rPr>
+              <a:t> 모두 평가한 상품들의 수</a:t>
+            </a:r>
+            <a:r>
+              <a:rPr kumimoji="0" lang="ko-KR" altLang="ko-KR" sz="1050" b="0" i="0" u="none" strike="noStrike" cap="none" normalizeH="0" baseline="0" dirty="0">
+                <a:ln>
+                  <a:noFill/>
+                </a:ln>
+                <a:effectLst/>
+                <a:latin typeface="Arial" panose="020B0604020202020204" pitchFamily="34" charset="0"/>
+              </a:rPr>
+              <a:t> </a:t>
+            </a:r>
+            <a:endParaRPr kumimoji="0" lang="ko-KR" altLang="ko-KR" sz="2800" b="0" i="0" u="none" strike="noStrike" cap="none" normalizeH="0" baseline="0" dirty="0">
+              <a:ln>
+                <a:noFill/>
+              </a:ln>
+              <a:effectLst/>
+              <a:latin typeface="Arial" panose="020B0604020202020204" pitchFamily="34" charset="0"/>
+            </a:endParaRPr>
+          </a:p>
+          <a:p>
+            <a:pPr marL="342900" indent="-342900">
+              <a:buAutoNum type="arabicPeriod"/>
+            </a:pPr>
+            <a:endParaRPr lang="en-US" altLang="ko-KR" dirty="0"/>
+          </a:p>
+        </p:txBody>
+      </p:sp>
+      <p:pic>
+        <p:nvPicPr>
+          <p:cNvPr id="6" name="그림 5">
+            <a:extLst>
+              <a:ext uri="{FF2B5EF4-FFF2-40B4-BE49-F238E27FC236}">
+                <a16:creationId xmlns:a16="http://schemas.microsoft.com/office/drawing/2014/main" id="{0B6223D0-FB6B-4221-93C6-C78CFCB31876}"/>
+              </a:ext>
+            </a:extLst>
+          </p:cNvPr>
+          <p:cNvPicPr>
+            <a:picLocks noChangeAspect="1"/>
+          </p:cNvPicPr>
+          <p:nvPr/>
+        </p:nvPicPr>
+        <p:blipFill rotWithShape="1">
+          <a:blip r:embed="rId2"/>
+          <a:srcRect l="50859" t="35833" r="30078" b="57501"/>
+          <a:stretch/>
+        </p:blipFill>
+        <p:spPr>
+          <a:xfrm>
+            <a:off x="1914525" y="2260878"/>
+            <a:ext cx="5374481" cy="1057275"/>
+          </a:xfrm>
+          <a:prstGeom prst="rect">
+            <a:avLst/>
+          </a:prstGeom>
+        </p:spPr>
+      </p:pic>
+      <p:sp>
+        <p:nvSpPr>
+          <p:cNvPr id="11" name="TextBox 10">
+            <a:extLst>
+              <a:ext uri="{FF2B5EF4-FFF2-40B4-BE49-F238E27FC236}">
+                <a16:creationId xmlns:a16="http://schemas.microsoft.com/office/drawing/2014/main" id="{FC01F697-7FEF-4189-868C-AE59096F963D}"/>
+              </a:ext>
+            </a:extLst>
+          </p:cNvPr>
+          <p:cNvSpPr txBox="1"/>
+          <p:nvPr/>
+        </p:nvSpPr>
+        <p:spPr>
+          <a:xfrm>
+            <a:off x="1990725" y="4076700"/>
+            <a:ext cx="6200775" cy="923330"/>
+          </a:xfrm>
+          <a:prstGeom prst="rect">
+            <a:avLst/>
+          </a:prstGeom>
+          <a:noFill/>
+        </p:spPr>
+        <p:txBody>
+          <a:bodyPr wrap="square" rtlCol="0">
+            <a:spAutoFit/>
+          </a:bodyPr>
+          <a:lstStyle/>
+          <a:p>
+            <a:r>
+              <a:rPr lang="ko-KR" altLang="en-US" dirty="0"/>
+              <a:t>유사도</a:t>
+            </a:r>
+            <a:r>
+              <a:rPr lang="en-US" altLang="ko-KR" dirty="0"/>
+              <a:t>(</a:t>
+            </a:r>
+            <a:r>
+              <a:rPr lang="en-US" altLang="ko-KR" dirty="0" err="1"/>
+              <a:t>msd_sim</a:t>
+            </a:r>
+            <a:r>
+              <a:rPr lang="en-US" altLang="ko-KR" dirty="0"/>
+              <a:t>)</a:t>
+            </a:r>
+            <a:r>
+              <a:rPr lang="ko-KR" altLang="en-US" dirty="0"/>
+              <a:t>는 </a:t>
+            </a:r>
+            <a:r>
+              <a:rPr lang="en-US" altLang="ko-KR" dirty="0" err="1"/>
+              <a:t>msd</a:t>
+            </a:r>
+            <a:r>
+              <a:rPr lang="ko-KR" altLang="en-US" dirty="0"/>
+              <a:t>의 역수로 계산하며 분모가 </a:t>
+            </a:r>
+            <a:r>
+              <a:rPr lang="en-US" altLang="ko-KR" dirty="0"/>
+              <a:t>0</a:t>
+            </a:r>
+            <a:r>
+              <a:rPr lang="ko-KR" altLang="en-US" dirty="0"/>
+              <a:t>이 되는 경우를 방지하기 위해서 분모에 </a:t>
+            </a:r>
+            <a:r>
+              <a:rPr lang="en-US" altLang="ko-KR" dirty="0"/>
+              <a:t>1</a:t>
+            </a:r>
+            <a:r>
+              <a:rPr lang="ko-KR" altLang="en-US" dirty="0"/>
+              <a:t>을 </a:t>
+            </a:r>
+            <a:r>
+              <a:rPr lang="ko-KR" altLang="en-US" dirty="0" err="1"/>
+              <a:t>더해줌</a:t>
+            </a:r>
+            <a:r>
+              <a:rPr lang="en-US" altLang="ko-KR" dirty="0"/>
+              <a:t>. </a:t>
+            </a:r>
+          </a:p>
+          <a:p>
+            <a:r>
+              <a:rPr lang="ko-KR" altLang="en-US" dirty="0"/>
+              <a:t>차이가 클수록 유사도는 </a:t>
+            </a:r>
+            <a:r>
+              <a:rPr lang="ko-KR" altLang="en-US" dirty="0" err="1"/>
+              <a:t>작아짐</a:t>
+            </a:r>
+            <a:r>
+              <a:rPr lang="en-US" altLang="ko-KR" dirty="0"/>
               <a:t>.</a:t>
             </a:r>
-          </a:p>
-          <a:p>
-            <a:pPr>
-              <a:lnSpc>
-                <a:spcPct val="150000"/>
-              </a:lnSpc>
-            </a:pPr>
-            <a:r>
-              <a:rPr kumimoji="1" lang="en-US" altLang="ko-KR" dirty="0">
-                <a:sym typeface="Wingdings" panose="05000000000000000000" pitchFamily="2" charset="2"/>
-              </a:rPr>
-              <a:t>     </a:t>
-            </a:r>
-            <a:r>
-              <a:rPr kumimoji="1" lang="ko-KR" altLang="en-US" dirty="0">
-                <a:sym typeface="Wingdings" panose="05000000000000000000" pitchFamily="2" charset="2"/>
-              </a:rPr>
-              <a:t>정해진 시작점 또는 끝점에 해당하는 에스컬레이터</a:t>
-            </a:r>
-            <a:r>
-              <a:rPr kumimoji="1" lang="en-US" altLang="ko-KR" dirty="0">
-                <a:sym typeface="Wingdings" panose="05000000000000000000" pitchFamily="2" charset="2"/>
-              </a:rPr>
-              <a:t>/</a:t>
-            </a:r>
-            <a:r>
-              <a:rPr kumimoji="1" lang="ko-KR" altLang="en-US" dirty="0">
-                <a:sym typeface="Wingdings" panose="05000000000000000000" pitchFamily="2" charset="2"/>
-              </a:rPr>
-              <a:t>엘리베이터</a:t>
-            </a:r>
-            <a:r>
-              <a:rPr kumimoji="1" lang="en-US" altLang="ko-KR" dirty="0">
-                <a:sym typeface="Wingdings" panose="05000000000000000000" pitchFamily="2" charset="2"/>
-              </a:rPr>
-              <a:t>/</a:t>
-            </a:r>
-            <a:r>
-              <a:rPr kumimoji="1" lang="ko-KR" altLang="en-US" dirty="0">
-                <a:sym typeface="Wingdings" panose="05000000000000000000" pitchFamily="2" charset="2"/>
-              </a:rPr>
-              <a:t>계단을 끝점으로 하는 아래층 최단거리 루트를 구한다</a:t>
-            </a:r>
-            <a:r>
-              <a:rPr kumimoji="1" lang="en-US" altLang="ko-KR" dirty="0">
-                <a:sym typeface="Wingdings" panose="05000000000000000000" pitchFamily="2" charset="2"/>
-              </a:rPr>
-              <a:t>.</a:t>
-            </a:r>
-          </a:p>
-          <a:p>
-            <a:pPr>
-              <a:lnSpc>
-                <a:spcPct val="150000"/>
-              </a:lnSpc>
-            </a:pPr>
-            <a:r>
-              <a:rPr kumimoji="1" lang="en-US" altLang="ko-KR" dirty="0">
-                <a:sym typeface="Wingdings" panose="05000000000000000000" pitchFamily="2" charset="2"/>
-              </a:rPr>
-              <a:t>      1</a:t>
-            </a:r>
-            <a:r>
-              <a:rPr kumimoji="1" lang="ko-KR" altLang="en-US" dirty="0">
-                <a:sym typeface="Wingdings" panose="05000000000000000000" pitchFamily="2" charset="2"/>
-              </a:rPr>
-              <a:t>층이 될 때까지 </a:t>
-            </a:r>
-            <a:r>
-              <a:rPr kumimoji="1" lang="ko-KR" altLang="en-US" dirty="0" err="1">
-                <a:sym typeface="Wingdings" panose="05000000000000000000" pitchFamily="2" charset="2"/>
-              </a:rPr>
-              <a:t>위와같은</a:t>
-            </a:r>
-            <a:r>
-              <a:rPr kumimoji="1" lang="ko-KR" altLang="en-US" dirty="0">
-                <a:sym typeface="Wingdings" panose="05000000000000000000" pitchFamily="2" charset="2"/>
-              </a:rPr>
-              <a:t> 과정을 반복한다</a:t>
-            </a:r>
-            <a:r>
-              <a:rPr kumimoji="1" lang="en-US" altLang="ko-KR" dirty="0">
-                <a:sym typeface="Wingdings" panose="05000000000000000000" pitchFamily="2" charset="2"/>
-              </a:rPr>
-              <a:t>.</a:t>
-            </a:r>
-            <a:endParaRPr kumimoji="1" lang="en-US" altLang="ko-KR" dirty="0"/>
-          </a:p>
-        </p:txBody>
-      </p:sp>
+            <a:endParaRPr lang="ko-KR" altLang="en-US" dirty="0"/>
+          </a:p>
+        </p:txBody>
+      </p:sp>
+      <p:pic>
+        <p:nvPicPr>
+          <p:cNvPr id="12" name="그림 11">
+            <a:extLst>
+              <a:ext uri="{FF2B5EF4-FFF2-40B4-BE49-F238E27FC236}">
+                <a16:creationId xmlns:a16="http://schemas.microsoft.com/office/drawing/2014/main" id="{18A9905D-3915-4E1B-A196-AA383F9C4A1A}"/>
+              </a:ext>
+            </a:extLst>
+          </p:cNvPr>
+          <p:cNvPicPr>
+            <a:picLocks noChangeAspect="1"/>
+          </p:cNvPicPr>
+          <p:nvPr/>
+        </p:nvPicPr>
+        <p:blipFill rotWithShape="1">
+          <a:blip r:embed="rId3"/>
+          <a:srcRect l="50516" t="46802" r="31046" b="46531"/>
+          <a:stretch/>
+        </p:blipFill>
+        <p:spPr>
+          <a:xfrm>
+            <a:off x="1914525" y="5322700"/>
+            <a:ext cx="5253826" cy="1068575"/>
+          </a:xfrm>
+          <a:prstGeom prst="rect">
+            <a:avLst/>
+          </a:prstGeom>
+        </p:spPr>
+      </p:pic>
     </p:spTree>
     <p:extLst>
       <p:ext uri="{BB962C8B-B14F-4D97-AF65-F5344CB8AC3E}">
-        <p14:creationId xmlns:p14="http://schemas.microsoft.com/office/powerpoint/2010/main" val="4115090045"/>
+        <p14:creationId xmlns:p14="http://schemas.microsoft.com/office/powerpoint/2010/main" val="3735578830"/>
       </p:ext>
     </p:extLst>
   </p:cSld>
@@ -7710,10 +8462,10 @@
       </p:grpSpPr>
       <p:sp>
         <p:nvSpPr>
-          <p:cNvPr id="6" name="TextBox 5">
-            <a:extLst>
-              <a:ext uri="{FF2B5EF4-FFF2-40B4-BE49-F238E27FC236}">
-                <a16:creationId xmlns:a16="http://schemas.microsoft.com/office/drawing/2014/main" id="{632091BB-3214-4F56-86EE-49438A4E8031}"/>
+          <p:cNvPr id="4" name="TextBox 3">
+            <a:extLst>
+              <a:ext uri="{FF2B5EF4-FFF2-40B4-BE49-F238E27FC236}">
+                <a16:creationId xmlns:a16="http://schemas.microsoft.com/office/drawing/2014/main" id="{BF7E3B30-2D4C-4217-830E-895E47EC0AA6}"/>
               </a:ext>
             </a:extLst>
           </p:cNvPr>
@@ -7722,8 +8474,8 @@
         </p:nvSpPr>
         <p:spPr>
           <a:xfrm>
-            <a:off x="302009" y="485873"/>
-            <a:ext cx="5109883" cy="369332"/>
+            <a:off x="1047750" y="226993"/>
+            <a:ext cx="6762750" cy="3693319"/>
           </a:xfrm>
           <a:prstGeom prst="rect">
             <a:avLst/>
@@ -7737,172 +8489,303 @@
           <a:lstStyle/>
           <a:p>
             <a:r>
+              <a:rPr lang="en-US" altLang="ko-KR" dirty="0"/>
+              <a:t>2.2 </a:t>
+            </a:r>
+            <a:r>
+              <a:rPr lang="ko-KR" altLang="en-US" dirty="0" err="1"/>
+              <a:t>피어슨</a:t>
+            </a:r>
+            <a:r>
               <a:rPr lang="ko-KR" altLang="en-US" dirty="0"/>
-              <a:t>루트 </a:t>
+              <a:t> 유사도</a:t>
+            </a:r>
+            <a:endParaRPr lang="en-US" altLang="ko-KR" dirty="0"/>
+          </a:p>
+          <a:p>
+            <a:endParaRPr lang="en-US" altLang="ko-KR" dirty="0"/>
+          </a:p>
+          <a:p>
+            <a:r>
+              <a:rPr lang="ko-KR" altLang="en-US" dirty="0"/>
+              <a:t> </a:t>
+            </a:r>
+            <a:r>
+              <a:rPr lang="ko-KR" altLang="en-US" dirty="0" err="1"/>
+              <a:t>피어슨</a:t>
+            </a:r>
+            <a:r>
+              <a:rPr lang="ko-KR" altLang="en-US" dirty="0"/>
+              <a:t> 상관계수는 값이 </a:t>
             </a:r>
             <a:r>
               <a:rPr lang="en-US" altLang="ko-KR" dirty="0"/>
-              <a:t>2: </a:t>
+              <a:t>-1</a:t>
             </a:r>
             <a:r>
               <a:rPr lang="ko-KR" altLang="en-US" dirty="0"/>
-              <a:t>카테고리별 쇼핑</a:t>
-            </a:r>
-          </a:p>
-        </p:txBody>
-      </p:sp>
-      <p:sp>
-        <p:nvSpPr>
-          <p:cNvPr id="9" name="모서리가 둥근 사각형 설명선[R] 10">
-            <a:extLst>
-              <a:ext uri="{FF2B5EF4-FFF2-40B4-BE49-F238E27FC236}">
-                <a16:creationId xmlns:a16="http://schemas.microsoft.com/office/drawing/2014/main" id="{02B5E40B-176F-4C86-9225-2400B5A4E532}"/>
-              </a:ext>
-            </a:extLst>
-          </p:cNvPr>
-          <p:cNvSpPr/>
-          <p:nvPr/>
-        </p:nvSpPr>
-        <p:spPr>
-          <a:xfrm>
-            <a:off x="161976" y="1207260"/>
-            <a:ext cx="11868048" cy="1266887"/>
-          </a:xfrm>
-          <a:prstGeom prst="wedgeRoundRectCallout">
-            <a:avLst>
-              <a:gd name="adj1" fmla="val -17901"/>
-              <a:gd name="adj2" fmla="val 68098"/>
-              <a:gd name="adj3" fmla="val 16667"/>
-            </a:avLst>
-          </a:prstGeom>
-        </p:spPr>
-        <p:style>
-          <a:lnRef idx="0">
-            <a:schemeClr val="dk1"/>
-          </a:lnRef>
-          <a:fillRef idx="3">
-            <a:schemeClr val="dk1"/>
-          </a:fillRef>
-          <a:effectRef idx="3">
-            <a:schemeClr val="dk1"/>
-          </a:effectRef>
-          <a:fontRef idx="minor">
-            <a:schemeClr val="lt1"/>
-          </a:fontRef>
-        </p:style>
-        <p:txBody>
-          <a:bodyPr rtlCol="0" anchor="ctr"/>
-          <a:lstStyle/>
+              <a:t>부터 </a:t>
+            </a:r>
+            <a:r>
+              <a:rPr lang="en-US" altLang="ko-KR" dirty="0"/>
+              <a:t>1</a:t>
+            </a:r>
+            <a:r>
+              <a:rPr lang="ko-KR" altLang="en-US" dirty="0"/>
+              <a:t>까지 도출되며</a:t>
+            </a:r>
+            <a:r>
+              <a:rPr lang="en-US" altLang="ko-KR" dirty="0"/>
+              <a:t>, 1</a:t>
+            </a:r>
+            <a:r>
+              <a:rPr lang="ko-KR" altLang="en-US" dirty="0"/>
+              <a:t>에 가까울수록 양의 상관관계</a:t>
+            </a:r>
+            <a:r>
+              <a:rPr lang="en-US" altLang="ko-KR" dirty="0"/>
+              <a:t>, -1</a:t>
+            </a:r>
+            <a:r>
+              <a:rPr lang="ko-KR" altLang="en-US" dirty="0"/>
+              <a:t>에 가까울수록 음의 상관관계를 가진다</a:t>
+            </a:r>
+            <a:r>
+              <a:rPr lang="en-US" altLang="ko-KR" dirty="0"/>
+              <a:t>.</a:t>
+            </a:r>
+          </a:p>
+          <a:p>
+            <a:endParaRPr lang="en-US" altLang="ko-KR" dirty="0"/>
+          </a:p>
+          <a:p>
+            <a:r>
+              <a:rPr lang="ko-KR" altLang="en-US" dirty="0" err="1"/>
+              <a:t>평균제곱차이</a:t>
+            </a:r>
+            <a:r>
+              <a:rPr lang="ko-KR" altLang="en-US" dirty="0"/>
+              <a:t> 유사도의 문제</a:t>
+            </a:r>
+            <a:endParaRPr lang="en-US" altLang="ko-KR" dirty="0"/>
+          </a:p>
           <a:p>
             <a:pPr marL="285750" indent="-285750">
-              <a:lnSpc>
-                <a:spcPct val="150000"/>
-              </a:lnSpc>
               <a:buFontTx/>
               <a:buChar char="-"/>
             </a:pPr>
             <a:r>
-              <a:rPr kumimoji="1" lang="ko-KR" altLang="en-US" dirty="0"/>
-              <a:t>사용자가 선택한 브랜드를 카테고리별로 분류한다</a:t>
-            </a:r>
-            <a:r>
-              <a:rPr kumimoji="1" lang="en-US" altLang="ko-KR" dirty="0"/>
+              <a:rPr lang="ko-KR" altLang="en-US" dirty="0"/>
+              <a:t>특정인물의 점수기준이 극단적으로 너무 낮거나 높다면 제대로 된 결과를 도출해낼 수 없음</a:t>
+            </a:r>
+            <a:r>
+              <a:rPr lang="en-US" altLang="ko-KR" dirty="0"/>
               <a:t>.</a:t>
             </a:r>
           </a:p>
-        </p:txBody>
-      </p:sp>
-      <p:sp>
-        <p:nvSpPr>
-          <p:cNvPr id="5" name="모서리가 둥근 사각형 설명선[R] 10">
-            <a:extLst>
-              <a:ext uri="{FF2B5EF4-FFF2-40B4-BE49-F238E27FC236}">
-                <a16:creationId xmlns:a16="http://schemas.microsoft.com/office/drawing/2014/main" id="{2482F613-9403-4421-84B6-8ABC61F2D67B}"/>
-              </a:ext>
-            </a:extLst>
-          </p:cNvPr>
-          <p:cNvSpPr/>
-          <p:nvPr/>
-        </p:nvSpPr>
-        <p:spPr>
-          <a:xfrm>
-            <a:off x="161976" y="3195534"/>
-            <a:ext cx="11868048" cy="1188320"/>
-          </a:xfrm>
-          <a:prstGeom prst="wedgeRoundRectCallout">
-            <a:avLst>
-              <a:gd name="adj1" fmla="val -18642"/>
-              <a:gd name="adj2" fmla="val 80130"/>
-              <a:gd name="adj3" fmla="val 16667"/>
-            </a:avLst>
-          </a:prstGeom>
-        </p:spPr>
-        <p:style>
-          <a:lnRef idx="0">
-            <a:schemeClr val="dk1"/>
-          </a:lnRef>
-          <a:fillRef idx="3">
-            <a:schemeClr val="dk1"/>
-          </a:fillRef>
-          <a:effectRef idx="3">
-            <a:schemeClr val="dk1"/>
-          </a:effectRef>
-          <a:fontRef idx="minor">
-            <a:schemeClr val="lt1"/>
-          </a:fontRef>
-        </p:style>
-        <p:txBody>
-          <a:bodyPr rtlCol="0" anchor="ctr"/>
-          <a:lstStyle/>
           <a:p>
             <a:pPr marL="285750" indent="-285750">
-              <a:lnSpc>
-                <a:spcPct val="150000"/>
-              </a:lnSpc>
               <a:buFontTx/>
               <a:buChar char="-"/>
             </a:pPr>
-            <a:r>
-              <a:rPr kumimoji="1" lang="ko-KR" altLang="en-US" dirty="0"/>
-              <a:t>카테고리별 최단루트</a:t>
-            </a:r>
-            <a:r>
-              <a:rPr kumimoji="1" lang="en-US" altLang="ko-KR" dirty="0"/>
-              <a:t>(</a:t>
-            </a:r>
-            <a:r>
-              <a:rPr kumimoji="1" lang="ko-KR" altLang="en-US" dirty="0"/>
-              <a:t>루트</a:t>
-            </a:r>
-            <a:r>
-              <a:rPr kumimoji="1" lang="en-US" altLang="ko-KR" dirty="0"/>
-              <a:t>1</a:t>
-            </a:r>
-            <a:r>
-              <a:rPr kumimoji="1" lang="ko-KR" altLang="en-US" dirty="0"/>
-              <a:t>과 동일한 방식</a:t>
-            </a:r>
-            <a:r>
-              <a:rPr kumimoji="1" lang="en-US" altLang="ko-KR" dirty="0"/>
-              <a:t>)</a:t>
-            </a:r>
-            <a:r>
-              <a:rPr kumimoji="1" lang="ko-KR" altLang="en-US" dirty="0"/>
-              <a:t>을 계산한다</a:t>
-            </a:r>
-            <a:r>
-              <a:rPr kumimoji="1" lang="en-US" altLang="ko-KR" dirty="0"/>
+            <a:endParaRPr lang="en-US" altLang="ko-KR" dirty="0"/>
+          </a:p>
+          <a:p>
+            <a:r>
+              <a:rPr lang="ko-KR" altLang="en-US" dirty="0"/>
+              <a:t>이런 문제를 보완하는 것이 </a:t>
+            </a:r>
+            <a:r>
+              <a:rPr lang="ko-KR" altLang="en-US" dirty="0" err="1"/>
+              <a:t>피어슨</a:t>
+            </a:r>
+            <a:r>
+              <a:rPr lang="ko-KR" altLang="en-US" dirty="0"/>
+              <a:t> 유사도</a:t>
+            </a:r>
+            <a:endParaRPr lang="en-US" altLang="ko-KR" dirty="0"/>
+          </a:p>
+          <a:p>
+            <a:endParaRPr lang="en-US" altLang="ko-KR" dirty="0"/>
+          </a:p>
+          <a:p>
+            <a:r>
+              <a:rPr lang="ko-KR" altLang="en-US" dirty="0"/>
+              <a:t>이러한 이유에서 </a:t>
+            </a:r>
+            <a:r>
+              <a:rPr lang="ko-KR" altLang="en-US" dirty="0" err="1"/>
+              <a:t>피어슨</a:t>
+            </a:r>
+            <a:r>
+              <a:rPr lang="ko-KR" altLang="en-US" dirty="0"/>
+              <a:t> 유사도를 유사도 알고리즘으로 사용할 것</a:t>
+            </a:r>
+            <a:r>
+              <a:rPr lang="en-US" altLang="ko-KR" dirty="0"/>
               <a:t>.</a:t>
             </a:r>
-          </a:p>
-        </p:txBody>
-      </p:sp>
-      <p:sp>
-        <p:nvSpPr>
-          <p:cNvPr id="7" name="모서리가 둥근 사각형 설명선[R] 10">
-            <a:extLst>
-              <a:ext uri="{FF2B5EF4-FFF2-40B4-BE49-F238E27FC236}">
-                <a16:creationId xmlns:a16="http://schemas.microsoft.com/office/drawing/2014/main" id="{B7A93CD4-CBCF-4805-AA0D-EBB97176103E}"/>
+            <a:r>
+              <a:rPr lang="ko-KR" altLang="en-US" dirty="0"/>
+              <a:t> </a:t>
+            </a:r>
+          </a:p>
+        </p:txBody>
+      </p:sp>
+      <p:pic>
+        <p:nvPicPr>
+          <p:cNvPr id="5" name="그림 4">
+            <a:extLst>
+              <a:ext uri="{FF2B5EF4-FFF2-40B4-BE49-F238E27FC236}">
+                <a16:creationId xmlns:a16="http://schemas.microsoft.com/office/drawing/2014/main" id="{7DF217B5-1DDB-4836-A65F-981D5E2FB17E}"/>
+              </a:ext>
+            </a:extLst>
+          </p:cNvPr>
+          <p:cNvPicPr>
+            <a:picLocks noChangeAspect="1"/>
+          </p:cNvPicPr>
+          <p:nvPr/>
+        </p:nvPicPr>
+        <p:blipFill rotWithShape="1">
+          <a:blip r:embed="rId2"/>
+          <a:srcRect l="21485" t="48334" r="56795" b="38889"/>
+          <a:stretch/>
+        </p:blipFill>
+        <p:spPr>
+          <a:xfrm>
+            <a:off x="6315075" y="3743325"/>
+            <a:ext cx="4259746" cy="1409700"/>
+          </a:xfrm>
+          <a:prstGeom prst="rect">
+            <a:avLst/>
+          </a:prstGeom>
+        </p:spPr>
+      </p:pic>
+      <p:sp>
+        <p:nvSpPr>
+          <p:cNvPr id="6" name="TextBox 5">
+            <a:extLst>
+              <a:ext uri="{FF2B5EF4-FFF2-40B4-BE49-F238E27FC236}">
+                <a16:creationId xmlns:a16="http://schemas.microsoft.com/office/drawing/2014/main" id="{76C20BE0-A25E-4D36-A715-E46D5576AFAB}"/>
+              </a:ext>
+            </a:extLst>
+          </p:cNvPr>
+          <p:cNvSpPr txBox="1"/>
+          <p:nvPr/>
+        </p:nvSpPr>
+        <p:spPr>
+          <a:xfrm>
+            <a:off x="6315075" y="5400675"/>
+            <a:ext cx="4333875" cy="954107"/>
+          </a:xfrm>
+          <a:prstGeom prst="rect">
+            <a:avLst/>
+          </a:prstGeom>
+          <a:noFill/>
+        </p:spPr>
+        <p:txBody>
+          <a:bodyPr wrap="square" rtlCol="0">
+            <a:spAutoFit/>
+          </a:bodyPr>
+          <a:lstStyle/>
+          <a:p>
+            <a:pPr algn="ctr"/>
+            <a:r>
+              <a:rPr lang="ko-KR" altLang="en-US" sz="1400" dirty="0" err="1">
+                <a:solidFill>
+                  <a:schemeClr val="bg1">
+                    <a:lumMod val="75000"/>
+                  </a:schemeClr>
+                </a:solidFill>
+              </a:rPr>
+              <a:t>피어슨</a:t>
+            </a:r>
+            <a:r>
+              <a:rPr lang="ko-KR" altLang="en-US" sz="1400" dirty="0">
+                <a:solidFill>
+                  <a:schemeClr val="bg1">
+                    <a:lumMod val="75000"/>
+                  </a:schemeClr>
+                </a:solidFill>
+              </a:rPr>
+              <a:t> 유사도 계산 공식</a:t>
+            </a:r>
+            <a:endParaRPr lang="en-US" altLang="ko-KR" sz="1400" dirty="0">
+              <a:solidFill>
+                <a:schemeClr val="bg1">
+                  <a:lumMod val="75000"/>
+                </a:schemeClr>
+              </a:solidFill>
+            </a:endParaRPr>
+          </a:p>
+          <a:p>
+            <a:pPr algn="ctr"/>
+            <a:r>
+              <a:rPr lang="en-US" altLang="ko-KR" sz="1400" dirty="0">
+                <a:solidFill>
+                  <a:schemeClr val="bg1">
+                    <a:lumMod val="75000"/>
+                  </a:schemeClr>
+                </a:solidFill>
+              </a:rPr>
+              <a:t>X,Y</a:t>
+            </a:r>
+            <a:r>
+              <a:rPr lang="ko-KR" altLang="en-US" sz="1400" dirty="0">
+                <a:solidFill>
+                  <a:schemeClr val="bg1">
+                    <a:lumMod val="75000"/>
+                  </a:schemeClr>
+                </a:solidFill>
+              </a:rPr>
+              <a:t>는 평점</a:t>
+            </a:r>
+            <a:r>
+              <a:rPr lang="en-US" altLang="ko-KR" sz="1400" dirty="0">
+                <a:solidFill>
+                  <a:schemeClr val="bg1">
+                    <a:lumMod val="75000"/>
+                  </a:schemeClr>
+                </a:solidFill>
+              </a:rPr>
+              <a:t>, N</a:t>
+            </a:r>
+            <a:r>
+              <a:rPr lang="ko-KR" altLang="en-US" sz="1400" dirty="0">
+                <a:solidFill>
+                  <a:schemeClr val="bg1">
+                    <a:lumMod val="75000"/>
+                  </a:schemeClr>
+                </a:solidFill>
+              </a:rPr>
+              <a:t>은 두 유저가 모두 평점을 남긴 브랜드의 수 </a:t>
+            </a:r>
+            <a:endParaRPr lang="en-US" altLang="ko-KR" sz="1400" dirty="0">
+              <a:solidFill>
+                <a:schemeClr val="bg1">
+                  <a:lumMod val="75000"/>
+                </a:schemeClr>
+              </a:solidFill>
+            </a:endParaRPr>
+          </a:p>
+          <a:p>
+            <a:pPr algn="ctr"/>
+            <a:endParaRPr lang="ko-KR" altLang="en-US" sz="1400" dirty="0">
+              <a:solidFill>
+                <a:schemeClr val="bg1">
+                  <a:lumMod val="75000"/>
+                </a:schemeClr>
+              </a:solidFill>
+            </a:endParaRPr>
+          </a:p>
+        </p:txBody>
+      </p:sp>
+      <p:sp>
+        <p:nvSpPr>
+          <p:cNvPr id="7" name="직사각형 6">
+            <a:extLst>
+              <a:ext uri="{FF2B5EF4-FFF2-40B4-BE49-F238E27FC236}">
+                <a16:creationId xmlns:a16="http://schemas.microsoft.com/office/drawing/2014/main" id="{324E7127-36CC-4602-A4BB-4DDABA0D6AD1}"/>
               </a:ext>
             </a:extLst>
           </p:cNvPr>
@@ -7911,57 +8794,54 @@
         </p:nvSpPr>
         <p:spPr>
           <a:xfrm>
-            <a:off x="161976" y="5173522"/>
-            <a:ext cx="11868048" cy="954435"/>
-          </a:xfrm>
-          <a:prstGeom prst="wedgeRoundRectCallout">
-            <a:avLst>
-              <a:gd name="adj1" fmla="val -17901"/>
-              <a:gd name="adj2" fmla="val 43135"/>
-              <a:gd name="adj3" fmla="val 16667"/>
-            </a:avLst>
+            <a:off x="923925" y="5877728"/>
+            <a:ext cx="5535598" cy="923330"/>
+          </a:xfrm>
+          <a:prstGeom prst="rect">
+            <a:avLst/>
           </a:prstGeom>
         </p:spPr>
-        <p:style>
-          <a:lnRef idx="0">
-            <a:schemeClr val="dk1"/>
-          </a:lnRef>
-          <a:fillRef idx="3">
-            <a:schemeClr val="dk1"/>
-          </a:fillRef>
-          <a:effectRef idx="3">
-            <a:schemeClr val="dk1"/>
-          </a:effectRef>
-          <a:fontRef idx="minor">
-            <a:schemeClr val="lt1"/>
-          </a:fontRef>
-        </p:style>
-        <p:txBody>
-          <a:bodyPr rtlCol="0" anchor="ctr"/>
+        <p:txBody>
+          <a:bodyPr wrap="square">
+            <a:spAutoFit/>
+          </a:bodyPr>
           <a:lstStyle/>
           <a:p>
-            <a:pPr marL="285750" indent="-285750">
-              <a:lnSpc>
-                <a:spcPct val="150000"/>
-              </a:lnSpc>
-              <a:buFontTx/>
-              <a:buChar char="-"/>
-            </a:pPr>
-            <a:r>
-              <a:rPr kumimoji="1" lang="ko-KR" altLang="en-US" dirty="0"/>
-              <a:t>각 카테고리 루트의 시작</a:t>
-            </a:r>
-            <a:r>
-              <a:rPr kumimoji="1" lang="en-US" altLang="ko-KR" dirty="0"/>
-              <a:t>/</a:t>
-            </a:r>
-            <a:r>
-              <a:rPr kumimoji="1" lang="ko-KR" altLang="en-US" dirty="0"/>
-              <a:t>끝의 최단거리를 계산해서 카테고리 루트들의 순서를 정한다</a:t>
-            </a:r>
-            <a:r>
-              <a:rPr kumimoji="1" lang="en-US" altLang="ko-KR" dirty="0"/>
+            <a:r>
+              <a:rPr lang="en-US" altLang="ko-KR" dirty="0"/>
+              <a:t>3. </a:t>
+            </a:r>
+            <a:r>
+              <a:rPr lang="ko-KR" altLang="en-US" dirty="0"/>
+              <a:t>비슷한 성향의 사람들</a:t>
+            </a:r>
+            <a:r>
+              <a:rPr lang="en-US" altLang="ko-KR" dirty="0"/>
+              <a:t>(</a:t>
+            </a:r>
+            <a:r>
+              <a:rPr lang="ko-KR" altLang="en-US" dirty="0" err="1"/>
+              <a:t>피어슨</a:t>
+            </a:r>
+            <a:r>
+              <a:rPr lang="ko-KR" altLang="en-US" dirty="0"/>
+              <a:t> 유사도 알고리즘을 통해 계산된 바를 바탕으로</a:t>
+            </a:r>
+            <a:r>
+              <a:rPr lang="en-US" altLang="ko-KR" dirty="0"/>
+              <a:t>)</a:t>
+            </a:r>
+            <a:r>
+              <a:rPr lang="ko-KR" altLang="en-US" dirty="0"/>
+              <a:t>이 높게 평가한 브랜드들을 추천</a:t>
+            </a:r>
+            <a:r>
+              <a:rPr lang="en-US" altLang="ko-KR" dirty="0"/>
               <a:t>.</a:t>
+            </a:r>
+            <a:r>
+              <a:rPr lang="ko-KR" altLang="en-US" dirty="0"/>
+              <a:t> </a:t>
             </a:r>
           </a:p>
         </p:txBody>
@@ -7969,7 +8849,7 @@
     </p:spTree>
     <p:extLst>
       <p:ext uri="{BB962C8B-B14F-4D97-AF65-F5344CB8AC3E}">
-        <p14:creationId xmlns:p14="http://schemas.microsoft.com/office/powerpoint/2010/main" val="1920535699"/>
+        <p14:creationId xmlns:p14="http://schemas.microsoft.com/office/powerpoint/2010/main" val="2019792591"/>
       </p:ext>
     </p:extLst>
   </p:cSld>
@@ -7998,70 +8878,149 @@
       </p:grpSpPr>
       <p:sp>
         <p:nvSpPr>
-          <p:cNvPr id="6" name="TextBox 5">
-            <a:extLst>
-              <a:ext uri="{FF2B5EF4-FFF2-40B4-BE49-F238E27FC236}">
-                <a16:creationId xmlns:a16="http://schemas.microsoft.com/office/drawing/2014/main" id="{632091BB-3214-4F56-86EE-49438A4E8031}"/>
-              </a:ext>
-            </a:extLst>
-          </p:cNvPr>
-          <p:cNvSpPr txBox="1"/>
+          <p:cNvPr id="2" name="제목 1"/>
+          <p:cNvSpPr>
+            <a:spLocks noGrp="1"/>
+          </p:cNvSpPr>
+          <p:nvPr>
+            <p:ph type="ctrTitle"/>
+          </p:nvPr>
+        </p:nvSpPr>
+        <p:spPr>
+          <a:xfrm>
+            <a:off x="128221" y="962526"/>
+            <a:ext cx="5003402" cy="1925053"/>
+          </a:xfrm>
+        </p:spPr>
+        <p:txBody>
+          <a:bodyPr>
+            <a:normAutofit/>
+          </a:bodyPr>
+          <a:lstStyle/>
+          <a:p>
+            <a:r>
+              <a:rPr lang="ko-KR" altLang="en-US" sz="4800" dirty="0" err="1"/>
+              <a:t>길찾기</a:t>
+            </a:r>
+            <a:r>
+              <a:rPr lang="ko-KR" altLang="en-US" sz="4800" dirty="0"/>
+              <a:t> 로직 조사 및 결정</a:t>
+            </a:r>
+          </a:p>
+        </p:txBody>
+      </p:sp>
+      <p:pic>
+        <p:nvPicPr>
+          <p:cNvPr id="4" name="그림 3">
+            <a:extLst>
+              <a:ext uri="{FF2B5EF4-FFF2-40B4-BE49-F238E27FC236}">
+                <a16:creationId xmlns:a16="http://schemas.microsoft.com/office/drawing/2014/main" id="{AD7E7772-EC47-4BF9-95F2-EF0077504843}"/>
+              </a:ext>
+            </a:extLst>
+          </p:cNvPr>
+          <p:cNvPicPr>
+            <a:picLocks noChangeAspect="1"/>
+          </p:cNvPicPr>
           <p:nvPr/>
-        </p:nvSpPr>
-        <p:spPr>
-          <a:xfrm>
-            <a:off x="530125" y="520987"/>
-            <a:ext cx="5109883" cy="1754326"/>
+        </p:nvPicPr>
+        <p:blipFill>
+          <a:blip r:embed="rId2">
+            <a:extLst>
+              <a:ext uri="{28A0092B-C50C-407E-A947-70E740481C1C}">
+                <a14:useLocalDpi xmlns:a14="http://schemas.microsoft.com/office/drawing/2010/main" val="0"/>
+              </a:ext>
+            </a:extLst>
+          </a:blip>
+          <a:stretch>
+            <a:fillRect/>
+          </a:stretch>
+        </p:blipFill>
+        <p:spPr>
+          <a:xfrm>
+            <a:off x="5131623" y="685800"/>
+            <a:ext cx="3359791" cy="5599651"/>
           </a:xfrm>
           <a:prstGeom prst="rect">
             <a:avLst/>
           </a:prstGeom>
-          <a:noFill/>
-        </p:spPr>
-        <p:txBody>
-          <a:bodyPr wrap="square" rtlCol="0">
-            <a:spAutoFit/>
-          </a:bodyPr>
-          <a:lstStyle/>
-          <a:p>
-            <a:r>
-              <a:rPr lang="ko-KR" altLang="en-US" dirty="0"/>
-              <a:t>루트 </a:t>
-            </a:r>
-            <a:r>
-              <a:rPr lang="en-US" altLang="ko-KR" dirty="0"/>
-              <a:t>3: </a:t>
-            </a:r>
-            <a:r>
-              <a:rPr lang="ko-KR" altLang="en-US" dirty="0"/>
-              <a:t>커피와 밥이 있는 루트</a:t>
-            </a:r>
-            <a:endParaRPr lang="en-US" altLang="ko-KR" dirty="0"/>
-          </a:p>
-          <a:p>
-            <a:endParaRPr lang="en-US" altLang="ko-KR" dirty="0"/>
-          </a:p>
-          <a:p>
-            <a:endParaRPr lang="en-US" altLang="ko-KR" dirty="0"/>
-          </a:p>
-          <a:p>
-            <a:endParaRPr lang="en-US" altLang="ko-KR" dirty="0"/>
-          </a:p>
-          <a:p>
-            <a:endParaRPr lang="en-US" altLang="ko-KR" dirty="0"/>
-          </a:p>
-          <a:p>
-            <a:r>
-              <a:rPr lang="ko-KR" altLang="en-US" dirty="0"/>
-              <a:t>입력해주세요</a:t>
-            </a:r>
-          </a:p>
-        </p:txBody>
-      </p:sp>
+        </p:spPr>
+      </p:pic>
+      <p:pic>
+        <p:nvPicPr>
+          <p:cNvPr id="5" name="그림 4">
+            <a:extLst>
+              <a:ext uri="{FF2B5EF4-FFF2-40B4-BE49-F238E27FC236}">
+                <a16:creationId xmlns:a16="http://schemas.microsoft.com/office/drawing/2014/main" id="{347DAE88-D87E-6F4D-AE72-FFE6BFA16284}"/>
+              </a:ext>
+            </a:extLst>
+          </p:cNvPr>
+          <p:cNvPicPr>
+            <a:picLocks noChangeAspect="1"/>
+          </p:cNvPicPr>
+          <p:nvPr/>
+        </p:nvPicPr>
+        <p:blipFill>
+          <a:blip r:embed="rId3">
+            <a:extLst>
+              <a:ext uri="{28A0092B-C50C-407E-A947-70E740481C1C}">
+                <a14:useLocalDpi xmlns:a14="http://schemas.microsoft.com/office/drawing/2010/main" val="0"/>
+              </a:ext>
+            </a:extLst>
+          </a:blip>
+          <a:stretch>
+            <a:fillRect/>
+          </a:stretch>
+        </p:blipFill>
+        <p:spPr>
+          <a:xfrm>
+            <a:off x="8646089" y="685800"/>
+            <a:ext cx="3312433" cy="5555590"/>
+          </a:xfrm>
+          <a:prstGeom prst="rect">
+            <a:avLst/>
+          </a:prstGeom>
+        </p:spPr>
+      </p:pic>
+      <p:pic>
+        <p:nvPicPr>
+          <p:cNvPr id="6" name="그림 5">
+            <a:extLst>
+              <a:ext uri="{FF2B5EF4-FFF2-40B4-BE49-F238E27FC236}">
+                <a16:creationId xmlns:a16="http://schemas.microsoft.com/office/drawing/2014/main" id="{1D650387-0F92-4A0D-8D39-C96CC2CF834D}"/>
+              </a:ext>
+            </a:extLst>
+          </p:cNvPr>
+          <p:cNvPicPr>
+            <a:picLocks noChangeAspect="1"/>
+          </p:cNvPicPr>
+          <p:nvPr/>
+        </p:nvPicPr>
+        <p:blipFill>
+          <a:blip r:embed="rId4">
+            <a:extLst>
+              <a:ext uri="{28A0092B-C50C-407E-A947-70E740481C1C}">
+                <a14:useLocalDpi xmlns:a14="http://schemas.microsoft.com/office/drawing/2010/main" val="0"/>
+              </a:ext>
+            </a:extLst>
+          </a:blip>
+          <a:stretch>
+            <a:fillRect/>
+          </a:stretch>
+        </p:blipFill>
+        <p:spPr>
+          <a:xfrm>
+            <a:off x="8641576" y="685801"/>
+            <a:ext cx="3316946" cy="5555590"/>
+          </a:xfrm>
+          <a:prstGeom prst="rect">
+            <a:avLst/>
+          </a:prstGeom>
+        </p:spPr>
+      </p:pic>
     </p:spTree>
     <p:extLst>
       <p:ext uri="{BB962C8B-B14F-4D97-AF65-F5344CB8AC3E}">
-        <p14:creationId xmlns:p14="http://schemas.microsoft.com/office/powerpoint/2010/main" val="307650935"/>
+        <p14:creationId xmlns:p14="http://schemas.microsoft.com/office/powerpoint/2010/main" val="561128130"/>
       </p:ext>
     </p:extLst>
   </p:cSld>
@@ -8102,8 +9061,8 @@
         </p:nvSpPr>
         <p:spPr>
           <a:xfrm>
-            <a:off x="302009" y="485873"/>
-            <a:ext cx="5109883" cy="369332"/>
+            <a:off x="310399" y="476796"/>
+            <a:ext cx="6275121" cy="369332"/>
           </a:xfrm>
           <a:prstGeom prst="rect">
             <a:avLst/>
@@ -8117,16 +9076,16 @@
           <a:lstStyle/>
           <a:p>
             <a:r>
-              <a:rPr lang="ko-KR" altLang="en-US" dirty="0"/>
+              <a:rPr lang="ko-KR" altLang="en-US" b="1" dirty="0"/>
               <a:t>루트 </a:t>
             </a:r>
             <a:r>
-              <a:rPr lang="en-US" altLang="ko-KR" dirty="0"/>
-              <a:t>4: </a:t>
-            </a:r>
-            <a:r>
-              <a:rPr lang="ko-KR" altLang="en-US" dirty="0"/>
-              <a:t>세일만 쏙쏙</a:t>
+              <a:rPr lang="en-US" altLang="ko-KR" b="1" dirty="0"/>
+              <a:t>1: </a:t>
+            </a:r>
+            <a:r>
+              <a:rPr lang="ko-KR" altLang="en-US" b="1" dirty="0"/>
+              <a:t>최단거리</a:t>
             </a:r>
           </a:p>
         </p:txBody>
@@ -8183,7 +9142,7 @@
             </a:pPr>
             <a:r>
               <a:rPr kumimoji="1" lang="ko-KR" altLang="en-US" dirty="0"/>
-              <a:t>사용자가 선택한 카테고리에 해당하는 세일 매장 정보를 가져온다</a:t>
+              <a:t>사용자가 선택한 브랜드를 층별로 분류한다</a:t>
             </a:r>
             <a:r>
               <a:rPr kumimoji="1" lang="en-US" altLang="ko-KR" dirty="0"/>
@@ -8207,12 +9166,12 @@
         <p:spPr>
           <a:xfrm>
             <a:off x="161976" y="3195534"/>
-            <a:ext cx="11868048" cy="1188320"/>
+            <a:ext cx="11868048" cy="2642560"/>
           </a:xfrm>
           <a:prstGeom prst="wedgeRoundRectCallout">
             <a:avLst>
-              <a:gd name="adj1" fmla="val -18790"/>
-              <a:gd name="adj2" fmla="val 47575"/>
+              <a:gd name="adj1" fmla="val -17901"/>
+              <a:gd name="adj2" fmla="val 43135"/>
               <a:gd name="adj3" fmla="val 16667"/>
             </a:avLst>
           </a:prstGeom>
@@ -8244,43 +9203,191 @@
             </a:pPr>
             <a:r>
               <a:rPr kumimoji="1" lang="ko-KR" altLang="en-US" dirty="0"/>
-              <a:t>카테고리별 최단루트</a:t>
-            </a:r>
-            <a:r>
-              <a:rPr kumimoji="1" lang="en-US" altLang="ko-KR" dirty="0"/>
-              <a:t>(</a:t>
-            </a:r>
-            <a:r>
-              <a:rPr kumimoji="1" lang="ko-KR" altLang="en-US" dirty="0"/>
-              <a:t>루트</a:t>
-            </a:r>
-            <a:r>
-              <a:rPr kumimoji="1" lang="en-US" altLang="ko-KR" dirty="0"/>
-              <a:t>1</a:t>
-            </a:r>
-            <a:r>
-              <a:rPr kumimoji="1" lang="ko-KR" altLang="en-US" dirty="0"/>
-              <a:t>과 동일한 방식</a:t>
-            </a:r>
-            <a:r>
-              <a:rPr kumimoji="1" lang="en-US" altLang="ko-KR" dirty="0"/>
-              <a:t>)</a:t>
-            </a:r>
-            <a:r>
-              <a:rPr kumimoji="1" lang="ko-KR" altLang="en-US" dirty="0"/>
-              <a:t>을 계산한다</a:t>
+              <a:t>가장 높은 층부터 최단 경로를 계산한다</a:t>
             </a:r>
             <a:r>
               <a:rPr kumimoji="1" lang="en-US" altLang="ko-KR" dirty="0"/>
               <a:t>.</a:t>
             </a:r>
+          </a:p>
+          <a:p>
+            <a:pPr>
+              <a:lnSpc>
+                <a:spcPct val="150000"/>
+              </a:lnSpc>
+            </a:pPr>
+            <a:r>
+              <a:rPr kumimoji="1" lang="en-US" altLang="ko-KR" dirty="0">
+                <a:sym typeface="Wingdings" panose="05000000000000000000" pitchFamily="2" charset="2"/>
+              </a:rPr>
+              <a:t>     </a:t>
+            </a:r>
+            <a:r>
+              <a:rPr kumimoji="1" lang="ko-KR" altLang="en-US" dirty="0">
+                <a:sym typeface="Wingdings" panose="05000000000000000000" pitchFamily="2" charset="2"/>
+              </a:rPr>
+              <a:t>에스컬레이터</a:t>
+            </a:r>
+            <a:r>
+              <a:rPr kumimoji="1" lang="en-US" altLang="ko-KR" dirty="0">
+                <a:sym typeface="Wingdings" panose="05000000000000000000" pitchFamily="2" charset="2"/>
+              </a:rPr>
+              <a:t>/</a:t>
+            </a:r>
+            <a:r>
+              <a:rPr kumimoji="1" lang="ko-KR" altLang="en-US" dirty="0">
+                <a:sym typeface="Wingdings" panose="05000000000000000000" pitchFamily="2" charset="2"/>
+              </a:rPr>
+              <a:t>엘리베이터</a:t>
+            </a:r>
+            <a:r>
+              <a:rPr kumimoji="1" lang="en-US" altLang="ko-KR" dirty="0">
+                <a:sym typeface="Wingdings" panose="05000000000000000000" pitchFamily="2" charset="2"/>
+              </a:rPr>
+              <a:t>/</a:t>
+            </a:r>
+            <a:r>
+              <a:rPr kumimoji="1" lang="ko-KR" altLang="en-US" dirty="0">
+                <a:sym typeface="Wingdings" panose="05000000000000000000" pitchFamily="2" charset="2"/>
+              </a:rPr>
+              <a:t>계단을 시작점 또는 끝점으로 하는 </a:t>
+            </a:r>
+            <a:r>
+              <a:rPr kumimoji="1" lang="ko-KR" altLang="en-US" dirty="0" err="1">
+                <a:sym typeface="Wingdings" panose="05000000000000000000" pitchFamily="2" charset="2"/>
+              </a:rPr>
+              <a:t>전체쌍</a:t>
+            </a:r>
+            <a:r>
+              <a:rPr kumimoji="1" lang="ko-KR" altLang="en-US" dirty="0">
+                <a:sym typeface="Wingdings" panose="05000000000000000000" pitchFamily="2" charset="2"/>
+              </a:rPr>
+              <a:t> 최단거리를</a:t>
+            </a:r>
+            <a:r>
+              <a:rPr kumimoji="1" lang="en-US" altLang="ko-KR" dirty="0">
+                <a:sym typeface="Wingdings" panose="05000000000000000000" pitchFamily="2" charset="2"/>
+              </a:rPr>
+              <a:t>(</a:t>
+            </a:r>
+            <a:r>
+              <a:rPr kumimoji="1" lang="ko-KR" altLang="en-US" dirty="0" err="1">
+                <a:sym typeface="Wingdings" panose="05000000000000000000" pitchFamily="2" charset="2"/>
+              </a:rPr>
+              <a:t>다익스트라</a:t>
+            </a:r>
+            <a:r>
+              <a:rPr kumimoji="1" lang="en-US" altLang="ko-KR" dirty="0">
+                <a:sym typeface="Wingdings" panose="05000000000000000000" pitchFamily="2" charset="2"/>
+              </a:rPr>
+              <a:t>/</a:t>
+            </a:r>
+            <a:r>
+              <a:rPr kumimoji="1" lang="ko-KR" altLang="en-US" dirty="0" err="1">
+                <a:sym typeface="Wingdings" panose="05000000000000000000" pitchFamily="2" charset="2"/>
+              </a:rPr>
+              <a:t>벨만포드</a:t>
+            </a:r>
+            <a:r>
+              <a:rPr kumimoji="1" lang="en-US" altLang="ko-KR" dirty="0">
+                <a:sym typeface="Wingdings" panose="05000000000000000000" pitchFamily="2" charset="2"/>
+              </a:rPr>
+              <a:t>) </a:t>
+            </a:r>
+            <a:r>
+              <a:rPr kumimoji="1" lang="ko-KR" altLang="en-US" dirty="0">
+                <a:sym typeface="Wingdings" panose="05000000000000000000" pitchFamily="2" charset="2"/>
+              </a:rPr>
+              <a:t>알고리즘으로 구현한다</a:t>
+            </a:r>
+            <a:r>
+              <a:rPr kumimoji="1" lang="en-US" altLang="ko-KR" dirty="0">
+                <a:sym typeface="Wingdings" panose="05000000000000000000" pitchFamily="2" charset="2"/>
+              </a:rPr>
+              <a:t>.</a:t>
+            </a:r>
+          </a:p>
+          <a:p>
+            <a:pPr>
+              <a:lnSpc>
+                <a:spcPct val="150000"/>
+              </a:lnSpc>
+            </a:pPr>
+            <a:r>
+              <a:rPr kumimoji="1" lang="en-US" altLang="ko-KR" dirty="0">
+                <a:sym typeface="Wingdings" panose="05000000000000000000" pitchFamily="2" charset="2"/>
+              </a:rPr>
+              <a:t>     </a:t>
+            </a:r>
+            <a:r>
+              <a:rPr kumimoji="1" lang="ko-KR" altLang="en-US" dirty="0">
+                <a:sym typeface="Wingdings" panose="05000000000000000000" pitchFamily="2" charset="2"/>
+              </a:rPr>
+              <a:t>정해진 시작점 또는 끝점에 해당하는 에스컬레이터</a:t>
+            </a:r>
+            <a:r>
+              <a:rPr kumimoji="1" lang="en-US" altLang="ko-KR" dirty="0">
+                <a:sym typeface="Wingdings" panose="05000000000000000000" pitchFamily="2" charset="2"/>
+              </a:rPr>
+              <a:t>/</a:t>
+            </a:r>
+            <a:r>
+              <a:rPr kumimoji="1" lang="ko-KR" altLang="en-US" dirty="0">
+                <a:sym typeface="Wingdings" panose="05000000000000000000" pitchFamily="2" charset="2"/>
+              </a:rPr>
+              <a:t>엘리베이터</a:t>
+            </a:r>
+            <a:r>
+              <a:rPr kumimoji="1" lang="en-US" altLang="ko-KR" dirty="0">
+                <a:sym typeface="Wingdings" panose="05000000000000000000" pitchFamily="2" charset="2"/>
+              </a:rPr>
+              <a:t>/</a:t>
+            </a:r>
+            <a:r>
+              <a:rPr kumimoji="1" lang="ko-KR" altLang="en-US" dirty="0">
+                <a:sym typeface="Wingdings" panose="05000000000000000000" pitchFamily="2" charset="2"/>
+              </a:rPr>
+              <a:t>계단을 끝점으로 하는 아래층 최단거리 루트를 구한다</a:t>
+            </a:r>
+            <a:r>
+              <a:rPr kumimoji="1" lang="en-US" altLang="ko-KR" dirty="0">
+                <a:sym typeface="Wingdings" panose="05000000000000000000" pitchFamily="2" charset="2"/>
+              </a:rPr>
+              <a:t>.</a:t>
+            </a:r>
+          </a:p>
+          <a:p>
+            <a:pPr>
+              <a:lnSpc>
+                <a:spcPct val="150000"/>
+              </a:lnSpc>
+            </a:pPr>
+            <a:r>
+              <a:rPr kumimoji="1" lang="en-US" altLang="ko-KR" dirty="0">
+                <a:sym typeface="Wingdings" panose="05000000000000000000" pitchFamily="2" charset="2"/>
+              </a:rPr>
+              <a:t>      1</a:t>
+            </a:r>
+            <a:r>
+              <a:rPr kumimoji="1" lang="ko-KR" altLang="en-US" dirty="0">
+                <a:sym typeface="Wingdings" panose="05000000000000000000" pitchFamily="2" charset="2"/>
+              </a:rPr>
+              <a:t>층이 될 때까지 위와 같은 과정을 반복한다</a:t>
+            </a:r>
+            <a:r>
+              <a:rPr kumimoji="1" lang="en-US" altLang="ko-KR" dirty="0">
+                <a:sym typeface="Wingdings" panose="05000000000000000000" pitchFamily="2" charset="2"/>
+              </a:rPr>
+              <a:t>.</a:t>
+            </a:r>
+            <a:endParaRPr kumimoji="1" lang="en-US" altLang="ko-KR" dirty="0"/>
           </a:p>
         </p:txBody>
       </p:sp>
     </p:spTree>
     <p:extLst>
       <p:ext uri="{BB962C8B-B14F-4D97-AF65-F5344CB8AC3E}">
-        <p14:creationId xmlns:p14="http://schemas.microsoft.com/office/powerpoint/2010/main" val="1548493942"/>
+        <p14:creationId xmlns:p14="http://schemas.microsoft.com/office/powerpoint/2010/main" val="4115090045"/>
       </p:ext>
     </p:extLst>
   </p:cSld>
@@ -8309,37 +9416,345 @@
       </p:grpSpPr>
       <p:sp>
         <p:nvSpPr>
-          <p:cNvPr id="2" name="제목 1">
-            <a:extLst>
-              <a:ext uri="{FF2B5EF4-FFF2-40B4-BE49-F238E27FC236}">
-                <a16:creationId xmlns:a16="http://schemas.microsoft.com/office/drawing/2014/main" id="{4564B314-01C4-41C4-B6D3-9A4FFADC0DB1}"/>
-              </a:ext>
-            </a:extLst>
-          </p:cNvPr>
-          <p:cNvSpPr>
-            <a:spLocks noGrp="1"/>
-          </p:cNvSpPr>
-          <p:nvPr>
-            <p:ph type="title"/>
-          </p:nvPr>
-        </p:nvSpPr>
-        <p:spPr/>
-        <p:txBody>
-          <a:bodyPr/>
+          <p:cNvPr id="6" name="TextBox 5">
+            <a:extLst>
+              <a:ext uri="{FF2B5EF4-FFF2-40B4-BE49-F238E27FC236}">
+                <a16:creationId xmlns:a16="http://schemas.microsoft.com/office/drawing/2014/main" id="{632091BB-3214-4F56-86EE-49438A4E8031}"/>
+              </a:ext>
+            </a:extLst>
+          </p:cNvPr>
+          <p:cNvSpPr txBox="1"/>
+          <p:nvPr/>
+        </p:nvSpPr>
+        <p:spPr>
+          <a:xfrm>
+            <a:off x="302009" y="485873"/>
+            <a:ext cx="5109883" cy="369332"/>
+          </a:xfrm>
+          <a:prstGeom prst="rect">
+            <a:avLst/>
+          </a:prstGeom>
+          <a:noFill/>
+        </p:spPr>
+        <p:txBody>
+          <a:bodyPr wrap="square" rtlCol="0">
+            <a:spAutoFit/>
+          </a:bodyPr>
           <a:lstStyle/>
           <a:p>
             <a:r>
-              <a:rPr lang="ko-KR" altLang="en-US" dirty="0"/>
-              <a:t>동선 피드백관련해서 작성하실 </a:t>
-            </a:r>
-            <a:r>
-              <a:rPr lang="ko-KR" altLang="en-US" dirty="0" err="1"/>
-              <a:t>내용있으면</a:t>
-            </a:r>
-            <a:r>
-              <a:rPr lang="ko-KR" altLang="en-US" dirty="0"/>
-              <a:t> 작성해주세요</a:t>
-            </a:r>
+              <a:rPr lang="ko-KR" altLang="en-US" b="1" dirty="0"/>
+              <a:t>루트 </a:t>
+            </a:r>
+            <a:r>
+              <a:rPr lang="en-US" altLang="ko-KR" b="1" dirty="0"/>
+              <a:t>2: </a:t>
+            </a:r>
+            <a:r>
+              <a:rPr lang="ko-KR" altLang="en-US" b="1" dirty="0"/>
+              <a:t>카테고리별 쇼핑</a:t>
+            </a:r>
+          </a:p>
+        </p:txBody>
+      </p:sp>
+      <p:sp>
+        <p:nvSpPr>
+          <p:cNvPr id="9" name="모서리가 둥근 사각형 설명선[R] 10">
+            <a:extLst>
+              <a:ext uri="{FF2B5EF4-FFF2-40B4-BE49-F238E27FC236}">
+                <a16:creationId xmlns:a16="http://schemas.microsoft.com/office/drawing/2014/main" id="{02B5E40B-176F-4C86-9225-2400B5A4E532}"/>
+              </a:ext>
+            </a:extLst>
+          </p:cNvPr>
+          <p:cNvSpPr/>
+          <p:nvPr/>
+        </p:nvSpPr>
+        <p:spPr>
+          <a:xfrm>
+            <a:off x="161976" y="1207260"/>
+            <a:ext cx="11868048" cy="1266887"/>
+          </a:xfrm>
+          <a:prstGeom prst="wedgeRoundRectCallout">
+            <a:avLst>
+              <a:gd name="adj1" fmla="val -17901"/>
+              <a:gd name="adj2" fmla="val 68098"/>
+              <a:gd name="adj3" fmla="val 16667"/>
+            </a:avLst>
+          </a:prstGeom>
+        </p:spPr>
+        <p:style>
+          <a:lnRef idx="0">
+            <a:schemeClr val="dk1"/>
+          </a:lnRef>
+          <a:fillRef idx="3">
+            <a:schemeClr val="dk1"/>
+          </a:fillRef>
+          <a:effectRef idx="3">
+            <a:schemeClr val="dk1"/>
+          </a:effectRef>
+          <a:fontRef idx="minor">
+            <a:schemeClr val="lt1"/>
+          </a:fontRef>
+        </p:style>
+        <p:txBody>
+          <a:bodyPr rtlCol="0" anchor="ctr"/>
+          <a:lstStyle/>
+          <a:p>
+            <a:pPr marL="285750" indent="-285750">
+              <a:lnSpc>
+                <a:spcPct val="150000"/>
+              </a:lnSpc>
+              <a:buFontTx/>
+              <a:buChar char="-"/>
+            </a:pPr>
+            <a:r>
+              <a:rPr kumimoji="1" lang="ko-KR" altLang="en-US" dirty="0"/>
+              <a:t>사용자가 선택한 브랜드를 카테고리별로 분류한다</a:t>
+            </a:r>
+            <a:r>
+              <a:rPr kumimoji="1" lang="en-US" altLang="ko-KR" dirty="0"/>
+              <a:t>.</a:t>
+            </a:r>
+          </a:p>
+        </p:txBody>
+      </p:sp>
+      <p:sp>
+        <p:nvSpPr>
+          <p:cNvPr id="5" name="모서리가 둥근 사각형 설명선[R] 10">
+            <a:extLst>
+              <a:ext uri="{FF2B5EF4-FFF2-40B4-BE49-F238E27FC236}">
+                <a16:creationId xmlns:a16="http://schemas.microsoft.com/office/drawing/2014/main" id="{2482F613-9403-4421-84B6-8ABC61F2D67B}"/>
+              </a:ext>
+            </a:extLst>
+          </p:cNvPr>
+          <p:cNvSpPr/>
+          <p:nvPr/>
+        </p:nvSpPr>
+        <p:spPr>
+          <a:xfrm>
+            <a:off x="161976" y="3195534"/>
+            <a:ext cx="11868048" cy="1188320"/>
+          </a:xfrm>
+          <a:prstGeom prst="wedgeRoundRectCallout">
+            <a:avLst>
+              <a:gd name="adj1" fmla="val -18642"/>
+              <a:gd name="adj2" fmla="val 80130"/>
+              <a:gd name="adj3" fmla="val 16667"/>
+            </a:avLst>
+          </a:prstGeom>
+        </p:spPr>
+        <p:style>
+          <a:lnRef idx="0">
+            <a:schemeClr val="dk1"/>
+          </a:lnRef>
+          <a:fillRef idx="3">
+            <a:schemeClr val="dk1"/>
+          </a:fillRef>
+          <a:effectRef idx="3">
+            <a:schemeClr val="dk1"/>
+          </a:effectRef>
+          <a:fontRef idx="minor">
+            <a:schemeClr val="lt1"/>
+          </a:fontRef>
+        </p:style>
+        <p:txBody>
+          <a:bodyPr rtlCol="0" anchor="ctr"/>
+          <a:lstStyle/>
+          <a:p>
+            <a:pPr marL="285750" indent="-285750">
+              <a:lnSpc>
+                <a:spcPct val="150000"/>
+              </a:lnSpc>
+              <a:buFontTx/>
+              <a:buChar char="-"/>
+            </a:pPr>
+            <a:r>
+              <a:rPr kumimoji="1" lang="ko-KR" altLang="en-US" dirty="0"/>
+              <a:t>카테고리별 최단루트</a:t>
+            </a:r>
+            <a:r>
+              <a:rPr kumimoji="1" lang="en-US" altLang="ko-KR" dirty="0"/>
+              <a:t>(</a:t>
+            </a:r>
+            <a:r>
+              <a:rPr kumimoji="1" lang="ko-KR" altLang="en-US" dirty="0"/>
+              <a:t>루트</a:t>
+            </a:r>
+            <a:r>
+              <a:rPr kumimoji="1" lang="en-US" altLang="ko-KR" dirty="0"/>
+              <a:t>1</a:t>
+            </a:r>
+            <a:r>
+              <a:rPr kumimoji="1" lang="ko-KR" altLang="en-US" dirty="0"/>
+              <a:t>과 동일한 방식</a:t>
+            </a:r>
+            <a:r>
+              <a:rPr kumimoji="1" lang="en-US" altLang="ko-KR" dirty="0"/>
+              <a:t>)</a:t>
+            </a:r>
+            <a:r>
+              <a:rPr kumimoji="1" lang="ko-KR" altLang="en-US" dirty="0"/>
+              <a:t>을 계산한다</a:t>
+            </a:r>
+            <a:r>
+              <a:rPr kumimoji="1" lang="en-US" altLang="ko-KR" dirty="0"/>
+              <a:t>.</a:t>
+            </a:r>
+          </a:p>
+        </p:txBody>
+      </p:sp>
+      <p:sp>
+        <p:nvSpPr>
+          <p:cNvPr id="7" name="모서리가 둥근 사각형 설명선[R] 10">
+            <a:extLst>
+              <a:ext uri="{FF2B5EF4-FFF2-40B4-BE49-F238E27FC236}">
+                <a16:creationId xmlns:a16="http://schemas.microsoft.com/office/drawing/2014/main" id="{B7A93CD4-CBCF-4805-AA0D-EBB97176103E}"/>
+              </a:ext>
+            </a:extLst>
+          </p:cNvPr>
+          <p:cNvSpPr/>
+          <p:nvPr/>
+        </p:nvSpPr>
+        <p:spPr>
+          <a:xfrm>
+            <a:off x="161976" y="5173522"/>
+            <a:ext cx="11868048" cy="954435"/>
+          </a:xfrm>
+          <a:prstGeom prst="wedgeRoundRectCallout">
+            <a:avLst>
+              <a:gd name="adj1" fmla="val -17901"/>
+              <a:gd name="adj2" fmla="val 43135"/>
+              <a:gd name="adj3" fmla="val 16667"/>
+            </a:avLst>
+          </a:prstGeom>
+        </p:spPr>
+        <p:style>
+          <a:lnRef idx="0">
+            <a:schemeClr val="dk1"/>
+          </a:lnRef>
+          <a:fillRef idx="3">
+            <a:schemeClr val="dk1"/>
+          </a:fillRef>
+          <a:effectRef idx="3">
+            <a:schemeClr val="dk1"/>
+          </a:effectRef>
+          <a:fontRef idx="minor">
+            <a:schemeClr val="lt1"/>
+          </a:fontRef>
+        </p:style>
+        <p:txBody>
+          <a:bodyPr rtlCol="0" anchor="ctr"/>
+          <a:lstStyle/>
+          <a:p>
+            <a:pPr marL="285750" indent="-285750">
+              <a:lnSpc>
+                <a:spcPct val="150000"/>
+              </a:lnSpc>
+              <a:buFontTx/>
+              <a:buChar char="-"/>
+            </a:pPr>
+            <a:r>
+              <a:rPr kumimoji="1" lang="ko-KR" altLang="en-US" dirty="0"/>
+              <a:t>각 카테고리 루트의 시작</a:t>
+            </a:r>
+            <a:r>
+              <a:rPr kumimoji="1" lang="en-US" altLang="ko-KR" dirty="0"/>
+              <a:t>/</a:t>
+            </a:r>
+            <a:r>
+              <a:rPr kumimoji="1" lang="ko-KR" altLang="en-US" dirty="0"/>
+              <a:t>끝의 최단거리를 계산해서 카테고리 루트들의 순서를 정한다</a:t>
+            </a:r>
+            <a:r>
+              <a:rPr kumimoji="1" lang="en-US" altLang="ko-KR" dirty="0"/>
+              <a:t>.</a:t>
+            </a:r>
+          </a:p>
+        </p:txBody>
+      </p:sp>
+    </p:spTree>
+    <p:extLst>
+      <p:ext uri="{BB962C8B-B14F-4D97-AF65-F5344CB8AC3E}">
+        <p14:creationId xmlns:p14="http://schemas.microsoft.com/office/powerpoint/2010/main" val="1920535699"/>
+      </p:ext>
+    </p:extLst>
+  </p:cSld>
+  <p:clrMapOvr>
+    <a:masterClrMapping/>
+  </p:clrMapOvr>
+</p:sld>
+</file>
+
+<file path=ppt/slides/slide27.xml><?xml version="1.0" encoding="utf-8"?>
+<p:sld xmlns:a="http://schemas.openxmlformats.org/drawingml/2006/main" xmlns:r="http://schemas.openxmlformats.org/officeDocument/2006/relationships" xmlns:p="http://schemas.openxmlformats.org/presentationml/2006/main">
+  <p:cSld>
+    <p:spTree>
+      <p:nvGrpSpPr>
+        <p:cNvPr id="1" name=""/>
+        <p:cNvGrpSpPr/>
+        <p:nvPr/>
+      </p:nvGrpSpPr>
+      <p:grpSpPr>
+        <a:xfrm>
+          <a:off x="0" y="0"/>
+          <a:ext cx="0" cy="0"/>
+          <a:chOff x="0" y="0"/>
+          <a:chExt cx="0" cy="0"/>
+        </a:xfrm>
+      </p:grpSpPr>
+      <p:sp>
+        <p:nvSpPr>
+          <p:cNvPr id="6" name="TextBox 5">
+            <a:extLst>
+              <a:ext uri="{FF2B5EF4-FFF2-40B4-BE49-F238E27FC236}">
+                <a16:creationId xmlns:a16="http://schemas.microsoft.com/office/drawing/2014/main" id="{632091BB-3214-4F56-86EE-49438A4E8031}"/>
+              </a:ext>
+            </a:extLst>
+          </p:cNvPr>
+          <p:cNvSpPr txBox="1"/>
+          <p:nvPr/>
+        </p:nvSpPr>
+        <p:spPr>
+          <a:xfrm>
+            <a:off x="530125" y="520987"/>
+            <a:ext cx="7312613" cy="1477328"/>
+          </a:xfrm>
+          <a:prstGeom prst="rect">
+            <a:avLst/>
+          </a:prstGeom>
+          <a:noFill/>
+        </p:spPr>
+        <p:txBody>
+          <a:bodyPr wrap="square" rtlCol="0">
+            <a:spAutoFit/>
+          </a:bodyPr>
+          <a:lstStyle/>
+          <a:p>
+            <a:r>
+              <a:rPr lang="ko-KR" altLang="en-US" b="1" dirty="0"/>
+              <a:t>루트 </a:t>
+            </a:r>
+            <a:r>
+              <a:rPr lang="en-US" altLang="ko-KR" b="1" dirty="0"/>
+              <a:t>3: </a:t>
+            </a:r>
+            <a:r>
+              <a:rPr lang="ko-KR" altLang="en-US" b="1" dirty="0"/>
+              <a:t>커피와 밥이 있는 루트</a:t>
+            </a:r>
+            <a:endParaRPr lang="en-US" altLang="ko-KR" b="1" dirty="0"/>
+          </a:p>
+          <a:p>
+            <a:endParaRPr lang="en-US" altLang="ko-KR" dirty="0"/>
+          </a:p>
+          <a:p>
+            <a:endParaRPr lang="en-US" altLang="ko-KR" dirty="0"/>
+          </a:p>
+          <a:p>
+            <a:endParaRPr lang="en-US" altLang="ko-KR" dirty="0"/>
+          </a:p>
+          <a:p>
+            <a:endParaRPr lang="en-US" altLang="ko-KR" dirty="0"/>
           </a:p>
         </p:txBody>
       </p:sp>
@@ -8348,7 +9763,7 @@
           <p:cNvPr id="3" name="내용 개체 틀 2">
             <a:extLst>
               <a:ext uri="{FF2B5EF4-FFF2-40B4-BE49-F238E27FC236}">
-                <a16:creationId xmlns:a16="http://schemas.microsoft.com/office/drawing/2014/main" id="{5B7E618E-DEE5-406D-A3AC-E85BC1872A48}"/>
+                <a16:creationId xmlns:a16="http://schemas.microsoft.com/office/drawing/2014/main" id="{A1549A21-9B76-48A0-B7A4-2AB4825A13D7}"/>
               </a:ext>
             </a:extLst>
           </p:cNvPr>
@@ -8359,19 +9774,477 @@
             <p:ph idx="1"/>
           </p:nvPr>
         </p:nvSpPr>
-        <p:spPr/>
+        <p:spPr>
+          <a:xfrm>
+            <a:off x="838200" y="1825625"/>
+            <a:ext cx="10515600" cy="3149047"/>
+          </a:xfrm>
+        </p:spPr>
         <p:txBody>
           <a:bodyPr/>
           <a:lstStyle/>
           <a:p>
-            <a:endParaRPr lang="ko-KR" altLang="en-US"/>
+            <a:pPr marL="971550" lvl="1" indent="-514350">
+              <a:buFont typeface="+mj-lt"/>
+              <a:buAutoNum type="arabicPeriod"/>
+            </a:pPr>
+            <a:endParaRPr lang="en-US" altLang="ko-KR" sz="1800" dirty="0"/>
+          </a:p>
+          <a:p>
+            <a:endParaRPr lang="en-US" altLang="ko-KR" dirty="0"/>
+          </a:p>
+          <a:p>
+            <a:pPr marL="971550" lvl="1" indent="-514350">
+              <a:buFont typeface="+mj-lt"/>
+              <a:buAutoNum type="arabicPeriod"/>
+            </a:pPr>
+            <a:endParaRPr lang="en-US" altLang="ko-KR" dirty="0"/>
+          </a:p>
+          <a:p>
+            <a:pPr marL="514350" indent="-514350">
+              <a:buFont typeface="+mj-lt"/>
+              <a:buAutoNum type="arabicPeriod"/>
+            </a:pPr>
+            <a:endParaRPr lang="ko-KR" altLang="en-US" dirty="0"/>
+          </a:p>
+        </p:txBody>
+      </p:sp>
+      <p:sp>
+        <p:nvSpPr>
+          <p:cNvPr id="4" name="모서리가 둥근 사각형 설명선[R] 10">
+            <a:extLst>
+              <a:ext uri="{FF2B5EF4-FFF2-40B4-BE49-F238E27FC236}">
+                <a16:creationId xmlns:a16="http://schemas.microsoft.com/office/drawing/2014/main" id="{86064FF3-34E6-4D3C-B4FE-E6ADFBE780E7}"/>
+              </a:ext>
+            </a:extLst>
+          </p:cNvPr>
+          <p:cNvSpPr/>
+          <p:nvPr/>
+        </p:nvSpPr>
+        <p:spPr>
+          <a:xfrm>
+            <a:off x="161976" y="1702021"/>
+            <a:ext cx="11868048" cy="1266887"/>
+          </a:xfrm>
+          <a:prstGeom prst="wedgeRoundRectCallout">
+            <a:avLst>
+              <a:gd name="adj1" fmla="val -18396"/>
+              <a:gd name="adj2" fmla="val 42935"/>
+              <a:gd name="adj3" fmla="val 16667"/>
+            </a:avLst>
+          </a:prstGeom>
+        </p:spPr>
+        <p:style>
+          <a:lnRef idx="0">
+            <a:schemeClr val="dk1"/>
+          </a:lnRef>
+          <a:fillRef idx="3">
+            <a:schemeClr val="dk1"/>
+          </a:fillRef>
+          <a:effectRef idx="3">
+            <a:schemeClr val="dk1"/>
+          </a:effectRef>
+          <a:fontRef idx="minor">
+            <a:schemeClr val="lt1"/>
+          </a:fontRef>
+        </p:style>
+        <p:txBody>
+          <a:bodyPr rtlCol="0" anchor="ctr"/>
+          <a:lstStyle/>
+          <a:p>
+            <a:r>
+              <a:rPr lang="ko-KR" altLang="en-US" dirty="0"/>
+              <a:t>선택된 매장의 개수가 </a:t>
+            </a:r>
+            <a:r>
+              <a:rPr lang="en-US" altLang="ko-KR" dirty="0"/>
+              <a:t>6</a:t>
+            </a:r>
+            <a:r>
+              <a:rPr lang="ko-KR" altLang="en-US" dirty="0"/>
+              <a:t>개 미만인 경우</a:t>
+            </a:r>
+            <a:r>
+              <a:rPr lang="en-US" altLang="ko-KR" dirty="0"/>
+              <a:t>: </a:t>
+            </a:r>
+            <a:r>
+              <a:rPr lang="ko-KR" altLang="en-US" dirty="0"/>
+              <a:t>커피숍만 포함된 루트</a:t>
+            </a:r>
+            <a:endParaRPr lang="en-US" altLang="ko-KR" dirty="0"/>
+          </a:p>
+          <a:p>
+            <a:pPr marL="971550" lvl="1" indent="-514350">
+              <a:buFont typeface="+mj-lt"/>
+              <a:buAutoNum type="arabicPeriod"/>
+            </a:pPr>
+            <a:r>
+              <a:rPr lang="ko-KR" altLang="en-US" dirty="0"/>
+              <a:t>선택된 매장들의 최단거리</a:t>
+            </a:r>
+            <a:r>
+              <a:rPr lang="en-US" altLang="ko-KR" dirty="0"/>
+              <a:t>(</a:t>
+            </a:r>
+            <a:r>
+              <a:rPr lang="ko-KR" altLang="en-US" dirty="0"/>
+              <a:t>루트</a:t>
+            </a:r>
+            <a:r>
+              <a:rPr lang="en-US" altLang="ko-KR" dirty="0"/>
+              <a:t>1</a:t>
+            </a:r>
+            <a:r>
+              <a:rPr lang="ko-KR" altLang="en-US" dirty="0"/>
+              <a:t>과 동일</a:t>
+            </a:r>
+            <a:r>
+              <a:rPr lang="en-US" altLang="ko-KR" dirty="0"/>
+              <a:t>)</a:t>
+            </a:r>
+            <a:r>
+              <a:rPr lang="ko-KR" altLang="en-US" dirty="0"/>
+              <a:t>을 계산한다</a:t>
+            </a:r>
+            <a:r>
+              <a:rPr lang="en-US" altLang="ko-KR" dirty="0"/>
+              <a:t>.</a:t>
+            </a:r>
+          </a:p>
+        </p:txBody>
+      </p:sp>
+      <p:sp>
+        <p:nvSpPr>
+          <p:cNvPr id="5" name="모서리가 둥근 사각형 설명선[R] 10">
+            <a:extLst>
+              <a:ext uri="{FF2B5EF4-FFF2-40B4-BE49-F238E27FC236}">
+                <a16:creationId xmlns:a16="http://schemas.microsoft.com/office/drawing/2014/main" id="{7247AFBE-FE3D-464E-86BA-6486466DC9DD}"/>
+              </a:ext>
+            </a:extLst>
+          </p:cNvPr>
+          <p:cNvSpPr/>
+          <p:nvPr/>
+        </p:nvSpPr>
+        <p:spPr>
+          <a:xfrm>
+            <a:off x="161976" y="3960057"/>
+            <a:ext cx="11868048" cy="1266887"/>
+          </a:xfrm>
+          <a:prstGeom prst="wedgeRoundRectCallout">
+            <a:avLst>
+              <a:gd name="adj1" fmla="val -18396"/>
+              <a:gd name="adj2" fmla="val 42935"/>
+              <a:gd name="adj3" fmla="val 16667"/>
+            </a:avLst>
+          </a:prstGeom>
+        </p:spPr>
+        <p:style>
+          <a:lnRef idx="0">
+            <a:schemeClr val="dk1"/>
+          </a:lnRef>
+          <a:fillRef idx="3">
+            <a:schemeClr val="dk1"/>
+          </a:fillRef>
+          <a:effectRef idx="3">
+            <a:schemeClr val="dk1"/>
+          </a:effectRef>
+          <a:fontRef idx="minor">
+            <a:schemeClr val="lt1"/>
+          </a:fontRef>
+        </p:style>
+        <p:txBody>
+          <a:bodyPr rtlCol="0" anchor="ctr"/>
+          <a:lstStyle/>
+          <a:p>
+            <a:r>
+              <a:rPr lang="ko-KR" altLang="en-US" dirty="0"/>
+              <a:t>선택된 매장의 개수가 </a:t>
+            </a:r>
+            <a:r>
+              <a:rPr lang="en-US" altLang="ko-KR" dirty="0"/>
+              <a:t>6</a:t>
+            </a:r>
+            <a:r>
+              <a:rPr lang="ko-KR" altLang="en-US" dirty="0"/>
+              <a:t>개 이상인 경우</a:t>
+            </a:r>
+            <a:r>
+              <a:rPr lang="en-US" altLang="ko-KR" dirty="0"/>
+              <a:t>:</a:t>
+            </a:r>
+            <a:r>
+              <a:rPr lang="ko-KR" altLang="en-US" dirty="0"/>
+              <a:t> 커피숍과 음식점이 포함된 루트를 제시한다</a:t>
+            </a:r>
+            <a:r>
+              <a:rPr lang="en-US" altLang="ko-KR" dirty="0"/>
+              <a:t>.</a:t>
+            </a:r>
+          </a:p>
+          <a:p>
+            <a:pPr marL="971550" lvl="1" indent="-514350">
+              <a:buFont typeface="+mj-lt"/>
+              <a:buAutoNum type="arabicPeriod"/>
+            </a:pPr>
+            <a:r>
+              <a:rPr lang="ko-KR" altLang="en-US" dirty="0"/>
+              <a:t>선택된 매장들의 최단거리</a:t>
+            </a:r>
+            <a:r>
+              <a:rPr lang="en-US" altLang="ko-KR" dirty="0"/>
+              <a:t>(</a:t>
+            </a:r>
+            <a:r>
+              <a:rPr lang="ko-KR" altLang="en-US" dirty="0"/>
+              <a:t>루트</a:t>
+            </a:r>
+            <a:r>
+              <a:rPr lang="en-US" altLang="ko-KR" dirty="0"/>
+              <a:t>1</a:t>
+            </a:r>
+            <a:r>
+              <a:rPr lang="ko-KR" altLang="en-US" dirty="0"/>
+              <a:t>과 동일</a:t>
+            </a:r>
+            <a:r>
+              <a:rPr lang="en-US" altLang="ko-KR" dirty="0"/>
+              <a:t>)</a:t>
+            </a:r>
+            <a:r>
+              <a:rPr lang="ko-KR" altLang="en-US" dirty="0"/>
+              <a:t>을 계산한다</a:t>
+            </a:r>
+            <a:r>
+              <a:rPr lang="en-US" altLang="ko-KR" dirty="0"/>
+              <a:t>..</a:t>
+            </a:r>
           </a:p>
         </p:txBody>
       </p:sp>
     </p:spTree>
     <p:extLst>
       <p:ext uri="{BB962C8B-B14F-4D97-AF65-F5344CB8AC3E}">
-        <p14:creationId xmlns:p14="http://schemas.microsoft.com/office/powerpoint/2010/main" val="3346674065"/>
+        <p14:creationId xmlns:p14="http://schemas.microsoft.com/office/powerpoint/2010/main" val="307650935"/>
+      </p:ext>
+    </p:extLst>
+  </p:cSld>
+  <p:clrMapOvr>
+    <a:masterClrMapping/>
+  </p:clrMapOvr>
+</p:sld>
+</file>
+
+<file path=ppt/slides/slide28.xml><?xml version="1.0" encoding="utf-8"?>
+<p:sld xmlns:a="http://schemas.openxmlformats.org/drawingml/2006/main" xmlns:r="http://schemas.openxmlformats.org/officeDocument/2006/relationships" xmlns:p="http://schemas.openxmlformats.org/presentationml/2006/main">
+  <p:cSld>
+    <p:spTree>
+      <p:nvGrpSpPr>
+        <p:cNvPr id="1" name=""/>
+        <p:cNvGrpSpPr/>
+        <p:nvPr/>
+      </p:nvGrpSpPr>
+      <p:grpSpPr>
+        <a:xfrm>
+          <a:off x="0" y="0"/>
+          <a:ext cx="0" cy="0"/>
+          <a:chOff x="0" y="0"/>
+          <a:chExt cx="0" cy="0"/>
+        </a:xfrm>
+      </p:grpSpPr>
+      <p:sp>
+        <p:nvSpPr>
+          <p:cNvPr id="6" name="TextBox 5">
+            <a:extLst>
+              <a:ext uri="{FF2B5EF4-FFF2-40B4-BE49-F238E27FC236}">
+                <a16:creationId xmlns:a16="http://schemas.microsoft.com/office/drawing/2014/main" id="{632091BB-3214-4F56-86EE-49438A4E8031}"/>
+              </a:ext>
+            </a:extLst>
+          </p:cNvPr>
+          <p:cNvSpPr txBox="1"/>
+          <p:nvPr/>
+        </p:nvSpPr>
+        <p:spPr>
+          <a:xfrm>
+            <a:off x="302009" y="485873"/>
+            <a:ext cx="5109883" cy="369332"/>
+          </a:xfrm>
+          <a:prstGeom prst="rect">
+            <a:avLst/>
+          </a:prstGeom>
+          <a:noFill/>
+        </p:spPr>
+        <p:txBody>
+          <a:bodyPr wrap="square" rtlCol="0">
+            <a:spAutoFit/>
+          </a:bodyPr>
+          <a:lstStyle/>
+          <a:p>
+            <a:r>
+              <a:rPr lang="ko-KR" altLang="en-US" b="1" dirty="0"/>
+              <a:t>루트 </a:t>
+            </a:r>
+            <a:r>
+              <a:rPr lang="en-US" altLang="ko-KR" b="1" dirty="0"/>
+              <a:t>4: </a:t>
+            </a:r>
+            <a:r>
+              <a:rPr lang="ko-KR" altLang="en-US" b="1" dirty="0"/>
+              <a:t>세일만 쏙쏙</a:t>
+            </a:r>
+          </a:p>
+        </p:txBody>
+      </p:sp>
+      <p:sp>
+        <p:nvSpPr>
+          <p:cNvPr id="9" name="모서리가 둥근 사각형 설명선[R] 10">
+            <a:extLst>
+              <a:ext uri="{FF2B5EF4-FFF2-40B4-BE49-F238E27FC236}">
+                <a16:creationId xmlns:a16="http://schemas.microsoft.com/office/drawing/2014/main" id="{02B5E40B-176F-4C86-9225-2400B5A4E532}"/>
+              </a:ext>
+            </a:extLst>
+          </p:cNvPr>
+          <p:cNvSpPr/>
+          <p:nvPr/>
+        </p:nvSpPr>
+        <p:spPr>
+          <a:xfrm>
+            <a:off x="161976" y="1207260"/>
+            <a:ext cx="11868048" cy="1266887"/>
+          </a:xfrm>
+          <a:prstGeom prst="wedgeRoundRectCallout">
+            <a:avLst>
+              <a:gd name="adj1" fmla="val -17901"/>
+              <a:gd name="adj2" fmla="val 68098"/>
+              <a:gd name="adj3" fmla="val 16667"/>
+            </a:avLst>
+          </a:prstGeom>
+        </p:spPr>
+        <p:style>
+          <a:lnRef idx="0">
+            <a:schemeClr val="dk1"/>
+          </a:lnRef>
+          <a:fillRef idx="3">
+            <a:schemeClr val="dk1"/>
+          </a:fillRef>
+          <a:effectRef idx="3">
+            <a:schemeClr val="dk1"/>
+          </a:effectRef>
+          <a:fontRef idx="minor">
+            <a:schemeClr val="lt1"/>
+          </a:fontRef>
+        </p:style>
+        <p:txBody>
+          <a:bodyPr rtlCol="0" anchor="ctr"/>
+          <a:lstStyle/>
+          <a:p>
+            <a:pPr marL="285750" indent="-285750">
+              <a:lnSpc>
+                <a:spcPct val="150000"/>
+              </a:lnSpc>
+              <a:buFontTx/>
+              <a:buChar char="-"/>
+            </a:pPr>
+            <a:r>
+              <a:rPr kumimoji="1" lang="ko-KR" altLang="en-US" dirty="0"/>
+              <a:t>사용자가 선택한 카테고리에 해당하는 세일 매장 정보를 가져온다</a:t>
+            </a:r>
+            <a:r>
+              <a:rPr kumimoji="1" lang="en-US" altLang="ko-KR" dirty="0"/>
+              <a:t>.</a:t>
+            </a:r>
+          </a:p>
+        </p:txBody>
+      </p:sp>
+      <p:sp>
+        <p:nvSpPr>
+          <p:cNvPr id="5" name="모서리가 둥근 사각형 설명선[R] 10">
+            <a:extLst>
+              <a:ext uri="{FF2B5EF4-FFF2-40B4-BE49-F238E27FC236}">
+                <a16:creationId xmlns:a16="http://schemas.microsoft.com/office/drawing/2014/main" id="{2482F613-9403-4421-84B6-8ABC61F2D67B}"/>
+              </a:ext>
+            </a:extLst>
+          </p:cNvPr>
+          <p:cNvSpPr/>
+          <p:nvPr/>
+        </p:nvSpPr>
+        <p:spPr>
+          <a:xfrm>
+            <a:off x="161976" y="3195534"/>
+            <a:ext cx="11868048" cy="1188320"/>
+          </a:xfrm>
+          <a:prstGeom prst="wedgeRoundRectCallout">
+            <a:avLst>
+              <a:gd name="adj1" fmla="val -18790"/>
+              <a:gd name="adj2" fmla="val 47575"/>
+              <a:gd name="adj3" fmla="val 16667"/>
+            </a:avLst>
+          </a:prstGeom>
+        </p:spPr>
+        <p:style>
+          <a:lnRef idx="0">
+            <a:schemeClr val="dk1"/>
+          </a:lnRef>
+          <a:fillRef idx="3">
+            <a:schemeClr val="dk1"/>
+          </a:fillRef>
+          <a:effectRef idx="3">
+            <a:schemeClr val="dk1"/>
+          </a:effectRef>
+          <a:fontRef idx="minor">
+            <a:schemeClr val="lt1"/>
+          </a:fontRef>
+        </p:style>
+        <p:txBody>
+          <a:bodyPr rtlCol="0" anchor="ctr"/>
+          <a:lstStyle/>
+          <a:p>
+            <a:pPr marL="285750" indent="-285750">
+              <a:lnSpc>
+                <a:spcPct val="150000"/>
+              </a:lnSpc>
+              <a:buFontTx/>
+              <a:buChar char="-"/>
+            </a:pPr>
+            <a:r>
+              <a:rPr kumimoji="1" lang="ko-KR" altLang="en-US" dirty="0"/>
+              <a:t>카테고리별 최단루트</a:t>
+            </a:r>
+            <a:r>
+              <a:rPr kumimoji="1" lang="en-US" altLang="ko-KR" dirty="0"/>
+              <a:t>(</a:t>
+            </a:r>
+            <a:r>
+              <a:rPr kumimoji="1" lang="ko-KR" altLang="en-US" dirty="0"/>
+              <a:t>루트</a:t>
+            </a:r>
+            <a:r>
+              <a:rPr kumimoji="1" lang="en-US" altLang="ko-KR" dirty="0"/>
+              <a:t>1</a:t>
+            </a:r>
+            <a:r>
+              <a:rPr kumimoji="1" lang="ko-KR" altLang="en-US" dirty="0"/>
+              <a:t>과 동일한 방식</a:t>
+            </a:r>
+            <a:r>
+              <a:rPr kumimoji="1" lang="en-US" altLang="ko-KR" dirty="0"/>
+              <a:t>)</a:t>
+            </a:r>
+            <a:r>
+              <a:rPr kumimoji="1" lang="ko-KR" altLang="en-US" dirty="0"/>
+              <a:t>을 계산한다</a:t>
+            </a:r>
+            <a:r>
+              <a:rPr kumimoji="1" lang="en-US" altLang="ko-KR" dirty="0"/>
+              <a:t>.</a:t>
+            </a:r>
+          </a:p>
+        </p:txBody>
+      </p:sp>
+    </p:spTree>
+    <p:extLst>
+      <p:ext uri="{BB962C8B-B14F-4D97-AF65-F5344CB8AC3E}">
+        <p14:creationId xmlns:p14="http://schemas.microsoft.com/office/powerpoint/2010/main" val="1548493942"/>
       </p:ext>
     </p:extLst>
   </p:cSld>
@@ -8485,10 +10358,10 @@
           <a:lstStyle/>
           <a:p>
             <a:r>
-              <a:rPr lang="en-US" altLang="ko-KR" dirty="0"/>
+              <a:rPr lang="en-US" altLang="ko-KR" b="1" dirty="0"/>
               <a:t>1. Boundary Class</a:t>
             </a:r>
-            <a:endParaRPr lang="ko-KR" altLang="en-US" dirty="0"/>
+            <a:endParaRPr lang="ko-KR" altLang="en-US" b="1" dirty="0"/>
           </a:p>
         </p:txBody>
       </p:sp>
@@ -8580,10 +10453,10 @@
           <a:lstStyle/>
           <a:p>
             <a:r>
-              <a:rPr lang="en-US" altLang="ko-KR" dirty="0"/>
+              <a:rPr lang="en-US" altLang="ko-KR" b="1" dirty="0"/>
               <a:t>1. Boundary Class</a:t>
             </a:r>
-            <a:endParaRPr lang="ko-KR" altLang="en-US" dirty="0"/>
+            <a:endParaRPr lang="ko-KR" altLang="en-US" b="1" dirty="0"/>
           </a:p>
         </p:txBody>
       </p:sp>
@@ -8867,10 +10740,10 @@
           <a:lstStyle/>
           <a:p>
             <a:r>
-              <a:rPr lang="en-US" altLang="ko-KR" dirty="0"/>
+              <a:rPr lang="en-US" altLang="ko-KR" b="1" dirty="0"/>
               <a:t>2. Controller Class</a:t>
             </a:r>
-            <a:endParaRPr lang="ko-KR" altLang="en-US" dirty="0"/>
+            <a:endParaRPr lang="ko-KR" altLang="en-US" b="1" dirty="0"/>
           </a:p>
         </p:txBody>
       </p:sp>
@@ -9133,10 +11006,10 @@
           <a:lstStyle/>
           <a:p>
             <a:r>
-              <a:rPr lang="en-US" altLang="ko-KR" dirty="0"/>
+              <a:rPr lang="en-US" altLang="ko-KR" b="1" dirty="0"/>
               <a:t>2. Controller Class</a:t>
             </a:r>
-            <a:endParaRPr lang="ko-KR" altLang="en-US" dirty="0"/>
+            <a:endParaRPr lang="ko-KR" altLang="en-US" b="1" dirty="0"/>
           </a:p>
         </p:txBody>
       </p:sp>
@@ -9374,15 +11247,15 @@
           <a:lstStyle/>
           <a:p>
             <a:r>
-              <a:rPr lang="en-US" altLang="ko-KR" dirty="0"/>
+              <a:rPr lang="en-US" altLang="ko-KR" b="1" dirty="0"/>
               <a:t>3. Entity</a:t>
             </a:r>
             <a:r>
-              <a:rPr lang="ko-KR" altLang="en-US" dirty="0"/>
+              <a:rPr lang="ko-KR" altLang="en-US" b="1" dirty="0"/>
               <a:t> </a:t>
             </a:r>
             <a:r>
-              <a:rPr lang="en-US" altLang="ko-KR" dirty="0"/>
+              <a:rPr lang="en-US" altLang="ko-KR" b="1" dirty="0"/>
               <a:t>Class</a:t>
             </a:r>
           </a:p>
